--- a/Get_It_Done.pptx
+++ b/Get_It_Done.pptx
@@ -6,6 +6,10 @@
   </p:sldMasterIdLst>
   <p:sldIdLst>
     <p:sldId id="256" r:id="rId2"/>
+    <p:sldId id="257" r:id="rId3"/>
+    <p:sldId id="258" r:id="rId4"/>
+    <p:sldId id="259" r:id="rId5"/>
+    <p:sldId id="260" r:id="rId6"/>
   </p:sldIdLst>
   <p:sldSz cx="12192000" cy="6858000"/>
   <p:notesSz cx="6858000" cy="9144000"/>
@@ -104,7 +108,3413 @@
       </a:defRPr>
     </a:lvl9pPr>
   </p:defaultTextStyle>
+  <p:extLst>
+    <p:ext uri="{EFAFB233-063F-42B5-8137-9DF3F51BA10A}">
+      <p15:sldGuideLst xmlns:p15="http://schemas.microsoft.com/office/powerpoint/2012/main"/>
+    </p:ext>
+  </p:extLst>
 </p:presentation>
+</file>
+
+<file path=ppt/diagrams/colors1.xml><?xml version="1.0" encoding="utf-8"?>
+<dgm:colorsDef xmlns:dgm="http://schemas.openxmlformats.org/drawingml/2006/diagram" xmlns:a="http://schemas.openxmlformats.org/drawingml/2006/main" uniqueId="urn:microsoft.com/office/officeart/2018/5/colors/Iconchunking_neutralbg_colorful5">
+  <dgm:title val=""/>
+  <dgm:desc val=""/>
+  <dgm:catLst>
+    <dgm:cat type="colorful" pri="10500"/>
+  </dgm:catLst>
+  <dgm:styleLbl name="node0">
+    <dgm:fillClrLst meth="repeat">
+      <a:schemeClr val="accent4"/>
+    </dgm:fillClrLst>
+    <dgm:linClrLst meth="repeat">
+      <a:schemeClr val="lt1"/>
+    </dgm:linClrLst>
+    <dgm:effectClrLst/>
+    <dgm:txLinClrLst/>
+    <dgm:txFillClrLst/>
+    <dgm:txEffectClrLst/>
+  </dgm:styleLbl>
+  <dgm:styleLbl name="node1">
+    <dgm:fillClrLst>
+      <a:schemeClr val="accent5"/>
+      <a:schemeClr val="accent6"/>
+    </dgm:fillClrLst>
+    <dgm:linClrLst meth="repeat">
+      <a:schemeClr val="lt1">
+        <a:alpha val="0"/>
+      </a:schemeClr>
+    </dgm:linClrLst>
+    <dgm:effectClrLst/>
+    <dgm:txLinClrLst/>
+    <dgm:txFillClrLst/>
+    <dgm:txEffectClrLst/>
+  </dgm:styleLbl>
+  <dgm:styleLbl name="alignNode1">
+    <dgm:fillClrLst>
+      <a:schemeClr val="accent5"/>
+      <a:schemeClr val="accent6"/>
+    </dgm:fillClrLst>
+    <dgm:linClrLst>
+      <a:schemeClr val="accent5"/>
+      <a:schemeClr val="accent6"/>
+    </dgm:linClrLst>
+    <dgm:effectClrLst/>
+    <dgm:txLinClrLst/>
+    <dgm:txFillClrLst/>
+    <dgm:txEffectClrLst/>
+  </dgm:styleLbl>
+  <dgm:styleLbl name="lnNode1">
+    <dgm:fillClrLst>
+      <a:schemeClr val="accent5"/>
+      <a:schemeClr val="accent6"/>
+    </dgm:fillClrLst>
+    <dgm:linClrLst meth="repeat">
+      <a:schemeClr val="lt1"/>
+    </dgm:linClrLst>
+    <dgm:effectClrLst/>
+    <dgm:txLinClrLst/>
+    <dgm:txFillClrLst/>
+    <dgm:txEffectClrLst/>
+  </dgm:styleLbl>
+  <dgm:styleLbl name="vennNode1">
+    <dgm:fillClrLst>
+      <a:schemeClr val="accent5">
+        <a:alpha val="50000"/>
+      </a:schemeClr>
+      <a:schemeClr val="accent6">
+        <a:alpha val="50000"/>
+      </a:schemeClr>
+    </dgm:fillClrLst>
+    <dgm:linClrLst meth="repeat">
+      <a:schemeClr val="lt1"/>
+    </dgm:linClrLst>
+    <dgm:effectClrLst/>
+    <dgm:txLinClrLst/>
+    <dgm:txFillClrLst/>
+    <dgm:txEffectClrLst/>
+  </dgm:styleLbl>
+  <dgm:styleLbl name="node2">
+    <dgm:fillClrLst>
+      <a:schemeClr val="accent6"/>
+    </dgm:fillClrLst>
+    <dgm:linClrLst meth="repeat">
+      <a:schemeClr val="lt1"/>
+    </dgm:linClrLst>
+    <dgm:effectClrLst/>
+    <dgm:txLinClrLst/>
+    <dgm:txFillClrLst/>
+    <dgm:txEffectClrLst/>
+  </dgm:styleLbl>
+  <dgm:styleLbl name="node3">
+    <dgm:fillClrLst>
+      <a:schemeClr val="accent1"/>
+    </dgm:fillClrLst>
+    <dgm:linClrLst meth="repeat">
+      <a:schemeClr val="lt1"/>
+    </dgm:linClrLst>
+    <dgm:effectClrLst/>
+    <dgm:txLinClrLst/>
+    <dgm:txFillClrLst/>
+    <dgm:txEffectClrLst/>
+  </dgm:styleLbl>
+  <dgm:styleLbl name="node4">
+    <dgm:fillClrLst>
+      <a:schemeClr val="accent2"/>
+    </dgm:fillClrLst>
+    <dgm:linClrLst meth="repeat">
+      <a:schemeClr val="lt1"/>
+    </dgm:linClrLst>
+    <dgm:effectClrLst/>
+    <dgm:txLinClrLst/>
+    <dgm:txFillClrLst/>
+    <dgm:txEffectClrLst/>
+  </dgm:styleLbl>
+  <dgm:styleLbl name="fgImgPlace1">
+    <dgm:fillClrLst>
+      <a:schemeClr val="accent5">
+        <a:tint val="50000"/>
+      </a:schemeClr>
+      <a:schemeClr val="accent6">
+        <a:tint val="50000"/>
+      </a:schemeClr>
+    </dgm:fillClrLst>
+    <dgm:linClrLst meth="repeat">
+      <a:schemeClr val="lt1"/>
+    </dgm:linClrLst>
+    <dgm:effectClrLst/>
+    <dgm:txLinClrLst/>
+    <dgm:txFillClrLst meth="repeat">
+      <a:schemeClr val="lt1"/>
+    </dgm:txFillClrLst>
+    <dgm:txEffectClrLst/>
+  </dgm:styleLbl>
+  <dgm:styleLbl name="alignImgPlace1">
+    <dgm:fillClrLst>
+      <a:schemeClr val="accent5">
+        <a:tint val="50000"/>
+      </a:schemeClr>
+      <a:schemeClr val="accent6">
+        <a:tint val="20000"/>
+      </a:schemeClr>
+    </dgm:fillClrLst>
+    <dgm:linClrLst meth="repeat">
+      <a:schemeClr val="lt1"/>
+    </dgm:linClrLst>
+    <dgm:effectClrLst/>
+    <dgm:txLinClrLst/>
+    <dgm:txFillClrLst meth="repeat">
+      <a:schemeClr val="lt1"/>
+    </dgm:txFillClrLst>
+    <dgm:txEffectClrLst/>
+  </dgm:styleLbl>
+  <dgm:styleLbl name="bgImgPlace1">
+    <dgm:fillClrLst>
+      <a:schemeClr val="accent5">
+        <a:tint val="50000"/>
+      </a:schemeClr>
+      <a:schemeClr val="accent6">
+        <a:tint val="20000"/>
+      </a:schemeClr>
+    </dgm:fillClrLst>
+    <dgm:linClrLst meth="repeat">
+      <a:schemeClr val="lt1"/>
+    </dgm:linClrLst>
+    <dgm:effectClrLst/>
+    <dgm:txLinClrLst/>
+    <dgm:txFillClrLst meth="repeat">
+      <a:schemeClr val="lt1"/>
+    </dgm:txFillClrLst>
+    <dgm:txEffectClrLst/>
+  </dgm:styleLbl>
+  <dgm:styleLbl name="sibTrans2D1">
+    <dgm:fillClrLst>
+      <a:schemeClr val="accent5"/>
+      <a:schemeClr val="accent6"/>
+    </dgm:fillClrLst>
+    <dgm:linClrLst meth="repeat">
+      <a:schemeClr val="lt1"/>
+    </dgm:linClrLst>
+    <dgm:effectClrLst/>
+    <dgm:txLinClrLst/>
+    <dgm:txFillClrLst/>
+    <dgm:txEffectClrLst/>
+  </dgm:styleLbl>
+  <dgm:styleLbl name="fgSibTrans2D1">
+    <dgm:fillClrLst>
+      <a:schemeClr val="accent5"/>
+      <a:schemeClr val="accent6"/>
+    </dgm:fillClrLst>
+    <dgm:linClrLst meth="repeat">
+      <a:schemeClr val="lt1"/>
+    </dgm:linClrLst>
+    <dgm:effectClrLst/>
+    <dgm:txLinClrLst/>
+    <dgm:txFillClrLst meth="repeat">
+      <a:schemeClr val="lt1"/>
+    </dgm:txFillClrLst>
+    <dgm:txEffectClrLst/>
+  </dgm:styleLbl>
+  <dgm:styleLbl name="bgSibTrans2D1">
+    <dgm:fillClrLst>
+      <a:schemeClr val="accent5"/>
+      <a:schemeClr val="accent6"/>
+    </dgm:fillClrLst>
+    <dgm:linClrLst meth="repeat">
+      <a:schemeClr val="lt1"/>
+    </dgm:linClrLst>
+    <dgm:effectClrLst/>
+    <dgm:txLinClrLst/>
+    <dgm:txFillClrLst meth="repeat">
+      <a:schemeClr val="lt1"/>
+    </dgm:txFillClrLst>
+    <dgm:txEffectClrLst/>
+  </dgm:styleLbl>
+  <dgm:styleLbl name="sibTrans1D1">
+    <dgm:fillClrLst/>
+    <dgm:linClrLst>
+      <a:schemeClr val="accent5"/>
+      <a:schemeClr val="accent6"/>
+    </dgm:linClrLst>
+    <dgm:effectClrLst/>
+    <dgm:txLinClrLst/>
+    <dgm:txFillClrLst meth="repeat">
+      <a:schemeClr val="tx1"/>
+    </dgm:txFillClrLst>
+    <dgm:txEffectClrLst/>
+  </dgm:styleLbl>
+  <dgm:styleLbl name="callout">
+    <dgm:fillClrLst meth="repeat">
+      <a:schemeClr val="accent5"/>
+    </dgm:fillClrLst>
+    <dgm:linClrLst meth="repeat">
+      <a:schemeClr val="accent5">
+        <a:tint val="50000"/>
+      </a:schemeClr>
+    </dgm:linClrLst>
+    <dgm:effectClrLst/>
+    <dgm:txLinClrLst/>
+    <dgm:txFillClrLst meth="repeat">
+      <a:schemeClr val="tx1"/>
+    </dgm:txFillClrLst>
+    <dgm:txEffectClrLst/>
+  </dgm:styleLbl>
+  <dgm:styleLbl name="asst0">
+    <dgm:fillClrLst meth="repeat">
+      <a:schemeClr val="accent5"/>
+    </dgm:fillClrLst>
+    <dgm:linClrLst meth="repeat">
+      <a:schemeClr val="lt1">
+        <a:shade val="80000"/>
+      </a:schemeClr>
+    </dgm:linClrLst>
+    <dgm:effectClrLst/>
+    <dgm:txLinClrLst/>
+    <dgm:txFillClrLst/>
+    <dgm:txEffectClrLst/>
+  </dgm:styleLbl>
+  <dgm:styleLbl name="asst1">
+    <dgm:fillClrLst meth="repeat">
+      <a:schemeClr val="accent6"/>
+    </dgm:fillClrLst>
+    <dgm:linClrLst meth="repeat">
+      <a:schemeClr val="lt1">
+        <a:shade val="80000"/>
+      </a:schemeClr>
+    </dgm:linClrLst>
+    <dgm:effectClrLst/>
+    <dgm:txLinClrLst/>
+    <dgm:txFillClrLst/>
+    <dgm:txEffectClrLst/>
+  </dgm:styleLbl>
+  <dgm:styleLbl name="asst2">
+    <dgm:fillClrLst>
+      <a:schemeClr val="accent1"/>
+    </dgm:fillClrLst>
+    <dgm:linClrLst meth="repeat">
+      <a:schemeClr val="lt1"/>
+    </dgm:linClrLst>
+    <dgm:effectClrLst/>
+    <dgm:txLinClrLst/>
+    <dgm:txFillClrLst/>
+    <dgm:txEffectClrLst/>
+  </dgm:styleLbl>
+  <dgm:styleLbl name="asst3">
+    <dgm:fillClrLst>
+      <a:schemeClr val="accent2"/>
+    </dgm:fillClrLst>
+    <dgm:linClrLst meth="repeat">
+      <a:schemeClr val="lt1"/>
+    </dgm:linClrLst>
+    <dgm:effectClrLst/>
+    <dgm:txLinClrLst/>
+    <dgm:txFillClrLst/>
+    <dgm:txEffectClrLst/>
+  </dgm:styleLbl>
+  <dgm:styleLbl name="asst4">
+    <dgm:fillClrLst>
+      <a:schemeClr val="accent3"/>
+    </dgm:fillClrLst>
+    <dgm:linClrLst meth="repeat">
+      <a:schemeClr val="lt1"/>
+    </dgm:linClrLst>
+    <dgm:effectClrLst/>
+    <dgm:txLinClrLst/>
+    <dgm:txFillClrLst/>
+    <dgm:txEffectClrLst/>
+  </dgm:styleLbl>
+  <dgm:styleLbl name="parChTrans2D1">
+    <dgm:fillClrLst meth="repeat">
+      <a:schemeClr val="accent5"/>
+    </dgm:fillClrLst>
+    <dgm:linClrLst meth="repeat">
+      <a:schemeClr val="lt1"/>
+    </dgm:linClrLst>
+    <dgm:effectClrLst/>
+    <dgm:txLinClrLst/>
+    <dgm:txFillClrLst meth="repeat">
+      <a:schemeClr val="lt1"/>
+    </dgm:txFillClrLst>
+    <dgm:txEffectClrLst/>
+  </dgm:styleLbl>
+  <dgm:styleLbl name="parChTrans2D2">
+    <dgm:fillClrLst meth="repeat">
+      <a:schemeClr val="accent6"/>
+    </dgm:fillClrLst>
+    <dgm:linClrLst meth="repeat">
+      <a:schemeClr val="lt1"/>
+    </dgm:linClrLst>
+    <dgm:effectClrLst/>
+    <dgm:txLinClrLst/>
+    <dgm:txFillClrLst/>
+    <dgm:txEffectClrLst/>
+  </dgm:styleLbl>
+  <dgm:styleLbl name="parChTrans2D3">
+    <dgm:fillClrLst meth="repeat">
+      <a:schemeClr val="accent6"/>
+    </dgm:fillClrLst>
+    <dgm:linClrLst meth="repeat">
+      <a:schemeClr val="lt1"/>
+    </dgm:linClrLst>
+    <dgm:effectClrLst/>
+    <dgm:txLinClrLst/>
+    <dgm:txFillClrLst/>
+    <dgm:txEffectClrLst/>
+  </dgm:styleLbl>
+  <dgm:styleLbl name="parChTrans2D4">
+    <dgm:fillClrLst meth="repeat">
+      <a:schemeClr val="accent1"/>
+    </dgm:fillClrLst>
+    <dgm:linClrLst meth="repeat">
+      <a:schemeClr val="lt1"/>
+    </dgm:linClrLst>
+    <dgm:effectClrLst/>
+    <dgm:txLinClrLst/>
+    <dgm:txFillClrLst meth="repeat">
+      <a:schemeClr val="lt1"/>
+    </dgm:txFillClrLst>
+    <dgm:txEffectClrLst/>
+  </dgm:styleLbl>
+  <dgm:styleLbl name="parChTrans1D1">
+    <dgm:fillClrLst meth="repeat">
+      <a:schemeClr val="accent5"/>
+    </dgm:fillClrLst>
+    <dgm:linClrLst meth="repeat">
+      <a:schemeClr val="accent5"/>
+    </dgm:linClrLst>
+    <dgm:effectClrLst/>
+    <dgm:txLinClrLst/>
+    <dgm:txFillClrLst meth="repeat">
+      <a:schemeClr val="tx1"/>
+    </dgm:txFillClrLst>
+    <dgm:txEffectClrLst/>
+  </dgm:styleLbl>
+  <dgm:styleLbl name="parChTrans1D2">
+    <dgm:fillClrLst meth="repeat">
+      <a:schemeClr val="accent6">
+        <a:tint val="90000"/>
+      </a:schemeClr>
+    </dgm:fillClrLst>
+    <dgm:linClrLst meth="repeat">
+      <a:schemeClr val="accent6"/>
+    </dgm:linClrLst>
+    <dgm:effectClrLst/>
+    <dgm:txLinClrLst/>
+    <dgm:txFillClrLst meth="repeat">
+      <a:schemeClr val="tx1"/>
+    </dgm:txFillClrLst>
+    <dgm:txEffectClrLst/>
+  </dgm:styleLbl>
+  <dgm:styleLbl name="parChTrans1D3">
+    <dgm:fillClrLst meth="repeat">
+      <a:schemeClr val="accent6">
+        <a:tint val="70000"/>
+      </a:schemeClr>
+    </dgm:fillClrLst>
+    <dgm:linClrLst meth="repeat">
+      <a:schemeClr val="accent1"/>
+    </dgm:linClrLst>
+    <dgm:effectClrLst/>
+    <dgm:txLinClrLst/>
+    <dgm:txFillClrLst meth="repeat">
+      <a:schemeClr val="tx1"/>
+    </dgm:txFillClrLst>
+    <dgm:txEffectClrLst/>
+  </dgm:styleLbl>
+  <dgm:styleLbl name="parChTrans1D4">
+    <dgm:fillClrLst meth="repeat">
+      <a:schemeClr val="accent6">
+        <a:tint val="50000"/>
+      </a:schemeClr>
+    </dgm:fillClrLst>
+    <dgm:linClrLst meth="repeat">
+      <a:schemeClr val="accent2"/>
+    </dgm:linClrLst>
+    <dgm:effectClrLst/>
+    <dgm:txLinClrLst/>
+    <dgm:txFillClrLst meth="repeat">
+      <a:schemeClr val="tx1"/>
+    </dgm:txFillClrLst>
+    <dgm:txEffectClrLst/>
+  </dgm:styleLbl>
+  <dgm:styleLbl name="fgAcc1">
+    <dgm:fillClrLst meth="repeat">
+      <a:schemeClr val="lt1">
+        <a:alpha val="90000"/>
+      </a:schemeClr>
+    </dgm:fillClrLst>
+    <dgm:linClrLst>
+      <a:schemeClr val="accent5"/>
+      <a:schemeClr val="accent6"/>
+    </dgm:linClrLst>
+    <dgm:effectClrLst/>
+    <dgm:txLinClrLst/>
+    <dgm:txFillClrLst meth="repeat">
+      <a:schemeClr val="dk1"/>
+    </dgm:txFillClrLst>
+    <dgm:txEffectClrLst/>
+  </dgm:styleLbl>
+  <dgm:styleLbl name="conFgAcc1">
+    <dgm:fillClrLst meth="repeat">
+      <a:schemeClr val="lt1">
+        <a:alpha val="90000"/>
+      </a:schemeClr>
+    </dgm:fillClrLst>
+    <dgm:linClrLst>
+      <a:schemeClr val="accent5"/>
+      <a:schemeClr val="accent6"/>
+    </dgm:linClrLst>
+    <dgm:effectClrLst/>
+    <dgm:txLinClrLst/>
+    <dgm:txFillClrLst meth="repeat">
+      <a:schemeClr val="dk1"/>
+    </dgm:txFillClrLst>
+    <dgm:txEffectClrLst/>
+  </dgm:styleLbl>
+  <dgm:styleLbl name="alignAcc1">
+    <dgm:fillClrLst meth="repeat">
+      <a:schemeClr val="lt1">
+        <a:alpha val="90000"/>
+      </a:schemeClr>
+    </dgm:fillClrLst>
+    <dgm:linClrLst>
+      <a:schemeClr val="accent5"/>
+      <a:schemeClr val="accent6"/>
+    </dgm:linClrLst>
+    <dgm:effectClrLst/>
+    <dgm:txLinClrLst/>
+    <dgm:txFillClrLst meth="repeat">
+      <a:schemeClr val="dk1"/>
+    </dgm:txFillClrLst>
+    <dgm:txEffectClrLst/>
+  </dgm:styleLbl>
+  <dgm:styleLbl name="trAlignAcc1">
+    <dgm:fillClrLst meth="repeat">
+      <a:schemeClr val="lt1">
+        <a:alpha val="40000"/>
+      </a:schemeClr>
+    </dgm:fillClrLst>
+    <dgm:linClrLst meth="repeat">
+      <a:schemeClr val="accent5"/>
+    </dgm:linClrLst>
+    <dgm:effectClrLst/>
+    <dgm:txLinClrLst/>
+    <dgm:txFillClrLst meth="repeat">
+      <a:schemeClr val="dk1"/>
+    </dgm:txFillClrLst>
+    <dgm:txEffectClrLst/>
+  </dgm:styleLbl>
+  <dgm:styleLbl name="bgAcc1">
+    <dgm:fillClrLst meth="repeat">
+      <a:schemeClr val="lt1">
+        <a:alpha val="90000"/>
+      </a:schemeClr>
+    </dgm:fillClrLst>
+    <dgm:linClrLst>
+      <a:schemeClr val="accent5"/>
+      <a:schemeClr val="accent6"/>
+    </dgm:linClrLst>
+    <dgm:effectClrLst/>
+    <dgm:txLinClrLst/>
+    <dgm:txFillClrLst meth="repeat">
+      <a:schemeClr val="dk1"/>
+    </dgm:txFillClrLst>
+    <dgm:txEffectClrLst/>
+  </dgm:styleLbl>
+  <dgm:styleLbl name="solidFgAcc1">
+    <dgm:fillClrLst meth="repeat">
+      <a:schemeClr val="lt1"/>
+    </dgm:fillClrLst>
+    <dgm:linClrLst>
+      <a:schemeClr val="accent5"/>
+      <a:schemeClr val="accent6"/>
+    </dgm:linClrLst>
+    <dgm:effectClrLst/>
+    <dgm:txLinClrLst/>
+    <dgm:txFillClrLst meth="repeat">
+      <a:schemeClr val="dk1"/>
+    </dgm:txFillClrLst>
+    <dgm:txEffectClrLst/>
+  </dgm:styleLbl>
+  <dgm:styleLbl name="solidAlignAcc1">
+    <dgm:fillClrLst meth="repeat">
+      <a:schemeClr val="lt1"/>
+    </dgm:fillClrLst>
+    <dgm:linClrLst>
+      <a:schemeClr val="accent5"/>
+      <a:schemeClr val="accent6"/>
+    </dgm:linClrLst>
+    <dgm:effectClrLst/>
+    <dgm:txLinClrLst/>
+    <dgm:txFillClrLst meth="repeat">
+      <a:schemeClr val="dk1"/>
+    </dgm:txFillClrLst>
+    <dgm:txEffectClrLst/>
+  </dgm:styleLbl>
+  <dgm:styleLbl name="solidBgAcc1">
+    <dgm:fillClrLst meth="repeat">
+      <a:schemeClr val="lt1"/>
+    </dgm:fillClrLst>
+    <dgm:linClrLst>
+      <a:schemeClr val="accent5"/>
+      <a:schemeClr val="accent6"/>
+    </dgm:linClrLst>
+    <dgm:effectClrLst/>
+    <dgm:txLinClrLst/>
+    <dgm:txFillClrLst meth="repeat">
+      <a:schemeClr val="dk1"/>
+    </dgm:txFillClrLst>
+    <dgm:txEffectClrLst/>
+  </dgm:styleLbl>
+  <dgm:styleLbl name="fgAccFollowNode1">
+    <dgm:fillClrLst>
+      <a:schemeClr val="accent5">
+        <a:tint val="40000"/>
+        <a:alpha val="90000"/>
+      </a:schemeClr>
+      <a:schemeClr val="accent6">
+        <a:tint val="40000"/>
+        <a:alpha val="90000"/>
+      </a:schemeClr>
+    </dgm:fillClrLst>
+    <dgm:linClrLst>
+      <a:schemeClr val="accent5">
+        <a:tint val="40000"/>
+        <a:alpha val="90000"/>
+      </a:schemeClr>
+      <a:schemeClr val="accent5">
+        <a:tint val="40000"/>
+        <a:alpha val="90000"/>
+      </a:schemeClr>
+    </dgm:linClrLst>
+    <dgm:effectClrLst/>
+    <dgm:txLinClrLst/>
+    <dgm:txFillClrLst meth="repeat">
+      <a:schemeClr val="dk1"/>
+    </dgm:txFillClrLst>
+    <dgm:txEffectClrLst/>
+  </dgm:styleLbl>
+  <dgm:styleLbl name="alignAccFollowNode1">
+    <dgm:fillClrLst>
+      <a:schemeClr val="accent5">
+        <a:tint val="40000"/>
+        <a:alpha val="90000"/>
+      </a:schemeClr>
+      <a:schemeClr val="accent6">
+        <a:tint val="40000"/>
+        <a:alpha val="90000"/>
+      </a:schemeClr>
+    </dgm:fillClrLst>
+    <dgm:linClrLst>
+      <a:schemeClr val="accent5">
+        <a:tint val="40000"/>
+        <a:alpha val="90000"/>
+      </a:schemeClr>
+      <a:schemeClr val="accent6">
+        <a:tint val="40000"/>
+        <a:alpha val="90000"/>
+      </a:schemeClr>
+    </dgm:linClrLst>
+    <dgm:effectClrLst/>
+    <dgm:txLinClrLst/>
+    <dgm:txFillClrLst meth="repeat">
+      <a:schemeClr val="dk1"/>
+    </dgm:txFillClrLst>
+    <dgm:txEffectClrLst/>
+  </dgm:styleLbl>
+  <dgm:styleLbl name="bgAccFollowNode1">
+    <dgm:fillClrLst>
+      <a:schemeClr val="accent5">
+        <a:tint val="40000"/>
+        <a:alpha val="90000"/>
+      </a:schemeClr>
+      <a:schemeClr val="accent6">
+        <a:tint val="40000"/>
+        <a:alpha val="90000"/>
+      </a:schemeClr>
+    </dgm:fillClrLst>
+    <dgm:linClrLst>
+      <a:schemeClr val="accent5">
+        <a:tint val="40000"/>
+        <a:alpha val="90000"/>
+      </a:schemeClr>
+      <a:schemeClr val="accent6">
+        <a:tint val="40000"/>
+        <a:alpha val="90000"/>
+      </a:schemeClr>
+    </dgm:linClrLst>
+    <dgm:effectClrLst/>
+    <dgm:txLinClrLst/>
+    <dgm:txFillClrLst meth="repeat">
+      <a:schemeClr val="dk1"/>
+    </dgm:txFillClrLst>
+    <dgm:txEffectClrLst/>
+  </dgm:styleLbl>
+  <dgm:styleLbl name="fgAcc0">
+    <dgm:fillClrLst meth="repeat">
+      <a:schemeClr val="lt1">
+        <a:alpha val="90000"/>
+      </a:schemeClr>
+    </dgm:fillClrLst>
+    <dgm:linClrLst>
+      <a:schemeClr val="accent4"/>
+    </dgm:linClrLst>
+    <dgm:effectClrLst/>
+    <dgm:txLinClrLst/>
+    <dgm:txFillClrLst meth="repeat">
+      <a:schemeClr val="dk1"/>
+    </dgm:txFillClrLst>
+    <dgm:txEffectClrLst/>
+  </dgm:styleLbl>
+  <dgm:styleLbl name="fgAcc2">
+    <dgm:fillClrLst meth="repeat">
+      <a:schemeClr val="lt1">
+        <a:alpha val="90000"/>
+      </a:schemeClr>
+    </dgm:fillClrLst>
+    <dgm:linClrLst>
+      <a:schemeClr val="accent6"/>
+    </dgm:linClrLst>
+    <dgm:effectClrLst/>
+    <dgm:txLinClrLst/>
+    <dgm:txFillClrLst meth="repeat">
+      <a:schemeClr val="dk1"/>
+    </dgm:txFillClrLst>
+    <dgm:txEffectClrLst/>
+  </dgm:styleLbl>
+  <dgm:styleLbl name="fgAcc3">
+    <dgm:fillClrLst meth="repeat">
+      <a:schemeClr val="lt1">
+        <a:alpha val="90000"/>
+      </a:schemeClr>
+    </dgm:fillClrLst>
+    <dgm:linClrLst>
+      <a:schemeClr val="accent1"/>
+    </dgm:linClrLst>
+    <dgm:effectClrLst/>
+    <dgm:txLinClrLst/>
+    <dgm:txFillClrLst meth="repeat">
+      <a:schemeClr val="dk1"/>
+    </dgm:txFillClrLst>
+    <dgm:txEffectClrLst/>
+  </dgm:styleLbl>
+  <dgm:styleLbl name="fgAcc4">
+    <dgm:fillClrLst meth="repeat">
+      <a:schemeClr val="lt1">
+        <a:alpha val="90000"/>
+      </a:schemeClr>
+    </dgm:fillClrLst>
+    <dgm:linClrLst>
+      <a:schemeClr val="accent2"/>
+    </dgm:linClrLst>
+    <dgm:effectClrLst/>
+    <dgm:txLinClrLst/>
+    <dgm:txFillClrLst meth="repeat">
+      <a:schemeClr val="dk1"/>
+    </dgm:txFillClrLst>
+    <dgm:txEffectClrLst/>
+  </dgm:styleLbl>
+  <dgm:styleLbl name="bgShp">
+    <dgm:fillClrLst meth="repeat">
+      <a:schemeClr val="bg1">
+        <a:lumMod val="95000"/>
+      </a:schemeClr>
+    </dgm:fillClrLst>
+    <dgm:linClrLst meth="repeat">
+      <a:schemeClr val="dk1"/>
+    </dgm:linClrLst>
+    <dgm:effectClrLst/>
+    <dgm:txLinClrLst/>
+    <dgm:txFillClrLst meth="repeat">
+      <a:schemeClr val="dk1"/>
+    </dgm:txFillClrLst>
+    <dgm:txEffectClrLst/>
+  </dgm:styleLbl>
+  <dgm:styleLbl name="dkBgShp">
+    <dgm:fillClrLst meth="repeat">
+      <a:schemeClr val="accent5">
+        <a:shade val="90000"/>
+      </a:schemeClr>
+    </dgm:fillClrLst>
+    <dgm:linClrLst meth="repeat">
+      <a:schemeClr val="dk1"/>
+    </dgm:linClrLst>
+    <dgm:effectClrLst/>
+    <dgm:txLinClrLst/>
+    <dgm:txFillClrLst meth="repeat">
+      <a:schemeClr val="lt1"/>
+    </dgm:txFillClrLst>
+    <dgm:txEffectClrLst/>
+  </dgm:styleLbl>
+  <dgm:styleLbl name="trBgShp">
+    <dgm:fillClrLst meth="repeat">
+      <a:schemeClr val="accent5">
+        <a:tint val="50000"/>
+        <a:alpha val="40000"/>
+      </a:schemeClr>
+    </dgm:fillClrLst>
+    <dgm:linClrLst meth="repeat">
+      <a:schemeClr val="accent5"/>
+    </dgm:linClrLst>
+    <dgm:effectClrLst/>
+    <dgm:txLinClrLst/>
+    <dgm:txFillClrLst meth="repeat">
+      <a:schemeClr val="lt1"/>
+    </dgm:txFillClrLst>
+    <dgm:txEffectClrLst/>
+  </dgm:styleLbl>
+  <dgm:styleLbl name="fgShp">
+    <dgm:fillClrLst meth="repeat">
+      <a:schemeClr val="accent5">
+        <a:tint val="40000"/>
+      </a:schemeClr>
+    </dgm:fillClrLst>
+    <dgm:linClrLst meth="repeat">
+      <a:schemeClr val="lt1"/>
+    </dgm:linClrLst>
+    <dgm:effectClrLst/>
+    <dgm:txLinClrLst/>
+    <dgm:txFillClrLst meth="repeat">
+      <a:schemeClr val="dk1"/>
+    </dgm:txFillClrLst>
+    <dgm:txEffectClrLst/>
+  </dgm:styleLbl>
+  <dgm:styleLbl name="revTx">
+    <dgm:fillClrLst meth="repeat">
+      <a:schemeClr val="lt1">
+        <a:alpha val="0"/>
+      </a:schemeClr>
+    </dgm:fillClrLst>
+    <dgm:linClrLst meth="repeat">
+      <a:schemeClr val="dk1">
+        <a:alpha val="0"/>
+      </a:schemeClr>
+    </dgm:linClrLst>
+    <dgm:effectClrLst/>
+    <dgm:txLinClrLst/>
+    <dgm:txFillClrLst meth="repeat">
+      <a:schemeClr val="tx1"/>
+    </dgm:txFillClrLst>
+    <dgm:txEffectClrLst/>
+  </dgm:styleLbl>
+</dgm:colorsDef>
+</file>
+
+<file path=ppt/diagrams/data1.xml><?xml version="1.0" encoding="utf-8"?>
+<dgm:dataModel xmlns:dgm="http://schemas.openxmlformats.org/drawingml/2006/diagram" xmlns:a="http://schemas.openxmlformats.org/drawingml/2006/main">
+  <dgm:ptLst>
+    <dgm:pt modelId="{0B240E91-E60E-4EDB-BE2A-5C88A67233B9}" type="doc">
+      <dgm:prSet loTypeId="urn:microsoft.com/office/officeart/2018/2/layout/IconVerticalSolidList" loCatId="icon" qsTypeId="urn:microsoft.com/office/officeart/2005/8/quickstyle/simple1" qsCatId="simple" csTypeId="urn:microsoft.com/office/officeart/2018/5/colors/Iconchunking_neutralbg_colorful5" csCatId="colorful" phldr="1"/>
+      <dgm:spPr/>
+      <dgm:t>
+        <a:bodyPr/>
+        <a:lstStyle/>
+        <a:p>
+          <a:endParaRPr lang="en-US"/>
+        </a:p>
+      </dgm:t>
+    </dgm:pt>
+    <dgm:pt modelId="{30793F78-8CEF-460C-B000-AFFD1DB7B139}">
+      <dgm:prSet/>
+      <dgm:spPr/>
+      <dgm:t>
+        <a:bodyPr/>
+        <a:lstStyle/>
+        <a:p>
+          <a:r>
+            <a:rPr lang="en-US"/>
+            <a:t>Add and complete tasks</a:t>
+          </a:r>
+        </a:p>
+      </dgm:t>
+    </dgm:pt>
+    <dgm:pt modelId="{397E4051-7605-47F5-AA3F-6FE07A88E3E2}" type="parTrans" cxnId="{C8E8C18C-3D27-403C-9A57-16E259D184E8}">
+      <dgm:prSet/>
+      <dgm:spPr/>
+      <dgm:t>
+        <a:bodyPr/>
+        <a:lstStyle/>
+        <a:p>
+          <a:endParaRPr lang="en-US"/>
+        </a:p>
+      </dgm:t>
+    </dgm:pt>
+    <dgm:pt modelId="{2D74ECC9-3399-43DB-8C1D-253FF5064FF6}" type="sibTrans" cxnId="{C8E8C18C-3D27-403C-9A57-16E259D184E8}">
+      <dgm:prSet/>
+      <dgm:spPr/>
+      <dgm:t>
+        <a:bodyPr/>
+        <a:lstStyle/>
+        <a:p>
+          <a:endParaRPr lang="en-US"/>
+        </a:p>
+      </dgm:t>
+    </dgm:pt>
+    <dgm:pt modelId="{36677872-3861-4939-B8E8-E96925373EB1}">
+      <dgm:prSet/>
+      <dgm:spPr/>
+      <dgm:t>
+        <a:bodyPr/>
+        <a:lstStyle/>
+        <a:p>
+          <a:r>
+            <a:rPr lang="en-US"/>
+            <a:t>Motivational popups appear randomly</a:t>
+          </a:r>
+        </a:p>
+      </dgm:t>
+    </dgm:pt>
+    <dgm:pt modelId="{E60108DF-DED8-48F6-8F29-5403BBA31FE2}" type="parTrans" cxnId="{7DDA1E47-AB81-44EE-B8C8-B8BDCCA77401}">
+      <dgm:prSet/>
+      <dgm:spPr/>
+      <dgm:t>
+        <a:bodyPr/>
+        <a:lstStyle/>
+        <a:p>
+          <a:endParaRPr lang="en-US"/>
+        </a:p>
+      </dgm:t>
+    </dgm:pt>
+    <dgm:pt modelId="{5A0F6238-3B45-482E-870B-FFC972B3545F}" type="sibTrans" cxnId="{7DDA1E47-AB81-44EE-B8C8-B8BDCCA77401}">
+      <dgm:prSet/>
+      <dgm:spPr/>
+      <dgm:t>
+        <a:bodyPr/>
+        <a:lstStyle/>
+        <a:p>
+          <a:endParaRPr lang="en-US"/>
+        </a:p>
+      </dgm:t>
+    </dgm:pt>
+    <dgm:pt modelId="{32119BAC-0FBA-4C8D-BD14-76EB61F7C444}">
+      <dgm:prSet/>
+      <dgm:spPr/>
+      <dgm:t>
+        <a:bodyPr/>
+        <a:lstStyle/>
+        <a:p>
+          <a:r>
+            <a:rPr lang="en-US"/>
+            <a:t>Progress updates automatically</a:t>
+          </a:r>
+        </a:p>
+      </dgm:t>
+    </dgm:pt>
+    <dgm:pt modelId="{49C9F57B-B0D6-4A52-A560-3787ECFB8440}" type="parTrans" cxnId="{98797094-7F7B-404B-BEA8-A433548A3219}">
+      <dgm:prSet/>
+      <dgm:spPr/>
+      <dgm:t>
+        <a:bodyPr/>
+        <a:lstStyle/>
+        <a:p>
+          <a:endParaRPr lang="en-US"/>
+        </a:p>
+      </dgm:t>
+    </dgm:pt>
+    <dgm:pt modelId="{47412781-B43E-42E6-A5D8-CE05D95834F6}" type="sibTrans" cxnId="{98797094-7F7B-404B-BEA8-A433548A3219}">
+      <dgm:prSet/>
+      <dgm:spPr/>
+      <dgm:t>
+        <a:bodyPr/>
+        <a:lstStyle/>
+        <a:p>
+          <a:endParaRPr lang="en-US"/>
+        </a:p>
+      </dgm:t>
+    </dgm:pt>
+    <dgm:pt modelId="{87B87CF1-0E81-4704-9A6D-86F3A00F4120}">
+      <dgm:prSet/>
+      <dgm:spPr/>
+      <dgm:t>
+        <a:bodyPr/>
+        <a:lstStyle/>
+        <a:p>
+          <a:r>
+            <a:rPr lang="en-US"/>
+            <a:t>Save, load tasks, and set color themes</a:t>
+          </a:r>
+        </a:p>
+      </dgm:t>
+    </dgm:pt>
+    <dgm:pt modelId="{0D51232A-D4DE-4147-BFDE-533A965D8DEF}" type="parTrans" cxnId="{273942CC-A4B8-4A0C-ACDD-D7775B41516E}">
+      <dgm:prSet/>
+      <dgm:spPr/>
+      <dgm:t>
+        <a:bodyPr/>
+        <a:lstStyle/>
+        <a:p>
+          <a:endParaRPr lang="en-US"/>
+        </a:p>
+      </dgm:t>
+    </dgm:pt>
+    <dgm:pt modelId="{C18C1FD0-658E-4EE6-A8CC-0CCB50CFBBBC}" type="sibTrans" cxnId="{273942CC-A4B8-4A0C-ACDD-D7775B41516E}">
+      <dgm:prSet/>
+      <dgm:spPr/>
+      <dgm:t>
+        <a:bodyPr/>
+        <a:lstStyle/>
+        <a:p>
+          <a:endParaRPr lang="en-US"/>
+        </a:p>
+      </dgm:t>
+    </dgm:pt>
+    <dgm:pt modelId="{37B1F601-C562-48D7-8E9F-1A12AF84D185}">
+      <dgm:prSet/>
+      <dgm:spPr/>
+      <dgm:t>
+        <a:bodyPr/>
+        <a:lstStyle/>
+        <a:p>
+          <a:r>
+            <a:rPr lang="en-US"/>
+            <a:t>(Screen share the app live here)</a:t>
+          </a:r>
+        </a:p>
+      </dgm:t>
+    </dgm:pt>
+    <dgm:pt modelId="{3EBAB693-12DF-4051-9F77-7D7F3A9DA6C4}" type="parTrans" cxnId="{B1290507-C9FF-4036-89B4-6DF9EF7AED81}">
+      <dgm:prSet/>
+      <dgm:spPr/>
+      <dgm:t>
+        <a:bodyPr/>
+        <a:lstStyle/>
+        <a:p>
+          <a:endParaRPr lang="en-US"/>
+        </a:p>
+      </dgm:t>
+    </dgm:pt>
+    <dgm:pt modelId="{84AC0789-3A37-4EA4-8466-8A1DEF8B5957}" type="sibTrans" cxnId="{B1290507-C9FF-4036-89B4-6DF9EF7AED81}">
+      <dgm:prSet/>
+      <dgm:spPr/>
+      <dgm:t>
+        <a:bodyPr/>
+        <a:lstStyle/>
+        <a:p>
+          <a:endParaRPr lang="en-US"/>
+        </a:p>
+      </dgm:t>
+    </dgm:pt>
+    <dgm:pt modelId="{EA28FD43-A54B-4FAC-A4FE-00A352360EFD}" type="pres">
+      <dgm:prSet presAssocID="{0B240E91-E60E-4EDB-BE2A-5C88A67233B9}" presName="root" presStyleCnt="0">
+        <dgm:presLayoutVars>
+          <dgm:dir/>
+          <dgm:resizeHandles val="exact"/>
+        </dgm:presLayoutVars>
+      </dgm:prSet>
+      <dgm:spPr/>
+    </dgm:pt>
+    <dgm:pt modelId="{030E65D7-4869-44A4-9B52-C390F7425133}" type="pres">
+      <dgm:prSet presAssocID="{30793F78-8CEF-460C-B000-AFFD1DB7B139}" presName="compNode" presStyleCnt="0"/>
+      <dgm:spPr/>
+    </dgm:pt>
+    <dgm:pt modelId="{9E8CA9F3-E6A0-4A47-A2BA-BCB60F079BBD}" type="pres">
+      <dgm:prSet presAssocID="{30793F78-8CEF-460C-B000-AFFD1DB7B139}" presName="bgRect" presStyleLbl="bgShp" presStyleIdx="0" presStyleCnt="5"/>
+      <dgm:spPr/>
+    </dgm:pt>
+    <dgm:pt modelId="{B39F0C71-30A8-4E45-AEE3-92A40DEDACBE}" type="pres">
+      <dgm:prSet presAssocID="{30793F78-8CEF-460C-B000-AFFD1DB7B139}" presName="iconRect" presStyleLbl="node1" presStyleIdx="0" presStyleCnt="5"/>
+      <dgm:spPr>
+        <a:blipFill>
+          <a:blip xmlns:r="http://schemas.openxmlformats.org/officeDocument/2006/relationships" r:embed="rId1">
+            <a:extLst>
+              <a:ext uri="{28A0092B-C50C-407E-A947-70E740481C1C}">
+                <a14:useLocalDpi xmlns:a14="http://schemas.microsoft.com/office/drawing/2010/main" val="0"/>
+              </a:ext>
+              <a:ext uri="{96DAC541-7B7A-43D3-8B79-37D633B846F1}">
+                <asvg:svgBlip xmlns:asvg="http://schemas.microsoft.com/office/drawing/2016/SVG/main" r:embed="rId2"/>
+              </a:ext>
+            </a:extLst>
+          </a:blip>
+          <a:stretch>
+            <a:fillRect/>
+          </a:stretch>
+        </a:blipFill>
+        <a:ln>
+          <a:noFill/>
+        </a:ln>
+      </dgm:spPr>
+      <dgm:extLst>
+        <a:ext uri="{E40237B7-FDA0-4F09-8148-C483321AD2D9}">
+          <dgm14:cNvPr xmlns:dgm14="http://schemas.microsoft.com/office/drawing/2010/diagram" id="0" name="" descr="Checkmark"/>
+        </a:ext>
+      </dgm:extLst>
+    </dgm:pt>
+    <dgm:pt modelId="{297EF3CF-F8D1-4D6B-8F94-B2F95BA2B251}" type="pres">
+      <dgm:prSet presAssocID="{30793F78-8CEF-460C-B000-AFFD1DB7B139}" presName="spaceRect" presStyleCnt="0"/>
+      <dgm:spPr/>
+    </dgm:pt>
+    <dgm:pt modelId="{31D0162F-7459-4099-9CD4-F1EDF8ED6E32}" type="pres">
+      <dgm:prSet presAssocID="{30793F78-8CEF-460C-B000-AFFD1DB7B139}" presName="parTx" presStyleLbl="revTx" presStyleIdx="0" presStyleCnt="5">
+        <dgm:presLayoutVars>
+          <dgm:chMax val="0"/>
+          <dgm:chPref val="0"/>
+        </dgm:presLayoutVars>
+      </dgm:prSet>
+      <dgm:spPr/>
+    </dgm:pt>
+    <dgm:pt modelId="{03B5663E-4EF0-426B-99FD-86BC9C55435F}" type="pres">
+      <dgm:prSet presAssocID="{2D74ECC9-3399-43DB-8C1D-253FF5064FF6}" presName="sibTrans" presStyleCnt="0"/>
+      <dgm:spPr/>
+    </dgm:pt>
+    <dgm:pt modelId="{7C1DAAF9-65A6-4432-8D37-2A9DAEACBAD6}" type="pres">
+      <dgm:prSet presAssocID="{36677872-3861-4939-B8E8-E96925373EB1}" presName="compNode" presStyleCnt="0"/>
+      <dgm:spPr/>
+    </dgm:pt>
+    <dgm:pt modelId="{04429FA8-28E0-4054-B987-3449AF509F51}" type="pres">
+      <dgm:prSet presAssocID="{36677872-3861-4939-B8E8-E96925373EB1}" presName="bgRect" presStyleLbl="bgShp" presStyleIdx="1" presStyleCnt="5"/>
+      <dgm:spPr/>
+    </dgm:pt>
+    <dgm:pt modelId="{80D7E411-8A60-4EEB-9E01-83206FEA0FBD}" type="pres">
+      <dgm:prSet presAssocID="{36677872-3861-4939-B8E8-E96925373EB1}" presName="iconRect" presStyleLbl="node1" presStyleIdx="1" presStyleCnt="5"/>
+      <dgm:spPr>
+        <a:blipFill>
+          <a:blip xmlns:r="http://schemas.openxmlformats.org/officeDocument/2006/relationships" r:embed="rId3">
+            <a:extLst>
+              <a:ext uri="{28A0092B-C50C-407E-A947-70E740481C1C}">
+                <a14:useLocalDpi xmlns:a14="http://schemas.microsoft.com/office/drawing/2010/main" val="0"/>
+              </a:ext>
+              <a:ext uri="{96DAC541-7B7A-43D3-8B79-37D633B846F1}">
+                <asvg:svgBlip xmlns:asvg="http://schemas.microsoft.com/office/drawing/2016/SVG/main" r:embed="rId4"/>
+              </a:ext>
+            </a:extLst>
+          </a:blip>
+          <a:stretch>
+            <a:fillRect/>
+          </a:stretch>
+        </a:blipFill>
+        <a:ln>
+          <a:noFill/>
+        </a:ln>
+      </dgm:spPr>
+      <dgm:extLst>
+        <a:ext uri="{E40237B7-FDA0-4F09-8148-C483321AD2D9}">
+          <dgm14:cNvPr xmlns:dgm14="http://schemas.microsoft.com/office/drawing/2010/diagram" id="0" name="" descr="Run"/>
+        </a:ext>
+      </dgm:extLst>
+    </dgm:pt>
+    <dgm:pt modelId="{A7881F12-D39A-4355-A587-91814ED7EC50}" type="pres">
+      <dgm:prSet presAssocID="{36677872-3861-4939-B8E8-E96925373EB1}" presName="spaceRect" presStyleCnt="0"/>
+      <dgm:spPr/>
+    </dgm:pt>
+    <dgm:pt modelId="{F5ED26C4-98CB-4826-AB51-C9D0CE125B04}" type="pres">
+      <dgm:prSet presAssocID="{36677872-3861-4939-B8E8-E96925373EB1}" presName="parTx" presStyleLbl="revTx" presStyleIdx="1" presStyleCnt="5">
+        <dgm:presLayoutVars>
+          <dgm:chMax val="0"/>
+          <dgm:chPref val="0"/>
+        </dgm:presLayoutVars>
+      </dgm:prSet>
+      <dgm:spPr/>
+    </dgm:pt>
+    <dgm:pt modelId="{B8AE2421-74C8-4CD4-9C84-47AEBBD92B0B}" type="pres">
+      <dgm:prSet presAssocID="{5A0F6238-3B45-482E-870B-FFC972B3545F}" presName="sibTrans" presStyleCnt="0"/>
+      <dgm:spPr/>
+    </dgm:pt>
+    <dgm:pt modelId="{1EEC72F4-BC33-49F1-87D9-47D4E3F113C2}" type="pres">
+      <dgm:prSet presAssocID="{32119BAC-0FBA-4C8D-BD14-76EB61F7C444}" presName="compNode" presStyleCnt="0"/>
+      <dgm:spPr/>
+    </dgm:pt>
+    <dgm:pt modelId="{519E1338-58A1-4FFE-B31B-97221C6E4442}" type="pres">
+      <dgm:prSet presAssocID="{32119BAC-0FBA-4C8D-BD14-76EB61F7C444}" presName="bgRect" presStyleLbl="bgShp" presStyleIdx="2" presStyleCnt="5"/>
+      <dgm:spPr/>
+    </dgm:pt>
+    <dgm:pt modelId="{78B85D1E-582D-48E1-9A4A-7D193BDC68B6}" type="pres">
+      <dgm:prSet presAssocID="{32119BAC-0FBA-4C8D-BD14-76EB61F7C444}" presName="iconRect" presStyleLbl="node1" presStyleIdx="2" presStyleCnt="5"/>
+      <dgm:spPr>
+        <a:blipFill>
+          <a:blip xmlns:r="http://schemas.openxmlformats.org/officeDocument/2006/relationships" r:embed="rId5">
+            <a:extLst>
+              <a:ext uri="{28A0092B-C50C-407E-A947-70E740481C1C}">
+                <a14:useLocalDpi xmlns:a14="http://schemas.microsoft.com/office/drawing/2010/main" val="0"/>
+              </a:ext>
+              <a:ext uri="{96DAC541-7B7A-43D3-8B79-37D633B846F1}">
+                <asvg:svgBlip xmlns:asvg="http://schemas.microsoft.com/office/drawing/2016/SVG/main" r:embed="rId6"/>
+              </a:ext>
+            </a:extLst>
+          </a:blip>
+          <a:stretch>
+            <a:fillRect/>
+          </a:stretch>
+        </a:blipFill>
+        <a:ln>
+          <a:noFill/>
+        </a:ln>
+      </dgm:spPr>
+      <dgm:extLst>
+        <a:ext uri="{E40237B7-FDA0-4F09-8148-C483321AD2D9}">
+          <dgm14:cNvPr xmlns:dgm14="http://schemas.microsoft.com/office/drawing/2010/diagram" id="0" name="" descr="Gauge"/>
+        </a:ext>
+      </dgm:extLst>
+    </dgm:pt>
+    <dgm:pt modelId="{86B31BF8-D3D3-4198-A217-4A1F8F868455}" type="pres">
+      <dgm:prSet presAssocID="{32119BAC-0FBA-4C8D-BD14-76EB61F7C444}" presName="spaceRect" presStyleCnt="0"/>
+      <dgm:spPr/>
+    </dgm:pt>
+    <dgm:pt modelId="{E486DB51-278B-45F1-8A76-2360092A2DD9}" type="pres">
+      <dgm:prSet presAssocID="{32119BAC-0FBA-4C8D-BD14-76EB61F7C444}" presName="parTx" presStyleLbl="revTx" presStyleIdx="2" presStyleCnt="5">
+        <dgm:presLayoutVars>
+          <dgm:chMax val="0"/>
+          <dgm:chPref val="0"/>
+        </dgm:presLayoutVars>
+      </dgm:prSet>
+      <dgm:spPr/>
+    </dgm:pt>
+    <dgm:pt modelId="{F7E29412-608F-4A0C-B440-1EFC08D17631}" type="pres">
+      <dgm:prSet presAssocID="{47412781-B43E-42E6-A5D8-CE05D95834F6}" presName="sibTrans" presStyleCnt="0"/>
+      <dgm:spPr/>
+    </dgm:pt>
+    <dgm:pt modelId="{F3E05742-E387-43A6-B921-2478AAACCF5E}" type="pres">
+      <dgm:prSet presAssocID="{87B87CF1-0E81-4704-9A6D-86F3A00F4120}" presName="compNode" presStyleCnt="0"/>
+      <dgm:spPr/>
+    </dgm:pt>
+    <dgm:pt modelId="{DC6A41E7-B243-46EF-87CA-90432FDD3223}" type="pres">
+      <dgm:prSet presAssocID="{87B87CF1-0E81-4704-9A6D-86F3A00F4120}" presName="bgRect" presStyleLbl="bgShp" presStyleIdx="3" presStyleCnt="5"/>
+      <dgm:spPr/>
+    </dgm:pt>
+    <dgm:pt modelId="{AD27FE32-712D-4116-8C32-E950D18D428E}" type="pres">
+      <dgm:prSet presAssocID="{87B87CF1-0E81-4704-9A6D-86F3A00F4120}" presName="iconRect" presStyleLbl="node1" presStyleIdx="3" presStyleCnt="5"/>
+      <dgm:spPr>
+        <a:blipFill>
+          <a:blip xmlns:r="http://schemas.openxmlformats.org/officeDocument/2006/relationships" r:embed="rId7">
+            <a:extLst>
+              <a:ext uri="{28A0092B-C50C-407E-A947-70E740481C1C}">
+                <a14:useLocalDpi xmlns:a14="http://schemas.microsoft.com/office/drawing/2010/main" val="0"/>
+              </a:ext>
+              <a:ext uri="{96DAC541-7B7A-43D3-8B79-37D633B846F1}">
+                <asvg:svgBlip xmlns:asvg="http://schemas.microsoft.com/office/drawing/2016/SVG/main" r:embed="rId8"/>
+              </a:ext>
+            </a:extLst>
+          </a:blip>
+          <a:stretch>
+            <a:fillRect/>
+          </a:stretch>
+        </a:blipFill>
+        <a:ln>
+          <a:noFill/>
+        </a:ln>
+      </dgm:spPr>
+      <dgm:extLst>
+        <a:ext uri="{E40237B7-FDA0-4F09-8148-C483321AD2D9}">
+          <dgm14:cNvPr xmlns:dgm14="http://schemas.microsoft.com/office/drawing/2010/diagram" id="0" name="" descr="Table"/>
+        </a:ext>
+      </dgm:extLst>
+    </dgm:pt>
+    <dgm:pt modelId="{FDAD0C7C-5F40-4186-A3A7-4A51645C7BBC}" type="pres">
+      <dgm:prSet presAssocID="{87B87CF1-0E81-4704-9A6D-86F3A00F4120}" presName="spaceRect" presStyleCnt="0"/>
+      <dgm:spPr/>
+    </dgm:pt>
+    <dgm:pt modelId="{AA3E5711-2120-4C20-AB17-189D5D9E25A2}" type="pres">
+      <dgm:prSet presAssocID="{87B87CF1-0E81-4704-9A6D-86F3A00F4120}" presName="parTx" presStyleLbl="revTx" presStyleIdx="3" presStyleCnt="5">
+        <dgm:presLayoutVars>
+          <dgm:chMax val="0"/>
+          <dgm:chPref val="0"/>
+        </dgm:presLayoutVars>
+      </dgm:prSet>
+      <dgm:spPr/>
+    </dgm:pt>
+    <dgm:pt modelId="{6FF1E849-EBBB-40E8-9E3B-D555ABDB8AAE}" type="pres">
+      <dgm:prSet presAssocID="{C18C1FD0-658E-4EE6-A8CC-0CCB50CFBBBC}" presName="sibTrans" presStyleCnt="0"/>
+      <dgm:spPr/>
+    </dgm:pt>
+    <dgm:pt modelId="{7393BB01-C54B-4A8D-96EB-1ED1789E3B26}" type="pres">
+      <dgm:prSet presAssocID="{37B1F601-C562-48D7-8E9F-1A12AF84D185}" presName="compNode" presStyleCnt="0"/>
+      <dgm:spPr/>
+    </dgm:pt>
+    <dgm:pt modelId="{D07AD422-C804-4194-8DAD-574CAFD55B3A}" type="pres">
+      <dgm:prSet presAssocID="{37B1F601-C562-48D7-8E9F-1A12AF84D185}" presName="bgRect" presStyleLbl="bgShp" presStyleIdx="4" presStyleCnt="5"/>
+      <dgm:spPr/>
+    </dgm:pt>
+    <dgm:pt modelId="{6A318468-D3BD-42A7-AEFF-046003A7D642}" type="pres">
+      <dgm:prSet presAssocID="{37B1F601-C562-48D7-8E9F-1A12AF84D185}" presName="iconRect" presStyleLbl="node1" presStyleIdx="4" presStyleCnt="5"/>
+      <dgm:spPr>
+        <a:blipFill>
+          <a:blip xmlns:r="http://schemas.openxmlformats.org/officeDocument/2006/relationships" r:embed="rId9">
+            <a:extLst>
+              <a:ext uri="{28A0092B-C50C-407E-A947-70E740481C1C}">
+                <a14:useLocalDpi xmlns:a14="http://schemas.microsoft.com/office/drawing/2010/main" val="0"/>
+              </a:ext>
+              <a:ext uri="{96DAC541-7B7A-43D3-8B79-37D633B846F1}">
+                <asvg:svgBlip xmlns:asvg="http://schemas.microsoft.com/office/drawing/2016/SVG/main" r:embed="rId10"/>
+              </a:ext>
+            </a:extLst>
+          </a:blip>
+          <a:stretch>
+            <a:fillRect/>
+          </a:stretch>
+        </a:blipFill>
+        <a:ln>
+          <a:noFill/>
+        </a:ln>
+      </dgm:spPr>
+      <dgm:extLst>
+        <a:ext uri="{E40237B7-FDA0-4F09-8148-C483321AD2D9}">
+          <dgm14:cNvPr xmlns:dgm14="http://schemas.microsoft.com/office/drawing/2010/diagram" id="0" name="" descr="Projector screen"/>
+        </a:ext>
+      </dgm:extLst>
+    </dgm:pt>
+    <dgm:pt modelId="{02A49CF3-115B-48E8-BC2B-86712FE4106A}" type="pres">
+      <dgm:prSet presAssocID="{37B1F601-C562-48D7-8E9F-1A12AF84D185}" presName="spaceRect" presStyleCnt="0"/>
+      <dgm:spPr/>
+    </dgm:pt>
+    <dgm:pt modelId="{0CEFDFD9-A324-435D-9FA8-7395A9E64822}" type="pres">
+      <dgm:prSet presAssocID="{37B1F601-C562-48D7-8E9F-1A12AF84D185}" presName="parTx" presStyleLbl="revTx" presStyleIdx="4" presStyleCnt="5">
+        <dgm:presLayoutVars>
+          <dgm:chMax val="0"/>
+          <dgm:chPref val="0"/>
+        </dgm:presLayoutVars>
+      </dgm:prSet>
+      <dgm:spPr/>
+    </dgm:pt>
+  </dgm:ptLst>
+  <dgm:cxnLst>
+    <dgm:cxn modelId="{ED2A3A00-75B3-42DB-880B-5ECCC2D1D317}" type="presOf" srcId="{0B240E91-E60E-4EDB-BE2A-5C88A67233B9}" destId="{EA28FD43-A54B-4FAC-A4FE-00A352360EFD}" srcOrd="0" destOrd="0" presId="urn:microsoft.com/office/officeart/2018/2/layout/IconVerticalSolidList"/>
+    <dgm:cxn modelId="{B1290507-C9FF-4036-89B4-6DF9EF7AED81}" srcId="{0B240E91-E60E-4EDB-BE2A-5C88A67233B9}" destId="{37B1F601-C562-48D7-8E9F-1A12AF84D185}" srcOrd="4" destOrd="0" parTransId="{3EBAB693-12DF-4051-9F77-7D7F3A9DA6C4}" sibTransId="{84AC0789-3A37-4EA4-8466-8A1DEF8B5957}"/>
+    <dgm:cxn modelId="{9FE29019-B8DF-45EC-A1E0-F1BFD5D757D8}" type="presOf" srcId="{87B87CF1-0E81-4704-9A6D-86F3A00F4120}" destId="{AA3E5711-2120-4C20-AB17-189D5D9E25A2}" srcOrd="0" destOrd="0" presId="urn:microsoft.com/office/officeart/2018/2/layout/IconVerticalSolidList"/>
+    <dgm:cxn modelId="{7DDA1E47-AB81-44EE-B8C8-B8BDCCA77401}" srcId="{0B240E91-E60E-4EDB-BE2A-5C88A67233B9}" destId="{36677872-3861-4939-B8E8-E96925373EB1}" srcOrd="1" destOrd="0" parTransId="{E60108DF-DED8-48F6-8F29-5403BBA31FE2}" sibTransId="{5A0F6238-3B45-482E-870B-FFC972B3545F}"/>
+    <dgm:cxn modelId="{380FDA66-D62D-43D3-8120-0EDBF9D29965}" type="presOf" srcId="{30793F78-8CEF-460C-B000-AFFD1DB7B139}" destId="{31D0162F-7459-4099-9CD4-F1EDF8ED6E32}" srcOrd="0" destOrd="0" presId="urn:microsoft.com/office/officeart/2018/2/layout/IconVerticalSolidList"/>
+    <dgm:cxn modelId="{27458E7A-43F8-471D-B135-CE787180E5F8}" type="presOf" srcId="{37B1F601-C562-48D7-8E9F-1A12AF84D185}" destId="{0CEFDFD9-A324-435D-9FA8-7395A9E64822}" srcOrd="0" destOrd="0" presId="urn:microsoft.com/office/officeart/2018/2/layout/IconVerticalSolidList"/>
+    <dgm:cxn modelId="{C8E8C18C-3D27-403C-9A57-16E259D184E8}" srcId="{0B240E91-E60E-4EDB-BE2A-5C88A67233B9}" destId="{30793F78-8CEF-460C-B000-AFFD1DB7B139}" srcOrd="0" destOrd="0" parTransId="{397E4051-7605-47F5-AA3F-6FE07A88E3E2}" sibTransId="{2D74ECC9-3399-43DB-8C1D-253FF5064FF6}"/>
+    <dgm:cxn modelId="{98797094-7F7B-404B-BEA8-A433548A3219}" srcId="{0B240E91-E60E-4EDB-BE2A-5C88A67233B9}" destId="{32119BAC-0FBA-4C8D-BD14-76EB61F7C444}" srcOrd="2" destOrd="0" parTransId="{49C9F57B-B0D6-4A52-A560-3787ECFB8440}" sibTransId="{47412781-B43E-42E6-A5D8-CE05D95834F6}"/>
+    <dgm:cxn modelId="{A23D2B97-A9D5-436A-9DCF-5B0E04AF3F6E}" type="presOf" srcId="{32119BAC-0FBA-4C8D-BD14-76EB61F7C444}" destId="{E486DB51-278B-45F1-8A76-2360092A2DD9}" srcOrd="0" destOrd="0" presId="urn:microsoft.com/office/officeart/2018/2/layout/IconVerticalSolidList"/>
+    <dgm:cxn modelId="{273942CC-A4B8-4A0C-ACDD-D7775B41516E}" srcId="{0B240E91-E60E-4EDB-BE2A-5C88A67233B9}" destId="{87B87CF1-0E81-4704-9A6D-86F3A00F4120}" srcOrd="3" destOrd="0" parTransId="{0D51232A-D4DE-4147-BFDE-533A965D8DEF}" sibTransId="{C18C1FD0-658E-4EE6-A8CC-0CCB50CFBBBC}"/>
+    <dgm:cxn modelId="{2BE04DDC-4553-4520-AF51-EF6C7724CB77}" type="presOf" srcId="{36677872-3861-4939-B8E8-E96925373EB1}" destId="{F5ED26C4-98CB-4826-AB51-C9D0CE125B04}" srcOrd="0" destOrd="0" presId="urn:microsoft.com/office/officeart/2018/2/layout/IconVerticalSolidList"/>
+    <dgm:cxn modelId="{6539A16A-DB72-41FC-835F-D994AE8B24D6}" type="presParOf" srcId="{EA28FD43-A54B-4FAC-A4FE-00A352360EFD}" destId="{030E65D7-4869-44A4-9B52-C390F7425133}" srcOrd="0" destOrd="0" presId="urn:microsoft.com/office/officeart/2018/2/layout/IconVerticalSolidList"/>
+    <dgm:cxn modelId="{2541FD86-6323-48ED-87BE-E93693920067}" type="presParOf" srcId="{030E65D7-4869-44A4-9B52-C390F7425133}" destId="{9E8CA9F3-E6A0-4A47-A2BA-BCB60F079BBD}" srcOrd="0" destOrd="0" presId="urn:microsoft.com/office/officeart/2018/2/layout/IconVerticalSolidList"/>
+    <dgm:cxn modelId="{4444F9B8-29F3-486C-A77E-C3CDFCA711A7}" type="presParOf" srcId="{030E65D7-4869-44A4-9B52-C390F7425133}" destId="{B39F0C71-30A8-4E45-AEE3-92A40DEDACBE}" srcOrd="1" destOrd="0" presId="urn:microsoft.com/office/officeart/2018/2/layout/IconVerticalSolidList"/>
+    <dgm:cxn modelId="{B83771BA-0A40-4513-8F0E-7610B54340DD}" type="presParOf" srcId="{030E65D7-4869-44A4-9B52-C390F7425133}" destId="{297EF3CF-F8D1-4D6B-8F94-B2F95BA2B251}" srcOrd="2" destOrd="0" presId="urn:microsoft.com/office/officeart/2018/2/layout/IconVerticalSolidList"/>
+    <dgm:cxn modelId="{F9674984-D603-465C-8530-2F4DAF8CD2D6}" type="presParOf" srcId="{030E65D7-4869-44A4-9B52-C390F7425133}" destId="{31D0162F-7459-4099-9CD4-F1EDF8ED6E32}" srcOrd="3" destOrd="0" presId="urn:microsoft.com/office/officeart/2018/2/layout/IconVerticalSolidList"/>
+    <dgm:cxn modelId="{70F6F785-61A7-4BBC-BD1D-2A5B8ADC82C3}" type="presParOf" srcId="{EA28FD43-A54B-4FAC-A4FE-00A352360EFD}" destId="{03B5663E-4EF0-426B-99FD-86BC9C55435F}" srcOrd="1" destOrd="0" presId="urn:microsoft.com/office/officeart/2018/2/layout/IconVerticalSolidList"/>
+    <dgm:cxn modelId="{086FDA22-7CA2-4FF1-AB01-BE67ECBC9FF9}" type="presParOf" srcId="{EA28FD43-A54B-4FAC-A4FE-00A352360EFD}" destId="{7C1DAAF9-65A6-4432-8D37-2A9DAEACBAD6}" srcOrd="2" destOrd="0" presId="urn:microsoft.com/office/officeart/2018/2/layout/IconVerticalSolidList"/>
+    <dgm:cxn modelId="{77D4A072-2BF6-47A7-A4BE-86445885CF8F}" type="presParOf" srcId="{7C1DAAF9-65A6-4432-8D37-2A9DAEACBAD6}" destId="{04429FA8-28E0-4054-B987-3449AF509F51}" srcOrd="0" destOrd="0" presId="urn:microsoft.com/office/officeart/2018/2/layout/IconVerticalSolidList"/>
+    <dgm:cxn modelId="{19F0CB57-E1A6-4588-8223-DB99BDF4C82A}" type="presParOf" srcId="{7C1DAAF9-65A6-4432-8D37-2A9DAEACBAD6}" destId="{80D7E411-8A60-4EEB-9E01-83206FEA0FBD}" srcOrd="1" destOrd="0" presId="urn:microsoft.com/office/officeart/2018/2/layout/IconVerticalSolidList"/>
+    <dgm:cxn modelId="{60F8FD68-D1D7-4CCE-B3E4-CCB8B51A5926}" type="presParOf" srcId="{7C1DAAF9-65A6-4432-8D37-2A9DAEACBAD6}" destId="{A7881F12-D39A-4355-A587-91814ED7EC50}" srcOrd="2" destOrd="0" presId="urn:microsoft.com/office/officeart/2018/2/layout/IconVerticalSolidList"/>
+    <dgm:cxn modelId="{90FC97DA-8A69-4C78-A842-6A41A68CB0D8}" type="presParOf" srcId="{7C1DAAF9-65A6-4432-8D37-2A9DAEACBAD6}" destId="{F5ED26C4-98CB-4826-AB51-C9D0CE125B04}" srcOrd="3" destOrd="0" presId="urn:microsoft.com/office/officeart/2018/2/layout/IconVerticalSolidList"/>
+    <dgm:cxn modelId="{41EA2DB9-4AFA-450D-AF38-B53E620BE6D6}" type="presParOf" srcId="{EA28FD43-A54B-4FAC-A4FE-00A352360EFD}" destId="{B8AE2421-74C8-4CD4-9C84-47AEBBD92B0B}" srcOrd="3" destOrd="0" presId="urn:microsoft.com/office/officeart/2018/2/layout/IconVerticalSolidList"/>
+    <dgm:cxn modelId="{3D3ACAF5-7DA8-4BA8-A533-AC0AD9CEEC0F}" type="presParOf" srcId="{EA28FD43-A54B-4FAC-A4FE-00A352360EFD}" destId="{1EEC72F4-BC33-49F1-87D9-47D4E3F113C2}" srcOrd="4" destOrd="0" presId="urn:microsoft.com/office/officeart/2018/2/layout/IconVerticalSolidList"/>
+    <dgm:cxn modelId="{D8A9D4D1-7540-4D97-B24D-80F21AA3A98D}" type="presParOf" srcId="{1EEC72F4-BC33-49F1-87D9-47D4E3F113C2}" destId="{519E1338-58A1-4FFE-B31B-97221C6E4442}" srcOrd="0" destOrd="0" presId="urn:microsoft.com/office/officeart/2018/2/layout/IconVerticalSolidList"/>
+    <dgm:cxn modelId="{BFD36F5F-5DE7-4C58-BE4F-F5BD9D63E819}" type="presParOf" srcId="{1EEC72F4-BC33-49F1-87D9-47D4E3F113C2}" destId="{78B85D1E-582D-48E1-9A4A-7D193BDC68B6}" srcOrd="1" destOrd="0" presId="urn:microsoft.com/office/officeart/2018/2/layout/IconVerticalSolidList"/>
+    <dgm:cxn modelId="{5AD75370-FF52-41E8-82EA-B939F028B61E}" type="presParOf" srcId="{1EEC72F4-BC33-49F1-87D9-47D4E3F113C2}" destId="{86B31BF8-D3D3-4198-A217-4A1F8F868455}" srcOrd="2" destOrd="0" presId="urn:microsoft.com/office/officeart/2018/2/layout/IconVerticalSolidList"/>
+    <dgm:cxn modelId="{E0D59610-D63D-4602-A277-A79311715C62}" type="presParOf" srcId="{1EEC72F4-BC33-49F1-87D9-47D4E3F113C2}" destId="{E486DB51-278B-45F1-8A76-2360092A2DD9}" srcOrd="3" destOrd="0" presId="urn:microsoft.com/office/officeart/2018/2/layout/IconVerticalSolidList"/>
+    <dgm:cxn modelId="{223AA305-0F08-4384-BDBB-9AF6EBBF3801}" type="presParOf" srcId="{EA28FD43-A54B-4FAC-A4FE-00A352360EFD}" destId="{F7E29412-608F-4A0C-B440-1EFC08D17631}" srcOrd="5" destOrd="0" presId="urn:microsoft.com/office/officeart/2018/2/layout/IconVerticalSolidList"/>
+    <dgm:cxn modelId="{2CAC64BE-870C-4828-AA9A-F538B8214443}" type="presParOf" srcId="{EA28FD43-A54B-4FAC-A4FE-00A352360EFD}" destId="{F3E05742-E387-43A6-B921-2478AAACCF5E}" srcOrd="6" destOrd="0" presId="urn:microsoft.com/office/officeart/2018/2/layout/IconVerticalSolidList"/>
+    <dgm:cxn modelId="{072DB3DB-C99B-4119-AFE1-3B12D0EBD748}" type="presParOf" srcId="{F3E05742-E387-43A6-B921-2478AAACCF5E}" destId="{DC6A41E7-B243-46EF-87CA-90432FDD3223}" srcOrd="0" destOrd="0" presId="urn:microsoft.com/office/officeart/2018/2/layout/IconVerticalSolidList"/>
+    <dgm:cxn modelId="{5BDF7CF5-2D61-4EA0-8FF9-8C40D69DB7BD}" type="presParOf" srcId="{F3E05742-E387-43A6-B921-2478AAACCF5E}" destId="{AD27FE32-712D-4116-8C32-E950D18D428E}" srcOrd="1" destOrd="0" presId="urn:microsoft.com/office/officeart/2018/2/layout/IconVerticalSolidList"/>
+    <dgm:cxn modelId="{2D56B171-87E5-40FE-B3BB-39A2DDFEC94A}" type="presParOf" srcId="{F3E05742-E387-43A6-B921-2478AAACCF5E}" destId="{FDAD0C7C-5F40-4186-A3A7-4A51645C7BBC}" srcOrd="2" destOrd="0" presId="urn:microsoft.com/office/officeart/2018/2/layout/IconVerticalSolidList"/>
+    <dgm:cxn modelId="{A85A8DA1-840F-444C-9F04-8C35C9159E10}" type="presParOf" srcId="{F3E05742-E387-43A6-B921-2478AAACCF5E}" destId="{AA3E5711-2120-4C20-AB17-189D5D9E25A2}" srcOrd="3" destOrd="0" presId="urn:microsoft.com/office/officeart/2018/2/layout/IconVerticalSolidList"/>
+    <dgm:cxn modelId="{22B83CE2-A8C3-4AC4-9050-742F2694FC04}" type="presParOf" srcId="{EA28FD43-A54B-4FAC-A4FE-00A352360EFD}" destId="{6FF1E849-EBBB-40E8-9E3B-D555ABDB8AAE}" srcOrd="7" destOrd="0" presId="urn:microsoft.com/office/officeart/2018/2/layout/IconVerticalSolidList"/>
+    <dgm:cxn modelId="{851C7BFB-46BD-4D1E-ABD5-0E0B41A788D0}" type="presParOf" srcId="{EA28FD43-A54B-4FAC-A4FE-00A352360EFD}" destId="{7393BB01-C54B-4A8D-96EB-1ED1789E3B26}" srcOrd="8" destOrd="0" presId="urn:microsoft.com/office/officeart/2018/2/layout/IconVerticalSolidList"/>
+    <dgm:cxn modelId="{03FC0A30-F5AF-4B34-A084-F0C6C3311F09}" type="presParOf" srcId="{7393BB01-C54B-4A8D-96EB-1ED1789E3B26}" destId="{D07AD422-C804-4194-8DAD-574CAFD55B3A}" srcOrd="0" destOrd="0" presId="urn:microsoft.com/office/officeart/2018/2/layout/IconVerticalSolidList"/>
+    <dgm:cxn modelId="{FD568497-E385-4CC2-A92D-E4229F88609C}" type="presParOf" srcId="{7393BB01-C54B-4A8D-96EB-1ED1789E3B26}" destId="{6A318468-D3BD-42A7-AEFF-046003A7D642}" srcOrd="1" destOrd="0" presId="urn:microsoft.com/office/officeart/2018/2/layout/IconVerticalSolidList"/>
+    <dgm:cxn modelId="{5AE257F8-350F-41FC-BD1D-0680DB2F6DC0}" type="presParOf" srcId="{7393BB01-C54B-4A8D-96EB-1ED1789E3B26}" destId="{02A49CF3-115B-48E8-BC2B-86712FE4106A}" srcOrd="2" destOrd="0" presId="urn:microsoft.com/office/officeart/2018/2/layout/IconVerticalSolidList"/>
+    <dgm:cxn modelId="{E873F739-EB02-4855-A7A2-5C40F9598E72}" type="presParOf" srcId="{7393BB01-C54B-4A8D-96EB-1ED1789E3B26}" destId="{0CEFDFD9-A324-435D-9FA8-7395A9E64822}" srcOrd="3" destOrd="0" presId="urn:microsoft.com/office/officeart/2018/2/layout/IconVerticalSolidList"/>
+  </dgm:cxnLst>
+  <dgm:bg/>
+  <dgm:whole/>
+  <dgm:extLst>
+    <a:ext uri="http://schemas.microsoft.com/office/drawing/2008/diagram">
+      <dsp:dataModelExt xmlns:dsp="http://schemas.microsoft.com/office/drawing/2008/diagram" relId="rId6" minVer="http://schemas.openxmlformats.org/drawingml/2006/diagram"/>
+    </a:ext>
+  </dgm:extLst>
+</dgm:dataModel>
+</file>
+
+<file path=ppt/diagrams/drawing1.xml><?xml version="1.0" encoding="utf-8"?>
+<dsp:drawing xmlns:dgm="http://schemas.openxmlformats.org/drawingml/2006/diagram" xmlns:dsp="http://schemas.microsoft.com/office/drawing/2008/diagram" xmlns:a="http://schemas.openxmlformats.org/drawingml/2006/main">
+  <dsp:spTree>
+    <dsp:nvGrpSpPr>
+      <dsp:cNvPr id="0" name=""/>
+      <dsp:cNvGrpSpPr/>
+    </dsp:nvGrpSpPr>
+    <dsp:grpSpPr/>
+    <dsp:sp modelId="{9E8CA9F3-E6A0-4A47-A2BA-BCB60F079BBD}">
+      <dsp:nvSpPr>
+        <dsp:cNvPr id="0" name=""/>
+        <dsp:cNvSpPr/>
+      </dsp:nvSpPr>
+      <dsp:spPr>
+        <a:xfrm>
+          <a:off x="0" y="4307"/>
+          <a:ext cx="6364224" cy="917536"/>
+        </a:xfrm>
+        <a:prstGeom prst="roundRect">
+          <a:avLst>
+            <a:gd name="adj" fmla="val 10000"/>
+          </a:avLst>
+        </a:prstGeom>
+        <a:solidFill>
+          <a:schemeClr val="bg1">
+            <a:lumMod val="95000"/>
+            <a:hueOff val="0"/>
+            <a:satOff val="0"/>
+            <a:lumOff val="0"/>
+            <a:alphaOff val="0"/>
+          </a:schemeClr>
+        </a:solidFill>
+        <a:ln>
+          <a:noFill/>
+        </a:ln>
+        <a:effectLst/>
+      </dsp:spPr>
+      <dsp:style>
+        <a:lnRef idx="0">
+          <a:scrgbClr r="0" g="0" b="0"/>
+        </a:lnRef>
+        <a:fillRef idx="1">
+          <a:scrgbClr r="0" g="0" b="0"/>
+        </a:fillRef>
+        <a:effectRef idx="0">
+          <a:scrgbClr r="0" g="0" b="0"/>
+        </a:effectRef>
+        <a:fontRef idx="minor"/>
+      </dsp:style>
+    </dsp:sp>
+    <dsp:sp modelId="{B39F0C71-30A8-4E45-AEE3-92A40DEDACBE}">
+      <dsp:nvSpPr>
+        <dsp:cNvPr id="0" name=""/>
+        <dsp:cNvSpPr/>
+      </dsp:nvSpPr>
+      <dsp:spPr>
+        <a:xfrm>
+          <a:off x="277554" y="210753"/>
+          <a:ext cx="504644" cy="504644"/>
+        </a:xfrm>
+        <a:prstGeom prst="rect">
+          <a:avLst/>
+        </a:prstGeom>
+        <a:blipFill>
+          <a:blip xmlns:r="http://schemas.openxmlformats.org/officeDocument/2006/relationships" r:embed="rId1">
+            <a:extLst>
+              <a:ext uri="{28A0092B-C50C-407E-A947-70E740481C1C}">
+                <a14:useLocalDpi xmlns:a14="http://schemas.microsoft.com/office/drawing/2010/main" val="0"/>
+              </a:ext>
+              <a:ext uri="{96DAC541-7B7A-43D3-8B79-37D633B846F1}">
+                <asvg:svgBlip xmlns:asvg="http://schemas.microsoft.com/office/drawing/2016/SVG/main" r:embed="rId2"/>
+              </a:ext>
+            </a:extLst>
+          </a:blip>
+          <a:stretch>
+            <a:fillRect/>
+          </a:stretch>
+        </a:blipFill>
+        <a:ln w="19050" cap="flat" cmpd="sng" algn="ctr">
+          <a:noFill/>
+          <a:prstDash val="solid"/>
+          <a:miter lim="800000"/>
+        </a:ln>
+        <a:effectLst/>
+      </dsp:spPr>
+      <dsp:style>
+        <a:lnRef idx="2">
+          <a:scrgbClr r="0" g="0" b="0"/>
+        </a:lnRef>
+        <a:fillRef idx="1">
+          <a:scrgbClr r="0" g="0" b="0"/>
+        </a:fillRef>
+        <a:effectRef idx="0">
+          <a:scrgbClr r="0" g="0" b="0"/>
+        </a:effectRef>
+        <a:fontRef idx="minor">
+          <a:schemeClr val="lt1"/>
+        </a:fontRef>
+      </dsp:style>
+    </dsp:sp>
+    <dsp:sp modelId="{31D0162F-7459-4099-9CD4-F1EDF8ED6E32}">
+      <dsp:nvSpPr>
+        <dsp:cNvPr id="0" name=""/>
+        <dsp:cNvSpPr/>
+      </dsp:nvSpPr>
+      <dsp:spPr>
+        <a:xfrm>
+          <a:off x="1059754" y="4307"/>
+          <a:ext cx="5304469" cy="917536"/>
+        </a:xfrm>
+        <a:prstGeom prst="rect">
+          <a:avLst/>
+        </a:prstGeom>
+        <a:noFill/>
+        <a:ln>
+          <a:noFill/>
+        </a:ln>
+        <a:effectLst/>
+      </dsp:spPr>
+      <dsp:style>
+        <a:lnRef idx="0">
+          <a:scrgbClr r="0" g="0" b="0"/>
+        </a:lnRef>
+        <a:fillRef idx="0">
+          <a:scrgbClr r="0" g="0" b="0"/>
+        </a:fillRef>
+        <a:effectRef idx="0">
+          <a:scrgbClr r="0" g="0" b="0"/>
+        </a:effectRef>
+        <a:fontRef idx="minor"/>
+      </dsp:style>
+      <dsp:txBody>
+        <a:bodyPr spcFirstLastPara="0" vert="horz" wrap="square" lIns="97106" tIns="97106" rIns="97106" bIns="97106" numCol="1" spcCol="1270" anchor="ctr" anchorCtr="0">
+          <a:noAutofit/>
+        </a:bodyPr>
+        <a:lstStyle/>
+        <a:p>
+          <a:pPr marL="0" lvl="0" indent="0" algn="l" defTabSz="844550">
+            <a:lnSpc>
+              <a:spcPct val="90000"/>
+            </a:lnSpc>
+            <a:spcBef>
+              <a:spcPct val="0"/>
+            </a:spcBef>
+            <a:spcAft>
+              <a:spcPct val="35000"/>
+            </a:spcAft>
+            <a:buNone/>
+          </a:pPr>
+          <a:r>
+            <a:rPr lang="en-US" sz="1900" kern="1200"/>
+            <a:t>Add and complete tasks</a:t>
+          </a:r>
+        </a:p>
+      </dsp:txBody>
+      <dsp:txXfrm>
+        <a:off x="1059754" y="4307"/>
+        <a:ext cx="5304469" cy="917536"/>
+      </dsp:txXfrm>
+    </dsp:sp>
+    <dsp:sp modelId="{04429FA8-28E0-4054-B987-3449AF509F51}">
+      <dsp:nvSpPr>
+        <dsp:cNvPr id="0" name=""/>
+        <dsp:cNvSpPr/>
+      </dsp:nvSpPr>
+      <dsp:spPr>
+        <a:xfrm>
+          <a:off x="0" y="1151227"/>
+          <a:ext cx="6364224" cy="917536"/>
+        </a:xfrm>
+        <a:prstGeom prst="roundRect">
+          <a:avLst>
+            <a:gd name="adj" fmla="val 10000"/>
+          </a:avLst>
+        </a:prstGeom>
+        <a:solidFill>
+          <a:schemeClr val="bg1">
+            <a:lumMod val="95000"/>
+            <a:hueOff val="0"/>
+            <a:satOff val="0"/>
+            <a:lumOff val="0"/>
+            <a:alphaOff val="0"/>
+          </a:schemeClr>
+        </a:solidFill>
+        <a:ln>
+          <a:noFill/>
+        </a:ln>
+        <a:effectLst/>
+      </dsp:spPr>
+      <dsp:style>
+        <a:lnRef idx="0">
+          <a:scrgbClr r="0" g="0" b="0"/>
+        </a:lnRef>
+        <a:fillRef idx="1">
+          <a:scrgbClr r="0" g="0" b="0"/>
+        </a:fillRef>
+        <a:effectRef idx="0">
+          <a:scrgbClr r="0" g="0" b="0"/>
+        </a:effectRef>
+        <a:fontRef idx="minor"/>
+      </dsp:style>
+    </dsp:sp>
+    <dsp:sp modelId="{80D7E411-8A60-4EEB-9E01-83206FEA0FBD}">
+      <dsp:nvSpPr>
+        <dsp:cNvPr id="0" name=""/>
+        <dsp:cNvSpPr/>
+      </dsp:nvSpPr>
+      <dsp:spPr>
+        <a:xfrm>
+          <a:off x="277554" y="1357673"/>
+          <a:ext cx="504644" cy="504644"/>
+        </a:xfrm>
+        <a:prstGeom prst="rect">
+          <a:avLst/>
+        </a:prstGeom>
+        <a:blipFill>
+          <a:blip xmlns:r="http://schemas.openxmlformats.org/officeDocument/2006/relationships" r:embed="rId3">
+            <a:extLst>
+              <a:ext uri="{28A0092B-C50C-407E-A947-70E740481C1C}">
+                <a14:useLocalDpi xmlns:a14="http://schemas.microsoft.com/office/drawing/2010/main" val="0"/>
+              </a:ext>
+              <a:ext uri="{96DAC541-7B7A-43D3-8B79-37D633B846F1}">
+                <asvg:svgBlip xmlns:asvg="http://schemas.microsoft.com/office/drawing/2016/SVG/main" r:embed="rId4"/>
+              </a:ext>
+            </a:extLst>
+          </a:blip>
+          <a:stretch>
+            <a:fillRect/>
+          </a:stretch>
+        </a:blipFill>
+        <a:ln w="19050" cap="flat" cmpd="sng" algn="ctr">
+          <a:noFill/>
+          <a:prstDash val="solid"/>
+          <a:miter lim="800000"/>
+        </a:ln>
+        <a:effectLst/>
+      </dsp:spPr>
+      <dsp:style>
+        <a:lnRef idx="2">
+          <a:scrgbClr r="0" g="0" b="0"/>
+        </a:lnRef>
+        <a:fillRef idx="1">
+          <a:scrgbClr r="0" g="0" b="0"/>
+        </a:fillRef>
+        <a:effectRef idx="0">
+          <a:scrgbClr r="0" g="0" b="0"/>
+        </a:effectRef>
+        <a:fontRef idx="minor">
+          <a:schemeClr val="lt1"/>
+        </a:fontRef>
+      </dsp:style>
+    </dsp:sp>
+    <dsp:sp modelId="{F5ED26C4-98CB-4826-AB51-C9D0CE125B04}">
+      <dsp:nvSpPr>
+        <dsp:cNvPr id="0" name=""/>
+        <dsp:cNvSpPr/>
+      </dsp:nvSpPr>
+      <dsp:spPr>
+        <a:xfrm>
+          <a:off x="1059754" y="1151227"/>
+          <a:ext cx="5304469" cy="917536"/>
+        </a:xfrm>
+        <a:prstGeom prst="rect">
+          <a:avLst/>
+        </a:prstGeom>
+        <a:noFill/>
+        <a:ln>
+          <a:noFill/>
+        </a:ln>
+        <a:effectLst/>
+      </dsp:spPr>
+      <dsp:style>
+        <a:lnRef idx="0">
+          <a:scrgbClr r="0" g="0" b="0"/>
+        </a:lnRef>
+        <a:fillRef idx="0">
+          <a:scrgbClr r="0" g="0" b="0"/>
+        </a:fillRef>
+        <a:effectRef idx="0">
+          <a:scrgbClr r="0" g="0" b="0"/>
+        </a:effectRef>
+        <a:fontRef idx="minor"/>
+      </dsp:style>
+      <dsp:txBody>
+        <a:bodyPr spcFirstLastPara="0" vert="horz" wrap="square" lIns="97106" tIns="97106" rIns="97106" bIns="97106" numCol="1" spcCol="1270" anchor="ctr" anchorCtr="0">
+          <a:noAutofit/>
+        </a:bodyPr>
+        <a:lstStyle/>
+        <a:p>
+          <a:pPr marL="0" lvl="0" indent="0" algn="l" defTabSz="844550">
+            <a:lnSpc>
+              <a:spcPct val="90000"/>
+            </a:lnSpc>
+            <a:spcBef>
+              <a:spcPct val="0"/>
+            </a:spcBef>
+            <a:spcAft>
+              <a:spcPct val="35000"/>
+            </a:spcAft>
+            <a:buNone/>
+          </a:pPr>
+          <a:r>
+            <a:rPr lang="en-US" sz="1900" kern="1200"/>
+            <a:t>Motivational popups appear randomly</a:t>
+          </a:r>
+        </a:p>
+      </dsp:txBody>
+      <dsp:txXfrm>
+        <a:off x="1059754" y="1151227"/>
+        <a:ext cx="5304469" cy="917536"/>
+      </dsp:txXfrm>
+    </dsp:sp>
+    <dsp:sp modelId="{519E1338-58A1-4FFE-B31B-97221C6E4442}">
+      <dsp:nvSpPr>
+        <dsp:cNvPr id="0" name=""/>
+        <dsp:cNvSpPr/>
+      </dsp:nvSpPr>
+      <dsp:spPr>
+        <a:xfrm>
+          <a:off x="0" y="2298147"/>
+          <a:ext cx="6364224" cy="917536"/>
+        </a:xfrm>
+        <a:prstGeom prst="roundRect">
+          <a:avLst>
+            <a:gd name="adj" fmla="val 10000"/>
+          </a:avLst>
+        </a:prstGeom>
+        <a:solidFill>
+          <a:schemeClr val="bg1">
+            <a:lumMod val="95000"/>
+            <a:hueOff val="0"/>
+            <a:satOff val="0"/>
+            <a:lumOff val="0"/>
+            <a:alphaOff val="0"/>
+          </a:schemeClr>
+        </a:solidFill>
+        <a:ln>
+          <a:noFill/>
+        </a:ln>
+        <a:effectLst/>
+      </dsp:spPr>
+      <dsp:style>
+        <a:lnRef idx="0">
+          <a:scrgbClr r="0" g="0" b="0"/>
+        </a:lnRef>
+        <a:fillRef idx="1">
+          <a:scrgbClr r="0" g="0" b="0"/>
+        </a:fillRef>
+        <a:effectRef idx="0">
+          <a:scrgbClr r="0" g="0" b="0"/>
+        </a:effectRef>
+        <a:fontRef idx="minor"/>
+      </dsp:style>
+    </dsp:sp>
+    <dsp:sp modelId="{78B85D1E-582D-48E1-9A4A-7D193BDC68B6}">
+      <dsp:nvSpPr>
+        <dsp:cNvPr id="0" name=""/>
+        <dsp:cNvSpPr/>
+      </dsp:nvSpPr>
+      <dsp:spPr>
+        <a:xfrm>
+          <a:off x="277554" y="2504593"/>
+          <a:ext cx="504644" cy="504644"/>
+        </a:xfrm>
+        <a:prstGeom prst="rect">
+          <a:avLst/>
+        </a:prstGeom>
+        <a:blipFill>
+          <a:blip xmlns:r="http://schemas.openxmlformats.org/officeDocument/2006/relationships" r:embed="rId5">
+            <a:extLst>
+              <a:ext uri="{28A0092B-C50C-407E-A947-70E740481C1C}">
+                <a14:useLocalDpi xmlns:a14="http://schemas.microsoft.com/office/drawing/2010/main" val="0"/>
+              </a:ext>
+              <a:ext uri="{96DAC541-7B7A-43D3-8B79-37D633B846F1}">
+                <asvg:svgBlip xmlns:asvg="http://schemas.microsoft.com/office/drawing/2016/SVG/main" r:embed="rId6"/>
+              </a:ext>
+            </a:extLst>
+          </a:blip>
+          <a:stretch>
+            <a:fillRect/>
+          </a:stretch>
+        </a:blipFill>
+        <a:ln w="19050" cap="flat" cmpd="sng" algn="ctr">
+          <a:noFill/>
+          <a:prstDash val="solid"/>
+          <a:miter lim="800000"/>
+        </a:ln>
+        <a:effectLst/>
+      </dsp:spPr>
+      <dsp:style>
+        <a:lnRef idx="2">
+          <a:scrgbClr r="0" g="0" b="0"/>
+        </a:lnRef>
+        <a:fillRef idx="1">
+          <a:scrgbClr r="0" g="0" b="0"/>
+        </a:fillRef>
+        <a:effectRef idx="0">
+          <a:scrgbClr r="0" g="0" b="0"/>
+        </a:effectRef>
+        <a:fontRef idx="minor">
+          <a:schemeClr val="lt1"/>
+        </a:fontRef>
+      </dsp:style>
+    </dsp:sp>
+    <dsp:sp modelId="{E486DB51-278B-45F1-8A76-2360092A2DD9}">
+      <dsp:nvSpPr>
+        <dsp:cNvPr id="0" name=""/>
+        <dsp:cNvSpPr/>
+      </dsp:nvSpPr>
+      <dsp:spPr>
+        <a:xfrm>
+          <a:off x="1059754" y="2298147"/>
+          <a:ext cx="5304469" cy="917536"/>
+        </a:xfrm>
+        <a:prstGeom prst="rect">
+          <a:avLst/>
+        </a:prstGeom>
+        <a:noFill/>
+        <a:ln>
+          <a:noFill/>
+        </a:ln>
+        <a:effectLst/>
+      </dsp:spPr>
+      <dsp:style>
+        <a:lnRef idx="0">
+          <a:scrgbClr r="0" g="0" b="0"/>
+        </a:lnRef>
+        <a:fillRef idx="0">
+          <a:scrgbClr r="0" g="0" b="0"/>
+        </a:fillRef>
+        <a:effectRef idx="0">
+          <a:scrgbClr r="0" g="0" b="0"/>
+        </a:effectRef>
+        <a:fontRef idx="minor"/>
+      </dsp:style>
+      <dsp:txBody>
+        <a:bodyPr spcFirstLastPara="0" vert="horz" wrap="square" lIns="97106" tIns="97106" rIns="97106" bIns="97106" numCol="1" spcCol="1270" anchor="ctr" anchorCtr="0">
+          <a:noAutofit/>
+        </a:bodyPr>
+        <a:lstStyle/>
+        <a:p>
+          <a:pPr marL="0" lvl="0" indent="0" algn="l" defTabSz="844550">
+            <a:lnSpc>
+              <a:spcPct val="90000"/>
+            </a:lnSpc>
+            <a:spcBef>
+              <a:spcPct val="0"/>
+            </a:spcBef>
+            <a:spcAft>
+              <a:spcPct val="35000"/>
+            </a:spcAft>
+            <a:buNone/>
+          </a:pPr>
+          <a:r>
+            <a:rPr lang="en-US" sz="1900" kern="1200"/>
+            <a:t>Progress updates automatically</a:t>
+          </a:r>
+        </a:p>
+      </dsp:txBody>
+      <dsp:txXfrm>
+        <a:off x="1059754" y="2298147"/>
+        <a:ext cx="5304469" cy="917536"/>
+      </dsp:txXfrm>
+    </dsp:sp>
+    <dsp:sp modelId="{DC6A41E7-B243-46EF-87CA-90432FDD3223}">
+      <dsp:nvSpPr>
+        <dsp:cNvPr id="0" name=""/>
+        <dsp:cNvSpPr/>
+      </dsp:nvSpPr>
+      <dsp:spPr>
+        <a:xfrm>
+          <a:off x="0" y="3445068"/>
+          <a:ext cx="6364224" cy="917536"/>
+        </a:xfrm>
+        <a:prstGeom prst="roundRect">
+          <a:avLst>
+            <a:gd name="adj" fmla="val 10000"/>
+          </a:avLst>
+        </a:prstGeom>
+        <a:solidFill>
+          <a:schemeClr val="bg1">
+            <a:lumMod val="95000"/>
+            <a:hueOff val="0"/>
+            <a:satOff val="0"/>
+            <a:lumOff val="0"/>
+            <a:alphaOff val="0"/>
+          </a:schemeClr>
+        </a:solidFill>
+        <a:ln>
+          <a:noFill/>
+        </a:ln>
+        <a:effectLst/>
+      </dsp:spPr>
+      <dsp:style>
+        <a:lnRef idx="0">
+          <a:scrgbClr r="0" g="0" b="0"/>
+        </a:lnRef>
+        <a:fillRef idx="1">
+          <a:scrgbClr r="0" g="0" b="0"/>
+        </a:fillRef>
+        <a:effectRef idx="0">
+          <a:scrgbClr r="0" g="0" b="0"/>
+        </a:effectRef>
+        <a:fontRef idx="minor"/>
+      </dsp:style>
+    </dsp:sp>
+    <dsp:sp modelId="{AD27FE32-712D-4116-8C32-E950D18D428E}">
+      <dsp:nvSpPr>
+        <dsp:cNvPr id="0" name=""/>
+        <dsp:cNvSpPr/>
+      </dsp:nvSpPr>
+      <dsp:spPr>
+        <a:xfrm>
+          <a:off x="277554" y="3651513"/>
+          <a:ext cx="504644" cy="504644"/>
+        </a:xfrm>
+        <a:prstGeom prst="rect">
+          <a:avLst/>
+        </a:prstGeom>
+        <a:blipFill>
+          <a:blip xmlns:r="http://schemas.openxmlformats.org/officeDocument/2006/relationships" r:embed="rId7">
+            <a:extLst>
+              <a:ext uri="{28A0092B-C50C-407E-A947-70E740481C1C}">
+                <a14:useLocalDpi xmlns:a14="http://schemas.microsoft.com/office/drawing/2010/main" val="0"/>
+              </a:ext>
+              <a:ext uri="{96DAC541-7B7A-43D3-8B79-37D633B846F1}">
+                <asvg:svgBlip xmlns:asvg="http://schemas.microsoft.com/office/drawing/2016/SVG/main" r:embed="rId8"/>
+              </a:ext>
+            </a:extLst>
+          </a:blip>
+          <a:stretch>
+            <a:fillRect/>
+          </a:stretch>
+        </a:blipFill>
+        <a:ln w="19050" cap="flat" cmpd="sng" algn="ctr">
+          <a:noFill/>
+          <a:prstDash val="solid"/>
+          <a:miter lim="800000"/>
+        </a:ln>
+        <a:effectLst/>
+      </dsp:spPr>
+      <dsp:style>
+        <a:lnRef idx="2">
+          <a:scrgbClr r="0" g="0" b="0"/>
+        </a:lnRef>
+        <a:fillRef idx="1">
+          <a:scrgbClr r="0" g="0" b="0"/>
+        </a:fillRef>
+        <a:effectRef idx="0">
+          <a:scrgbClr r="0" g="0" b="0"/>
+        </a:effectRef>
+        <a:fontRef idx="minor">
+          <a:schemeClr val="lt1"/>
+        </a:fontRef>
+      </dsp:style>
+    </dsp:sp>
+    <dsp:sp modelId="{AA3E5711-2120-4C20-AB17-189D5D9E25A2}">
+      <dsp:nvSpPr>
+        <dsp:cNvPr id="0" name=""/>
+        <dsp:cNvSpPr/>
+      </dsp:nvSpPr>
+      <dsp:spPr>
+        <a:xfrm>
+          <a:off x="1059754" y="3445068"/>
+          <a:ext cx="5304469" cy="917536"/>
+        </a:xfrm>
+        <a:prstGeom prst="rect">
+          <a:avLst/>
+        </a:prstGeom>
+        <a:noFill/>
+        <a:ln>
+          <a:noFill/>
+        </a:ln>
+        <a:effectLst/>
+      </dsp:spPr>
+      <dsp:style>
+        <a:lnRef idx="0">
+          <a:scrgbClr r="0" g="0" b="0"/>
+        </a:lnRef>
+        <a:fillRef idx="0">
+          <a:scrgbClr r="0" g="0" b="0"/>
+        </a:fillRef>
+        <a:effectRef idx="0">
+          <a:scrgbClr r="0" g="0" b="0"/>
+        </a:effectRef>
+        <a:fontRef idx="minor"/>
+      </dsp:style>
+      <dsp:txBody>
+        <a:bodyPr spcFirstLastPara="0" vert="horz" wrap="square" lIns="97106" tIns="97106" rIns="97106" bIns="97106" numCol="1" spcCol="1270" anchor="ctr" anchorCtr="0">
+          <a:noAutofit/>
+        </a:bodyPr>
+        <a:lstStyle/>
+        <a:p>
+          <a:pPr marL="0" lvl="0" indent="0" algn="l" defTabSz="844550">
+            <a:lnSpc>
+              <a:spcPct val="90000"/>
+            </a:lnSpc>
+            <a:spcBef>
+              <a:spcPct val="0"/>
+            </a:spcBef>
+            <a:spcAft>
+              <a:spcPct val="35000"/>
+            </a:spcAft>
+            <a:buNone/>
+          </a:pPr>
+          <a:r>
+            <a:rPr lang="en-US" sz="1900" kern="1200"/>
+            <a:t>Save, load tasks, and set color themes</a:t>
+          </a:r>
+        </a:p>
+      </dsp:txBody>
+      <dsp:txXfrm>
+        <a:off x="1059754" y="3445068"/>
+        <a:ext cx="5304469" cy="917536"/>
+      </dsp:txXfrm>
+    </dsp:sp>
+    <dsp:sp modelId="{D07AD422-C804-4194-8DAD-574CAFD55B3A}">
+      <dsp:nvSpPr>
+        <dsp:cNvPr id="0" name=""/>
+        <dsp:cNvSpPr/>
+      </dsp:nvSpPr>
+      <dsp:spPr>
+        <a:xfrm>
+          <a:off x="0" y="4591988"/>
+          <a:ext cx="6364224" cy="917536"/>
+        </a:xfrm>
+        <a:prstGeom prst="roundRect">
+          <a:avLst>
+            <a:gd name="adj" fmla="val 10000"/>
+          </a:avLst>
+        </a:prstGeom>
+        <a:solidFill>
+          <a:schemeClr val="bg1">
+            <a:lumMod val="95000"/>
+            <a:hueOff val="0"/>
+            <a:satOff val="0"/>
+            <a:lumOff val="0"/>
+            <a:alphaOff val="0"/>
+          </a:schemeClr>
+        </a:solidFill>
+        <a:ln>
+          <a:noFill/>
+        </a:ln>
+        <a:effectLst/>
+      </dsp:spPr>
+      <dsp:style>
+        <a:lnRef idx="0">
+          <a:scrgbClr r="0" g="0" b="0"/>
+        </a:lnRef>
+        <a:fillRef idx="1">
+          <a:scrgbClr r="0" g="0" b="0"/>
+        </a:fillRef>
+        <a:effectRef idx="0">
+          <a:scrgbClr r="0" g="0" b="0"/>
+        </a:effectRef>
+        <a:fontRef idx="minor"/>
+      </dsp:style>
+    </dsp:sp>
+    <dsp:sp modelId="{6A318468-D3BD-42A7-AEFF-046003A7D642}">
+      <dsp:nvSpPr>
+        <dsp:cNvPr id="0" name=""/>
+        <dsp:cNvSpPr/>
+      </dsp:nvSpPr>
+      <dsp:spPr>
+        <a:xfrm>
+          <a:off x="277554" y="4798433"/>
+          <a:ext cx="504644" cy="504644"/>
+        </a:xfrm>
+        <a:prstGeom prst="rect">
+          <a:avLst/>
+        </a:prstGeom>
+        <a:blipFill>
+          <a:blip xmlns:r="http://schemas.openxmlformats.org/officeDocument/2006/relationships" r:embed="rId9">
+            <a:extLst>
+              <a:ext uri="{28A0092B-C50C-407E-A947-70E740481C1C}">
+                <a14:useLocalDpi xmlns:a14="http://schemas.microsoft.com/office/drawing/2010/main" val="0"/>
+              </a:ext>
+              <a:ext uri="{96DAC541-7B7A-43D3-8B79-37D633B846F1}">
+                <asvg:svgBlip xmlns:asvg="http://schemas.microsoft.com/office/drawing/2016/SVG/main" r:embed="rId10"/>
+              </a:ext>
+            </a:extLst>
+          </a:blip>
+          <a:stretch>
+            <a:fillRect/>
+          </a:stretch>
+        </a:blipFill>
+        <a:ln w="19050" cap="flat" cmpd="sng" algn="ctr">
+          <a:noFill/>
+          <a:prstDash val="solid"/>
+          <a:miter lim="800000"/>
+        </a:ln>
+        <a:effectLst/>
+      </dsp:spPr>
+      <dsp:style>
+        <a:lnRef idx="2">
+          <a:scrgbClr r="0" g="0" b="0"/>
+        </a:lnRef>
+        <a:fillRef idx="1">
+          <a:scrgbClr r="0" g="0" b="0"/>
+        </a:fillRef>
+        <a:effectRef idx="0">
+          <a:scrgbClr r="0" g="0" b="0"/>
+        </a:effectRef>
+        <a:fontRef idx="minor">
+          <a:schemeClr val="lt1"/>
+        </a:fontRef>
+      </dsp:style>
+    </dsp:sp>
+    <dsp:sp modelId="{0CEFDFD9-A324-435D-9FA8-7395A9E64822}">
+      <dsp:nvSpPr>
+        <dsp:cNvPr id="0" name=""/>
+        <dsp:cNvSpPr/>
+      </dsp:nvSpPr>
+      <dsp:spPr>
+        <a:xfrm>
+          <a:off x="1059754" y="4591988"/>
+          <a:ext cx="5304469" cy="917536"/>
+        </a:xfrm>
+        <a:prstGeom prst="rect">
+          <a:avLst/>
+        </a:prstGeom>
+        <a:noFill/>
+        <a:ln>
+          <a:noFill/>
+        </a:ln>
+        <a:effectLst/>
+      </dsp:spPr>
+      <dsp:style>
+        <a:lnRef idx="0">
+          <a:scrgbClr r="0" g="0" b="0"/>
+        </a:lnRef>
+        <a:fillRef idx="0">
+          <a:scrgbClr r="0" g="0" b="0"/>
+        </a:fillRef>
+        <a:effectRef idx="0">
+          <a:scrgbClr r="0" g="0" b="0"/>
+        </a:effectRef>
+        <a:fontRef idx="minor"/>
+      </dsp:style>
+      <dsp:txBody>
+        <a:bodyPr spcFirstLastPara="0" vert="horz" wrap="square" lIns="97106" tIns="97106" rIns="97106" bIns="97106" numCol="1" spcCol="1270" anchor="ctr" anchorCtr="0">
+          <a:noAutofit/>
+        </a:bodyPr>
+        <a:lstStyle/>
+        <a:p>
+          <a:pPr marL="0" lvl="0" indent="0" algn="l" defTabSz="844550">
+            <a:lnSpc>
+              <a:spcPct val="90000"/>
+            </a:lnSpc>
+            <a:spcBef>
+              <a:spcPct val="0"/>
+            </a:spcBef>
+            <a:spcAft>
+              <a:spcPct val="35000"/>
+            </a:spcAft>
+            <a:buNone/>
+          </a:pPr>
+          <a:r>
+            <a:rPr lang="en-US" sz="1900" kern="1200"/>
+            <a:t>(Screen share the app live here)</a:t>
+          </a:r>
+        </a:p>
+      </dsp:txBody>
+      <dsp:txXfrm>
+        <a:off x="1059754" y="4591988"/>
+        <a:ext cx="5304469" cy="917536"/>
+      </dsp:txXfrm>
+    </dsp:sp>
+  </dsp:spTree>
+</dsp:drawing>
+</file>
+
+<file path=ppt/diagrams/layout1.xml><?xml version="1.0" encoding="utf-8"?>
+<dgm:layoutDef xmlns:dgm="http://schemas.openxmlformats.org/drawingml/2006/diagram" xmlns:a="http://schemas.openxmlformats.org/drawingml/2006/main" uniqueId="urn:microsoft.com/office/officeart/2018/2/layout/IconVerticalSolidList">
+  <dgm:title val="Icon Vertical Solid List"/>
+  <dgm:desc val="Use to show a series of visuals from top to bottom with Level 1 or Level 1 and Level 2 text grouped in a shape. Works best with icons or small pictures with lengthier descriptions."/>
+  <dgm:catLst>
+    <dgm:cat type="icon" pri="500"/>
+  </dgm:catLst>
+  <dgm:sampData useDef="1">
+    <dgm:dataModel>
+      <dgm:ptLst/>
+      <dgm:bg/>
+      <dgm:whole/>
+    </dgm:dataModel>
+  </dgm:sampData>
+  <dgm:styleData useDef="1">
+    <dgm:dataModel>
+      <dgm:ptLst/>
+      <dgm:bg/>
+      <dgm:whole/>
+    </dgm:dataModel>
+  </dgm:styleData>
+  <dgm:clrData useDef="1">
+    <dgm:dataModel>
+      <dgm:ptLst/>
+      <dgm:bg/>
+      <dgm:whole/>
+    </dgm:dataModel>
+  </dgm:clrData>
+  <dgm:layoutNode name="root">
+    <dgm:varLst>
+      <dgm:dir/>
+      <dgm:resizeHandles val="exact"/>
+    </dgm:varLst>
+    <dgm:choose name="Name0">
+      <dgm:if name="Name1" axis="self" func="var" arg="dir" op="equ" val="norm">
+        <dgm:alg type="lin">
+          <dgm:param type="linDir" val="fromT"/>
+          <dgm:param type="nodeHorzAlign" val="l"/>
+        </dgm:alg>
+      </dgm:if>
+      <dgm:else name="Name2">
+        <dgm:alg type="lin">
+          <dgm:param type="linDir" val="fromT"/>
+          <dgm:param type="nodeHorzAlign" val="r"/>
+        </dgm:alg>
+      </dgm:else>
+    </dgm:choose>
+    <dgm:shape xmlns:r="http://schemas.openxmlformats.org/officeDocument/2006/relationships" r:blip="">
+      <dgm:adjLst/>
+    </dgm:shape>
+    <dgm:presOf/>
+    <dgm:choose name="Name3">
+      <dgm:if name="Name4" axis="ch" ptType="node" func="cnt" op="lte" val="3">
+        <dgm:constrLst>
+          <dgm:constr type="h" for="ch" forName="compNode" refType="h" fact="0.3"/>
+          <dgm:constr type="w" for="ch" forName="compNode" refType="w"/>
+          <dgm:constr type="h" for="ch" forName="sibTrans" refType="h" refFor="ch" refForName="compNode" fact="0.25"/>
+          <dgm:constr type="primFontSz" for="des" forName="parTx" val="25"/>
+          <dgm:constr type="primFontSz" for="des" forName="desTx" refType="primFontSz" refFor="des" refForName="parTx" op="lte" fact="0.75"/>
+          <dgm:constr type="h" for="des" forName="compNode" op="equ"/>
+          <dgm:constr type="h" for="des" forName="bgRect" op="equ"/>
+          <dgm:constr type="h" for="des" forName="iconRect" op="equ"/>
+          <dgm:constr type="w" for="des" forName="iconRect" op="equ"/>
+          <dgm:constr type="h" for="des" forName="spaceRect" op="equ"/>
+          <dgm:constr type="h" for="des" forName="parTx" op="equ"/>
+          <dgm:constr type="h" for="des" forName="desTx" op="equ"/>
+        </dgm:constrLst>
+      </dgm:if>
+      <dgm:if name="Name5" axis="ch" ptType="node" func="cnt" op="lte" val="4">
+        <dgm:constrLst>
+          <dgm:constr type="h" for="ch" forName="compNode" refType="h" fact="0.3"/>
+          <dgm:constr type="w" for="ch" forName="compNode" refType="w"/>
+          <dgm:constr type="h" for="ch" forName="sibTrans" refType="h" refFor="ch" refForName="compNode" fact="0.25"/>
+          <dgm:constr type="primFontSz" for="des" forName="parTx" val="22"/>
+          <dgm:constr type="primFontSz" for="des" forName="desTx" refType="primFontSz" refFor="des" refForName="parTx" op="lte" fact="0.75"/>
+          <dgm:constr type="h" for="des" forName="compNode" op="equ"/>
+          <dgm:constr type="h" for="des" forName="bgRect" op="equ"/>
+          <dgm:constr type="h" for="des" forName="iconRect" op="equ"/>
+          <dgm:constr type="w" for="des" forName="iconRect" op="equ"/>
+          <dgm:constr type="h" for="des" forName="spaceRect" op="equ"/>
+          <dgm:constr type="h" for="des" forName="parTx" op="equ"/>
+          <dgm:constr type="h" for="des" forName="desTx" op="equ"/>
+        </dgm:constrLst>
+      </dgm:if>
+      <dgm:if name="Name6" axis="ch" ptType="node" func="cnt" op="lte" val="6">
+        <dgm:constrLst>
+          <dgm:constr type="h" for="ch" forName="compNode" refType="h" fact="0.3"/>
+          <dgm:constr type="w" for="ch" forName="compNode" refType="w"/>
+          <dgm:constr type="h" for="ch" forName="sibTrans" refType="h" refFor="ch" refForName="compNode" fact="0.25"/>
+          <dgm:constr type="primFontSz" for="des" forName="parTx" val="19"/>
+          <dgm:constr type="primFontSz" for="des" forName="desTx" refType="primFontSz" refFor="des" refForName="parTx" op="lte" fact="0.75"/>
+          <dgm:constr type="h" for="des" forName="compNode" op="equ"/>
+          <dgm:constr type="h" for="des" forName="bgRect" op="equ"/>
+          <dgm:constr type="h" for="des" forName="iconRect" op="equ"/>
+          <dgm:constr type="w" for="des" forName="iconRect" op="equ"/>
+          <dgm:constr type="h" for="des" forName="spaceRect" op="equ"/>
+          <dgm:constr type="h" for="des" forName="parTx" op="equ"/>
+          <dgm:constr type="h" for="des" forName="desTx" op="equ"/>
+        </dgm:constrLst>
+      </dgm:if>
+      <dgm:else name="Name7">
+        <dgm:constrLst>
+          <dgm:constr type="h" for="ch" forName="compNode" refType="h" fact="0.3"/>
+          <dgm:constr type="w" for="ch" forName="compNode" refType="w"/>
+          <dgm:constr type="h" for="ch" forName="sibTrans" refType="h" refFor="ch" refForName="compNode" fact="0.25"/>
+          <dgm:constr type="primFontSz" for="des" forName="parTx" val="16"/>
+          <dgm:constr type="primFontSz" for="des" forName="desTx" refType="primFontSz" refFor="des" refForName="parTx" op="lte" fact="0.75"/>
+          <dgm:constr type="h" for="des" forName="compNode" op="equ"/>
+          <dgm:constr type="h" for="des" forName="bgRect" op="equ"/>
+          <dgm:constr type="h" for="des" forName="iconRect" op="equ"/>
+          <dgm:constr type="w" for="des" forName="iconRect" op="equ"/>
+          <dgm:constr type="h" for="des" forName="spaceRect" op="equ"/>
+          <dgm:constr type="h" for="des" forName="parTx" op="equ"/>
+          <dgm:constr type="h" for="des" forName="desTx" op="equ"/>
+        </dgm:constrLst>
+      </dgm:else>
+    </dgm:choose>
+    <dgm:ruleLst>
+      <dgm:rule type="h" for="ch" forName="compNode" val="0" fact="NaN" max="NaN"/>
+    </dgm:ruleLst>
+    <dgm:forEach name="Name8" axis="ch" ptType="node">
+      <dgm:layoutNode name="compNode">
+        <dgm:alg type="composite"/>
+        <dgm:shape xmlns:r="http://schemas.openxmlformats.org/officeDocument/2006/relationships" r:blip="">
+          <dgm:adjLst/>
+        </dgm:shape>
+        <dgm:presOf axis="self"/>
+        <dgm:choose name="Name9">
+          <dgm:if name="Name10" axis="ch" ptType="node" func="cnt" op="gte" val="1">
+            <dgm:constrLst>
+              <dgm:constr type="w" for="ch" forName="bgRect" refType="w"/>
+              <dgm:constr type="h" for="ch" forName="bgRect" refType="h"/>
+              <dgm:constr type="l" for="ch" forName="bgRect"/>
+              <dgm:constr type="t" for="ch" forName="bgRect"/>
+              <dgm:constr type="h" for="ch" forName="iconRect" refType="h" fact="0.55"/>
+              <dgm:constr type="w" for="ch" forName="iconRect" refType="h" refFor="ch" refForName="iconRect"/>
+              <dgm:constr type="l" for="ch" forName="iconRect" refType="h" refFor="ch" refForName="iconRect" fact="0.55"/>
+              <dgm:constr type="ctrY" for="ch" forName="iconRect" refType="ctrY" refFor="ch" refForName="bgRect"/>
+              <dgm:constr type="w" for="ch" forName="spaceRect" refType="l" refFor="ch" refForName="iconRect"/>
+              <dgm:constr type="h" for="ch" forName="spaceRect" refType="h"/>
+              <dgm:constr type="l" for="ch" forName="spaceRect" refType="r" refFor="ch" refForName="iconRect"/>
+              <dgm:constr type="t" for="ch" forName="spaceRect"/>
+              <dgm:constr type="w" for="ch" forName="parTx" refType="w" fact="0.45"/>
+              <dgm:constr type="h" for="ch" forName="parTx" refType="h"/>
+              <dgm:constr type="l" for="ch" forName="parTx" refType="r" refFor="ch" refForName="spaceRect"/>
+              <dgm:constr type="t" for="ch" forName="parTx"/>
+              <dgm:constr type="h" for="ch" forName="desTx" refType="h"/>
+              <dgm:constr type="l" for="ch" forName="desTx" refType="r" refFor="ch" refForName="parTx"/>
+              <dgm:constr type="t" for="ch" forName="desTx"/>
+            </dgm:constrLst>
+          </dgm:if>
+          <dgm:else name="Name11">
+            <dgm:constrLst>
+              <dgm:constr type="w" for="ch" forName="bgRect" refType="w"/>
+              <dgm:constr type="h" for="ch" forName="bgRect" refType="h"/>
+              <dgm:constr type="l" for="ch" forName="bgRect"/>
+              <dgm:constr type="t" for="ch" forName="bgRect"/>
+              <dgm:constr type="h" for="ch" forName="iconRect" refType="h" fact="0.55"/>
+              <dgm:constr type="w" for="ch" forName="iconRect" refType="h" refFor="ch" refForName="iconRect"/>
+              <dgm:constr type="l" for="ch" forName="iconRect" refType="h" refFor="ch" refForName="iconRect" fact="0.55"/>
+              <dgm:constr type="ctrY" for="ch" forName="iconRect" refType="ctrY" refFor="ch" refForName="bgRect"/>
+              <dgm:constr type="w" for="ch" forName="spaceRect" refType="l" refFor="ch" refForName="iconRect"/>
+              <dgm:constr type="h" for="ch" forName="spaceRect" refType="h"/>
+              <dgm:constr type="l" for="ch" forName="spaceRect" refType="r" refFor="ch" refForName="iconRect"/>
+              <dgm:constr type="t" for="ch" forName="spaceRect"/>
+              <dgm:constr type="h" for="ch" forName="parTx" refType="h"/>
+              <dgm:constr type="l" for="ch" forName="parTx" refType="r" refFor="ch" refForName="spaceRect"/>
+              <dgm:constr type="t" for="ch" forName="parTx"/>
+            </dgm:constrLst>
+          </dgm:else>
+        </dgm:choose>
+        <dgm:ruleLst>
+          <dgm:rule type="h" val="INF" fact="NaN" max="NaN"/>
+        </dgm:ruleLst>
+        <dgm:layoutNode name="bgRect" styleLbl="bgShp">
+          <dgm:alg type="sp"/>
+          <dgm:shape xmlns:r="http://schemas.openxmlformats.org/officeDocument/2006/relationships" type="roundRect" r:blip="">
+            <dgm:adjLst>
+              <dgm:adj idx="1" val="0.1"/>
+            </dgm:adjLst>
+          </dgm:shape>
+          <dgm:presOf/>
+          <dgm:constrLst/>
+          <dgm:ruleLst/>
+        </dgm:layoutNode>
+        <dgm:layoutNode name="iconRect" styleLbl="node1">
+          <dgm:alg type="sp"/>
+          <dgm:shape xmlns:r="http://schemas.openxmlformats.org/officeDocument/2006/relationships" type="rect" r:blip="" blipPhldr="1">
+            <dgm:adjLst/>
+          </dgm:shape>
+          <dgm:presOf/>
+          <dgm:constrLst/>
+          <dgm:ruleLst/>
+        </dgm:layoutNode>
+        <dgm:layoutNode name="spaceRect">
+          <dgm:alg type="sp"/>
+          <dgm:shape xmlns:r="http://schemas.openxmlformats.org/officeDocument/2006/relationships" r:blip="">
+            <dgm:adjLst/>
+          </dgm:shape>
+          <dgm:presOf/>
+          <dgm:constrLst/>
+          <dgm:ruleLst/>
+        </dgm:layoutNode>
+        <dgm:layoutNode name="parTx" styleLbl="revTx">
+          <dgm:varLst>
+            <dgm:chMax val="0"/>
+            <dgm:chPref val="0"/>
+          </dgm:varLst>
+          <dgm:alg type="tx">
+            <dgm:param type="txAnchorVert" val="mid"/>
+            <dgm:param type="parTxLTRAlign" val="l"/>
+            <dgm:param type="shpTxLTRAlignCh" val="l"/>
+            <dgm:param type="parTxRTLAlign" val="r"/>
+            <dgm:param type="shpTxRTLAlignCh" val="r"/>
+          </dgm:alg>
+          <dgm:shape xmlns:r="http://schemas.openxmlformats.org/officeDocument/2006/relationships" type="rect" r:blip="">
+            <dgm:adjLst/>
+          </dgm:shape>
+          <dgm:presOf axis="self" ptType="node"/>
+          <dgm:constrLst>
+            <dgm:constr type="lMarg" refType="h" fact="0.3"/>
+            <dgm:constr type="rMarg" refType="h" fact="0.3"/>
+            <dgm:constr type="tMarg" refType="h" fact="0.3"/>
+            <dgm:constr type="bMarg" refType="h" fact="0.3"/>
+          </dgm:constrLst>
+          <dgm:ruleLst>
+            <dgm:rule type="primFontSz" val="14" fact="NaN" max="NaN"/>
+            <dgm:rule type="h" val="INF" fact="NaN" max="NaN"/>
+          </dgm:ruleLst>
+        </dgm:layoutNode>
+        <dgm:choose name="Name12">
+          <dgm:if name="Name13" axis="ch" ptType="node" func="cnt" op="gte" val="1">
+            <dgm:layoutNode name="desTx" styleLbl="revTx">
+              <dgm:varLst/>
+              <dgm:alg type="tx">
+                <dgm:param type="txAnchorVertCh" val="mid"/>
+                <dgm:param type="parTxLTRAlign" val="l"/>
+                <dgm:param type="shpTxLTRAlignCh" val="l"/>
+                <dgm:param type="parTxRTLAlign" val="r"/>
+                <dgm:param type="shpTxRTLAlignCh" val="r"/>
+                <dgm:param type="stBulletLvl" val="0"/>
+              </dgm:alg>
+              <dgm:shape xmlns:r="http://schemas.openxmlformats.org/officeDocument/2006/relationships" type="rect" r:blip="">
+                <dgm:adjLst/>
+              </dgm:shape>
+              <dgm:presOf axis="des" ptType="node"/>
+              <dgm:constrLst>
+                <dgm:constr type="primFontSz" val="18"/>
+                <dgm:constr type="secFontSz" refType="primFontSz"/>
+                <dgm:constr type="lMarg" refType="h" fact="0.3"/>
+                <dgm:constr type="rMarg" refType="h" fact="0.3"/>
+                <dgm:constr type="tMarg" refType="h" fact="0.3"/>
+                <dgm:constr type="bMarg" refType="h" fact="0.3"/>
+              </dgm:constrLst>
+              <dgm:ruleLst>
+                <dgm:rule type="primFontSz" val="11" fact="NaN" max="NaN"/>
+              </dgm:ruleLst>
+            </dgm:layoutNode>
+          </dgm:if>
+          <dgm:else name="Name14"/>
+        </dgm:choose>
+      </dgm:layoutNode>
+      <dgm:forEach name="Name15" axis="followSib" ptType="sibTrans" cnt="1">
+        <dgm:layoutNode name="sibTrans">
+          <dgm:alg type="sp"/>
+          <dgm:shape xmlns:r="http://schemas.openxmlformats.org/officeDocument/2006/relationships" r:blip="">
+            <dgm:adjLst/>
+          </dgm:shape>
+          <dgm:presOf axis="self"/>
+          <dgm:constrLst/>
+          <dgm:ruleLst/>
+        </dgm:layoutNode>
+      </dgm:forEach>
+    </dgm:forEach>
+  </dgm:layoutNode>
+  <dgm:extLst>
+    <a:ext uri="{68A01E43-0DF5-4B5B-8FA6-DAF915123BFB}">
+      <dgm1612:lstStyle xmlns:dgm1612="http://schemas.microsoft.com/office/drawing/2016/12/diagram">
+        <a:lvl1pPr>
+          <a:lnSpc>
+            <a:spcPct val="100000"/>
+          </a:lnSpc>
+        </a:lvl1pPr>
+        <a:lvl2pPr>
+          <a:lnSpc>
+            <a:spcPct val="100000"/>
+          </a:lnSpc>
+        </a:lvl2pPr>
+      </dgm1612:lstStyle>
+    </a:ext>
+  </dgm:extLst>
+</dgm:layoutDef>
+</file>
+
+<file path=ppt/diagrams/quickStyle1.xml><?xml version="1.0" encoding="utf-8"?>
+<dgm:styleDef xmlns:dgm="http://schemas.openxmlformats.org/drawingml/2006/diagram" xmlns:a="http://schemas.openxmlformats.org/drawingml/2006/main" uniqueId="urn:microsoft.com/office/officeart/2005/8/quickstyle/simple1">
+  <dgm:title val=""/>
+  <dgm:desc val=""/>
+  <dgm:catLst>
+    <dgm:cat type="simple" pri="10100"/>
+  </dgm:catLst>
+  <dgm:scene3d>
+    <a:camera prst="orthographicFront"/>
+    <a:lightRig rig="threePt" dir="t"/>
+  </dgm:scene3d>
+  <dgm:styleLbl name="node0">
+    <dgm:scene3d>
+      <a:camera prst="orthographicFront"/>
+      <a:lightRig rig="threePt" dir="t"/>
+    </dgm:scene3d>
+    <dgm:sp3d/>
+    <dgm:txPr/>
+    <dgm:style>
+      <a:lnRef idx="2">
+        <a:scrgbClr r="0" g="0" b="0"/>
+      </a:lnRef>
+      <a:fillRef idx="1">
+        <a:scrgbClr r="0" g="0" b="0"/>
+      </a:fillRef>
+      <a:effectRef idx="0">
+        <a:scrgbClr r="0" g="0" b="0"/>
+      </a:effectRef>
+      <a:fontRef idx="minor">
+        <a:schemeClr val="lt1"/>
+      </a:fontRef>
+    </dgm:style>
+  </dgm:styleLbl>
+  <dgm:styleLbl name="lnNode1">
+    <dgm:scene3d>
+      <a:camera prst="orthographicFront"/>
+      <a:lightRig rig="threePt" dir="t"/>
+    </dgm:scene3d>
+    <dgm:sp3d/>
+    <dgm:txPr/>
+    <dgm:style>
+      <a:lnRef idx="2">
+        <a:scrgbClr r="0" g="0" b="0"/>
+      </a:lnRef>
+      <a:fillRef idx="1">
+        <a:scrgbClr r="0" g="0" b="0"/>
+      </a:fillRef>
+      <a:effectRef idx="0">
+        <a:scrgbClr r="0" g="0" b="0"/>
+      </a:effectRef>
+      <a:fontRef idx="minor">
+        <a:schemeClr val="lt1"/>
+      </a:fontRef>
+    </dgm:style>
+  </dgm:styleLbl>
+  <dgm:styleLbl name="vennNode1">
+    <dgm:scene3d>
+      <a:camera prst="orthographicFront"/>
+      <a:lightRig rig="threePt" dir="t"/>
+    </dgm:scene3d>
+    <dgm:sp3d/>
+    <dgm:txPr/>
+    <dgm:style>
+      <a:lnRef idx="2">
+        <a:scrgbClr r="0" g="0" b="0"/>
+      </a:lnRef>
+      <a:fillRef idx="1">
+        <a:scrgbClr r="0" g="0" b="0"/>
+      </a:fillRef>
+      <a:effectRef idx="0">
+        <a:scrgbClr r="0" g="0" b="0"/>
+      </a:effectRef>
+      <a:fontRef idx="minor">
+        <a:schemeClr val="tx1"/>
+      </a:fontRef>
+    </dgm:style>
+  </dgm:styleLbl>
+  <dgm:styleLbl name="alignNode1">
+    <dgm:scene3d>
+      <a:camera prst="orthographicFront"/>
+      <a:lightRig rig="threePt" dir="t"/>
+    </dgm:scene3d>
+    <dgm:sp3d/>
+    <dgm:txPr/>
+    <dgm:style>
+      <a:lnRef idx="2">
+        <a:scrgbClr r="0" g="0" b="0"/>
+      </a:lnRef>
+      <a:fillRef idx="1">
+        <a:scrgbClr r="0" g="0" b="0"/>
+      </a:fillRef>
+      <a:effectRef idx="0">
+        <a:scrgbClr r="0" g="0" b="0"/>
+      </a:effectRef>
+      <a:fontRef idx="minor">
+        <a:schemeClr val="lt1"/>
+      </a:fontRef>
+    </dgm:style>
+  </dgm:styleLbl>
+  <dgm:styleLbl name="node1">
+    <dgm:scene3d>
+      <a:camera prst="orthographicFront"/>
+      <a:lightRig rig="threePt" dir="t"/>
+    </dgm:scene3d>
+    <dgm:sp3d/>
+    <dgm:txPr/>
+    <dgm:style>
+      <a:lnRef idx="2">
+        <a:scrgbClr r="0" g="0" b="0"/>
+      </a:lnRef>
+      <a:fillRef idx="1">
+        <a:scrgbClr r="0" g="0" b="0"/>
+      </a:fillRef>
+      <a:effectRef idx="0">
+        <a:scrgbClr r="0" g="0" b="0"/>
+      </a:effectRef>
+      <a:fontRef idx="minor">
+        <a:schemeClr val="lt1"/>
+      </a:fontRef>
+    </dgm:style>
+  </dgm:styleLbl>
+  <dgm:styleLbl name="node2">
+    <dgm:scene3d>
+      <a:camera prst="orthographicFront"/>
+      <a:lightRig rig="threePt" dir="t"/>
+    </dgm:scene3d>
+    <dgm:sp3d/>
+    <dgm:txPr/>
+    <dgm:style>
+      <a:lnRef idx="2">
+        <a:scrgbClr r="0" g="0" b="0"/>
+      </a:lnRef>
+      <a:fillRef idx="1">
+        <a:scrgbClr r="0" g="0" b="0"/>
+      </a:fillRef>
+      <a:effectRef idx="0">
+        <a:scrgbClr r="0" g="0" b="0"/>
+      </a:effectRef>
+      <a:fontRef idx="minor">
+        <a:schemeClr val="lt1"/>
+      </a:fontRef>
+    </dgm:style>
+  </dgm:styleLbl>
+  <dgm:styleLbl name="node3">
+    <dgm:scene3d>
+      <a:camera prst="orthographicFront"/>
+      <a:lightRig rig="threePt" dir="t"/>
+    </dgm:scene3d>
+    <dgm:sp3d/>
+    <dgm:txPr/>
+    <dgm:style>
+      <a:lnRef idx="2">
+        <a:scrgbClr r="0" g="0" b="0"/>
+      </a:lnRef>
+      <a:fillRef idx="1">
+        <a:scrgbClr r="0" g="0" b="0"/>
+      </a:fillRef>
+      <a:effectRef idx="0">
+        <a:scrgbClr r="0" g="0" b="0"/>
+      </a:effectRef>
+      <a:fontRef idx="minor">
+        <a:schemeClr val="lt1"/>
+      </a:fontRef>
+    </dgm:style>
+  </dgm:styleLbl>
+  <dgm:styleLbl name="node4">
+    <dgm:scene3d>
+      <a:camera prst="orthographicFront"/>
+      <a:lightRig rig="threePt" dir="t"/>
+    </dgm:scene3d>
+    <dgm:sp3d/>
+    <dgm:txPr/>
+    <dgm:style>
+      <a:lnRef idx="2">
+        <a:scrgbClr r="0" g="0" b="0"/>
+      </a:lnRef>
+      <a:fillRef idx="1">
+        <a:scrgbClr r="0" g="0" b="0"/>
+      </a:fillRef>
+      <a:effectRef idx="0">
+        <a:scrgbClr r="0" g="0" b="0"/>
+      </a:effectRef>
+      <a:fontRef idx="minor">
+        <a:schemeClr val="lt1"/>
+      </a:fontRef>
+    </dgm:style>
+  </dgm:styleLbl>
+  <dgm:styleLbl name="fgImgPlace1">
+    <dgm:scene3d>
+      <a:camera prst="orthographicFront"/>
+      <a:lightRig rig="threePt" dir="t"/>
+    </dgm:scene3d>
+    <dgm:sp3d/>
+    <dgm:txPr/>
+    <dgm:style>
+      <a:lnRef idx="2">
+        <a:scrgbClr r="0" g="0" b="0"/>
+      </a:lnRef>
+      <a:fillRef idx="1">
+        <a:scrgbClr r="0" g="0" b="0"/>
+      </a:fillRef>
+      <a:effectRef idx="0">
+        <a:scrgbClr r="0" g="0" b="0"/>
+      </a:effectRef>
+      <a:fontRef idx="minor"/>
+    </dgm:style>
+  </dgm:styleLbl>
+  <dgm:styleLbl name="alignImgPlace1">
+    <dgm:scene3d>
+      <a:camera prst="orthographicFront"/>
+      <a:lightRig rig="threePt" dir="t"/>
+    </dgm:scene3d>
+    <dgm:sp3d/>
+    <dgm:txPr/>
+    <dgm:style>
+      <a:lnRef idx="2">
+        <a:scrgbClr r="0" g="0" b="0"/>
+      </a:lnRef>
+      <a:fillRef idx="1">
+        <a:scrgbClr r="0" g="0" b="0"/>
+      </a:fillRef>
+      <a:effectRef idx="0">
+        <a:scrgbClr r="0" g="0" b="0"/>
+      </a:effectRef>
+      <a:fontRef idx="minor"/>
+    </dgm:style>
+  </dgm:styleLbl>
+  <dgm:styleLbl name="bgImgPlace1">
+    <dgm:scene3d>
+      <a:camera prst="orthographicFront"/>
+      <a:lightRig rig="threePt" dir="t"/>
+    </dgm:scene3d>
+    <dgm:sp3d/>
+    <dgm:txPr/>
+    <dgm:style>
+      <a:lnRef idx="2">
+        <a:scrgbClr r="0" g="0" b="0"/>
+      </a:lnRef>
+      <a:fillRef idx="1">
+        <a:scrgbClr r="0" g="0" b="0"/>
+      </a:fillRef>
+      <a:effectRef idx="0">
+        <a:scrgbClr r="0" g="0" b="0"/>
+      </a:effectRef>
+      <a:fontRef idx="minor"/>
+    </dgm:style>
+  </dgm:styleLbl>
+  <dgm:styleLbl name="sibTrans2D1">
+    <dgm:scene3d>
+      <a:camera prst="orthographicFront"/>
+      <a:lightRig rig="threePt" dir="t"/>
+    </dgm:scene3d>
+    <dgm:sp3d/>
+    <dgm:txPr/>
+    <dgm:style>
+      <a:lnRef idx="0">
+        <a:scrgbClr r="0" g="0" b="0"/>
+      </a:lnRef>
+      <a:fillRef idx="1">
+        <a:scrgbClr r="0" g="0" b="0"/>
+      </a:fillRef>
+      <a:effectRef idx="0">
+        <a:scrgbClr r="0" g="0" b="0"/>
+      </a:effectRef>
+      <a:fontRef idx="minor">
+        <a:schemeClr val="lt1"/>
+      </a:fontRef>
+    </dgm:style>
+  </dgm:styleLbl>
+  <dgm:styleLbl name="fgSibTrans2D1">
+    <dgm:scene3d>
+      <a:camera prst="orthographicFront"/>
+      <a:lightRig rig="threePt" dir="t"/>
+    </dgm:scene3d>
+    <dgm:sp3d/>
+    <dgm:txPr/>
+    <dgm:style>
+      <a:lnRef idx="0">
+        <a:scrgbClr r="0" g="0" b="0"/>
+      </a:lnRef>
+      <a:fillRef idx="1">
+        <a:scrgbClr r="0" g="0" b="0"/>
+      </a:fillRef>
+      <a:effectRef idx="0">
+        <a:scrgbClr r="0" g="0" b="0"/>
+      </a:effectRef>
+      <a:fontRef idx="minor">
+        <a:schemeClr val="lt1"/>
+      </a:fontRef>
+    </dgm:style>
+  </dgm:styleLbl>
+  <dgm:styleLbl name="bgSibTrans2D1">
+    <dgm:scene3d>
+      <a:camera prst="orthographicFront"/>
+      <a:lightRig rig="threePt" dir="t"/>
+    </dgm:scene3d>
+    <dgm:sp3d/>
+    <dgm:txPr/>
+    <dgm:style>
+      <a:lnRef idx="0">
+        <a:scrgbClr r="0" g="0" b="0"/>
+      </a:lnRef>
+      <a:fillRef idx="1">
+        <a:scrgbClr r="0" g="0" b="0"/>
+      </a:fillRef>
+      <a:effectRef idx="0">
+        <a:scrgbClr r="0" g="0" b="0"/>
+      </a:effectRef>
+      <a:fontRef idx="minor">
+        <a:schemeClr val="lt1"/>
+      </a:fontRef>
+    </dgm:style>
+  </dgm:styleLbl>
+  <dgm:styleLbl name="sibTrans1D1">
+    <dgm:scene3d>
+      <a:camera prst="orthographicFront"/>
+      <a:lightRig rig="threePt" dir="t"/>
+    </dgm:scene3d>
+    <dgm:sp3d/>
+    <dgm:txPr/>
+    <dgm:style>
+      <a:lnRef idx="1">
+        <a:scrgbClr r="0" g="0" b="0"/>
+      </a:lnRef>
+      <a:fillRef idx="0">
+        <a:scrgbClr r="0" g="0" b="0"/>
+      </a:fillRef>
+      <a:effectRef idx="0">
+        <a:scrgbClr r="0" g="0" b="0"/>
+      </a:effectRef>
+      <a:fontRef idx="minor"/>
+    </dgm:style>
+  </dgm:styleLbl>
+  <dgm:styleLbl name="callout">
+    <dgm:scene3d>
+      <a:camera prst="orthographicFront"/>
+      <a:lightRig rig="threePt" dir="t"/>
+    </dgm:scene3d>
+    <dgm:sp3d/>
+    <dgm:txPr/>
+    <dgm:style>
+      <a:lnRef idx="2">
+        <a:scrgbClr r="0" g="0" b="0"/>
+      </a:lnRef>
+      <a:fillRef idx="1">
+        <a:scrgbClr r="0" g="0" b="0"/>
+      </a:fillRef>
+      <a:effectRef idx="0">
+        <a:scrgbClr r="0" g="0" b="0"/>
+      </a:effectRef>
+      <a:fontRef idx="minor"/>
+    </dgm:style>
+  </dgm:styleLbl>
+  <dgm:styleLbl name="asst0">
+    <dgm:scene3d>
+      <a:camera prst="orthographicFront"/>
+      <a:lightRig rig="threePt" dir="t"/>
+    </dgm:scene3d>
+    <dgm:sp3d/>
+    <dgm:txPr/>
+    <dgm:style>
+      <a:lnRef idx="2">
+        <a:scrgbClr r="0" g="0" b="0"/>
+      </a:lnRef>
+      <a:fillRef idx="1">
+        <a:scrgbClr r="0" g="0" b="0"/>
+      </a:fillRef>
+      <a:effectRef idx="0">
+        <a:scrgbClr r="0" g="0" b="0"/>
+      </a:effectRef>
+      <a:fontRef idx="minor">
+        <a:schemeClr val="lt1"/>
+      </a:fontRef>
+    </dgm:style>
+  </dgm:styleLbl>
+  <dgm:styleLbl name="asst1">
+    <dgm:scene3d>
+      <a:camera prst="orthographicFront"/>
+      <a:lightRig rig="threePt" dir="t"/>
+    </dgm:scene3d>
+    <dgm:sp3d/>
+    <dgm:txPr/>
+    <dgm:style>
+      <a:lnRef idx="2">
+        <a:scrgbClr r="0" g="0" b="0"/>
+      </a:lnRef>
+      <a:fillRef idx="1">
+        <a:scrgbClr r="0" g="0" b="0"/>
+      </a:fillRef>
+      <a:effectRef idx="0">
+        <a:scrgbClr r="0" g="0" b="0"/>
+      </a:effectRef>
+      <a:fontRef idx="minor">
+        <a:schemeClr val="lt1"/>
+      </a:fontRef>
+    </dgm:style>
+  </dgm:styleLbl>
+  <dgm:styleLbl name="asst2">
+    <dgm:scene3d>
+      <a:camera prst="orthographicFront"/>
+      <a:lightRig rig="threePt" dir="t"/>
+    </dgm:scene3d>
+    <dgm:sp3d/>
+    <dgm:txPr/>
+    <dgm:style>
+      <a:lnRef idx="2">
+        <a:scrgbClr r="0" g="0" b="0"/>
+      </a:lnRef>
+      <a:fillRef idx="1">
+        <a:scrgbClr r="0" g="0" b="0"/>
+      </a:fillRef>
+      <a:effectRef idx="0">
+        <a:scrgbClr r="0" g="0" b="0"/>
+      </a:effectRef>
+      <a:fontRef idx="minor">
+        <a:schemeClr val="lt1"/>
+      </a:fontRef>
+    </dgm:style>
+  </dgm:styleLbl>
+  <dgm:styleLbl name="asst3">
+    <dgm:scene3d>
+      <a:camera prst="orthographicFront"/>
+      <a:lightRig rig="threePt" dir="t"/>
+    </dgm:scene3d>
+    <dgm:sp3d/>
+    <dgm:txPr/>
+    <dgm:style>
+      <a:lnRef idx="2">
+        <a:scrgbClr r="0" g="0" b="0"/>
+      </a:lnRef>
+      <a:fillRef idx="1">
+        <a:scrgbClr r="0" g="0" b="0"/>
+      </a:fillRef>
+      <a:effectRef idx="0">
+        <a:scrgbClr r="0" g="0" b="0"/>
+      </a:effectRef>
+      <a:fontRef idx="minor">
+        <a:schemeClr val="lt1"/>
+      </a:fontRef>
+    </dgm:style>
+  </dgm:styleLbl>
+  <dgm:styleLbl name="asst4">
+    <dgm:scene3d>
+      <a:camera prst="orthographicFront"/>
+      <a:lightRig rig="threePt" dir="t"/>
+    </dgm:scene3d>
+    <dgm:sp3d/>
+    <dgm:txPr/>
+    <dgm:style>
+      <a:lnRef idx="2">
+        <a:scrgbClr r="0" g="0" b="0"/>
+      </a:lnRef>
+      <a:fillRef idx="1">
+        <a:scrgbClr r="0" g="0" b="0"/>
+      </a:fillRef>
+      <a:effectRef idx="0">
+        <a:scrgbClr r="0" g="0" b="0"/>
+      </a:effectRef>
+      <a:fontRef idx="minor">
+        <a:schemeClr val="lt1"/>
+      </a:fontRef>
+    </dgm:style>
+  </dgm:styleLbl>
+  <dgm:styleLbl name="parChTrans2D1">
+    <dgm:scene3d>
+      <a:camera prst="orthographicFront"/>
+      <a:lightRig rig="threePt" dir="t"/>
+    </dgm:scene3d>
+    <dgm:sp3d/>
+    <dgm:txPr/>
+    <dgm:style>
+      <a:lnRef idx="2">
+        <a:scrgbClr r="0" g="0" b="0"/>
+      </a:lnRef>
+      <a:fillRef idx="1">
+        <a:scrgbClr r="0" g="0" b="0"/>
+      </a:fillRef>
+      <a:effectRef idx="0">
+        <a:scrgbClr r="0" g="0" b="0"/>
+      </a:effectRef>
+      <a:fontRef idx="minor">
+        <a:schemeClr val="lt1"/>
+      </a:fontRef>
+    </dgm:style>
+  </dgm:styleLbl>
+  <dgm:styleLbl name="parChTrans2D2">
+    <dgm:scene3d>
+      <a:camera prst="orthographicFront"/>
+      <a:lightRig rig="threePt" dir="t"/>
+    </dgm:scene3d>
+    <dgm:sp3d/>
+    <dgm:txPr/>
+    <dgm:style>
+      <a:lnRef idx="2">
+        <a:scrgbClr r="0" g="0" b="0"/>
+      </a:lnRef>
+      <a:fillRef idx="1">
+        <a:scrgbClr r="0" g="0" b="0"/>
+      </a:fillRef>
+      <a:effectRef idx="0">
+        <a:scrgbClr r="0" g="0" b="0"/>
+      </a:effectRef>
+      <a:fontRef idx="minor">
+        <a:schemeClr val="lt1"/>
+      </a:fontRef>
+    </dgm:style>
+  </dgm:styleLbl>
+  <dgm:styleLbl name="parChTrans2D3">
+    <dgm:scene3d>
+      <a:camera prst="orthographicFront"/>
+      <a:lightRig rig="threePt" dir="t"/>
+    </dgm:scene3d>
+    <dgm:sp3d/>
+    <dgm:txPr/>
+    <dgm:style>
+      <a:lnRef idx="2">
+        <a:scrgbClr r="0" g="0" b="0"/>
+      </a:lnRef>
+      <a:fillRef idx="1">
+        <a:scrgbClr r="0" g="0" b="0"/>
+      </a:fillRef>
+      <a:effectRef idx="0">
+        <a:scrgbClr r="0" g="0" b="0"/>
+      </a:effectRef>
+      <a:fontRef idx="minor">
+        <a:schemeClr val="lt1"/>
+      </a:fontRef>
+    </dgm:style>
+  </dgm:styleLbl>
+  <dgm:styleLbl name="parChTrans2D4">
+    <dgm:scene3d>
+      <a:camera prst="orthographicFront"/>
+      <a:lightRig rig="threePt" dir="t"/>
+    </dgm:scene3d>
+    <dgm:sp3d/>
+    <dgm:txPr/>
+    <dgm:style>
+      <a:lnRef idx="2">
+        <a:scrgbClr r="0" g="0" b="0"/>
+      </a:lnRef>
+      <a:fillRef idx="1">
+        <a:scrgbClr r="0" g="0" b="0"/>
+      </a:fillRef>
+      <a:effectRef idx="0">
+        <a:scrgbClr r="0" g="0" b="0"/>
+      </a:effectRef>
+      <a:fontRef idx="minor">
+        <a:schemeClr val="lt1"/>
+      </a:fontRef>
+    </dgm:style>
+  </dgm:styleLbl>
+  <dgm:styleLbl name="parChTrans1D1">
+    <dgm:scene3d>
+      <a:camera prst="orthographicFront"/>
+      <a:lightRig rig="threePt" dir="t"/>
+    </dgm:scene3d>
+    <dgm:sp3d/>
+    <dgm:txPr/>
+    <dgm:style>
+      <a:lnRef idx="2">
+        <a:scrgbClr r="0" g="0" b="0"/>
+      </a:lnRef>
+      <a:fillRef idx="0">
+        <a:scrgbClr r="0" g="0" b="0"/>
+      </a:fillRef>
+      <a:effectRef idx="0">
+        <a:scrgbClr r="0" g="0" b="0"/>
+      </a:effectRef>
+      <a:fontRef idx="minor"/>
+    </dgm:style>
+  </dgm:styleLbl>
+  <dgm:styleLbl name="parChTrans1D2">
+    <dgm:scene3d>
+      <a:camera prst="orthographicFront"/>
+      <a:lightRig rig="threePt" dir="t"/>
+    </dgm:scene3d>
+    <dgm:sp3d/>
+    <dgm:txPr/>
+    <dgm:style>
+      <a:lnRef idx="2">
+        <a:scrgbClr r="0" g="0" b="0"/>
+      </a:lnRef>
+      <a:fillRef idx="0">
+        <a:scrgbClr r="0" g="0" b="0"/>
+      </a:fillRef>
+      <a:effectRef idx="0">
+        <a:scrgbClr r="0" g="0" b="0"/>
+      </a:effectRef>
+      <a:fontRef idx="minor"/>
+    </dgm:style>
+  </dgm:styleLbl>
+  <dgm:styleLbl name="parChTrans1D3">
+    <dgm:scene3d>
+      <a:camera prst="orthographicFront"/>
+      <a:lightRig rig="threePt" dir="t"/>
+    </dgm:scene3d>
+    <dgm:sp3d/>
+    <dgm:txPr/>
+    <dgm:style>
+      <a:lnRef idx="2">
+        <a:scrgbClr r="0" g="0" b="0"/>
+      </a:lnRef>
+      <a:fillRef idx="0">
+        <a:scrgbClr r="0" g="0" b="0"/>
+      </a:fillRef>
+      <a:effectRef idx="0">
+        <a:scrgbClr r="0" g="0" b="0"/>
+      </a:effectRef>
+      <a:fontRef idx="minor"/>
+    </dgm:style>
+  </dgm:styleLbl>
+  <dgm:styleLbl name="parChTrans1D4">
+    <dgm:scene3d>
+      <a:camera prst="orthographicFront"/>
+      <a:lightRig rig="threePt" dir="t"/>
+    </dgm:scene3d>
+    <dgm:sp3d/>
+    <dgm:txPr/>
+    <dgm:style>
+      <a:lnRef idx="2">
+        <a:scrgbClr r="0" g="0" b="0"/>
+      </a:lnRef>
+      <a:fillRef idx="0">
+        <a:scrgbClr r="0" g="0" b="0"/>
+      </a:fillRef>
+      <a:effectRef idx="0">
+        <a:scrgbClr r="0" g="0" b="0"/>
+      </a:effectRef>
+      <a:fontRef idx="minor"/>
+    </dgm:style>
+  </dgm:styleLbl>
+  <dgm:styleLbl name="fgAcc1">
+    <dgm:scene3d>
+      <a:camera prst="orthographicFront"/>
+      <a:lightRig rig="threePt" dir="t"/>
+    </dgm:scene3d>
+    <dgm:sp3d/>
+    <dgm:txPr/>
+    <dgm:style>
+      <a:lnRef idx="2">
+        <a:scrgbClr r="0" g="0" b="0"/>
+      </a:lnRef>
+      <a:fillRef idx="1">
+        <a:scrgbClr r="0" g="0" b="0"/>
+      </a:fillRef>
+      <a:effectRef idx="0">
+        <a:scrgbClr r="0" g="0" b="0"/>
+      </a:effectRef>
+      <a:fontRef idx="minor"/>
+    </dgm:style>
+  </dgm:styleLbl>
+  <dgm:styleLbl name="conFgAcc1">
+    <dgm:scene3d>
+      <a:camera prst="orthographicFront"/>
+      <a:lightRig rig="threePt" dir="t"/>
+    </dgm:scene3d>
+    <dgm:sp3d/>
+    <dgm:txPr/>
+    <dgm:style>
+      <a:lnRef idx="2">
+        <a:scrgbClr r="0" g="0" b="0"/>
+      </a:lnRef>
+      <a:fillRef idx="1">
+        <a:scrgbClr r="0" g="0" b="0"/>
+      </a:fillRef>
+      <a:effectRef idx="0">
+        <a:scrgbClr r="0" g="0" b="0"/>
+      </a:effectRef>
+      <a:fontRef idx="minor"/>
+    </dgm:style>
+  </dgm:styleLbl>
+  <dgm:styleLbl name="alignAcc1">
+    <dgm:scene3d>
+      <a:camera prst="orthographicFront"/>
+      <a:lightRig rig="threePt" dir="t"/>
+    </dgm:scene3d>
+    <dgm:sp3d/>
+    <dgm:txPr/>
+    <dgm:style>
+      <a:lnRef idx="2">
+        <a:scrgbClr r="0" g="0" b="0"/>
+      </a:lnRef>
+      <a:fillRef idx="1">
+        <a:scrgbClr r="0" g="0" b="0"/>
+      </a:fillRef>
+      <a:effectRef idx="0">
+        <a:scrgbClr r="0" g="0" b="0"/>
+      </a:effectRef>
+      <a:fontRef idx="minor"/>
+    </dgm:style>
+  </dgm:styleLbl>
+  <dgm:styleLbl name="trAlignAcc1">
+    <dgm:scene3d>
+      <a:camera prst="orthographicFront"/>
+      <a:lightRig rig="threePt" dir="t"/>
+    </dgm:scene3d>
+    <dgm:sp3d/>
+    <dgm:txPr/>
+    <dgm:style>
+      <a:lnRef idx="1">
+        <a:scrgbClr r="0" g="0" b="0"/>
+      </a:lnRef>
+      <a:fillRef idx="1">
+        <a:scrgbClr r="0" g="0" b="0"/>
+      </a:fillRef>
+      <a:effectRef idx="0">
+        <a:scrgbClr r="0" g="0" b="0"/>
+      </a:effectRef>
+      <a:fontRef idx="minor"/>
+    </dgm:style>
+  </dgm:styleLbl>
+  <dgm:styleLbl name="bgAcc1">
+    <dgm:scene3d>
+      <a:camera prst="orthographicFront"/>
+      <a:lightRig rig="threePt" dir="t"/>
+    </dgm:scene3d>
+    <dgm:sp3d/>
+    <dgm:txPr/>
+    <dgm:style>
+      <a:lnRef idx="2">
+        <a:scrgbClr r="0" g="0" b="0"/>
+      </a:lnRef>
+      <a:fillRef idx="1">
+        <a:scrgbClr r="0" g="0" b="0"/>
+      </a:fillRef>
+      <a:effectRef idx="0">
+        <a:scrgbClr r="0" g="0" b="0"/>
+      </a:effectRef>
+      <a:fontRef idx="minor"/>
+    </dgm:style>
+  </dgm:styleLbl>
+  <dgm:styleLbl name="solidFgAcc1">
+    <dgm:scene3d>
+      <a:camera prst="orthographicFront"/>
+      <a:lightRig rig="threePt" dir="t"/>
+    </dgm:scene3d>
+    <dgm:sp3d/>
+    <dgm:txPr/>
+    <dgm:style>
+      <a:lnRef idx="2">
+        <a:scrgbClr r="0" g="0" b="0"/>
+      </a:lnRef>
+      <a:fillRef idx="1">
+        <a:scrgbClr r="0" g="0" b="0"/>
+      </a:fillRef>
+      <a:effectRef idx="0">
+        <a:scrgbClr r="0" g="0" b="0"/>
+      </a:effectRef>
+      <a:fontRef idx="minor"/>
+    </dgm:style>
+  </dgm:styleLbl>
+  <dgm:styleLbl name="solidAlignAcc1">
+    <dgm:scene3d>
+      <a:camera prst="orthographicFront"/>
+      <a:lightRig rig="threePt" dir="t"/>
+    </dgm:scene3d>
+    <dgm:sp3d/>
+    <dgm:txPr/>
+    <dgm:style>
+      <a:lnRef idx="2">
+        <a:scrgbClr r="0" g="0" b="0"/>
+      </a:lnRef>
+      <a:fillRef idx="1">
+        <a:scrgbClr r="0" g="0" b="0"/>
+      </a:fillRef>
+      <a:effectRef idx="0">
+        <a:scrgbClr r="0" g="0" b="0"/>
+      </a:effectRef>
+      <a:fontRef idx="minor"/>
+    </dgm:style>
+  </dgm:styleLbl>
+  <dgm:styleLbl name="solidBgAcc1">
+    <dgm:scene3d>
+      <a:camera prst="orthographicFront"/>
+      <a:lightRig rig="threePt" dir="t"/>
+    </dgm:scene3d>
+    <dgm:sp3d/>
+    <dgm:txPr/>
+    <dgm:style>
+      <a:lnRef idx="2">
+        <a:scrgbClr r="0" g="0" b="0"/>
+      </a:lnRef>
+      <a:fillRef idx="1">
+        <a:scrgbClr r="0" g="0" b="0"/>
+      </a:fillRef>
+      <a:effectRef idx="0">
+        <a:scrgbClr r="0" g="0" b="0"/>
+      </a:effectRef>
+      <a:fontRef idx="minor"/>
+    </dgm:style>
+  </dgm:styleLbl>
+  <dgm:styleLbl name="fgAccFollowNode1">
+    <dgm:scene3d>
+      <a:camera prst="orthographicFront"/>
+      <a:lightRig rig="threePt" dir="t"/>
+    </dgm:scene3d>
+    <dgm:sp3d/>
+    <dgm:txPr/>
+    <dgm:style>
+      <a:lnRef idx="2">
+        <a:scrgbClr r="0" g="0" b="0"/>
+      </a:lnRef>
+      <a:fillRef idx="1">
+        <a:scrgbClr r="0" g="0" b="0"/>
+      </a:fillRef>
+      <a:effectRef idx="0">
+        <a:scrgbClr r="0" g="0" b="0"/>
+      </a:effectRef>
+      <a:fontRef idx="minor"/>
+    </dgm:style>
+  </dgm:styleLbl>
+  <dgm:styleLbl name="alignAccFollowNode1">
+    <dgm:scene3d>
+      <a:camera prst="orthographicFront"/>
+      <a:lightRig rig="threePt" dir="t"/>
+    </dgm:scene3d>
+    <dgm:sp3d/>
+    <dgm:txPr/>
+    <dgm:style>
+      <a:lnRef idx="2">
+        <a:scrgbClr r="0" g="0" b="0"/>
+      </a:lnRef>
+      <a:fillRef idx="1">
+        <a:scrgbClr r="0" g="0" b="0"/>
+      </a:fillRef>
+      <a:effectRef idx="0">
+        <a:scrgbClr r="0" g="0" b="0"/>
+      </a:effectRef>
+      <a:fontRef idx="minor"/>
+    </dgm:style>
+  </dgm:styleLbl>
+  <dgm:styleLbl name="bgAccFollowNode1">
+    <dgm:scene3d>
+      <a:camera prst="orthographicFront"/>
+      <a:lightRig rig="threePt" dir="t"/>
+    </dgm:scene3d>
+    <dgm:sp3d/>
+    <dgm:txPr/>
+    <dgm:style>
+      <a:lnRef idx="2">
+        <a:scrgbClr r="0" g="0" b="0"/>
+      </a:lnRef>
+      <a:fillRef idx="1">
+        <a:scrgbClr r="0" g="0" b="0"/>
+      </a:fillRef>
+      <a:effectRef idx="0">
+        <a:scrgbClr r="0" g="0" b="0"/>
+      </a:effectRef>
+      <a:fontRef idx="minor"/>
+    </dgm:style>
+  </dgm:styleLbl>
+  <dgm:styleLbl name="fgAcc0">
+    <dgm:scene3d>
+      <a:camera prst="orthographicFront"/>
+      <a:lightRig rig="threePt" dir="t"/>
+    </dgm:scene3d>
+    <dgm:sp3d/>
+    <dgm:txPr/>
+    <dgm:style>
+      <a:lnRef idx="2">
+        <a:scrgbClr r="0" g="0" b="0"/>
+      </a:lnRef>
+      <a:fillRef idx="1">
+        <a:scrgbClr r="0" g="0" b="0"/>
+      </a:fillRef>
+      <a:effectRef idx="0">
+        <a:scrgbClr r="0" g="0" b="0"/>
+      </a:effectRef>
+      <a:fontRef idx="minor"/>
+    </dgm:style>
+  </dgm:styleLbl>
+  <dgm:styleLbl name="fgAcc2">
+    <dgm:scene3d>
+      <a:camera prst="orthographicFront"/>
+      <a:lightRig rig="threePt" dir="t"/>
+    </dgm:scene3d>
+    <dgm:sp3d/>
+    <dgm:txPr/>
+    <dgm:style>
+      <a:lnRef idx="2">
+        <a:scrgbClr r="0" g="0" b="0"/>
+      </a:lnRef>
+      <a:fillRef idx="1">
+        <a:scrgbClr r="0" g="0" b="0"/>
+      </a:fillRef>
+      <a:effectRef idx="0">
+        <a:scrgbClr r="0" g="0" b="0"/>
+      </a:effectRef>
+      <a:fontRef idx="minor"/>
+    </dgm:style>
+  </dgm:styleLbl>
+  <dgm:styleLbl name="fgAcc3">
+    <dgm:scene3d>
+      <a:camera prst="orthographicFront"/>
+      <a:lightRig rig="threePt" dir="t"/>
+    </dgm:scene3d>
+    <dgm:sp3d/>
+    <dgm:txPr/>
+    <dgm:style>
+      <a:lnRef idx="2">
+        <a:scrgbClr r="0" g="0" b="0"/>
+      </a:lnRef>
+      <a:fillRef idx="1">
+        <a:scrgbClr r="0" g="0" b="0"/>
+      </a:fillRef>
+      <a:effectRef idx="0">
+        <a:scrgbClr r="0" g="0" b="0"/>
+      </a:effectRef>
+      <a:fontRef idx="minor"/>
+    </dgm:style>
+  </dgm:styleLbl>
+  <dgm:styleLbl name="fgAcc4">
+    <dgm:scene3d>
+      <a:camera prst="orthographicFront"/>
+      <a:lightRig rig="threePt" dir="t"/>
+    </dgm:scene3d>
+    <dgm:sp3d/>
+    <dgm:txPr/>
+    <dgm:style>
+      <a:lnRef idx="2">
+        <a:scrgbClr r="0" g="0" b="0"/>
+      </a:lnRef>
+      <a:fillRef idx="1">
+        <a:scrgbClr r="0" g="0" b="0"/>
+      </a:fillRef>
+      <a:effectRef idx="0">
+        <a:scrgbClr r="0" g="0" b="0"/>
+      </a:effectRef>
+      <a:fontRef idx="minor"/>
+    </dgm:style>
+  </dgm:styleLbl>
+  <dgm:styleLbl name="bgShp">
+    <dgm:scene3d>
+      <a:camera prst="orthographicFront"/>
+      <a:lightRig rig="threePt" dir="t"/>
+    </dgm:scene3d>
+    <dgm:sp3d/>
+    <dgm:txPr/>
+    <dgm:style>
+      <a:lnRef idx="0">
+        <a:scrgbClr r="0" g="0" b="0"/>
+      </a:lnRef>
+      <a:fillRef idx="1">
+        <a:scrgbClr r="0" g="0" b="0"/>
+      </a:fillRef>
+      <a:effectRef idx="0">
+        <a:scrgbClr r="0" g="0" b="0"/>
+      </a:effectRef>
+      <a:fontRef idx="minor"/>
+    </dgm:style>
+  </dgm:styleLbl>
+  <dgm:styleLbl name="dkBgShp">
+    <dgm:scene3d>
+      <a:camera prst="orthographicFront"/>
+      <a:lightRig rig="threePt" dir="t"/>
+    </dgm:scene3d>
+    <dgm:sp3d/>
+    <dgm:txPr/>
+    <dgm:style>
+      <a:lnRef idx="0">
+        <a:scrgbClr r="0" g="0" b="0"/>
+      </a:lnRef>
+      <a:fillRef idx="1">
+        <a:scrgbClr r="0" g="0" b="0"/>
+      </a:fillRef>
+      <a:effectRef idx="0">
+        <a:scrgbClr r="0" g="0" b="0"/>
+      </a:effectRef>
+      <a:fontRef idx="minor"/>
+    </dgm:style>
+  </dgm:styleLbl>
+  <dgm:styleLbl name="trBgShp">
+    <dgm:scene3d>
+      <a:camera prst="orthographicFront"/>
+      <a:lightRig rig="threePt" dir="t"/>
+    </dgm:scene3d>
+    <dgm:sp3d/>
+    <dgm:txPr/>
+    <dgm:style>
+      <a:lnRef idx="0">
+        <a:scrgbClr r="0" g="0" b="0"/>
+      </a:lnRef>
+      <a:fillRef idx="1">
+        <a:scrgbClr r="0" g="0" b="0"/>
+      </a:fillRef>
+      <a:effectRef idx="0">
+        <a:scrgbClr r="0" g="0" b="0"/>
+      </a:effectRef>
+      <a:fontRef idx="minor"/>
+    </dgm:style>
+  </dgm:styleLbl>
+  <dgm:styleLbl name="fgShp">
+    <dgm:scene3d>
+      <a:camera prst="orthographicFront"/>
+      <a:lightRig rig="threePt" dir="t"/>
+    </dgm:scene3d>
+    <dgm:sp3d/>
+    <dgm:txPr/>
+    <dgm:style>
+      <a:lnRef idx="2">
+        <a:scrgbClr r="0" g="0" b="0"/>
+      </a:lnRef>
+      <a:fillRef idx="1">
+        <a:scrgbClr r="0" g="0" b="0"/>
+      </a:fillRef>
+      <a:effectRef idx="0">
+        <a:scrgbClr r="0" g="0" b="0"/>
+      </a:effectRef>
+      <a:fontRef idx="minor"/>
+    </dgm:style>
+  </dgm:styleLbl>
+  <dgm:styleLbl name="revTx">
+    <dgm:scene3d>
+      <a:camera prst="orthographicFront"/>
+      <a:lightRig rig="threePt" dir="t"/>
+    </dgm:scene3d>
+    <dgm:sp3d/>
+    <dgm:txPr/>
+    <dgm:style>
+      <a:lnRef idx="0">
+        <a:scrgbClr r="0" g="0" b="0"/>
+      </a:lnRef>
+      <a:fillRef idx="0">
+        <a:scrgbClr r="0" g="0" b="0"/>
+      </a:fillRef>
+      <a:effectRef idx="0">
+        <a:scrgbClr r="0" g="0" b="0"/>
+      </a:effectRef>
+      <a:fontRef idx="minor"/>
+    </dgm:style>
+  </dgm:styleLbl>
+</dgm:styleDef>
 </file>
 
 <file path=ppt/slideLayouts/slideLayout1.xml><?xml version="1.0" encoding="utf-8"?>
@@ -254,7 +3664,7 @@
           <a:p>
             <a:fld id="{FA743678-E868-4C42-AC69-1F70122D290B}" type="datetimeFigureOut">
               <a:rPr lang="en-US" smtClean="0"/>
-              <a:t>4/24/25</a:t>
+              <a:t>4/25/25</a:t>
             </a:fld>
             <a:endParaRPr lang="en-US"/>
           </a:p>
@@ -452,7 +3862,7 @@
           <a:p>
             <a:fld id="{FA743678-E868-4C42-AC69-1F70122D290B}" type="datetimeFigureOut">
               <a:rPr lang="en-US" smtClean="0"/>
-              <a:t>4/24/25</a:t>
+              <a:t>4/25/25</a:t>
             </a:fld>
             <a:endParaRPr lang="en-US"/>
           </a:p>
@@ -660,7 +4070,7 @@
           <a:p>
             <a:fld id="{FA743678-E868-4C42-AC69-1F70122D290B}" type="datetimeFigureOut">
               <a:rPr lang="en-US" smtClean="0"/>
-              <a:t>4/24/25</a:t>
+              <a:t>4/25/25</a:t>
             </a:fld>
             <a:endParaRPr lang="en-US"/>
           </a:p>
@@ -858,7 +4268,7 @@
           <a:p>
             <a:fld id="{FA743678-E868-4C42-AC69-1F70122D290B}" type="datetimeFigureOut">
               <a:rPr lang="en-US" smtClean="0"/>
-              <a:t>4/24/25</a:t>
+              <a:t>4/25/25</a:t>
             </a:fld>
             <a:endParaRPr lang="en-US"/>
           </a:p>
@@ -1133,7 +4543,7 @@
           <a:p>
             <a:fld id="{FA743678-E868-4C42-AC69-1F70122D290B}" type="datetimeFigureOut">
               <a:rPr lang="en-US" smtClean="0"/>
-              <a:t>4/24/25</a:t>
+              <a:t>4/25/25</a:t>
             </a:fld>
             <a:endParaRPr lang="en-US"/>
           </a:p>
@@ -1398,7 +4808,7 @@
           <a:p>
             <a:fld id="{FA743678-E868-4C42-AC69-1F70122D290B}" type="datetimeFigureOut">
               <a:rPr lang="en-US" smtClean="0"/>
-              <a:t>4/24/25</a:t>
+              <a:t>4/25/25</a:t>
             </a:fld>
             <a:endParaRPr lang="en-US"/>
           </a:p>
@@ -1810,7 +5220,7 @@
           <a:p>
             <a:fld id="{FA743678-E868-4C42-AC69-1F70122D290B}" type="datetimeFigureOut">
               <a:rPr lang="en-US" smtClean="0"/>
-              <a:t>4/24/25</a:t>
+              <a:t>4/25/25</a:t>
             </a:fld>
             <a:endParaRPr lang="en-US"/>
           </a:p>
@@ -1951,7 +5361,7 @@
           <a:p>
             <a:fld id="{FA743678-E868-4C42-AC69-1F70122D290B}" type="datetimeFigureOut">
               <a:rPr lang="en-US" smtClean="0"/>
-              <a:t>4/24/25</a:t>
+              <a:t>4/25/25</a:t>
             </a:fld>
             <a:endParaRPr lang="en-US"/>
           </a:p>
@@ -2064,7 +5474,7 @@
           <a:p>
             <a:fld id="{FA743678-E868-4C42-AC69-1F70122D290B}" type="datetimeFigureOut">
               <a:rPr lang="en-US" smtClean="0"/>
-              <a:t>4/24/25</a:t>
+              <a:t>4/25/25</a:t>
             </a:fld>
             <a:endParaRPr lang="en-US"/>
           </a:p>
@@ -2375,7 +5785,7 @@
           <a:p>
             <a:fld id="{FA743678-E868-4C42-AC69-1F70122D290B}" type="datetimeFigureOut">
               <a:rPr lang="en-US" smtClean="0"/>
-              <a:t>4/24/25</a:t>
+              <a:t>4/25/25</a:t>
             </a:fld>
             <a:endParaRPr lang="en-US"/>
           </a:p>
@@ -2663,7 +6073,7 @@
           <a:p>
             <a:fld id="{FA743678-E868-4C42-AC69-1F70122D290B}" type="datetimeFigureOut">
               <a:rPr lang="en-US" smtClean="0"/>
-              <a:t>4/24/25</a:t>
+              <a:t>4/25/25</a:t>
             </a:fld>
             <a:endParaRPr lang="en-US"/>
           </a:p>
@@ -2904,7 +6314,7 @@
           <a:p>
             <a:fld id="{FA743678-E868-4C42-AC69-1F70122D290B}" type="datetimeFigureOut">
               <a:rPr lang="en-US" smtClean="0"/>
-              <a:t>4/24/25</a:t>
+              <a:t>4/25/25</a:t>
             </a:fld>
             <a:endParaRPr lang="en-US"/>
           </a:p>
@@ -3713,6 +7123,1644 @@
 </p:sld>
 </file>
 
+<file path=ppt/slides/slide2.xml><?xml version="1.0" encoding="utf-8"?>
+<p:sld xmlns:a="http://schemas.openxmlformats.org/drawingml/2006/main" xmlns:r="http://schemas.openxmlformats.org/officeDocument/2006/relationships" xmlns:p="http://schemas.openxmlformats.org/presentationml/2006/main">
+  <p:cSld>
+    <p:bg>
+      <p:bgPr>
+        <a:solidFill>
+          <a:schemeClr val="bg1"/>
+        </a:solidFill>
+        <a:effectLst/>
+      </p:bgPr>
+    </p:bg>
+    <p:spTree>
+      <p:nvGrpSpPr>
+        <p:cNvPr id="1" name=""/>
+        <p:cNvGrpSpPr/>
+        <p:nvPr/>
+      </p:nvGrpSpPr>
+      <p:grpSpPr>
+        <a:xfrm>
+          <a:off x="0" y="0"/>
+          <a:ext cx="0" cy="0"/>
+          <a:chOff x="0" y="0"/>
+          <a:chExt cx="0" cy="0"/>
+        </a:xfrm>
+      </p:grpSpPr>
+      <p:sp useBgFill="1">
+        <p:nvSpPr>
+          <p:cNvPr id="21" name="Slide Background">
+            <a:extLst>
+              <a:ext uri="{FF2B5EF4-FFF2-40B4-BE49-F238E27FC236}">
+                <a16:creationId xmlns:a16="http://schemas.microsoft.com/office/drawing/2014/main" id="{C0763A76-9F1C-4FC5-82B7-DD475DA461B2}"/>
+              </a:ext>
+              <a:ext uri="{C183D7F6-B498-43B3-948B-1728B52AA6E4}">
+                <adec:decorative xmlns:adec="http://schemas.microsoft.com/office/drawing/2017/decorative" val="1"/>
+              </a:ext>
+            </a:extLst>
+          </p:cNvPr>
+          <p:cNvSpPr>
+            <a:spLocks noGrp="1" noRot="1" noChangeAspect="1" noMove="1" noResize="1" noEditPoints="1" noAdjustHandles="1" noChangeArrowheads="1" noChangeShapeType="1" noTextEdit="1"/>
+          </p:cNvSpPr>
+          <p:nvPr>
+            <p:extLst>
+              <p:ext uri="{386F3935-93C4-4BCD-93E2-E3B085C9AB24}">
+                <p16:designElem xmlns:p16="http://schemas.microsoft.com/office/powerpoint/2015/main" val="1"/>
+              </p:ext>
+            </p:extLst>
+          </p:nvPr>
+        </p:nvSpPr>
+        <p:spPr bwMode="white">
+          <a:xfrm>
+            <a:off x="-1" y="0"/>
+            <a:ext cx="12191999" cy="6858000"/>
+          </a:xfrm>
+          <a:prstGeom prst="rect">
+            <a:avLst/>
+          </a:prstGeom>
+          <a:ln>
+            <a:noFill/>
+          </a:ln>
+        </p:spPr>
+        <p:style>
+          <a:lnRef idx="2">
+            <a:schemeClr val="accent1">
+              <a:shade val="50000"/>
+            </a:schemeClr>
+          </a:lnRef>
+          <a:fillRef idx="1">
+            <a:schemeClr val="accent1"/>
+          </a:fillRef>
+          <a:effectRef idx="0">
+            <a:schemeClr val="accent1"/>
+          </a:effectRef>
+          <a:fontRef idx="minor">
+            <a:schemeClr val="lt1"/>
+          </a:fontRef>
+        </p:style>
+        <p:txBody>
+          <a:bodyPr rtlCol="0" anchor="ctr"/>
+          <a:lstStyle>
+            <a:defPPr>
+              <a:defRPr lang="en-US"/>
+            </a:defPPr>
+            <a:lvl1pPr marL="0" algn="l" defTabSz="914400" rtl="0" eaLnBrk="1" latinLnBrk="0" hangingPunct="1">
+              <a:defRPr sz="1800" kern="1200">
+                <a:solidFill>
+                  <a:schemeClr val="lt1"/>
+                </a:solidFill>
+                <a:latin typeface="+mn-lt"/>
+                <a:ea typeface="+mn-ea"/>
+                <a:cs typeface="+mn-cs"/>
+              </a:defRPr>
+            </a:lvl1pPr>
+            <a:lvl2pPr marL="457200" algn="l" defTabSz="914400" rtl="0" eaLnBrk="1" latinLnBrk="0" hangingPunct="1">
+              <a:defRPr sz="1800" kern="1200">
+                <a:solidFill>
+                  <a:schemeClr val="lt1"/>
+                </a:solidFill>
+                <a:latin typeface="+mn-lt"/>
+                <a:ea typeface="+mn-ea"/>
+                <a:cs typeface="+mn-cs"/>
+              </a:defRPr>
+            </a:lvl2pPr>
+            <a:lvl3pPr marL="914400" algn="l" defTabSz="914400" rtl="0" eaLnBrk="1" latinLnBrk="0" hangingPunct="1">
+              <a:defRPr sz="1800" kern="1200">
+                <a:solidFill>
+                  <a:schemeClr val="lt1"/>
+                </a:solidFill>
+                <a:latin typeface="+mn-lt"/>
+                <a:ea typeface="+mn-ea"/>
+                <a:cs typeface="+mn-cs"/>
+              </a:defRPr>
+            </a:lvl3pPr>
+            <a:lvl4pPr marL="1371600" algn="l" defTabSz="914400" rtl="0" eaLnBrk="1" latinLnBrk="0" hangingPunct="1">
+              <a:defRPr sz="1800" kern="1200">
+                <a:solidFill>
+                  <a:schemeClr val="lt1"/>
+                </a:solidFill>
+                <a:latin typeface="+mn-lt"/>
+                <a:ea typeface="+mn-ea"/>
+                <a:cs typeface="+mn-cs"/>
+              </a:defRPr>
+            </a:lvl4pPr>
+            <a:lvl5pPr marL="1828800" algn="l" defTabSz="914400" rtl="0" eaLnBrk="1" latinLnBrk="0" hangingPunct="1">
+              <a:defRPr sz="1800" kern="1200">
+                <a:solidFill>
+                  <a:schemeClr val="lt1"/>
+                </a:solidFill>
+                <a:latin typeface="+mn-lt"/>
+                <a:ea typeface="+mn-ea"/>
+                <a:cs typeface="+mn-cs"/>
+              </a:defRPr>
+            </a:lvl5pPr>
+            <a:lvl6pPr marL="2286000" algn="l" defTabSz="914400" rtl="0" eaLnBrk="1" latinLnBrk="0" hangingPunct="1">
+              <a:defRPr sz="1800" kern="1200">
+                <a:solidFill>
+                  <a:schemeClr val="lt1"/>
+                </a:solidFill>
+                <a:latin typeface="+mn-lt"/>
+                <a:ea typeface="+mn-ea"/>
+                <a:cs typeface="+mn-cs"/>
+              </a:defRPr>
+            </a:lvl6pPr>
+            <a:lvl7pPr marL="2743200" algn="l" defTabSz="914400" rtl="0" eaLnBrk="1" latinLnBrk="0" hangingPunct="1">
+              <a:defRPr sz="1800" kern="1200">
+                <a:solidFill>
+                  <a:schemeClr val="lt1"/>
+                </a:solidFill>
+                <a:latin typeface="+mn-lt"/>
+                <a:ea typeface="+mn-ea"/>
+                <a:cs typeface="+mn-cs"/>
+              </a:defRPr>
+            </a:lvl7pPr>
+            <a:lvl8pPr marL="3200400" algn="l" defTabSz="914400" rtl="0" eaLnBrk="1" latinLnBrk="0" hangingPunct="1">
+              <a:defRPr sz="1800" kern="1200">
+                <a:solidFill>
+                  <a:schemeClr val="lt1"/>
+                </a:solidFill>
+                <a:latin typeface="+mn-lt"/>
+                <a:ea typeface="+mn-ea"/>
+                <a:cs typeface="+mn-cs"/>
+              </a:defRPr>
+            </a:lvl8pPr>
+            <a:lvl9pPr marL="3657600" algn="l" defTabSz="914400" rtl="0" eaLnBrk="1" latinLnBrk="0" hangingPunct="1">
+              <a:defRPr sz="1800" kern="1200">
+                <a:solidFill>
+                  <a:schemeClr val="lt1"/>
+                </a:solidFill>
+                <a:latin typeface="+mn-lt"/>
+                <a:ea typeface="+mn-ea"/>
+                <a:cs typeface="+mn-cs"/>
+              </a:defRPr>
+            </a:lvl9pPr>
+          </a:lstStyle>
+          <a:p>
+            <a:pPr algn="ctr"/>
+            <a:endParaRPr lang="en-US"/>
+          </a:p>
+        </p:txBody>
+      </p:sp>
+      <p:sp useBgFill="1">
+        <p:nvSpPr>
+          <p:cNvPr id="22" name="Rectangle 21">
+            <a:extLst>
+              <a:ext uri="{FF2B5EF4-FFF2-40B4-BE49-F238E27FC236}">
+                <a16:creationId xmlns:a16="http://schemas.microsoft.com/office/drawing/2014/main" id="{E81BF4F6-F2CF-4984-9D14-D6966D92F99F}"/>
+              </a:ext>
+              <a:ext uri="{C183D7F6-B498-43B3-948B-1728B52AA6E4}">
+                <adec:decorative xmlns:adec="http://schemas.microsoft.com/office/drawing/2017/decorative" val="1"/>
+              </a:ext>
+            </a:extLst>
+          </p:cNvPr>
+          <p:cNvSpPr>
+            <a:spLocks noGrp="1" noRot="1" noChangeAspect="1" noMove="1" noResize="1" noEditPoints="1" noAdjustHandles="1" noChangeArrowheads="1" noChangeShapeType="1" noTextEdit="1"/>
+          </p:cNvSpPr>
+          <p:nvPr>
+            <p:extLst>
+              <p:ext uri="{386F3935-93C4-4BCD-93E2-E3B085C9AB24}">
+                <p16:designElem xmlns:p16="http://schemas.microsoft.com/office/powerpoint/2015/main" val="1"/>
+              </p:ext>
+            </p:extLst>
+          </p:nvPr>
+        </p:nvSpPr>
+        <p:spPr>
+          <a:xfrm>
+            <a:off x="1" y="0"/>
+            <a:ext cx="8522446" cy="2285999"/>
+          </a:xfrm>
+          <a:prstGeom prst="rect">
+            <a:avLst/>
+          </a:prstGeom>
+          <a:ln>
+            <a:noFill/>
+          </a:ln>
+          <a:effectLst>
+            <a:outerShdw blurRad="596900" dist="304800" dir="7140000" sx="90000" sy="90000" algn="t" rotWithShape="0">
+              <a:srgbClr val="000000">
+                <a:alpha val="15000"/>
+              </a:srgbClr>
+            </a:outerShdw>
+          </a:effectLst>
+        </p:spPr>
+        <p:style>
+          <a:lnRef idx="2">
+            <a:schemeClr val="accent1">
+              <a:shade val="50000"/>
+            </a:schemeClr>
+          </a:lnRef>
+          <a:fillRef idx="1">
+            <a:schemeClr val="accent1"/>
+          </a:fillRef>
+          <a:effectRef idx="0">
+            <a:schemeClr val="accent1"/>
+          </a:effectRef>
+          <a:fontRef idx="minor">
+            <a:schemeClr val="lt1"/>
+          </a:fontRef>
+        </p:style>
+        <p:txBody>
+          <a:bodyPr rtlCol="0" anchor="ctr"/>
+          <a:lstStyle/>
+          <a:p>
+            <a:pPr algn="ctr"/>
+            <a:endParaRPr lang="en-US"/>
+          </a:p>
+        </p:txBody>
+      </p:sp>
+      <p:sp>
+        <p:nvSpPr>
+          <p:cNvPr id="2" name="Title 1"/>
+          <p:cNvSpPr>
+            <a:spLocks noGrp="1"/>
+          </p:cNvSpPr>
+          <p:nvPr>
+            <p:ph type="title"/>
+          </p:nvPr>
+        </p:nvSpPr>
+        <p:spPr>
+          <a:xfrm>
+            <a:off x="761803" y="350196"/>
+            <a:ext cx="4646904" cy="1624520"/>
+          </a:xfrm>
+        </p:spPr>
+        <p:txBody>
+          <a:bodyPr anchor="ctr">
+            <a:normAutofit/>
+          </a:bodyPr>
+          <a:lstStyle/>
+          <a:p>
+            <a:r>
+              <a:rPr lang="en-US" sz="4000"/>
+              <a:t>Project Idea</a:t>
+            </a:r>
+          </a:p>
+        </p:txBody>
+      </p:sp>
+      <p:sp>
+        <p:nvSpPr>
+          <p:cNvPr id="3" name="Content Placeholder 2"/>
+          <p:cNvSpPr>
+            <a:spLocks noGrp="1"/>
+          </p:cNvSpPr>
+          <p:nvPr>
+            <p:ph idx="1"/>
+          </p:nvPr>
+        </p:nvSpPr>
+        <p:spPr>
+          <a:xfrm>
+            <a:off x="761802" y="2743200"/>
+            <a:ext cx="4646905" cy="3613149"/>
+          </a:xfrm>
+        </p:spPr>
+        <p:txBody>
+          <a:bodyPr anchor="ctr">
+            <a:normAutofit/>
+          </a:bodyPr>
+          <a:lstStyle/>
+          <a:p>
+            <a:endParaRPr lang="en-US" sz="1600"/>
+          </a:p>
+          <a:p>
+            <a:pPr>
+              <a:defRPr sz="2000"/>
+            </a:pPr>
+            <a:r>
+              <a:rPr lang="en-US" sz="1600"/>
+              <a:t>Goal: Help users stay productive and motivated.</a:t>
+            </a:r>
+          </a:p>
+          <a:p>
+            <a:pPr>
+              <a:defRPr sz="2000"/>
+            </a:pPr>
+            <a:r>
+              <a:rPr lang="en-US" sz="1600"/>
+              <a:t>Key Features:</a:t>
+            </a:r>
+          </a:p>
+          <a:p>
+            <a:pPr>
+              <a:defRPr sz="2000"/>
+            </a:pPr>
+            <a:r>
+              <a:rPr lang="en-US" sz="1600"/>
+              <a:t> - Add and check off tasks</a:t>
+            </a:r>
+          </a:p>
+          <a:p>
+            <a:pPr>
+              <a:defRPr sz="2000"/>
+            </a:pPr>
+            <a:r>
+              <a:rPr lang="en-US" sz="1600"/>
+              <a:t> - Progress bar to track task completion</a:t>
+            </a:r>
+          </a:p>
+          <a:p>
+            <a:pPr>
+              <a:defRPr sz="2000"/>
+            </a:pPr>
+            <a:r>
+              <a:rPr lang="en-US" sz="1600"/>
+              <a:t> - Motivational popup messages</a:t>
+            </a:r>
+          </a:p>
+          <a:p>
+            <a:pPr>
+              <a:defRPr sz="2000"/>
+            </a:pPr>
+            <a:r>
+              <a:rPr lang="en-US" sz="1600"/>
+              <a:t>Inspiration Sources:</a:t>
+            </a:r>
+          </a:p>
+          <a:p>
+            <a:pPr>
+              <a:defRPr sz="2000"/>
+            </a:pPr>
+            <a:r>
+              <a:rPr lang="en-US" sz="1600"/>
+              <a:t> - Habitica, Todoist</a:t>
+            </a:r>
+          </a:p>
+          <a:p>
+            <a:pPr>
+              <a:defRPr sz="2000"/>
+            </a:pPr>
+            <a:r>
+              <a:rPr lang="en-US" sz="1600"/>
+              <a:t> - GitHub task manager projects</a:t>
+            </a:r>
+          </a:p>
+          <a:p>
+            <a:pPr>
+              <a:defRPr sz="2000"/>
+            </a:pPr>
+            <a:r>
+              <a:rPr lang="en-US" sz="1600"/>
+              <a:t> - Python GUI tutorials</a:t>
+            </a:r>
+          </a:p>
+        </p:txBody>
+      </p:sp>
+      <p:pic>
+        <p:nvPicPr>
+          <p:cNvPr id="23" name="Picture 22" descr="Sticky notes on a wall">
+            <a:extLst>
+              <a:ext uri="{FF2B5EF4-FFF2-40B4-BE49-F238E27FC236}">
+                <a16:creationId xmlns:a16="http://schemas.microsoft.com/office/drawing/2014/main" id="{74AD490D-B4CC-CE29-E545-C6B9F96A1560}"/>
+              </a:ext>
+            </a:extLst>
+          </p:cNvPr>
+          <p:cNvPicPr>
+            <a:picLocks noChangeAspect="1"/>
+          </p:cNvPicPr>
+          <p:nvPr/>
+        </p:nvPicPr>
+        <p:blipFill>
+          <a:blip r:embed="rId2"/>
+          <a:srcRect l="18834" r="19097" b="1"/>
+          <a:stretch/>
+        </p:blipFill>
+        <p:spPr>
+          <a:xfrm>
+            <a:off x="6096000" y="1"/>
+            <a:ext cx="6102825" cy="6858000"/>
+          </a:xfrm>
+          <a:prstGeom prst="rect">
+            <a:avLst/>
+          </a:prstGeom>
+        </p:spPr>
+      </p:pic>
+    </p:spTree>
+  </p:cSld>
+  <p:clrMapOvr>
+    <a:masterClrMapping/>
+  </p:clrMapOvr>
+</p:sld>
+</file>
+
+<file path=ppt/slides/slide3.xml><?xml version="1.0" encoding="utf-8"?>
+<p:sld xmlns:a="http://schemas.openxmlformats.org/drawingml/2006/main" xmlns:r="http://schemas.openxmlformats.org/officeDocument/2006/relationships" xmlns:p="http://schemas.openxmlformats.org/presentationml/2006/main">
+  <p:cSld>
+    <p:bg>
+      <p:bgPr>
+        <a:solidFill>
+          <a:schemeClr val="bg1"/>
+        </a:solidFill>
+        <a:effectLst/>
+      </p:bgPr>
+    </p:bg>
+    <p:spTree>
+      <p:nvGrpSpPr>
+        <p:cNvPr id="1" name=""/>
+        <p:cNvGrpSpPr/>
+        <p:nvPr/>
+      </p:nvGrpSpPr>
+      <p:grpSpPr>
+        <a:xfrm>
+          <a:off x="0" y="0"/>
+          <a:ext cx="0" cy="0"/>
+          <a:chOff x="0" y="0"/>
+          <a:chExt cx="0" cy="0"/>
+        </a:xfrm>
+      </p:grpSpPr>
+      <p:sp useBgFill="1">
+        <p:nvSpPr>
+          <p:cNvPr id="9" name="Slide Background">
+            <a:extLst>
+              <a:ext uri="{FF2B5EF4-FFF2-40B4-BE49-F238E27FC236}">
+                <a16:creationId xmlns:a16="http://schemas.microsoft.com/office/drawing/2014/main" id="{C0763A76-9F1C-4FC5-82B7-DD475DA461B2}"/>
+              </a:ext>
+              <a:ext uri="{C183D7F6-B498-43B3-948B-1728B52AA6E4}">
+                <adec:decorative xmlns:adec="http://schemas.microsoft.com/office/drawing/2017/decorative" val="1"/>
+              </a:ext>
+            </a:extLst>
+          </p:cNvPr>
+          <p:cNvSpPr>
+            <a:spLocks noGrp="1" noRot="1" noChangeAspect="1" noMove="1" noResize="1" noEditPoints="1" noAdjustHandles="1" noChangeArrowheads="1" noChangeShapeType="1" noTextEdit="1"/>
+          </p:cNvSpPr>
+          <p:nvPr>
+            <p:extLst>
+              <p:ext uri="{386F3935-93C4-4BCD-93E2-E3B085C9AB24}">
+                <p16:designElem xmlns:p16="http://schemas.microsoft.com/office/powerpoint/2015/main" val="1"/>
+              </p:ext>
+            </p:extLst>
+          </p:nvPr>
+        </p:nvSpPr>
+        <p:spPr bwMode="white">
+          <a:xfrm>
+            <a:off x="-1" y="0"/>
+            <a:ext cx="12191999" cy="6858000"/>
+          </a:xfrm>
+          <a:prstGeom prst="rect">
+            <a:avLst/>
+          </a:prstGeom>
+          <a:ln>
+            <a:noFill/>
+          </a:ln>
+        </p:spPr>
+        <p:style>
+          <a:lnRef idx="2">
+            <a:schemeClr val="accent1">
+              <a:shade val="50000"/>
+            </a:schemeClr>
+          </a:lnRef>
+          <a:fillRef idx="1">
+            <a:schemeClr val="accent1"/>
+          </a:fillRef>
+          <a:effectRef idx="0">
+            <a:schemeClr val="accent1"/>
+          </a:effectRef>
+          <a:fontRef idx="minor">
+            <a:schemeClr val="lt1"/>
+          </a:fontRef>
+        </p:style>
+        <p:txBody>
+          <a:bodyPr rtlCol="0" anchor="ctr"/>
+          <a:lstStyle>
+            <a:defPPr>
+              <a:defRPr lang="en-US"/>
+            </a:defPPr>
+            <a:lvl1pPr marL="0" algn="l" defTabSz="914400" rtl="0" eaLnBrk="1" latinLnBrk="0" hangingPunct="1">
+              <a:defRPr sz="1800" kern="1200">
+                <a:solidFill>
+                  <a:schemeClr val="lt1"/>
+                </a:solidFill>
+                <a:latin typeface="+mn-lt"/>
+                <a:ea typeface="+mn-ea"/>
+                <a:cs typeface="+mn-cs"/>
+              </a:defRPr>
+            </a:lvl1pPr>
+            <a:lvl2pPr marL="457200" algn="l" defTabSz="914400" rtl="0" eaLnBrk="1" latinLnBrk="0" hangingPunct="1">
+              <a:defRPr sz="1800" kern="1200">
+                <a:solidFill>
+                  <a:schemeClr val="lt1"/>
+                </a:solidFill>
+                <a:latin typeface="+mn-lt"/>
+                <a:ea typeface="+mn-ea"/>
+                <a:cs typeface="+mn-cs"/>
+              </a:defRPr>
+            </a:lvl2pPr>
+            <a:lvl3pPr marL="914400" algn="l" defTabSz="914400" rtl="0" eaLnBrk="1" latinLnBrk="0" hangingPunct="1">
+              <a:defRPr sz="1800" kern="1200">
+                <a:solidFill>
+                  <a:schemeClr val="lt1"/>
+                </a:solidFill>
+                <a:latin typeface="+mn-lt"/>
+                <a:ea typeface="+mn-ea"/>
+                <a:cs typeface="+mn-cs"/>
+              </a:defRPr>
+            </a:lvl3pPr>
+            <a:lvl4pPr marL="1371600" algn="l" defTabSz="914400" rtl="0" eaLnBrk="1" latinLnBrk="0" hangingPunct="1">
+              <a:defRPr sz="1800" kern="1200">
+                <a:solidFill>
+                  <a:schemeClr val="lt1"/>
+                </a:solidFill>
+                <a:latin typeface="+mn-lt"/>
+                <a:ea typeface="+mn-ea"/>
+                <a:cs typeface="+mn-cs"/>
+              </a:defRPr>
+            </a:lvl4pPr>
+            <a:lvl5pPr marL="1828800" algn="l" defTabSz="914400" rtl="0" eaLnBrk="1" latinLnBrk="0" hangingPunct="1">
+              <a:defRPr sz="1800" kern="1200">
+                <a:solidFill>
+                  <a:schemeClr val="lt1"/>
+                </a:solidFill>
+                <a:latin typeface="+mn-lt"/>
+                <a:ea typeface="+mn-ea"/>
+                <a:cs typeface="+mn-cs"/>
+              </a:defRPr>
+            </a:lvl5pPr>
+            <a:lvl6pPr marL="2286000" algn="l" defTabSz="914400" rtl="0" eaLnBrk="1" latinLnBrk="0" hangingPunct="1">
+              <a:defRPr sz="1800" kern="1200">
+                <a:solidFill>
+                  <a:schemeClr val="lt1"/>
+                </a:solidFill>
+                <a:latin typeface="+mn-lt"/>
+                <a:ea typeface="+mn-ea"/>
+                <a:cs typeface="+mn-cs"/>
+              </a:defRPr>
+            </a:lvl6pPr>
+            <a:lvl7pPr marL="2743200" algn="l" defTabSz="914400" rtl="0" eaLnBrk="1" latinLnBrk="0" hangingPunct="1">
+              <a:defRPr sz="1800" kern="1200">
+                <a:solidFill>
+                  <a:schemeClr val="lt1"/>
+                </a:solidFill>
+                <a:latin typeface="+mn-lt"/>
+                <a:ea typeface="+mn-ea"/>
+                <a:cs typeface="+mn-cs"/>
+              </a:defRPr>
+            </a:lvl7pPr>
+            <a:lvl8pPr marL="3200400" algn="l" defTabSz="914400" rtl="0" eaLnBrk="1" latinLnBrk="0" hangingPunct="1">
+              <a:defRPr sz="1800" kern="1200">
+                <a:solidFill>
+                  <a:schemeClr val="lt1"/>
+                </a:solidFill>
+                <a:latin typeface="+mn-lt"/>
+                <a:ea typeface="+mn-ea"/>
+                <a:cs typeface="+mn-cs"/>
+              </a:defRPr>
+            </a:lvl8pPr>
+            <a:lvl9pPr marL="3657600" algn="l" defTabSz="914400" rtl="0" eaLnBrk="1" latinLnBrk="0" hangingPunct="1">
+              <a:defRPr sz="1800" kern="1200">
+                <a:solidFill>
+                  <a:schemeClr val="lt1"/>
+                </a:solidFill>
+                <a:latin typeface="+mn-lt"/>
+                <a:ea typeface="+mn-ea"/>
+                <a:cs typeface="+mn-cs"/>
+              </a:defRPr>
+            </a:lvl9pPr>
+          </a:lstStyle>
+          <a:p>
+            <a:pPr algn="ctr"/>
+            <a:endParaRPr lang="en-US"/>
+          </a:p>
+        </p:txBody>
+      </p:sp>
+      <p:sp useBgFill="1">
+        <p:nvSpPr>
+          <p:cNvPr id="11" name="Rectangle 10">
+            <a:extLst>
+              <a:ext uri="{FF2B5EF4-FFF2-40B4-BE49-F238E27FC236}">
+                <a16:creationId xmlns:a16="http://schemas.microsoft.com/office/drawing/2014/main" id="{E81BF4F6-F2CF-4984-9D14-D6966D92F99F}"/>
+              </a:ext>
+              <a:ext uri="{C183D7F6-B498-43B3-948B-1728B52AA6E4}">
+                <adec:decorative xmlns:adec="http://schemas.microsoft.com/office/drawing/2017/decorative" val="1"/>
+              </a:ext>
+            </a:extLst>
+          </p:cNvPr>
+          <p:cNvSpPr>
+            <a:spLocks noGrp="1" noRot="1" noChangeAspect="1" noMove="1" noResize="1" noEditPoints="1" noAdjustHandles="1" noChangeArrowheads="1" noChangeShapeType="1" noTextEdit="1"/>
+          </p:cNvSpPr>
+          <p:nvPr>
+            <p:extLst>
+              <p:ext uri="{386F3935-93C4-4BCD-93E2-E3B085C9AB24}">
+                <p16:designElem xmlns:p16="http://schemas.microsoft.com/office/powerpoint/2015/main" val="1"/>
+              </p:ext>
+            </p:extLst>
+          </p:nvPr>
+        </p:nvSpPr>
+        <p:spPr>
+          <a:xfrm>
+            <a:off x="1" y="0"/>
+            <a:ext cx="8522446" cy="2285999"/>
+          </a:xfrm>
+          <a:prstGeom prst="rect">
+            <a:avLst/>
+          </a:prstGeom>
+          <a:ln>
+            <a:noFill/>
+          </a:ln>
+          <a:effectLst>
+            <a:outerShdw blurRad="596900" dist="304800" dir="7140000" sx="90000" sy="90000" algn="t" rotWithShape="0">
+              <a:srgbClr val="000000">
+                <a:alpha val="15000"/>
+              </a:srgbClr>
+            </a:outerShdw>
+          </a:effectLst>
+        </p:spPr>
+        <p:style>
+          <a:lnRef idx="2">
+            <a:schemeClr val="accent1">
+              <a:shade val="50000"/>
+            </a:schemeClr>
+          </a:lnRef>
+          <a:fillRef idx="1">
+            <a:schemeClr val="accent1"/>
+          </a:fillRef>
+          <a:effectRef idx="0">
+            <a:schemeClr val="accent1"/>
+          </a:effectRef>
+          <a:fontRef idx="minor">
+            <a:schemeClr val="lt1"/>
+          </a:fontRef>
+        </p:style>
+        <p:txBody>
+          <a:bodyPr rtlCol="0" anchor="ctr"/>
+          <a:lstStyle/>
+          <a:p>
+            <a:pPr algn="ctr"/>
+            <a:endParaRPr lang="en-US"/>
+          </a:p>
+        </p:txBody>
+      </p:sp>
+      <p:sp>
+        <p:nvSpPr>
+          <p:cNvPr id="2" name="Title 1"/>
+          <p:cNvSpPr>
+            <a:spLocks noGrp="1"/>
+          </p:cNvSpPr>
+          <p:nvPr>
+            <p:ph type="title"/>
+          </p:nvPr>
+        </p:nvSpPr>
+        <p:spPr>
+          <a:xfrm>
+            <a:off x="761803" y="350196"/>
+            <a:ext cx="4646904" cy="1624520"/>
+          </a:xfrm>
+        </p:spPr>
+        <p:txBody>
+          <a:bodyPr anchor="ctr">
+            <a:normAutofit/>
+          </a:bodyPr>
+          <a:lstStyle/>
+          <a:p>
+            <a:r>
+              <a:rPr lang="en-US" sz="4000"/>
+              <a:t>Development Journey</a:t>
+            </a:r>
+          </a:p>
+        </p:txBody>
+      </p:sp>
+      <p:sp>
+        <p:nvSpPr>
+          <p:cNvPr id="3" name="Content Placeholder 2"/>
+          <p:cNvSpPr>
+            <a:spLocks noGrp="1"/>
+          </p:cNvSpPr>
+          <p:nvPr>
+            <p:ph idx="1"/>
+          </p:nvPr>
+        </p:nvSpPr>
+        <p:spPr>
+          <a:xfrm>
+            <a:off x="761802" y="2743200"/>
+            <a:ext cx="4646905" cy="3613149"/>
+          </a:xfrm>
+        </p:spPr>
+        <p:txBody>
+          <a:bodyPr anchor="ctr">
+            <a:normAutofit/>
+          </a:bodyPr>
+          <a:lstStyle/>
+          <a:p>
+            <a:endParaRPr lang="en-US" sz="2000"/>
+          </a:p>
+          <a:p>
+            <a:pPr>
+              <a:defRPr sz="2000"/>
+            </a:pPr>
+            <a:r>
+              <a:rPr lang="en-US" sz="2000"/>
+              <a:t>Started with a simple checklist idea.</a:t>
+            </a:r>
+          </a:p>
+          <a:p>
+            <a:pPr>
+              <a:defRPr sz="2000"/>
+            </a:pPr>
+            <a:r>
+              <a:rPr lang="en-US" sz="2000"/>
+              <a:t>Expanded to include progress bar and motivational popups.</a:t>
+            </a:r>
+          </a:p>
+          <a:p>
+            <a:pPr>
+              <a:defRPr sz="2000"/>
+            </a:pPr>
+            <a:r>
+              <a:rPr lang="en-US" sz="2000"/>
+              <a:t>Challenges: Merging multiple features into one app.</a:t>
+            </a:r>
+          </a:p>
+          <a:p>
+            <a:pPr>
+              <a:defRPr sz="2000"/>
+            </a:pPr>
+            <a:r>
+              <a:rPr lang="en-US" sz="2000"/>
+              <a:t>Solutions:</a:t>
+            </a:r>
+          </a:p>
+          <a:p>
+            <a:pPr>
+              <a:defRPr sz="2000"/>
+            </a:pPr>
+            <a:r>
+              <a:rPr lang="en-US" sz="2000"/>
+              <a:t> - Learned from GitHub examples and tutorials</a:t>
+            </a:r>
+          </a:p>
+          <a:p>
+            <a:pPr>
+              <a:defRPr sz="2000"/>
+            </a:pPr>
+            <a:r>
+              <a:rPr lang="en-US" sz="2000"/>
+              <a:t> - Tested each function separately</a:t>
+            </a:r>
+          </a:p>
+        </p:txBody>
+      </p:sp>
+      <p:pic>
+        <p:nvPicPr>
+          <p:cNvPr id="5" name="Picture 4" descr="White stairs with a blue arrow drawn in the middle pointing upwards">
+            <a:extLst>
+              <a:ext uri="{FF2B5EF4-FFF2-40B4-BE49-F238E27FC236}">
+                <a16:creationId xmlns:a16="http://schemas.microsoft.com/office/drawing/2014/main" id="{D654A5B8-F2EE-601B-7B01-A41C9641C5CD}"/>
+              </a:ext>
+            </a:extLst>
+          </p:cNvPr>
+          <p:cNvPicPr>
+            <a:picLocks noChangeAspect="1"/>
+          </p:cNvPicPr>
+          <p:nvPr/>
+        </p:nvPicPr>
+        <p:blipFill>
+          <a:blip r:embed="rId2"/>
+          <a:srcRect r="11012"/>
+          <a:stretch/>
+        </p:blipFill>
+        <p:spPr>
+          <a:xfrm>
+            <a:off x="6096000" y="1"/>
+            <a:ext cx="6102825" cy="6858000"/>
+          </a:xfrm>
+          <a:prstGeom prst="rect">
+            <a:avLst/>
+          </a:prstGeom>
+        </p:spPr>
+      </p:pic>
+    </p:spTree>
+  </p:cSld>
+  <p:clrMapOvr>
+    <a:masterClrMapping/>
+  </p:clrMapOvr>
+</p:sld>
+</file>
+
+<file path=ppt/slides/slide4.xml><?xml version="1.0" encoding="utf-8"?>
+<p:sld xmlns:a="http://schemas.openxmlformats.org/drawingml/2006/main" xmlns:r="http://schemas.openxmlformats.org/officeDocument/2006/relationships" xmlns:p="http://schemas.openxmlformats.org/presentationml/2006/main">
+  <p:cSld>
+    <p:bg>
+      <p:bgPr>
+        <a:solidFill>
+          <a:schemeClr val="bg1"/>
+        </a:solidFill>
+        <a:effectLst/>
+      </p:bgPr>
+    </p:bg>
+    <p:spTree>
+      <p:nvGrpSpPr>
+        <p:cNvPr id="1" name=""/>
+        <p:cNvGrpSpPr/>
+        <p:nvPr/>
+      </p:nvGrpSpPr>
+      <p:grpSpPr>
+        <a:xfrm>
+          <a:off x="0" y="0"/>
+          <a:ext cx="0" cy="0"/>
+          <a:chOff x="0" y="0"/>
+          <a:chExt cx="0" cy="0"/>
+        </a:xfrm>
+      </p:grpSpPr>
+      <p:sp useBgFill="1">
+        <p:nvSpPr>
+          <p:cNvPr id="9" name="Rectangle 8">
+            <a:extLst>
+              <a:ext uri="{FF2B5EF4-FFF2-40B4-BE49-F238E27FC236}">
+                <a16:creationId xmlns:a16="http://schemas.microsoft.com/office/drawing/2014/main" id="{7517A47C-B2E5-4B79-8061-D74B1311AF6E}"/>
+              </a:ext>
+              <a:ext uri="{C183D7F6-B498-43B3-948B-1728B52AA6E4}">
+                <adec:decorative xmlns:adec="http://schemas.microsoft.com/office/drawing/2017/decorative" val="1"/>
+              </a:ext>
+            </a:extLst>
+          </p:cNvPr>
+          <p:cNvSpPr>
+            <a:spLocks noGrp="1" noRot="1" noChangeAspect="1" noMove="1" noResize="1" noEditPoints="1" noAdjustHandles="1" noChangeArrowheads="1" noChangeShapeType="1" noTextEdit="1"/>
+          </p:cNvSpPr>
+          <p:nvPr>
+            <p:extLst>
+              <p:ext uri="{386F3935-93C4-4BCD-93E2-E3B085C9AB24}">
+                <p16:designElem xmlns:p16="http://schemas.microsoft.com/office/powerpoint/2015/main" val="1"/>
+              </p:ext>
+            </p:extLst>
+          </p:nvPr>
+        </p:nvSpPr>
+        <p:spPr>
+          <a:xfrm>
+            <a:off x="0" y="0"/>
+            <a:ext cx="12192000" cy="6858000"/>
+          </a:xfrm>
+          <a:prstGeom prst="rect">
+            <a:avLst/>
+          </a:prstGeom>
+          <a:ln>
+            <a:noFill/>
+          </a:ln>
+        </p:spPr>
+        <p:style>
+          <a:lnRef idx="2">
+            <a:schemeClr val="accent1">
+              <a:shade val="50000"/>
+            </a:schemeClr>
+          </a:lnRef>
+          <a:fillRef idx="1">
+            <a:schemeClr val="accent1"/>
+          </a:fillRef>
+          <a:effectRef idx="0">
+            <a:schemeClr val="accent1"/>
+          </a:effectRef>
+          <a:fontRef idx="minor">
+            <a:schemeClr val="lt1"/>
+          </a:fontRef>
+        </p:style>
+        <p:txBody>
+          <a:bodyPr rtlCol="0" anchor="ctr"/>
+          <a:lstStyle/>
+          <a:p>
+            <a:pPr algn="ctr"/>
+            <a:endParaRPr lang="en-US"/>
+          </a:p>
+        </p:txBody>
+      </p:sp>
+      <p:sp useBgFill="1">
+        <p:nvSpPr>
+          <p:cNvPr id="11" name="Freeform: Shape 10">
+            <a:extLst>
+              <a:ext uri="{FF2B5EF4-FFF2-40B4-BE49-F238E27FC236}">
+                <a16:creationId xmlns:a16="http://schemas.microsoft.com/office/drawing/2014/main" id="{C505E780-2083-4CB5-A42A-5E0E2908ECC3}"/>
+              </a:ext>
+              <a:ext uri="{C183D7F6-B498-43B3-948B-1728B52AA6E4}">
+                <adec:decorative xmlns:adec="http://schemas.microsoft.com/office/drawing/2017/decorative" val="1"/>
+              </a:ext>
+            </a:extLst>
+          </p:cNvPr>
+          <p:cNvSpPr>
+            <a:spLocks noGrp="1" noRot="1" noChangeAspect="1" noMove="1" noResize="1" noEditPoints="1" noAdjustHandles="1" noChangeArrowheads="1" noChangeShapeType="1" noTextEdit="1"/>
+          </p:cNvSpPr>
+          <p:nvPr>
+            <p:extLst>
+              <p:ext uri="{386F3935-93C4-4BCD-93E2-E3B085C9AB24}">
+                <p16:designElem xmlns:p16="http://schemas.microsoft.com/office/powerpoint/2015/main" val="1"/>
+              </p:ext>
+            </p:extLst>
+          </p:nvPr>
+        </p:nvSpPr>
+        <p:spPr>
+          <a:xfrm>
+            <a:off x="-1" y="0"/>
+            <a:ext cx="4818889" cy="6858000"/>
+          </a:xfrm>
+          <a:custGeom>
+            <a:avLst/>
+            <a:gdLst>
+              <a:gd name="connsiteX0" fmla="*/ 0 w 4818889"/>
+              <a:gd name="connsiteY0" fmla="*/ 0 h 6858000"/>
+              <a:gd name="connsiteX1" fmla="*/ 3605911 w 4818889"/>
+              <a:gd name="connsiteY1" fmla="*/ 0 h 6858000"/>
+              <a:gd name="connsiteX2" fmla="*/ 3668894 w 4818889"/>
+              <a:gd name="connsiteY2" fmla="*/ 69271 h 6858000"/>
+              <a:gd name="connsiteX3" fmla="*/ 4818889 w 4818889"/>
+              <a:gd name="connsiteY3" fmla="*/ 3429000 h 6858000"/>
+              <a:gd name="connsiteX4" fmla="*/ 3668894 w 4818889"/>
+              <a:gd name="connsiteY4" fmla="*/ 6788730 h 6858000"/>
+              <a:gd name="connsiteX5" fmla="*/ 3605911 w 4818889"/>
+              <a:gd name="connsiteY5" fmla="*/ 6858000 h 6858000"/>
+              <a:gd name="connsiteX6" fmla="*/ 0 w 4818889"/>
+              <a:gd name="connsiteY6" fmla="*/ 6858000 h 6858000"/>
+            </a:gdLst>
+            <a:ahLst/>
+            <a:cxnLst>
+              <a:cxn ang="0">
+                <a:pos x="connsiteX0" y="connsiteY0"/>
+              </a:cxn>
+              <a:cxn ang="0">
+                <a:pos x="connsiteX1" y="connsiteY1"/>
+              </a:cxn>
+              <a:cxn ang="0">
+                <a:pos x="connsiteX2" y="connsiteY2"/>
+              </a:cxn>
+              <a:cxn ang="0">
+                <a:pos x="connsiteX3" y="connsiteY3"/>
+              </a:cxn>
+              <a:cxn ang="0">
+                <a:pos x="connsiteX4" y="connsiteY4"/>
+              </a:cxn>
+              <a:cxn ang="0">
+                <a:pos x="connsiteX5" y="connsiteY5"/>
+              </a:cxn>
+              <a:cxn ang="0">
+                <a:pos x="connsiteX6" y="connsiteY6"/>
+              </a:cxn>
+            </a:cxnLst>
+            <a:rect l="l" t="t" r="r" b="b"/>
+            <a:pathLst>
+              <a:path w="4818889" h="6858000">
+                <a:moveTo>
+                  <a:pt x="0" y="0"/>
+                </a:moveTo>
+                <a:lnTo>
+                  <a:pt x="3605911" y="0"/>
+                </a:lnTo>
+                <a:lnTo>
+                  <a:pt x="3668894" y="69271"/>
+                </a:lnTo>
+                <a:cubicBezTo>
+                  <a:pt x="4379420" y="929100"/>
+                  <a:pt x="4818889" y="2116944"/>
+                  <a:pt x="4818889" y="3429000"/>
+                </a:cubicBezTo>
+                <a:cubicBezTo>
+                  <a:pt x="4818889" y="4741056"/>
+                  <a:pt x="4379420" y="5928900"/>
+                  <a:pt x="3668894" y="6788730"/>
+                </a:cubicBezTo>
+                <a:lnTo>
+                  <a:pt x="3605911" y="6858000"/>
+                </a:lnTo>
+                <a:lnTo>
+                  <a:pt x="0" y="6858000"/>
+                </a:lnTo>
+                <a:close/>
+              </a:path>
+            </a:pathLst>
+          </a:custGeom>
+          <a:ln w="9525">
+            <a:solidFill>
+              <a:srgbClr val="EFEFEF"/>
+            </a:solidFill>
+          </a:ln>
+          <a:effectLst>
+            <a:outerShdw blurRad="88900" dist="38100" algn="l" rotWithShape="0">
+              <a:schemeClr val="bg1">
+                <a:lumMod val="85000"/>
+                <a:alpha val="50000"/>
+              </a:schemeClr>
+            </a:outerShdw>
+          </a:effectLst>
+        </p:spPr>
+        <p:style>
+          <a:lnRef idx="2">
+            <a:schemeClr val="accent1">
+              <a:shade val="50000"/>
+            </a:schemeClr>
+          </a:lnRef>
+          <a:fillRef idx="1">
+            <a:schemeClr val="accent1"/>
+          </a:fillRef>
+          <a:effectRef idx="0">
+            <a:schemeClr val="accent1"/>
+          </a:effectRef>
+          <a:fontRef idx="minor">
+            <a:schemeClr val="lt1"/>
+          </a:fontRef>
+        </p:style>
+        <p:txBody>
+          <a:bodyPr wrap="square" rtlCol="0" anchor="ctr">
+            <a:noAutofit/>
+          </a:bodyPr>
+          <a:lstStyle/>
+          <a:p>
+            <a:pPr marL="0" marR="0" lvl="0" indent="0" algn="ctr" defTabSz="914400" rtl="0" eaLnBrk="1" fontAlgn="auto" latinLnBrk="0" hangingPunct="1">
+              <a:lnSpc>
+                <a:spcPct val="100000"/>
+              </a:lnSpc>
+              <a:spcBef>
+                <a:spcPts val="0"/>
+              </a:spcBef>
+              <a:spcAft>
+                <a:spcPts val="0"/>
+              </a:spcAft>
+              <a:buClrTx/>
+              <a:buSzTx/>
+              <a:buFontTx/>
+              <a:buNone/>
+              <a:tabLst/>
+              <a:defRPr/>
+            </a:pPr>
+            <a:endParaRPr kumimoji="0" lang="en-US" sz="1800" b="0" i="0" u="none" strike="noStrike" kern="1200" cap="none" spc="0" normalizeH="0" baseline="0" noProof="0">
+              <a:ln>
+                <a:noFill/>
+              </a:ln>
+              <a:solidFill>
+                <a:prstClr val="white"/>
+              </a:solidFill>
+              <a:effectLst/>
+              <a:uLnTx/>
+              <a:uFillTx/>
+              <a:latin typeface="Calibri" panose="020F0502020204030204"/>
+              <a:ea typeface="+mn-ea"/>
+              <a:cs typeface="+mn-cs"/>
+            </a:endParaRPr>
+          </a:p>
+        </p:txBody>
+      </p:sp>
+      <p:sp useBgFill="1">
+        <p:nvSpPr>
+          <p:cNvPr id="13" name="Freeform: Shape 12">
+            <a:extLst>
+              <a:ext uri="{FF2B5EF4-FFF2-40B4-BE49-F238E27FC236}">
+                <a16:creationId xmlns:a16="http://schemas.microsoft.com/office/drawing/2014/main" id="{D2C0AE1C-0118-41AE-8A10-7CDCBF10E96F}"/>
+              </a:ext>
+              <a:ext uri="{C183D7F6-B498-43B3-948B-1728B52AA6E4}">
+                <adec:decorative xmlns:adec="http://schemas.microsoft.com/office/drawing/2017/decorative" val="1"/>
+              </a:ext>
+            </a:extLst>
+          </p:cNvPr>
+          <p:cNvSpPr>
+            <a:spLocks noGrp="1" noRot="1" noChangeAspect="1" noMove="1" noResize="1" noEditPoints="1" noAdjustHandles="1" noChangeArrowheads="1" noChangeShapeType="1" noTextEdit="1"/>
+          </p:cNvSpPr>
+          <p:nvPr>
+            <p:extLst>
+              <p:ext uri="{386F3935-93C4-4BCD-93E2-E3B085C9AB24}">
+                <p16:designElem xmlns:p16="http://schemas.microsoft.com/office/powerpoint/2015/main" val="1"/>
+              </p:ext>
+            </p:extLst>
+          </p:nvPr>
+        </p:nvSpPr>
+        <p:spPr>
+          <a:xfrm>
+            <a:off x="1" y="0"/>
+            <a:ext cx="4811477" cy="6858000"/>
+          </a:xfrm>
+          <a:custGeom>
+            <a:avLst/>
+            <a:gdLst>
+              <a:gd name="connsiteX0" fmla="*/ 0 w 4811477"/>
+              <a:gd name="connsiteY0" fmla="*/ 0 h 6858000"/>
+              <a:gd name="connsiteX1" fmla="*/ 3598499 w 4811477"/>
+              <a:gd name="connsiteY1" fmla="*/ 0 h 6858000"/>
+              <a:gd name="connsiteX2" fmla="*/ 3661482 w 4811477"/>
+              <a:gd name="connsiteY2" fmla="*/ 69271 h 6858000"/>
+              <a:gd name="connsiteX3" fmla="*/ 4811477 w 4811477"/>
+              <a:gd name="connsiteY3" fmla="*/ 3429000 h 6858000"/>
+              <a:gd name="connsiteX4" fmla="*/ 3661482 w 4811477"/>
+              <a:gd name="connsiteY4" fmla="*/ 6788730 h 6858000"/>
+              <a:gd name="connsiteX5" fmla="*/ 3598499 w 4811477"/>
+              <a:gd name="connsiteY5" fmla="*/ 6858000 h 6858000"/>
+              <a:gd name="connsiteX6" fmla="*/ 0 w 4811477"/>
+              <a:gd name="connsiteY6" fmla="*/ 6858000 h 6858000"/>
+            </a:gdLst>
+            <a:ahLst/>
+            <a:cxnLst>
+              <a:cxn ang="0">
+                <a:pos x="connsiteX0" y="connsiteY0"/>
+              </a:cxn>
+              <a:cxn ang="0">
+                <a:pos x="connsiteX1" y="connsiteY1"/>
+              </a:cxn>
+              <a:cxn ang="0">
+                <a:pos x="connsiteX2" y="connsiteY2"/>
+              </a:cxn>
+              <a:cxn ang="0">
+                <a:pos x="connsiteX3" y="connsiteY3"/>
+              </a:cxn>
+              <a:cxn ang="0">
+                <a:pos x="connsiteX4" y="connsiteY4"/>
+              </a:cxn>
+              <a:cxn ang="0">
+                <a:pos x="connsiteX5" y="connsiteY5"/>
+              </a:cxn>
+              <a:cxn ang="0">
+                <a:pos x="connsiteX6" y="connsiteY6"/>
+              </a:cxn>
+            </a:cxnLst>
+            <a:rect l="l" t="t" r="r" b="b"/>
+            <a:pathLst>
+              <a:path w="4811477" h="6858000">
+                <a:moveTo>
+                  <a:pt x="0" y="0"/>
+                </a:moveTo>
+                <a:lnTo>
+                  <a:pt x="3598499" y="0"/>
+                </a:lnTo>
+                <a:lnTo>
+                  <a:pt x="3661482" y="69271"/>
+                </a:lnTo>
+                <a:cubicBezTo>
+                  <a:pt x="4372008" y="929100"/>
+                  <a:pt x="4811477" y="2116944"/>
+                  <a:pt x="4811477" y="3429000"/>
+                </a:cubicBezTo>
+                <a:cubicBezTo>
+                  <a:pt x="4811477" y="4741056"/>
+                  <a:pt x="4372008" y="5928900"/>
+                  <a:pt x="3661482" y="6788730"/>
+                </a:cubicBezTo>
+                <a:lnTo>
+                  <a:pt x="3598499" y="6858000"/>
+                </a:lnTo>
+                <a:lnTo>
+                  <a:pt x="0" y="6858000"/>
+                </a:lnTo>
+                <a:close/>
+              </a:path>
+            </a:pathLst>
+          </a:custGeom>
+          <a:ln w="9525">
+            <a:noFill/>
+          </a:ln>
+          <a:effectLst/>
+        </p:spPr>
+        <p:style>
+          <a:lnRef idx="2">
+            <a:schemeClr val="accent1">
+              <a:shade val="50000"/>
+            </a:schemeClr>
+          </a:lnRef>
+          <a:fillRef idx="1">
+            <a:schemeClr val="accent1"/>
+          </a:fillRef>
+          <a:effectRef idx="0">
+            <a:schemeClr val="accent1"/>
+          </a:effectRef>
+          <a:fontRef idx="minor">
+            <a:schemeClr val="lt1"/>
+          </a:fontRef>
+        </p:style>
+        <p:txBody>
+          <a:bodyPr wrap="square" rtlCol="0" anchor="ctr">
+            <a:noAutofit/>
+          </a:bodyPr>
+          <a:lstStyle/>
+          <a:p>
+            <a:pPr marL="0" marR="0" lvl="0" indent="0" algn="ctr" defTabSz="914400" rtl="0" eaLnBrk="1" fontAlgn="auto" latinLnBrk="0" hangingPunct="1">
+              <a:lnSpc>
+                <a:spcPct val="100000"/>
+              </a:lnSpc>
+              <a:spcBef>
+                <a:spcPts val="0"/>
+              </a:spcBef>
+              <a:spcAft>
+                <a:spcPts val="0"/>
+              </a:spcAft>
+              <a:buClrTx/>
+              <a:buSzTx/>
+              <a:buFontTx/>
+              <a:buNone/>
+              <a:tabLst/>
+              <a:defRPr/>
+            </a:pPr>
+            <a:endParaRPr kumimoji="0" lang="en-US" sz="1800" b="0" i="0" u="none" strike="noStrike" kern="1200" cap="none" spc="0" normalizeH="0" baseline="0" noProof="0">
+              <a:ln>
+                <a:noFill/>
+              </a:ln>
+              <a:solidFill>
+                <a:prstClr val="white"/>
+              </a:solidFill>
+              <a:effectLst/>
+              <a:uLnTx/>
+              <a:uFillTx/>
+              <a:latin typeface="Calibri" panose="020F0502020204030204"/>
+              <a:ea typeface="+mn-ea"/>
+              <a:cs typeface="+mn-cs"/>
+            </a:endParaRPr>
+          </a:p>
+        </p:txBody>
+      </p:sp>
+      <p:sp>
+        <p:nvSpPr>
+          <p:cNvPr id="2" name="Title 1"/>
+          <p:cNvSpPr>
+            <a:spLocks noGrp="1"/>
+          </p:cNvSpPr>
+          <p:nvPr>
+            <p:ph type="title"/>
+          </p:nvPr>
+        </p:nvSpPr>
+        <p:spPr>
+          <a:xfrm>
+            <a:off x="621792" y="1161288"/>
+            <a:ext cx="3602736" cy="4526280"/>
+          </a:xfrm>
+        </p:spPr>
+        <p:txBody>
+          <a:bodyPr>
+            <a:normAutofit/>
+          </a:bodyPr>
+          <a:lstStyle/>
+          <a:p>
+            <a:r>
+              <a:rPr lang="en-US" sz="4000"/>
+              <a:t>Live Demo</a:t>
+            </a:r>
+          </a:p>
+        </p:txBody>
+      </p:sp>
+      <p:sp>
+        <p:nvSpPr>
+          <p:cNvPr id="15" name="Rectangle 14">
+            <a:extLst>
+              <a:ext uri="{FF2B5EF4-FFF2-40B4-BE49-F238E27FC236}">
+                <a16:creationId xmlns:a16="http://schemas.microsoft.com/office/drawing/2014/main" id="{463EEC44-1BA3-44ED-81FC-A644B04B2A44}"/>
+              </a:ext>
+              <a:ext uri="{C183D7F6-B498-43B3-948B-1728B52AA6E4}">
+                <adec:decorative xmlns:adec="http://schemas.microsoft.com/office/drawing/2017/decorative" val="1"/>
+              </a:ext>
+            </a:extLst>
+          </p:cNvPr>
+          <p:cNvSpPr>
+            <a:spLocks noGrp="1" noRot="1" noChangeAspect="1" noMove="1" noResize="1" noEditPoints="1" noAdjustHandles="1" noChangeArrowheads="1" noChangeShapeType="1" noTextEdit="1"/>
+          </p:cNvSpPr>
+          <p:nvPr>
+            <p:extLst>
+              <p:ext uri="{386F3935-93C4-4BCD-93E2-E3B085C9AB24}">
+                <p16:designElem xmlns:p16="http://schemas.microsoft.com/office/powerpoint/2015/main" val="1"/>
+              </p:ext>
+            </p:extLst>
+          </p:nvPr>
+        </p:nvSpPr>
+        <p:spPr>
+          <a:xfrm>
+            <a:off x="0" y="3081528"/>
+            <a:ext cx="128016" cy="704088"/>
+          </a:xfrm>
+          <a:prstGeom prst="rect">
+            <a:avLst/>
+          </a:prstGeom>
+          <a:solidFill>
+            <a:schemeClr val="accent2"/>
+          </a:solidFill>
+          <a:ln>
+            <a:noFill/>
+          </a:ln>
+        </p:spPr>
+        <p:style>
+          <a:lnRef idx="2">
+            <a:schemeClr val="accent1">
+              <a:shade val="50000"/>
+            </a:schemeClr>
+          </a:lnRef>
+          <a:fillRef idx="1">
+            <a:schemeClr val="accent1"/>
+          </a:fillRef>
+          <a:effectRef idx="0">
+            <a:schemeClr val="accent1"/>
+          </a:effectRef>
+          <a:fontRef idx="minor">
+            <a:schemeClr val="lt1"/>
+          </a:fontRef>
+        </p:style>
+        <p:txBody>
+          <a:bodyPr rtlCol="0" anchor="ctr"/>
+          <a:lstStyle/>
+          <a:p>
+            <a:pPr algn="ctr"/>
+            <a:endParaRPr lang="en-US">
+              <a:solidFill>
+                <a:prstClr val="white"/>
+              </a:solidFill>
+              <a:latin typeface="Calibri" panose="020F0502020204030204"/>
+            </a:endParaRPr>
+          </a:p>
+        </p:txBody>
+      </p:sp>
+      <p:graphicFrame>
+        <p:nvGraphicFramePr>
+          <p:cNvPr id="5" name="Content Placeholder 2">
+            <a:extLst>
+              <a:ext uri="{FF2B5EF4-FFF2-40B4-BE49-F238E27FC236}">
+                <a16:creationId xmlns:a16="http://schemas.microsoft.com/office/drawing/2014/main" id="{E92A16AF-00EB-9A3D-E8C0-90C9D3528C48}"/>
+              </a:ext>
+            </a:extLst>
+          </p:cNvPr>
+          <p:cNvGraphicFramePr>
+            <a:graphicFrameLocks noGrp="1"/>
+          </p:cNvGraphicFramePr>
+          <p:nvPr>
+            <p:ph idx="1"/>
+            <p:extLst>
+              <p:ext uri="{D42A27DB-BD31-4B8C-83A1-F6EECF244321}">
+                <p14:modId xmlns:p14="http://schemas.microsoft.com/office/powerpoint/2010/main" val="2675543333"/>
+              </p:ext>
+            </p:extLst>
+          </p:nvPr>
+        </p:nvGraphicFramePr>
+        <p:xfrm>
+          <a:off x="5303520" y="676656"/>
+          <a:ext cx="6364224" cy="5513832"/>
+        </p:xfrm>
+        <a:graphic>
+          <a:graphicData uri="http://schemas.openxmlformats.org/drawingml/2006/diagram">
+            <dgm:relIds xmlns:dgm="http://schemas.openxmlformats.org/drawingml/2006/diagram" xmlns:r="http://schemas.openxmlformats.org/officeDocument/2006/relationships" r:dm="rId2" r:lo="rId3" r:qs="rId4" r:cs="rId5"/>
+          </a:graphicData>
+        </a:graphic>
+      </p:graphicFrame>
+    </p:spTree>
+  </p:cSld>
+  <p:clrMapOvr>
+    <a:masterClrMapping/>
+  </p:clrMapOvr>
+</p:sld>
+</file>
+
+<file path=ppt/slides/slide5.xml><?xml version="1.0" encoding="utf-8"?>
+<p:sld xmlns:a="http://schemas.openxmlformats.org/drawingml/2006/main" xmlns:r="http://schemas.openxmlformats.org/officeDocument/2006/relationships" xmlns:p="http://schemas.openxmlformats.org/presentationml/2006/main">
+  <p:cSld>
+    <p:bg>
+      <p:bgPr>
+        <a:solidFill>
+          <a:schemeClr val="bg1"/>
+        </a:solidFill>
+        <a:effectLst/>
+      </p:bgPr>
+    </p:bg>
+    <p:spTree>
+      <p:nvGrpSpPr>
+        <p:cNvPr id="1" name=""/>
+        <p:cNvGrpSpPr/>
+        <p:nvPr/>
+      </p:nvGrpSpPr>
+      <p:grpSpPr>
+        <a:xfrm>
+          <a:off x="0" y="0"/>
+          <a:ext cx="0" cy="0"/>
+          <a:chOff x="0" y="0"/>
+          <a:chExt cx="0" cy="0"/>
+        </a:xfrm>
+      </p:grpSpPr>
+      <p:sp useBgFill="1">
+        <p:nvSpPr>
+          <p:cNvPr id="14" name="Slide Background">
+            <a:extLst>
+              <a:ext uri="{FF2B5EF4-FFF2-40B4-BE49-F238E27FC236}">
+                <a16:creationId xmlns:a16="http://schemas.microsoft.com/office/drawing/2014/main" id="{B210AC1D-4063-4C6E-9528-FA9C4C0C18E6}"/>
+              </a:ext>
+              <a:ext uri="{C183D7F6-B498-43B3-948B-1728B52AA6E4}">
+                <adec:decorative xmlns:adec="http://schemas.microsoft.com/office/drawing/2017/decorative" val="1"/>
+              </a:ext>
+            </a:extLst>
+          </p:cNvPr>
+          <p:cNvSpPr>
+            <a:spLocks noGrp="1" noRot="1" noChangeAspect="1" noMove="1" noResize="1" noEditPoints="1" noAdjustHandles="1" noChangeArrowheads="1" noChangeShapeType="1" noTextEdit="1"/>
+          </p:cNvSpPr>
+          <p:nvPr>
+            <p:extLst>
+              <p:ext uri="{386F3935-93C4-4BCD-93E2-E3B085C9AB24}">
+                <p16:designElem xmlns:p16="http://schemas.microsoft.com/office/powerpoint/2015/main" val="1"/>
+              </p:ext>
+            </p:extLst>
+          </p:nvPr>
+        </p:nvSpPr>
+        <p:spPr>
+          <a:xfrm>
+            <a:off x="0" y="0"/>
+            <a:ext cx="12192000" cy="6858000"/>
+          </a:xfrm>
+          <a:prstGeom prst="rect">
+            <a:avLst/>
+          </a:prstGeom>
+          <a:ln>
+            <a:noFill/>
+          </a:ln>
+        </p:spPr>
+        <p:style>
+          <a:lnRef idx="2">
+            <a:schemeClr val="accent1">
+              <a:shade val="50000"/>
+            </a:schemeClr>
+          </a:lnRef>
+          <a:fillRef idx="1">
+            <a:schemeClr val="accent1"/>
+          </a:fillRef>
+          <a:effectRef idx="0">
+            <a:schemeClr val="accent1"/>
+          </a:effectRef>
+          <a:fontRef idx="minor">
+            <a:schemeClr val="lt1"/>
+          </a:fontRef>
+        </p:style>
+        <p:txBody>
+          <a:bodyPr rtlCol="0" anchor="ctr"/>
+          <a:lstStyle/>
+          <a:p>
+            <a:pPr algn="ctr"/>
+            <a:endParaRPr lang="en-US"/>
+          </a:p>
+        </p:txBody>
+      </p:sp>
+      <p:sp useBgFill="1">
+        <p:nvSpPr>
+          <p:cNvPr id="15" name="Rectangle 14">
+            <a:extLst>
+              <a:ext uri="{FF2B5EF4-FFF2-40B4-BE49-F238E27FC236}">
+                <a16:creationId xmlns:a16="http://schemas.microsoft.com/office/drawing/2014/main" id="{02F8C595-E68C-4306-AED8-DC7826A0A506}"/>
+              </a:ext>
+              <a:ext uri="{C183D7F6-B498-43B3-948B-1728B52AA6E4}">
+                <adec:decorative xmlns:adec="http://schemas.microsoft.com/office/drawing/2017/decorative" val="1"/>
+              </a:ext>
+            </a:extLst>
+          </p:cNvPr>
+          <p:cNvSpPr>
+            <a:spLocks noGrp="1" noRot="1" noChangeAspect="1" noMove="1" noResize="1" noEditPoints="1" noAdjustHandles="1" noChangeArrowheads="1" noChangeShapeType="1" noTextEdit="1"/>
+          </p:cNvSpPr>
+          <p:nvPr>
+            <p:extLst>
+              <p:ext uri="{386F3935-93C4-4BCD-93E2-E3B085C9AB24}">
+                <p16:designElem xmlns:p16="http://schemas.microsoft.com/office/powerpoint/2015/main" val="1"/>
+              </p:ext>
+            </p:extLst>
+          </p:nvPr>
+        </p:nvSpPr>
+        <p:spPr>
+          <a:xfrm>
+            <a:off x="0" y="0"/>
+            <a:ext cx="11416414" cy="6858000"/>
+          </a:xfrm>
+          <a:prstGeom prst="rect">
+            <a:avLst/>
+          </a:prstGeom>
+          <a:ln>
+            <a:noFill/>
+          </a:ln>
+          <a:effectLst>
+            <a:outerShdw blurRad="889000" dist="406400" dir="21540000" sx="90000" sy="90000" algn="t" rotWithShape="0">
+              <a:srgbClr val="000000">
+                <a:alpha val="20000"/>
+              </a:srgbClr>
+            </a:outerShdw>
+          </a:effectLst>
+        </p:spPr>
+        <p:style>
+          <a:lnRef idx="2">
+            <a:schemeClr val="accent1">
+              <a:shade val="50000"/>
+            </a:schemeClr>
+          </a:lnRef>
+          <a:fillRef idx="1">
+            <a:schemeClr val="accent1"/>
+          </a:fillRef>
+          <a:effectRef idx="0">
+            <a:schemeClr val="accent1"/>
+          </a:effectRef>
+          <a:fontRef idx="minor">
+            <a:schemeClr val="lt1"/>
+          </a:fontRef>
+        </p:style>
+        <p:txBody>
+          <a:bodyPr rtlCol="0" anchor="ctr"/>
+          <a:lstStyle/>
+          <a:p>
+            <a:pPr algn="ctr"/>
+            <a:endParaRPr lang="en-US"/>
+          </a:p>
+        </p:txBody>
+      </p:sp>
+      <p:sp>
+        <p:nvSpPr>
+          <p:cNvPr id="2" name="Title 1"/>
+          <p:cNvSpPr>
+            <a:spLocks noGrp="1"/>
+          </p:cNvSpPr>
+          <p:nvPr>
+            <p:ph type="title"/>
+          </p:nvPr>
+        </p:nvSpPr>
+        <p:spPr>
+          <a:xfrm>
+            <a:off x="6803409" y="762001"/>
+            <a:ext cx="4156512" cy="1708244"/>
+          </a:xfrm>
+        </p:spPr>
+        <p:txBody>
+          <a:bodyPr anchor="ctr">
+            <a:normAutofit/>
+          </a:bodyPr>
+          <a:lstStyle/>
+          <a:p>
+            <a:r>
+              <a:rPr lang="en-US" sz="4000"/>
+              <a:t>Future Enhancements</a:t>
+            </a:r>
+          </a:p>
+        </p:txBody>
+      </p:sp>
+      <p:pic>
+        <p:nvPicPr>
+          <p:cNvPr id="5" name="Picture 4" descr="Person watching empty phone">
+            <a:extLst>
+              <a:ext uri="{FF2B5EF4-FFF2-40B4-BE49-F238E27FC236}">
+                <a16:creationId xmlns:a16="http://schemas.microsoft.com/office/drawing/2014/main" id="{8C3CD614-CBF5-69DC-4B3A-307970E53FAF}"/>
+              </a:ext>
+            </a:extLst>
+          </p:cNvPr>
+          <p:cNvPicPr>
+            <a:picLocks noChangeAspect="1"/>
+          </p:cNvPicPr>
+          <p:nvPr/>
+        </p:nvPicPr>
+        <p:blipFill>
+          <a:blip r:embed="rId2"/>
+          <a:srcRect l="35913" r="4753" b="-2"/>
+          <a:stretch/>
+        </p:blipFill>
+        <p:spPr>
+          <a:xfrm>
+            <a:off x="-1" y="-2"/>
+            <a:ext cx="6096001" cy="6858002"/>
+          </a:xfrm>
+          <a:prstGeom prst="rect">
+            <a:avLst/>
+          </a:prstGeom>
+        </p:spPr>
+      </p:pic>
+      <p:sp>
+        <p:nvSpPr>
+          <p:cNvPr id="3" name="Content Placeholder 2"/>
+          <p:cNvSpPr>
+            <a:spLocks noGrp="1"/>
+          </p:cNvSpPr>
+          <p:nvPr>
+            <p:ph idx="1"/>
+          </p:nvPr>
+        </p:nvSpPr>
+        <p:spPr>
+          <a:xfrm>
+            <a:off x="6803409" y="2470245"/>
+            <a:ext cx="4156512" cy="3769835"/>
+          </a:xfrm>
+        </p:spPr>
+        <p:txBody>
+          <a:bodyPr anchor="ctr">
+            <a:normAutofit/>
+          </a:bodyPr>
+          <a:lstStyle/>
+          <a:p>
+            <a:endParaRPr lang="en-US" sz="2000"/>
+          </a:p>
+          <a:p>
+            <a:pPr>
+              <a:defRPr sz="2000"/>
+            </a:pPr>
+            <a:r>
+              <a:rPr lang="en-US" sz="2000"/>
+              <a:t>Add Recurring Tasks feature</a:t>
+            </a:r>
+          </a:p>
+          <a:p>
+            <a:pPr>
+              <a:defRPr sz="2000"/>
+            </a:pPr>
+            <a:r>
+              <a:rPr lang="en-US" sz="2000"/>
+              <a:t>Add Calendar View</a:t>
+            </a:r>
+          </a:p>
+          <a:p>
+            <a:pPr>
+              <a:defRPr sz="2000"/>
+            </a:pPr>
+            <a:r>
+              <a:rPr lang="en-US" sz="2000"/>
+              <a:t>Build a Mobile Version using Kivy or React Native</a:t>
+            </a:r>
+          </a:p>
+        </p:txBody>
+      </p:sp>
+    </p:spTree>
+  </p:cSld>
+  <p:clrMapOvr>
+    <a:masterClrMapping/>
+  </p:clrMapOvr>
+</p:sld>
+</file>
+
 <file path=ppt/theme/theme1.xml><?xml version="1.0" encoding="utf-8"?>
 <a:theme xmlns:a="http://schemas.openxmlformats.org/drawingml/2006/main" name="Office Theme">
   <a:themeElements>

--- a/Get_It_Done.pptx
+++ b/Get_It_Done.pptx
@@ -3664,7 +3664,7 @@
           <a:p>
             <a:fld id="{FA743678-E868-4C42-AC69-1F70122D290B}" type="datetimeFigureOut">
               <a:rPr lang="en-US" smtClean="0"/>
-              <a:t>4/25/25</a:t>
+              <a:t>4/26/25</a:t>
             </a:fld>
             <a:endParaRPr lang="en-US"/>
           </a:p>
@@ -3862,7 +3862,7 @@
           <a:p>
             <a:fld id="{FA743678-E868-4C42-AC69-1F70122D290B}" type="datetimeFigureOut">
               <a:rPr lang="en-US" smtClean="0"/>
-              <a:t>4/25/25</a:t>
+              <a:t>4/26/25</a:t>
             </a:fld>
             <a:endParaRPr lang="en-US"/>
           </a:p>
@@ -4070,7 +4070,7 @@
           <a:p>
             <a:fld id="{FA743678-E868-4C42-AC69-1F70122D290B}" type="datetimeFigureOut">
               <a:rPr lang="en-US" smtClean="0"/>
-              <a:t>4/25/25</a:t>
+              <a:t>4/26/25</a:t>
             </a:fld>
             <a:endParaRPr lang="en-US"/>
           </a:p>
@@ -4268,7 +4268,7 @@
           <a:p>
             <a:fld id="{FA743678-E868-4C42-AC69-1F70122D290B}" type="datetimeFigureOut">
               <a:rPr lang="en-US" smtClean="0"/>
-              <a:t>4/25/25</a:t>
+              <a:t>4/26/25</a:t>
             </a:fld>
             <a:endParaRPr lang="en-US"/>
           </a:p>
@@ -4543,7 +4543,7 @@
           <a:p>
             <a:fld id="{FA743678-E868-4C42-AC69-1F70122D290B}" type="datetimeFigureOut">
               <a:rPr lang="en-US" smtClean="0"/>
-              <a:t>4/25/25</a:t>
+              <a:t>4/26/25</a:t>
             </a:fld>
             <a:endParaRPr lang="en-US"/>
           </a:p>
@@ -4808,7 +4808,7 @@
           <a:p>
             <a:fld id="{FA743678-E868-4C42-AC69-1F70122D290B}" type="datetimeFigureOut">
               <a:rPr lang="en-US" smtClean="0"/>
-              <a:t>4/25/25</a:t>
+              <a:t>4/26/25</a:t>
             </a:fld>
             <a:endParaRPr lang="en-US"/>
           </a:p>
@@ -5220,7 +5220,7 @@
           <a:p>
             <a:fld id="{FA743678-E868-4C42-AC69-1F70122D290B}" type="datetimeFigureOut">
               <a:rPr lang="en-US" smtClean="0"/>
-              <a:t>4/25/25</a:t>
+              <a:t>4/26/25</a:t>
             </a:fld>
             <a:endParaRPr lang="en-US"/>
           </a:p>
@@ -5361,7 +5361,7 @@
           <a:p>
             <a:fld id="{FA743678-E868-4C42-AC69-1F70122D290B}" type="datetimeFigureOut">
               <a:rPr lang="en-US" smtClean="0"/>
-              <a:t>4/25/25</a:t>
+              <a:t>4/26/25</a:t>
             </a:fld>
             <a:endParaRPr lang="en-US"/>
           </a:p>
@@ -5474,7 +5474,7 @@
           <a:p>
             <a:fld id="{FA743678-E868-4C42-AC69-1F70122D290B}" type="datetimeFigureOut">
               <a:rPr lang="en-US" smtClean="0"/>
-              <a:t>4/25/25</a:t>
+              <a:t>4/26/25</a:t>
             </a:fld>
             <a:endParaRPr lang="en-US"/>
           </a:p>
@@ -5785,7 +5785,7 @@
           <a:p>
             <a:fld id="{FA743678-E868-4C42-AC69-1F70122D290B}" type="datetimeFigureOut">
               <a:rPr lang="en-US" smtClean="0"/>
-              <a:t>4/25/25</a:t>
+              <a:t>4/26/25</a:t>
             </a:fld>
             <a:endParaRPr lang="en-US"/>
           </a:p>
@@ -6073,7 +6073,7 @@
           <a:p>
             <a:fld id="{FA743678-E868-4C42-AC69-1F70122D290B}" type="datetimeFigureOut">
               <a:rPr lang="en-US" smtClean="0"/>
-              <a:t>4/25/25</a:t>
+              <a:t>4/26/25</a:t>
             </a:fld>
             <a:endParaRPr lang="en-US"/>
           </a:p>
@@ -6314,7 +6314,7 @@
           <a:p>
             <a:fld id="{FA743678-E868-4C42-AC69-1F70122D290B}" type="datetimeFigureOut">
               <a:rPr lang="en-US" smtClean="0"/>
-              <a:t>4/25/25</a:t>
+              <a:t>4/26/25</a:t>
             </a:fld>
             <a:endParaRPr lang="en-US"/>
           </a:p>
@@ -6777,7 +6777,11 @@
             </a:br>
             <a:r>
               <a:rPr lang="en-US" sz="1800" i="1" dirty="0"/>
-              <a:t>(Helps users stay motivated and productive by tracking tasks and progress with encouragement.)</a:t>
+              <a:t>(Helps users stay motivated and productive by tracking tasks and progress with </a:t>
+            </a:r>
+            <a:r>
+              <a:rPr lang="en-US" sz="1800" i="1"/>
+              <a:t>encouragement.) </a:t>
             </a:r>
             <a:endParaRPr lang="en-US" dirty="0"/>
           </a:p>

--- a/Get_It_Done.pptx
+++ b/Get_It_Done.pptx
@@ -10,6 +10,7 @@
     <p:sldId id="258" r:id="rId4"/>
     <p:sldId id="259" r:id="rId5"/>
     <p:sldId id="260" r:id="rId6"/>
+    <p:sldId id="261" r:id="rId7"/>
   </p:sldIdLst>
   <p:sldSz cx="12192000" cy="6858000"/>
   <p:notesSz cx="6858000" cy="9144000"/>
@@ -3664,7 +3665,7 @@
           <a:p>
             <a:fld id="{FA743678-E868-4C42-AC69-1F70122D290B}" type="datetimeFigureOut">
               <a:rPr lang="en-US" smtClean="0"/>
-              <a:t>4/26/25</a:t>
+              <a:t>4/27/25</a:t>
             </a:fld>
             <a:endParaRPr lang="en-US"/>
           </a:p>
@@ -3862,7 +3863,7 @@
           <a:p>
             <a:fld id="{FA743678-E868-4C42-AC69-1F70122D290B}" type="datetimeFigureOut">
               <a:rPr lang="en-US" smtClean="0"/>
-              <a:t>4/26/25</a:t>
+              <a:t>4/27/25</a:t>
             </a:fld>
             <a:endParaRPr lang="en-US"/>
           </a:p>
@@ -4070,7 +4071,7 @@
           <a:p>
             <a:fld id="{FA743678-E868-4C42-AC69-1F70122D290B}" type="datetimeFigureOut">
               <a:rPr lang="en-US" smtClean="0"/>
-              <a:t>4/26/25</a:t>
+              <a:t>4/27/25</a:t>
             </a:fld>
             <a:endParaRPr lang="en-US"/>
           </a:p>
@@ -4268,7 +4269,7 @@
           <a:p>
             <a:fld id="{FA743678-E868-4C42-AC69-1F70122D290B}" type="datetimeFigureOut">
               <a:rPr lang="en-US" smtClean="0"/>
-              <a:t>4/26/25</a:t>
+              <a:t>4/27/25</a:t>
             </a:fld>
             <a:endParaRPr lang="en-US"/>
           </a:p>
@@ -4543,7 +4544,7 @@
           <a:p>
             <a:fld id="{FA743678-E868-4C42-AC69-1F70122D290B}" type="datetimeFigureOut">
               <a:rPr lang="en-US" smtClean="0"/>
-              <a:t>4/26/25</a:t>
+              <a:t>4/27/25</a:t>
             </a:fld>
             <a:endParaRPr lang="en-US"/>
           </a:p>
@@ -4808,7 +4809,7 @@
           <a:p>
             <a:fld id="{FA743678-E868-4C42-AC69-1F70122D290B}" type="datetimeFigureOut">
               <a:rPr lang="en-US" smtClean="0"/>
-              <a:t>4/26/25</a:t>
+              <a:t>4/27/25</a:t>
             </a:fld>
             <a:endParaRPr lang="en-US"/>
           </a:p>
@@ -5220,7 +5221,7 @@
           <a:p>
             <a:fld id="{FA743678-E868-4C42-AC69-1F70122D290B}" type="datetimeFigureOut">
               <a:rPr lang="en-US" smtClean="0"/>
-              <a:t>4/26/25</a:t>
+              <a:t>4/27/25</a:t>
             </a:fld>
             <a:endParaRPr lang="en-US"/>
           </a:p>
@@ -5361,7 +5362,7 @@
           <a:p>
             <a:fld id="{FA743678-E868-4C42-AC69-1F70122D290B}" type="datetimeFigureOut">
               <a:rPr lang="en-US" smtClean="0"/>
-              <a:t>4/26/25</a:t>
+              <a:t>4/27/25</a:t>
             </a:fld>
             <a:endParaRPr lang="en-US"/>
           </a:p>
@@ -5474,7 +5475,7 @@
           <a:p>
             <a:fld id="{FA743678-E868-4C42-AC69-1F70122D290B}" type="datetimeFigureOut">
               <a:rPr lang="en-US" smtClean="0"/>
-              <a:t>4/26/25</a:t>
+              <a:t>4/27/25</a:t>
             </a:fld>
             <a:endParaRPr lang="en-US"/>
           </a:p>
@@ -5785,7 +5786,7 @@
           <a:p>
             <a:fld id="{FA743678-E868-4C42-AC69-1F70122D290B}" type="datetimeFigureOut">
               <a:rPr lang="en-US" smtClean="0"/>
-              <a:t>4/26/25</a:t>
+              <a:t>4/27/25</a:t>
             </a:fld>
             <a:endParaRPr lang="en-US"/>
           </a:p>
@@ -6073,7 +6074,7 @@
           <a:p>
             <a:fld id="{FA743678-E868-4C42-AC69-1F70122D290B}" type="datetimeFigureOut">
               <a:rPr lang="en-US" smtClean="0"/>
-              <a:t>4/26/25</a:t>
+              <a:t>4/27/25</a:t>
             </a:fld>
             <a:endParaRPr lang="en-US"/>
           </a:p>
@@ -6314,7 +6315,7 @@
           <a:p>
             <a:fld id="{FA743678-E868-4C42-AC69-1F70122D290B}" type="datetimeFigureOut">
               <a:rPr lang="en-US" smtClean="0"/>
-              <a:t>4/26/25</a:t>
+              <a:t>4/27/25</a:t>
             </a:fld>
             <a:endParaRPr lang="en-US"/>
           </a:p>
@@ -8765,6 +8766,623 @@
 </p:sld>
 </file>
 
+<file path=ppt/slides/slide6.xml><?xml version="1.0" encoding="utf-8"?>
+<p:sld xmlns:a="http://schemas.openxmlformats.org/drawingml/2006/main" xmlns:r="http://schemas.openxmlformats.org/officeDocument/2006/relationships" xmlns:p="http://schemas.openxmlformats.org/presentationml/2006/main">
+  <p:cSld>
+    <p:bg>
+      <p:bgPr>
+        <a:solidFill>
+          <a:schemeClr val="bg1"/>
+        </a:solidFill>
+        <a:effectLst/>
+      </p:bgPr>
+    </p:bg>
+    <p:spTree>
+      <p:nvGrpSpPr>
+        <p:cNvPr id="1" name=""/>
+        <p:cNvGrpSpPr/>
+        <p:nvPr/>
+      </p:nvGrpSpPr>
+      <p:grpSpPr>
+        <a:xfrm>
+          <a:off x="0" y="0"/>
+          <a:ext cx="0" cy="0"/>
+          <a:chOff x="0" y="0"/>
+          <a:chExt cx="0" cy="0"/>
+        </a:xfrm>
+      </p:grpSpPr>
+      <p:sp useBgFill="1">
+        <p:nvSpPr>
+          <p:cNvPr id="10" name="Rectangle 9">
+            <a:extLst>
+              <a:ext uri="{FF2B5EF4-FFF2-40B4-BE49-F238E27FC236}">
+                <a16:creationId xmlns:a16="http://schemas.microsoft.com/office/drawing/2014/main" id="{9B7AD9F6-8CE7-4299-8FC6-328F4DCD3FF9}"/>
+              </a:ext>
+              <a:ext uri="{C183D7F6-B498-43B3-948B-1728B52AA6E4}">
+                <adec:decorative xmlns:adec="http://schemas.microsoft.com/office/drawing/2017/decorative" val="1"/>
+              </a:ext>
+            </a:extLst>
+          </p:cNvPr>
+          <p:cNvSpPr>
+            <a:spLocks noGrp="1" noRot="1" noChangeAspect="1" noMove="1" noResize="1" noEditPoints="1" noAdjustHandles="1" noChangeArrowheads="1" noChangeShapeType="1" noTextEdit="1"/>
+          </p:cNvSpPr>
+          <p:nvPr>
+            <p:extLst>
+              <p:ext uri="{386F3935-93C4-4BCD-93E2-E3B085C9AB24}">
+                <p16:designElem xmlns:p16="http://schemas.microsoft.com/office/powerpoint/2015/main" val="1"/>
+              </p:ext>
+            </p:extLst>
+          </p:nvPr>
+        </p:nvSpPr>
+        <p:spPr>
+          <a:xfrm>
+            <a:off x="0" y="0"/>
+            <a:ext cx="12188952" cy="6858000"/>
+          </a:xfrm>
+          <a:prstGeom prst="rect">
+            <a:avLst/>
+          </a:prstGeom>
+          <a:ln>
+            <a:noFill/>
+          </a:ln>
+        </p:spPr>
+        <p:style>
+          <a:lnRef idx="2">
+            <a:schemeClr val="accent1">
+              <a:shade val="50000"/>
+            </a:schemeClr>
+          </a:lnRef>
+          <a:fillRef idx="1">
+            <a:schemeClr val="accent1"/>
+          </a:fillRef>
+          <a:effectRef idx="0">
+            <a:schemeClr val="accent1"/>
+          </a:effectRef>
+          <a:fontRef idx="minor">
+            <a:schemeClr val="lt1"/>
+          </a:fontRef>
+        </p:style>
+        <p:txBody>
+          <a:bodyPr rtlCol="0" anchor="ctr"/>
+          <a:lstStyle/>
+          <a:p>
+            <a:pPr algn="ctr"/>
+            <a:endParaRPr lang="en-US"/>
+          </a:p>
+        </p:txBody>
+      </p:sp>
+      <p:sp>
+        <p:nvSpPr>
+          <p:cNvPr id="4" name="Title 3">
+            <a:extLst>
+              <a:ext uri="{FF2B5EF4-FFF2-40B4-BE49-F238E27FC236}">
+                <a16:creationId xmlns:a16="http://schemas.microsoft.com/office/drawing/2014/main" id="{19DD2EE4-EC2E-0DE0-4096-05128CE541DB}"/>
+              </a:ext>
+            </a:extLst>
+          </p:cNvPr>
+          <p:cNvSpPr>
+            <a:spLocks noGrp="1"/>
+          </p:cNvSpPr>
+          <p:nvPr>
+            <p:ph type="title"/>
+          </p:nvPr>
+        </p:nvSpPr>
+        <p:spPr>
+          <a:xfrm>
+            <a:off x="5297762" y="640080"/>
+            <a:ext cx="6251110" cy="3566160"/>
+          </a:xfrm>
+        </p:spPr>
+        <p:txBody>
+          <a:bodyPr vert="horz" lIns="91440" tIns="45720" rIns="91440" bIns="45720" rtlCol="0" anchor="b">
+            <a:normAutofit/>
+          </a:bodyPr>
+          <a:lstStyle/>
+          <a:p>
+            <a:r>
+              <a:rPr lang="en-US" sz="5400"/>
+              <a:t>Thank you for your time!</a:t>
+            </a:r>
+          </a:p>
+        </p:txBody>
+      </p:sp>
+      <p:pic>
+        <p:nvPicPr>
+          <p:cNvPr id="6" name="Picture 5" descr="Top vide of a white alarm clock on a yellow and orange surface">
+            <a:extLst>
+              <a:ext uri="{FF2B5EF4-FFF2-40B4-BE49-F238E27FC236}">
+                <a16:creationId xmlns:a16="http://schemas.microsoft.com/office/drawing/2014/main" id="{AE88A7B0-9B19-D7C2-078D-822977567C8F}"/>
+              </a:ext>
+            </a:extLst>
+          </p:cNvPr>
+          <p:cNvPicPr>
+            <a:picLocks noChangeAspect="1"/>
+          </p:cNvPicPr>
+          <p:nvPr/>
+        </p:nvPicPr>
+        <p:blipFill>
+          <a:blip r:embed="rId2"/>
+          <a:srcRect l="24137" r="30702"/>
+          <a:stretch/>
+        </p:blipFill>
+        <p:spPr>
+          <a:xfrm>
+            <a:off x="1" y="10"/>
+            <a:ext cx="4657344" cy="6857990"/>
+          </a:xfrm>
+          <a:custGeom>
+            <a:avLst/>
+            <a:gdLst/>
+            <a:ahLst/>
+            <a:cxnLst/>
+            <a:rect l="l" t="t" r="r" b="b"/>
+            <a:pathLst>
+              <a:path w="4657344" h="6858000">
+                <a:moveTo>
+                  <a:pt x="0" y="0"/>
+                </a:moveTo>
+                <a:lnTo>
+                  <a:pt x="3429755" y="0"/>
+                </a:lnTo>
+                <a:lnTo>
+                  <a:pt x="3526016" y="148742"/>
+                </a:lnTo>
+                <a:cubicBezTo>
+                  <a:pt x="3657740" y="365513"/>
+                  <a:pt x="3777402" y="589569"/>
+                  <a:pt x="3886489" y="819975"/>
+                </a:cubicBezTo>
+                <a:cubicBezTo>
+                  <a:pt x="3891856" y="833492"/>
+                  <a:pt x="3900663" y="845393"/>
+                  <a:pt x="3912049" y="854514"/>
+                </a:cubicBezTo>
+                <a:cubicBezTo>
+                  <a:pt x="3897352" y="819849"/>
+                  <a:pt x="3883037" y="784928"/>
+                  <a:pt x="3868083" y="750263"/>
+                </a:cubicBezTo>
+                <a:cubicBezTo>
+                  <a:pt x="3806989" y="608712"/>
+                  <a:pt x="3742478" y="469145"/>
+                  <a:pt x="3674155" y="331786"/>
+                </a:cubicBezTo>
+                <a:lnTo>
+                  <a:pt x="3496656" y="0"/>
+                </a:lnTo>
+                <a:lnTo>
+                  <a:pt x="3554371" y="0"/>
+                </a:lnTo>
+                <a:lnTo>
+                  <a:pt x="3661621" y="196614"/>
+                </a:lnTo>
+                <a:cubicBezTo>
+                  <a:pt x="3856899" y="573253"/>
+                  <a:pt x="4021071" y="966066"/>
+                  <a:pt x="4161279" y="1371196"/>
+                </a:cubicBezTo>
+                <a:cubicBezTo>
+                  <a:pt x="4379525" y="2007265"/>
+                  <a:pt x="4530141" y="2664286"/>
+                  <a:pt x="4610660" y="3331516"/>
+                </a:cubicBezTo>
+                <a:cubicBezTo>
+                  <a:pt x="4652837" y="3672965"/>
+                  <a:pt x="4671625" y="4013908"/>
+                  <a:pt x="4645040" y="4357388"/>
+                </a:cubicBezTo>
+                <a:cubicBezTo>
+                  <a:pt x="4613599" y="4758899"/>
+                  <a:pt x="4566181" y="5157998"/>
+                  <a:pt x="4485789" y="5552906"/>
+                </a:cubicBezTo>
+                <a:cubicBezTo>
+                  <a:pt x="4397121" y="5988893"/>
+                  <a:pt x="4276748" y="6414594"/>
+                  <a:pt x="4117769" y="6828295"/>
+                </a:cubicBezTo>
+                <a:lnTo>
+                  <a:pt x="4105288" y="6858000"/>
+                </a:lnTo>
+                <a:lnTo>
+                  <a:pt x="4052520" y="6858000"/>
+                </a:lnTo>
+                <a:lnTo>
+                  <a:pt x="4059369" y="6841549"/>
+                </a:lnTo>
+                <a:cubicBezTo>
+                  <a:pt x="4147276" y="6614016"/>
+                  <a:pt x="4224193" y="6380817"/>
+                  <a:pt x="4291518" y="6142729"/>
+                </a:cubicBezTo>
+                <a:cubicBezTo>
+                  <a:pt x="4350055" y="5935370"/>
+                  <a:pt x="4393256" y="5723695"/>
+                  <a:pt x="4443357" y="5513923"/>
+                </a:cubicBezTo>
+                <a:cubicBezTo>
+                  <a:pt x="4444541" y="5502788"/>
+                  <a:pt x="4445137" y="5491601"/>
+                  <a:pt x="4445146" y="5480401"/>
+                </a:cubicBezTo>
+                <a:cubicBezTo>
+                  <a:pt x="4408465" y="5607635"/>
+                  <a:pt x="4379196" y="5719759"/>
+                  <a:pt x="4344559" y="5830359"/>
+                </a:cubicBezTo>
+                <a:cubicBezTo>
+                  <a:pt x="4254261" y="6118381"/>
+                  <a:pt x="4150112" y="6398531"/>
+                  <a:pt x="4031702" y="6670527"/>
+                </a:cubicBezTo>
+                <a:lnTo>
+                  <a:pt x="3943824" y="6858000"/>
+                </a:lnTo>
+                <a:lnTo>
+                  <a:pt x="0" y="6858000"/>
+                </a:lnTo>
+                <a:close/>
+              </a:path>
+            </a:pathLst>
+          </a:custGeom>
+        </p:spPr>
+      </p:pic>
+      <p:sp>
+        <p:nvSpPr>
+          <p:cNvPr id="12" name="sketchy line">
+            <a:extLst>
+              <a:ext uri="{FF2B5EF4-FFF2-40B4-BE49-F238E27FC236}">
+                <a16:creationId xmlns:a16="http://schemas.microsoft.com/office/drawing/2014/main" id="{F49775AF-8896-43EE-92C6-83497D6DC56F}"/>
+              </a:ext>
+              <a:ext uri="{C183D7F6-B498-43B3-948B-1728B52AA6E4}">
+                <adec:decorative xmlns:adec="http://schemas.microsoft.com/office/drawing/2017/decorative" val="1"/>
+              </a:ext>
+            </a:extLst>
+          </p:cNvPr>
+          <p:cNvSpPr>
+            <a:spLocks noGrp="1" noRot="1" noChangeAspect="1" noMove="1" noResize="1" noEditPoints="1" noAdjustHandles="1" noChangeArrowheads="1" noChangeShapeType="1" noTextEdit="1"/>
+          </p:cNvSpPr>
+          <p:nvPr>
+            <p:extLst>
+              <p:ext uri="{386F3935-93C4-4BCD-93E2-E3B085C9AB24}">
+                <p16:designElem xmlns:p16="http://schemas.microsoft.com/office/powerpoint/2015/main" val="1"/>
+              </p:ext>
+            </p:extLst>
+          </p:nvPr>
+        </p:nvSpPr>
+        <p:spPr>
+          <a:xfrm>
+            <a:off x="5412862" y="4409267"/>
+            <a:ext cx="4243589" cy="18288"/>
+          </a:xfrm>
+          <a:custGeom>
+            <a:avLst/>
+            <a:gdLst>
+              <a:gd name="connsiteX0" fmla="*/ 0 w 4243589"/>
+              <a:gd name="connsiteY0" fmla="*/ 0 h 18288"/>
+              <a:gd name="connsiteX1" fmla="*/ 563791 w 4243589"/>
+              <a:gd name="connsiteY1" fmla="*/ 0 h 18288"/>
+              <a:gd name="connsiteX2" fmla="*/ 1042710 w 4243589"/>
+              <a:gd name="connsiteY2" fmla="*/ 0 h 18288"/>
+              <a:gd name="connsiteX3" fmla="*/ 1564066 w 4243589"/>
+              <a:gd name="connsiteY3" fmla="*/ 0 h 18288"/>
+              <a:gd name="connsiteX4" fmla="*/ 2212729 w 4243589"/>
+              <a:gd name="connsiteY4" fmla="*/ 0 h 18288"/>
+              <a:gd name="connsiteX5" fmla="*/ 2776520 w 4243589"/>
+              <a:gd name="connsiteY5" fmla="*/ 0 h 18288"/>
+              <a:gd name="connsiteX6" fmla="*/ 3297875 w 4243589"/>
+              <a:gd name="connsiteY6" fmla="*/ 0 h 18288"/>
+              <a:gd name="connsiteX7" fmla="*/ 4243589 w 4243589"/>
+              <a:gd name="connsiteY7" fmla="*/ 0 h 18288"/>
+              <a:gd name="connsiteX8" fmla="*/ 4243589 w 4243589"/>
+              <a:gd name="connsiteY8" fmla="*/ 18288 h 18288"/>
+              <a:gd name="connsiteX9" fmla="*/ 3637362 w 4243589"/>
+              <a:gd name="connsiteY9" fmla="*/ 18288 h 18288"/>
+              <a:gd name="connsiteX10" fmla="*/ 3116007 w 4243589"/>
+              <a:gd name="connsiteY10" fmla="*/ 18288 h 18288"/>
+              <a:gd name="connsiteX11" fmla="*/ 2424908 w 4243589"/>
+              <a:gd name="connsiteY11" fmla="*/ 18288 h 18288"/>
+              <a:gd name="connsiteX12" fmla="*/ 1861117 w 4243589"/>
+              <a:gd name="connsiteY12" fmla="*/ 18288 h 18288"/>
+              <a:gd name="connsiteX13" fmla="*/ 1382198 w 4243589"/>
+              <a:gd name="connsiteY13" fmla="*/ 18288 h 18288"/>
+              <a:gd name="connsiteX14" fmla="*/ 733535 w 4243589"/>
+              <a:gd name="connsiteY14" fmla="*/ 18288 h 18288"/>
+              <a:gd name="connsiteX15" fmla="*/ 0 w 4243589"/>
+              <a:gd name="connsiteY15" fmla="*/ 18288 h 18288"/>
+              <a:gd name="connsiteX16" fmla="*/ 0 w 4243589"/>
+              <a:gd name="connsiteY16" fmla="*/ 0 h 18288"/>
+            </a:gdLst>
+            <a:ahLst/>
+            <a:cxnLst>
+              <a:cxn ang="0">
+                <a:pos x="connsiteX0" y="connsiteY0"/>
+              </a:cxn>
+              <a:cxn ang="0">
+                <a:pos x="connsiteX1" y="connsiteY1"/>
+              </a:cxn>
+              <a:cxn ang="0">
+                <a:pos x="connsiteX2" y="connsiteY2"/>
+              </a:cxn>
+              <a:cxn ang="0">
+                <a:pos x="connsiteX3" y="connsiteY3"/>
+              </a:cxn>
+              <a:cxn ang="0">
+                <a:pos x="connsiteX4" y="connsiteY4"/>
+              </a:cxn>
+              <a:cxn ang="0">
+                <a:pos x="connsiteX5" y="connsiteY5"/>
+              </a:cxn>
+              <a:cxn ang="0">
+                <a:pos x="connsiteX6" y="connsiteY6"/>
+              </a:cxn>
+              <a:cxn ang="0">
+                <a:pos x="connsiteX7" y="connsiteY7"/>
+              </a:cxn>
+              <a:cxn ang="0">
+                <a:pos x="connsiteX8" y="connsiteY8"/>
+              </a:cxn>
+              <a:cxn ang="0">
+                <a:pos x="connsiteX9" y="connsiteY9"/>
+              </a:cxn>
+              <a:cxn ang="0">
+                <a:pos x="connsiteX10" y="connsiteY10"/>
+              </a:cxn>
+              <a:cxn ang="0">
+                <a:pos x="connsiteX11" y="connsiteY11"/>
+              </a:cxn>
+              <a:cxn ang="0">
+                <a:pos x="connsiteX12" y="connsiteY12"/>
+              </a:cxn>
+              <a:cxn ang="0">
+                <a:pos x="connsiteX13" y="connsiteY13"/>
+              </a:cxn>
+              <a:cxn ang="0">
+                <a:pos x="connsiteX14" y="connsiteY14"/>
+              </a:cxn>
+              <a:cxn ang="0">
+                <a:pos x="connsiteX15" y="connsiteY15"/>
+              </a:cxn>
+              <a:cxn ang="0">
+                <a:pos x="connsiteX16" y="connsiteY16"/>
+              </a:cxn>
+            </a:cxnLst>
+            <a:rect l="l" t="t" r="r" b="b"/>
+            <a:pathLst>
+              <a:path w="4243589" h="18288" fill="none" extrusionOk="0">
+                <a:moveTo>
+                  <a:pt x="0" y="0"/>
+                </a:moveTo>
+                <a:cubicBezTo>
+                  <a:pt x="157351" y="-15653"/>
+                  <a:pt x="378877" y="-5828"/>
+                  <a:pt x="563791" y="0"/>
+                </a:cubicBezTo>
+                <a:cubicBezTo>
+                  <a:pt x="748705" y="5828"/>
+                  <a:pt x="905659" y="-5525"/>
+                  <a:pt x="1042710" y="0"/>
+                </a:cubicBezTo>
+                <a:cubicBezTo>
+                  <a:pt x="1179761" y="5525"/>
+                  <a:pt x="1356845" y="-21288"/>
+                  <a:pt x="1564066" y="0"/>
+                </a:cubicBezTo>
+                <a:cubicBezTo>
+                  <a:pt x="1771287" y="21288"/>
+                  <a:pt x="1912099" y="25135"/>
+                  <a:pt x="2212729" y="0"/>
+                </a:cubicBezTo>
+                <a:cubicBezTo>
+                  <a:pt x="2513359" y="-25135"/>
+                  <a:pt x="2514918" y="-27119"/>
+                  <a:pt x="2776520" y="0"/>
+                </a:cubicBezTo>
+                <a:cubicBezTo>
+                  <a:pt x="3038122" y="27119"/>
+                  <a:pt x="3178771" y="18116"/>
+                  <a:pt x="3297875" y="0"/>
+                </a:cubicBezTo>
+                <a:cubicBezTo>
+                  <a:pt x="3416980" y="-18116"/>
+                  <a:pt x="4012240" y="-40869"/>
+                  <a:pt x="4243589" y="0"/>
+                </a:cubicBezTo>
+                <a:cubicBezTo>
+                  <a:pt x="4243987" y="7429"/>
+                  <a:pt x="4243569" y="10822"/>
+                  <a:pt x="4243589" y="18288"/>
+                </a:cubicBezTo>
+                <a:cubicBezTo>
+                  <a:pt x="4112949" y="-2855"/>
+                  <a:pt x="3928037" y="1831"/>
+                  <a:pt x="3637362" y="18288"/>
+                </a:cubicBezTo>
+                <a:cubicBezTo>
+                  <a:pt x="3346687" y="34745"/>
+                  <a:pt x="3254446" y="26669"/>
+                  <a:pt x="3116007" y="18288"/>
+                </a:cubicBezTo>
+                <a:cubicBezTo>
+                  <a:pt x="2977569" y="9907"/>
+                  <a:pt x="2620228" y="28873"/>
+                  <a:pt x="2424908" y="18288"/>
+                </a:cubicBezTo>
+                <a:cubicBezTo>
+                  <a:pt x="2229588" y="7703"/>
+                  <a:pt x="2088287" y="-3854"/>
+                  <a:pt x="1861117" y="18288"/>
+                </a:cubicBezTo>
+                <a:cubicBezTo>
+                  <a:pt x="1633947" y="40430"/>
+                  <a:pt x="1502447" y="-871"/>
+                  <a:pt x="1382198" y="18288"/>
+                </a:cubicBezTo>
+                <a:cubicBezTo>
+                  <a:pt x="1261949" y="37447"/>
+                  <a:pt x="1045440" y="28353"/>
+                  <a:pt x="733535" y="18288"/>
+                </a:cubicBezTo>
+                <a:cubicBezTo>
+                  <a:pt x="421630" y="8223"/>
+                  <a:pt x="341257" y="-18359"/>
+                  <a:pt x="0" y="18288"/>
+                </a:cubicBezTo>
+                <a:cubicBezTo>
+                  <a:pt x="-591" y="13205"/>
+                  <a:pt x="-663" y="6329"/>
+                  <a:pt x="0" y="0"/>
+                </a:cubicBezTo>
+                <a:close/>
+              </a:path>
+              <a:path w="4243589" h="18288" stroke="0" extrusionOk="0">
+                <a:moveTo>
+                  <a:pt x="0" y="0"/>
+                </a:moveTo>
+                <a:cubicBezTo>
+                  <a:pt x="128164" y="17204"/>
+                  <a:pt x="312653" y="1129"/>
+                  <a:pt x="563791" y="0"/>
+                </a:cubicBezTo>
+                <a:cubicBezTo>
+                  <a:pt x="814929" y="-1129"/>
+                  <a:pt x="837271" y="8503"/>
+                  <a:pt x="1042710" y="0"/>
+                </a:cubicBezTo>
+                <a:cubicBezTo>
+                  <a:pt x="1248149" y="-8503"/>
+                  <a:pt x="1588432" y="-28862"/>
+                  <a:pt x="1733809" y="0"/>
+                </a:cubicBezTo>
+                <a:cubicBezTo>
+                  <a:pt x="1879186" y="28862"/>
+                  <a:pt x="2052815" y="5974"/>
+                  <a:pt x="2297600" y="0"/>
+                </a:cubicBezTo>
+                <a:cubicBezTo>
+                  <a:pt x="2542385" y="-5974"/>
+                  <a:pt x="2699960" y="-23550"/>
+                  <a:pt x="2861391" y="0"/>
+                </a:cubicBezTo>
+                <a:cubicBezTo>
+                  <a:pt x="3022822" y="23550"/>
+                  <a:pt x="3390411" y="25272"/>
+                  <a:pt x="3552490" y="0"/>
+                </a:cubicBezTo>
+                <a:cubicBezTo>
+                  <a:pt x="3714569" y="-25272"/>
+                  <a:pt x="3950585" y="-31327"/>
+                  <a:pt x="4243589" y="0"/>
+                </a:cubicBezTo>
+                <a:cubicBezTo>
+                  <a:pt x="4242703" y="5429"/>
+                  <a:pt x="4244410" y="14046"/>
+                  <a:pt x="4243589" y="18288"/>
+                </a:cubicBezTo>
+                <a:cubicBezTo>
+                  <a:pt x="4130424" y="-1240"/>
+                  <a:pt x="3932803" y="42249"/>
+                  <a:pt x="3722234" y="18288"/>
+                </a:cubicBezTo>
+                <a:cubicBezTo>
+                  <a:pt x="3511665" y="-5673"/>
+                  <a:pt x="3269903" y="45994"/>
+                  <a:pt x="3116007" y="18288"/>
+                </a:cubicBezTo>
+                <a:cubicBezTo>
+                  <a:pt x="2962111" y="-9418"/>
+                  <a:pt x="2744280" y="23224"/>
+                  <a:pt x="2509780" y="18288"/>
+                </a:cubicBezTo>
+                <a:cubicBezTo>
+                  <a:pt x="2275280" y="13352"/>
+                  <a:pt x="2066059" y="43664"/>
+                  <a:pt x="1945989" y="18288"/>
+                </a:cubicBezTo>
+                <a:cubicBezTo>
+                  <a:pt x="1825919" y="-7088"/>
+                  <a:pt x="1407329" y="12616"/>
+                  <a:pt x="1254890" y="18288"/>
+                </a:cubicBezTo>
+                <a:cubicBezTo>
+                  <a:pt x="1102451" y="23960"/>
+                  <a:pt x="837950" y="31673"/>
+                  <a:pt x="563791" y="18288"/>
+                </a:cubicBezTo>
+                <a:cubicBezTo>
+                  <a:pt x="289632" y="4903"/>
+                  <a:pt x="132768" y="7105"/>
+                  <a:pt x="0" y="18288"/>
+                </a:cubicBezTo>
+                <a:cubicBezTo>
+                  <a:pt x="668" y="13665"/>
+                  <a:pt x="578" y="5675"/>
+                  <a:pt x="0" y="0"/>
+                </a:cubicBezTo>
+                <a:close/>
+              </a:path>
+            </a:pathLst>
+          </a:custGeom>
+          <a:solidFill>
+            <a:schemeClr val="accent2"/>
+          </a:solidFill>
+          <a:ln w="44450" cap="rnd">
+            <a:solidFill>
+              <a:schemeClr val="accent2"/>
+            </a:solidFill>
+            <a:round/>
+            <a:extLst>
+              <a:ext uri="{C807C97D-BFC1-408E-A445-0C87EB9F89A2}">
+                <ask:lineSketchStyleProps xmlns:ask="http://schemas.microsoft.com/office/drawing/2018/sketchyshapes" sd="1219033472">
+                  <a:prstGeom prst="rect">
+                    <a:avLst/>
+                  </a:prstGeom>
+                  <ask:type>
+                    <ask:lineSketchFreehand/>
+                  </ask:type>
+                </ask:lineSketchStyleProps>
+              </a:ext>
+            </a:extLst>
+          </a:ln>
+        </p:spPr>
+        <p:style>
+          <a:lnRef idx="2">
+            <a:schemeClr val="accent1">
+              <a:shade val="50000"/>
+            </a:schemeClr>
+          </a:lnRef>
+          <a:fillRef idx="1">
+            <a:schemeClr val="accent1"/>
+          </a:fillRef>
+          <a:effectRef idx="0">
+            <a:schemeClr val="accent1"/>
+          </a:effectRef>
+          <a:fontRef idx="minor">
+            <a:schemeClr val="lt1"/>
+          </a:fontRef>
+        </p:style>
+        <p:txBody>
+          <a:bodyPr rtlCol="0" anchor="ctr"/>
+          <a:lstStyle/>
+          <a:p>
+            <a:pPr algn="ctr"/>
+            <a:endParaRPr lang="en-US"/>
+          </a:p>
+        </p:txBody>
+      </p:sp>
+    </p:spTree>
+    <p:extLst>
+      <p:ext uri="{BB962C8B-B14F-4D97-AF65-F5344CB8AC3E}">
+        <p14:creationId xmlns:p14="http://schemas.microsoft.com/office/powerpoint/2010/main" val="2517822915"/>
+      </p:ext>
+    </p:extLst>
+  </p:cSld>
+  <p:clrMapOvr>
+    <a:masterClrMapping/>
+  </p:clrMapOvr>
+</p:sld>
+</file>
+
 <file path=ppt/theme/theme1.xml><?xml version="1.0" encoding="utf-8"?>
 <a:theme xmlns:a="http://schemas.openxmlformats.org/drawingml/2006/main" name="Office Theme">
   <a:themeElements>

--- a/Get_It_Done.pptx
+++ b/Get_It_Done.pptx
@@ -4,13 +4,17 @@
   <p:sldMasterIdLst>
     <p:sldMasterId id="2147483648" r:id="rId1"/>
   </p:sldMasterIdLst>
+  <p:notesMasterIdLst>
+    <p:notesMasterId r:id="rId9"/>
+  </p:notesMasterIdLst>
   <p:sldIdLst>
-    <p:sldId id="256" r:id="rId2"/>
-    <p:sldId id="257" r:id="rId3"/>
-    <p:sldId id="258" r:id="rId4"/>
-    <p:sldId id="259" r:id="rId5"/>
-    <p:sldId id="260" r:id="rId6"/>
-    <p:sldId id="261" r:id="rId7"/>
+    <p:sldId id="262" r:id="rId2"/>
+    <p:sldId id="256" r:id="rId3"/>
+    <p:sldId id="257" r:id="rId4"/>
+    <p:sldId id="258" r:id="rId5"/>
+    <p:sldId id="259" r:id="rId6"/>
+    <p:sldId id="260" r:id="rId7"/>
+    <p:sldId id="261" r:id="rId8"/>
   </p:sldIdLst>
   <p:sldSz cx="12192000" cy="6858000"/>
   <p:notesSz cx="6858000" cy="9144000"/>
@@ -923,7 +927,7 @@
         <a:lstStyle/>
         <a:p>
           <a:r>
-            <a:rPr lang="en-US"/>
+            <a:rPr lang="en-US" dirty="0"/>
             <a:t>Add and complete tasks</a:t>
           </a:r>
         </a:p>
@@ -959,7 +963,7 @@
         <a:lstStyle/>
         <a:p>
           <a:r>
-            <a:rPr lang="en-US"/>
+            <a:rPr lang="en-US" dirty="0"/>
             <a:t>Motivational popups appear randomly</a:t>
           </a:r>
         </a:p>
@@ -995,7 +999,7 @@
         <a:lstStyle/>
         <a:p>
           <a:r>
-            <a:rPr lang="en-US"/>
+            <a:rPr lang="en-US" dirty="0"/>
             <a:t>Progress updates automatically</a:t>
           </a:r>
         </a:p>
@@ -1031,7 +1035,7 @@
         <a:lstStyle/>
         <a:p>
           <a:r>
-            <a:rPr lang="en-US"/>
+            <a:rPr lang="en-US" dirty="0"/>
             <a:t>Save, load tasks, and set color themes</a:t>
           </a:r>
         </a:p>
@@ -1067,7 +1071,7 @@
         <a:lstStyle/>
         <a:p>
           <a:r>
-            <a:rPr lang="en-US"/>
+            <a:rPr lang="en-US" dirty="0"/>
             <a:t>(Screen share the app live here)</a:t>
           </a:r>
         </a:p>
@@ -1568,7 +1572,7 @@
             <a:buNone/>
           </a:pPr>
           <a:r>
-            <a:rPr lang="en-US" sz="1900" kern="1200"/>
+            <a:rPr lang="en-US" sz="1900" kern="1200" dirty="0"/>
             <a:t>Add and complete tasks</a:t>
           </a:r>
         </a:p>
@@ -1720,7 +1724,7 @@
             <a:buNone/>
           </a:pPr>
           <a:r>
-            <a:rPr lang="en-US" sz="1900" kern="1200"/>
+            <a:rPr lang="en-US" sz="1900" kern="1200" dirty="0"/>
             <a:t>Motivational popups appear randomly</a:t>
           </a:r>
         </a:p>
@@ -1872,7 +1876,7 @@
             <a:buNone/>
           </a:pPr>
           <a:r>
-            <a:rPr lang="en-US" sz="1900" kern="1200"/>
+            <a:rPr lang="en-US" sz="1900" kern="1200" dirty="0"/>
             <a:t>Progress updates automatically</a:t>
           </a:r>
         </a:p>
@@ -2024,7 +2028,7 @@
             <a:buNone/>
           </a:pPr>
           <a:r>
-            <a:rPr lang="en-US" sz="1900" kern="1200"/>
+            <a:rPr lang="en-US" sz="1900" kern="1200" dirty="0"/>
             <a:t>Save, load tasks, and set color themes</a:t>
           </a:r>
         </a:p>
@@ -2176,7 +2180,7 @@
             <a:buNone/>
           </a:pPr>
           <a:r>
-            <a:rPr lang="en-US" sz="1900" kern="1200"/>
+            <a:rPr lang="en-US" sz="1900" kern="1200" dirty="0"/>
             <a:t>(Screen share the app live here)</a:t>
           </a:r>
         </a:p>
@@ -3518,6 +3522,523 @@
 </dgm:styleDef>
 </file>
 
+<file path=ppt/notesMasters/notesMaster1.xml><?xml version="1.0" encoding="utf-8"?>
+<p:notesMaster xmlns:a="http://schemas.openxmlformats.org/drawingml/2006/main" xmlns:r="http://schemas.openxmlformats.org/officeDocument/2006/relationships" xmlns:p="http://schemas.openxmlformats.org/presentationml/2006/main">
+  <p:cSld>
+    <p:bg>
+      <p:bgRef idx="1001">
+        <a:schemeClr val="bg1"/>
+      </p:bgRef>
+    </p:bg>
+    <p:spTree>
+      <p:nvGrpSpPr>
+        <p:cNvPr id="1" name=""/>
+        <p:cNvGrpSpPr/>
+        <p:nvPr/>
+      </p:nvGrpSpPr>
+      <p:grpSpPr>
+        <a:xfrm>
+          <a:off x="0" y="0"/>
+          <a:ext cx="0" cy="0"/>
+          <a:chOff x="0" y="0"/>
+          <a:chExt cx="0" cy="0"/>
+        </a:xfrm>
+      </p:grpSpPr>
+      <p:sp>
+        <p:nvSpPr>
+          <p:cNvPr id="2" name="Header Placeholder 1"/>
+          <p:cNvSpPr>
+            <a:spLocks noGrp="1"/>
+          </p:cNvSpPr>
+          <p:nvPr>
+            <p:ph type="hdr" sz="quarter"/>
+          </p:nvPr>
+        </p:nvSpPr>
+        <p:spPr>
+          <a:xfrm>
+            <a:off x="0" y="0"/>
+            <a:ext cx="2971800" cy="458788"/>
+          </a:xfrm>
+          <a:prstGeom prst="rect">
+            <a:avLst/>
+          </a:prstGeom>
+        </p:spPr>
+        <p:txBody>
+          <a:bodyPr vert="horz" lIns="91440" tIns="45720" rIns="91440" bIns="45720" rtlCol="0"/>
+          <a:lstStyle>
+            <a:lvl1pPr algn="l">
+              <a:defRPr sz="1200"/>
+            </a:lvl1pPr>
+          </a:lstStyle>
+          <a:p>
+            <a:endParaRPr lang="en-US"/>
+          </a:p>
+        </p:txBody>
+      </p:sp>
+      <p:sp>
+        <p:nvSpPr>
+          <p:cNvPr id="3" name="Date Placeholder 2"/>
+          <p:cNvSpPr>
+            <a:spLocks noGrp="1"/>
+          </p:cNvSpPr>
+          <p:nvPr>
+            <p:ph type="dt" idx="1"/>
+          </p:nvPr>
+        </p:nvSpPr>
+        <p:spPr>
+          <a:xfrm>
+            <a:off x="3884613" y="0"/>
+            <a:ext cx="2971800" cy="458788"/>
+          </a:xfrm>
+          <a:prstGeom prst="rect">
+            <a:avLst/>
+          </a:prstGeom>
+        </p:spPr>
+        <p:txBody>
+          <a:bodyPr vert="horz" lIns="91440" tIns="45720" rIns="91440" bIns="45720" rtlCol="0"/>
+          <a:lstStyle>
+            <a:lvl1pPr algn="r">
+              <a:defRPr sz="1200"/>
+            </a:lvl1pPr>
+          </a:lstStyle>
+          <a:p>
+            <a:fld id="{BFC49662-0B9C-A049-AC2D-60B76AA86811}" type="datetimeFigureOut">
+              <a:rPr lang="en-US" smtClean="0"/>
+              <a:t>5/1/25</a:t>
+            </a:fld>
+            <a:endParaRPr lang="en-US"/>
+          </a:p>
+        </p:txBody>
+      </p:sp>
+      <p:sp>
+        <p:nvSpPr>
+          <p:cNvPr id="4" name="Slide Image Placeholder 3"/>
+          <p:cNvSpPr>
+            <a:spLocks noGrp="1" noRot="1" noChangeAspect="1"/>
+          </p:cNvSpPr>
+          <p:nvPr>
+            <p:ph type="sldImg" idx="2"/>
+          </p:nvPr>
+        </p:nvSpPr>
+        <p:spPr>
+          <a:xfrm>
+            <a:off x="685800" y="1143000"/>
+            <a:ext cx="5486400" cy="3086100"/>
+          </a:xfrm>
+          <a:prstGeom prst="rect">
+            <a:avLst/>
+          </a:prstGeom>
+          <a:noFill/>
+          <a:ln w="12700">
+            <a:solidFill>
+              <a:prstClr val="black"/>
+            </a:solidFill>
+          </a:ln>
+        </p:spPr>
+        <p:txBody>
+          <a:bodyPr vert="horz" lIns="91440" tIns="45720" rIns="91440" bIns="45720" rtlCol="0" anchor="ctr"/>
+          <a:lstStyle/>
+          <a:p>
+            <a:endParaRPr lang="en-US"/>
+          </a:p>
+        </p:txBody>
+      </p:sp>
+      <p:sp>
+        <p:nvSpPr>
+          <p:cNvPr id="5" name="Notes Placeholder 4"/>
+          <p:cNvSpPr>
+            <a:spLocks noGrp="1"/>
+          </p:cNvSpPr>
+          <p:nvPr>
+            <p:ph type="body" sz="quarter" idx="3"/>
+          </p:nvPr>
+        </p:nvSpPr>
+        <p:spPr>
+          <a:xfrm>
+            <a:off x="685800" y="4400550"/>
+            <a:ext cx="5486400" cy="3600450"/>
+          </a:xfrm>
+          <a:prstGeom prst="rect">
+            <a:avLst/>
+          </a:prstGeom>
+        </p:spPr>
+        <p:txBody>
+          <a:bodyPr vert="horz" lIns="91440" tIns="45720" rIns="91440" bIns="45720" rtlCol="0"/>
+          <a:lstStyle/>
+          <a:p>
+            <a:pPr lvl="0"/>
+            <a:r>
+              <a:rPr lang="en-US"/>
+              <a:t>Click to edit Master text styles</a:t>
+            </a:r>
+          </a:p>
+          <a:p>
+            <a:pPr lvl="1"/>
+            <a:r>
+              <a:rPr lang="en-US"/>
+              <a:t>Second level</a:t>
+            </a:r>
+          </a:p>
+          <a:p>
+            <a:pPr lvl="2"/>
+            <a:r>
+              <a:rPr lang="en-US"/>
+              <a:t>Third level</a:t>
+            </a:r>
+          </a:p>
+          <a:p>
+            <a:pPr lvl="3"/>
+            <a:r>
+              <a:rPr lang="en-US"/>
+              <a:t>Fourth level</a:t>
+            </a:r>
+          </a:p>
+          <a:p>
+            <a:pPr lvl="4"/>
+            <a:r>
+              <a:rPr lang="en-US"/>
+              <a:t>Fifth level</a:t>
+            </a:r>
+          </a:p>
+        </p:txBody>
+      </p:sp>
+      <p:sp>
+        <p:nvSpPr>
+          <p:cNvPr id="6" name="Footer Placeholder 5"/>
+          <p:cNvSpPr>
+            <a:spLocks noGrp="1"/>
+          </p:cNvSpPr>
+          <p:nvPr>
+            <p:ph type="ftr" sz="quarter" idx="4"/>
+          </p:nvPr>
+        </p:nvSpPr>
+        <p:spPr>
+          <a:xfrm>
+            <a:off x="0" y="8685213"/>
+            <a:ext cx="2971800" cy="458787"/>
+          </a:xfrm>
+          <a:prstGeom prst="rect">
+            <a:avLst/>
+          </a:prstGeom>
+        </p:spPr>
+        <p:txBody>
+          <a:bodyPr vert="horz" lIns="91440" tIns="45720" rIns="91440" bIns="45720" rtlCol="0" anchor="b"/>
+          <a:lstStyle>
+            <a:lvl1pPr algn="l">
+              <a:defRPr sz="1200"/>
+            </a:lvl1pPr>
+          </a:lstStyle>
+          <a:p>
+            <a:endParaRPr lang="en-US"/>
+          </a:p>
+        </p:txBody>
+      </p:sp>
+      <p:sp>
+        <p:nvSpPr>
+          <p:cNvPr id="7" name="Slide Number Placeholder 6"/>
+          <p:cNvSpPr>
+            <a:spLocks noGrp="1"/>
+          </p:cNvSpPr>
+          <p:nvPr>
+            <p:ph type="sldNum" sz="quarter" idx="5"/>
+          </p:nvPr>
+        </p:nvSpPr>
+        <p:spPr>
+          <a:xfrm>
+            <a:off x="3884613" y="8685213"/>
+            <a:ext cx="2971800" cy="458787"/>
+          </a:xfrm>
+          <a:prstGeom prst="rect">
+            <a:avLst/>
+          </a:prstGeom>
+        </p:spPr>
+        <p:txBody>
+          <a:bodyPr vert="horz" lIns="91440" tIns="45720" rIns="91440" bIns="45720" rtlCol="0" anchor="b"/>
+          <a:lstStyle>
+            <a:lvl1pPr algn="r">
+              <a:defRPr sz="1200"/>
+            </a:lvl1pPr>
+          </a:lstStyle>
+          <a:p>
+            <a:fld id="{39D66EB8-24D8-1941-AB76-F2447AF26C5D}" type="slidenum">
+              <a:rPr lang="en-US" smtClean="0"/>
+              <a:t>‹#›</a:t>
+            </a:fld>
+            <a:endParaRPr lang="en-US"/>
+          </a:p>
+        </p:txBody>
+      </p:sp>
+    </p:spTree>
+    <p:extLst>
+      <p:ext uri="{BB962C8B-B14F-4D97-AF65-F5344CB8AC3E}">
+        <p14:creationId xmlns:p14="http://schemas.microsoft.com/office/powerpoint/2010/main" val="1544384033"/>
+      </p:ext>
+    </p:extLst>
+  </p:cSld>
+  <p:clrMap bg1="lt1" tx1="dk1" bg2="lt2" tx2="dk2" accent1="accent1" accent2="accent2" accent3="accent3" accent4="accent4" accent5="accent5" accent6="accent6" hlink="hlink" folHlink="folHlink"/>
+  <p:notesStyle>
+    <a:lvl1pPr marL="0" algn="l" defTabSz="914400" rtl="0" eaLnBrk="1" latinLnBrk="0" hangingPunct="1">
+      <a:defRPr sz="1200" kern="1200">
+        <a:solidFill>
+          <a:schemeClr val="tx1"/>
+        </a:solidFill>
+        <a:latin typeface="+mn-lt"/>
+        <a:ea typeface="+mn-ea"/>
+        <a:cs typeface="+mn-cs"/>
+      </a:defRPr>
+    </a:lvl1pPr>
+    <a:lvl2pPr marL="457200" algn="l" defTabSz="914400" rtl="0" eaLnBrk="1" latinLnBrk="0" hangingPunct="1">
+      <a:defRPr sz="1200" kern="1200">
+        <a:solidFill>
+          <a:schemeClr val="tx1"/>
+        </a:solidFill>
+        <a:latin typeface="+mn-lt"/>
+        <a:ea typeface="+mn-ea"/>
+        <a:cs typeface="+mn-cs"/>
+      </a:defRPr>
+    </a:lvl2pPr>
+    <a:lvl3pPr marL="914400" algn="l" defTabSz="914400" rtl="0" eaLnBrk="1" latinLnBrk="0" hangingPunct="1">
+      <a:defRPr sz="1200" kern="1200">
+        <a:solidFill>
+          <a:schemeClr val="tx1"/>
+        </a:solidFill>
+        <a:latin typeface="+mn-lt"/>
+        <a:ea typeface="+mn-ea"/>
+        <a:cs typeface="+mn-cs"/>
+      </a:defRPr>
+    </a:lvl3pPr>
+    <a:lvl4pPr marL="1371600" algn="l" defTabSz="914400" rtl="0" eaLnBrk="1" latinLnBrk="0" hangingPunct="1">
+      <a:defRPr sz="1200" kern="1200">
+        <a:solidFill>
+          <a:schemeClr val="tx1"/>
+        </a:solidFill>
+        <a:latin typeface="+mn-lt"/>
+        <a:ea typeface="+mn-ea"/>
+        <a:cs typeface="+mn-cs"/>
+      </a:defRPr>
+    </a:lvl4pPr>
+    <a:lvl5pPr marL="1828800" algn="l" defTabSz="914400" rtl="0" eaLnBrk="1" latinLnBrk="0" hangingPunct="1">
+      <a:defRPr sz="1200" kern="1200">
+        <a:solidFill>
+          <a:schemeClr val="tx1"/>
+        </a:solidFill>
+        <a:latin typeface="+mn-lt"/>
+        <a:ea typeface="+mn-ea"/>
+        <a:cs typeface="+mn-cs"/>
+      </a:defRPr>
+    </a:lvl5pPr>
+    <a:lvl6pPr marL="2286000" algn="l" defTabSz="914400" rtl="0" eaLnBrk="1" latinLnBrk="0" hangingPunct="1">
+      <a:defRPr sz="1200" kern="1200">
+        <a:solidFill>
+          <a:schemeClr val="tx1"/>
+        </a:solidFill>
+        <a:latin typeface="+mn-lt"/>
+        <a:ea typeface="+mn-ea"/>
+        <a:cs typeface="+mn-cs"/>
+      </a:defRPr>
+    </a:lvl6pPr>
+    <a:lvl7pPr marL="2743200" algn="l" defTabSz="914400" rtl="0" eaLnBrk="1" latinLnBrk="0" hangingPunct="1">
+      <a:defRPr sz="1200" kern="1200">
+        <a:solidFill>
+          <a:schemeClr val="tx1"/>
+        </a:solidFill>
+        <a:latin typeface="+mn-lt"/>
+        <a:ea typeface="+mn-ea"/>
+        <a:cs typeface="+mn-cs"/>
+      </a:defRPr>
+    </a:lvl7pPr>
+    <a:lvl8pPr marL="3200400" algn="l" defTabSz="914400" rtl="0" eaLnBrk="1" latinLnBrk="0" hangingPunct="1">
+      <a:defRPr sz="1200" kern="1200">
+        <a:solidFill>
+          <a:schemeClr val="tx1"/>
+        </a:solidFill>
+        <a:latin typeface="+mn-lt"/>
+        <a:ea typeface="+mn-ea"/>
+        <a:cs typeface="+mn-cs"/>
+      </a:defRPr>
+    </a:lvl8pPr>
+    <a:lvl9pPr marL="3657600" algn="l" defTabSz="914400" rtl="0" eaLnBrk="1" latinLnBrk="0" hangingPunct="1">
+      <a:defRPr sz="1200" kern="1200">
+        <a:solidFill>
+          <a:schemeClr val="tx1"/>
+        </a:solidFill>
+        <a:latin typeface="+mn-lt"/>
+        <a:ea typeface="+mn-ea"/>
+        <a:cs typeface="+mn-cs"/>
+      </a:defRPr>
+    </a:lvl9pPr>
+  </p:notesStyle>
+</p:notesMaster>
+</file>
+
+<file path=ppt/notesSlides/notesSlide1.xml><?xml version="1.0" encoding="utf-8"?>
+<p:notes xmlns:a="http://schemas.openxmlformats.org/drawingml/2006/main" xmlns:r="http://schemas.openxmlformats.org/officeDocument/2006/relationships" xmlns:p="http://schemas.openxmlformats.org/presentationml/2006/main">
+  <p:cSld>
+    <p:spTree>
+      <p:nvGrpSpPr>
+        <p:cNvPr id="1" name=""/>
+        <p:cNvGrpSpPr/>
+        <p:nvPr/>
+      </p:nvGrpSpPr>
+      <p:grpSpPr>
+        <a:xfrm>
+          <a:off x="0" y="0"/>
+          <a:ext cx="0" cy="0"/>
+          <a:chOff x="0" y="0"/>
+          <a:chExt cx="0" cy="0"/>
+        </a:xfrm>
+      </p:grpSpPr>
+      <p:sp>
+        <p:nvSpPr>
+          <p:cNvPr id="2" name="Slide Image Placeholder 1"/>
+          <p:cNvSpPr>
+            <a:spLocks noGrp="1" noRot="1" noChangeAspect="1"/>
+          </p:cNvSpPr>
+          <p:nvPr>
+            <p:ph type="sldImg"/>
+          </p:nvPr>
+        </p:nvSpPr>
+        <p:spPr/>
+      </p:sp>
+      <p:sp>
+        <p:nvSpPr>
+          <p:cNvPr id="3" name="Notes Placeholder 2"/>
+          <p:cNvSpPr>
+            <a:spLocks noGrp="1"/>
+          </p:cNvSpPr>
+          <p:nvPr>
+            <p:ph type="body" idx="1"/>
+          </p:nvPr>
+        </p:nvSpPr>
+        <p:spPr/>
+        <p:txBody>
+          <a:bodyPr/>
+          <a:lstStyle/>
+          <a:p>
+            <a:endParaRPr lang="en-US" dirty="0"/>
+          </a:p>
+        </p:txBody>
+      </p:sp>
+      <p:sp>
+        <p:nvSpPr>
+          <p:cNvPr id="4" name="Slide Number Placeholder 3"/>
+          <p:cNvSpPr>
+            <a:spLocks noGrp="1"/>
+          </p:cNvSpPr>
+          <p:nvPr>
+            <p:ph type="sldNum" sz="quarter" idx="5"/>
+          </p:nvPr>
+        </p:nvSpPr>
+        <p:spPr/>
+        <p:txBody>
+          <a:bodyPr/>
+          <a:lstStyle/>
+          <a:p>
+            <a:fld id="{39D66EB8-24D8-1941-AB76-F2447AF26C5D}" type="slidenum">
+              <a:rPr lang="en-US" smtClean="0"/>
+              <a:t>2</a:t>
+            </a:fld>
+            <a:endParaRPr lang="en-US"/>
+          </a:p>
+        </p:txBody>
+      </p:sp>
+    </p:spTree>
+    <p:extLst>
+      <p:ext uri="{BB962C8B-B14F-4D97-AF65-F5344CB8AC3E}">
+        <p14:creationId xmlns:p14="http://schemas.microsoft.com/office/powerpoint/2010/main" val="2003819434"/>
+      </p:ext>
+    </p:extLst>
+  </p:cSld>
+  <p:clrMapOvr>
+    <a:masterClrMapping/>
+  </p:clrMapOvr>
+</p:notes>
+</file>
+
+<file path=ppt/notesSlides/notesSlide2.xml><?xml version="1.0" encoding="utf-8"?>
+<p:notes xmlns:a="http://schemas.openxmlformats.org/drawingml/2006/main" xmlns:r="http://schemas.openxmlformats.org/officeDocument/2006/relationships" xmlns:p="http://schemas.openxmlformats.org/presentationml/2006/main">
+  <p:cSld>
+    <p:spTree>
+      <p:nvGrpSpPr>
+        <p:cNvPr id="1" name=""/>
+        <p:cNvGrpSpPr/>
+        <p:nvPr/>
+      </p:nvGrpSpPr>
+      <p:grpSpPr>
+        <a:xfrm>
+          <a:off x="0" y="0"/>
+          <a:ext cx="0" cy="0"/>
+          <a:chOff x="0" y="0"/>
+          <a:chExt cx="0" cy="0"/>
+        </a:xfrm>
+      </p:grpSpPr>
+      <p:sp>
+        <p:nvSpPr>
+          <p:cNvPr id="2" name="Slide Image Placeholder 1"/>
+          <p:cNvSpPr>
+            <a:spLocks noGrp="1" noRot="1" noChangeAspect="1"/>
+          </p:cNvSpPr>
+          <p:nvPr>
+            <p:ph type="sldImg"/>
+          </p:nvPr>
+        </p:nvSpPr>
+        <p:spPr/>
+      </p:sp>
+      <p:sp>
+        <p:nvSpPr>
+          <p:cNvPr id="3" name="Notes Placeholder 2"/>
+          <p:cNvSpPr>
+            <a:spLocks noGrp="1"/>
+          </p:cNvSpPr>
+          <p:nvPr>
+            <p:ph type="body" idx="1"/>
+          </p:nvPr>
+        </p:nvSpPr>
+        <p:spPr/>
+        <p:txBody>
+          <a:bodyPr/>
+          <a:lstStyle/>
+          <a:p>
+            <a:endParaRPr lang="en-US" dirty="0"/>
+          </a:p>
+        </p:txBody>
+      </p:sp>
+      <p:sp>
+        <p:nvSpPr>
+          <p:cNvPr id="4" name="Slide Number Placeholder 3"/>
+          <p:cNvSpPr>
+            <a:spLocks noGrp="1"/>
+          </p:cNvSpPr>
+          <p:nvPr>
+            <p:ph type="sldNum" sz="quarter" idx="5"/>
+          </p:nvPr>
+        </p:nvSpPr>
+        <p:spPr/>
+        <p:txBody>
+          <a:bodyPr/>
+          <a:lstStyle/>
+          <a:p>
+            <a:fld id="{39D66EB8-24D8-1941-AB76-F2447AF26C5D}" type="slidenum">
+              <a:rPr lang="en-US" smtClean="0"/>
+              <a:t>7</a:t>
+            </a:fld>
+            <a:endParaRPr lang="en-US"/>
+          </a:p>
+        </p:txBody>
+      </p:sp>
+    </p:spTree>
+    <p:extLst>
+      <p:ext uri="{BB962C8B-B14F-4D97-AF65-F5344CB8AC3E}">
+        <p14:creationId xmlns:p14="http://schemas.microsoft.com/office/powerpoint/2010/main" val="3151532534"/>
+      </p:ext>
+    </p:extLst>
+  </p:cSld>
+  <p:clrMapOvr>
+    <a:masterClrMapping/>
+  </p:clrMapOvr>
+</p:notes>
+</file>
+
 <file path=ppt/slideLayouts/slideLayout1.xml><?xml version="1.0" encoding="utf-8"?>
 <p:sldLayout xmlns:a="http://schemas.openxmlformats.org/drawingml/2006/main" xmlns:r="http://schemas.openxmlformats.org/officeDocument/2006/relationships" xmlns:p="http://schemas.openxmlformats.org/presentationml/2006/main" type="title" preserve="1">
   <p:cSld name="Title Slide">
@@ -3665,9 +4186,9 @@
           <a:p>
             <a:fld id="{FA743678-E868-4C42-AC69-1F70122D290B}" type="datetimeFigureOut">
               <a:rPr lang="en-US" smtClean="0"/>
-              <a:t>4/27/25</a:t>
+              <a:t>4/30/25</a:t>
             </a:fld>
-            <a:endParaRPr lang="en-US"/>
+            <a:endParaRPr lang="en-US" dirty="0"/>
           </a:p>
         </p:txBody>
       </p:sp>
@@ -3692,7 +4213,7 @@
           <a:bodyPr/>
           <a:lstStyle/>
           <a:p>
-            <a:endParaRPr lang="en-US"/>
+            <a:endParaRPr lang="en-US" dirty="0"/>
           </a:p>
         </p:txBody>
       </p:sp>
@@ -3721,7 +4242,7 @@
               <a:rPr lang="en-US" smtClean="0"/>
               <a:t>‹#›</a:t>
             </a:fld>
-            <a:endParaRPr lang="en-US"/>
+            <a:endParaRPr lang="en-US" dirty="0"/>
           </a:p>
         </p:txBody>
       </p:sp>
@@ -3863,9 +4384,9 @@
           <a:p>
             <a:fld id="{FA743678-E868-4C42-AC69-1F70122D290B}" type="datetimeFigureOut">
               <a:rPr lang="en-US" smtClean="0"/>
-              <a:t>4/27/25</a:t>
+              <a:t>4/30/25</a:t>
             </a:fld>
-            <a:endParaRPr lang="en-US"/>
+            <a:endParaRPr lang="en-US" dirty="0"/>
           </a:p>
         </p:txBody>
       </p:sp>
@@ -3890,7 +4411,7 @@
           <a:bodyPr/>
           <a:lstStyle/>
           <a:p>
-            <a:endParaRPr lang="en-US"/>
+            <a:endParaRPr lang="en-US" dirty="0"/>
           </a:p>
         </p:txBody>
       </p:sp>
@@ -3919,7 +4440,7 @@
               <a:rPr lang="en-US" smtClean="0"/>
               <a:t>‹#›</a:t>
             </a:fld>
-            <a:endParaRPr lang="en-US"/>
+            <a:endParaRPr lang="en-US" dirty="0"/>
           </a:p>
         </p:txBody>
       </p:sp>
@@ -4071,9 +4592,9 @@
           <a:p>
             <a:fld id="{FA743678-E868-4C42-AC69-1F70122D290B}" type="datetimeFigureOut">
               <a:rPr lang="en-US" smtClean="0"/>
-              <a:t>4/27/25</a:t>
+              <a:t>4/30/25</a:t>
             </a:fld>
-            <a:endParaRPr lang="en-US"/>
+            <a:endParaRPr lang="en-US" dirty="0"/>
           </a:p>
         </p:txBody>
       </p:sp>
@@ -4098,7 +4619,7 @@
           <a:bodyPr/>
           <a:lstStyle/>
           <a:p>
-            <a:endParaRPr lang="en-US"/>
+            <a:endParaRPr lang="en-US" dirty="0"/>
           </a:p>
         </p:txBody>
       </p:sp>
@@ -4127,7 +4648,7 @@
               <a:rPr lang="en-US" smtClean="0"/>
               <a:t>‹#›</a:t>
             </a:fld>
-            <a:endParaRPr lang="en-US"/>
+            <a:endParaRPr lang="en-US" dirty="0"/>
           </a:p>
         </p:txBody>
       </p:sp>
@@ -4269,9 +4790,9 @@
           <a:p>
             <a:fld id="{FA743678-E868-4C42-AC69-1F70122D290B}" type="datetimeFigureOut">
               <a:rPr lang="en-US" smtClean="0"/>
-              <a:t>4/27/25</a:t>
+              <a:t>4/30/25</a:t>
             </a:fld>
-            <a:endParaRPr lang="en-US"/>
+            <a:endParaRPr lang="en-US" dirty="0"/>
           </a:p>
         </p:txBody>
       </p:sp>
@@ -4296,7 +4817,7 @@
           <a:bodyPr/>
           <a:lstStyle/>
           <a:p>
-            <a:endParaRPr lang="en-US"/>
+            <a:endParaRPr lang="en-US" dirty="0"/>
           </a:p>
         </p:txBody>
       </p:sp>
@@ -4325,7 +4846,7 @@
               <a:rPr lang="en-US" smtClean="0"/>
               <a:t>‹#›</a:t>
             </a:fld>
-            <a:endParaRPr lang="en-US"/>
+            <a:endParaRPr lang="en-US" dirty="0"/>
           </a:p>
         </p:txBody>
       </p:sp>
@@ -4544,9 +5065,9 @@
           <a:p>
             <a:fld id="{FA743678-E868-4C42-AC69-1F70122D290B}" type="datetimeFigureOut">
               <a:rPr lang="en-US" smtClean="0"/>
-              <a:t>4/27/25</a:t>
+              <a:t>4/30/25</a:t>
             </a:fld>
-            <a:endParaRPr lang="en-US"/>
+            <a:endParaRPr lang="en-US" dirty="0"/>
           </a:p>
         </p:txBody>
       </p:sp>
@@ -4571,7 +5092,7 @@
           <a:bodyPr/>
           <a:lstStyle/>
           <a:p>
-            <a:endParaRPr lang="en-US"/>
+            <a:endParaRPr lang="en-US" dirty="0"/>
           </a:p>
         </p:txBody>
       </p:sp>
@@ -4600,7 +5121,7 @@
               <a:rPr lang="en-US" smtClean="0"/>
               <a:t>‹#›</a:t>
             </a:fld>
-            <a:endParaRPr lang="en-US"/>
+            <a:endParaRPr lang="en-US" dirty="0"/>
           </a:p>
         </p:txBody>
       </p:sp>
@@ -4809,9 +5330,9 @@
           <a:p>
             <a:fld id="{FA743678-E868-4C42-AC69-1F70122D290B}" type="datetimeFigureOut">
               <a:rPr lang="en-US" smtClean="0"/>
-              <a:t>4/27/25</a:t>
+              <a:t>4/30/25</a:t>
             </a:fld>
-            <a:endParaRPr lang="en-US"/>
+            <a:endParaRPr lang="en-US" dirty="0"/>
           </a:p>
         </p:txBody>
       </p:sp>
@@ -4836,7 +5357,7 @@
           <a:bodyPr/>
           <a:lstStyle/>
           <a:p>
-            <a:endParaRPr lang="en-US"/>
+            <a:endParaRPr lang="en-US" dirty="0"/>
           </a:p>
         </p:txBody>
       </p:sp>
@@ -4865,7 +5386,7 @@
               <a:rPr lang="en-US" smtClean="0"/>
               <a:t>‹#›</a:t>
             </a:fld>
-            <a:endParaRPr lang="en-US"/>
+            <a:endParaRPr lang="en-US" dirty="0"/>
           </a:p>
         </p:txBody>
       </p:sp>
@@ -5221,9 +5742,9 @@
           <a:p>
             <a:fld id="{FA743678-E868-4C42-AC69-1F70122D290B}" type="datetimeFigureOut">
               <a:rPr lang="en-US" smtClean="0"/>
-              <a:t>4/27/25</a:t>
+              <a:t>4/30/25</a:t>
             </a:fld>
-            <a:endParaRPr lang="en-US"/>
+            <a:endParaRPr lang="en-US" dirty="0"/>
           </a:p>
         </p:txBody>
       </p:sp>
@@ -5248,7 +5769,7 @@
           <a:bodyPr/>
           <a:lstStyle/>
           <a:p>
-            <a:endParaRPr lang="en-US"/>
+            <a:endParaRPr lang="en-US" dirty="0"/>
           </a:p>
         </p:txBody>
       </p:sp>
@@ -5277,7 +5798,7 @@
               <a:rPr lang="en-US" smtClean="0"/>
               <a:t>‹#›</a:t>
             </a:fld>
-            <a:endParaRPr lang="en-US"/>
+            <a:endParaRPr lang="en-US" dirty="0"/>
           </a:p>
         </p:txBody>
       </p:sp>
@@ -5362,9 +5883,9 @@
           <a:p>
             <a:fld id="{FA743678-E868-4C42-AC69-1F70122D290B}" type="datetimeFigureOut">
               <a:rPr lang="en-US" smtClean="0"/>
-              <a:t>4/27/25</a:t>
+              <a:t>4/30/25</a:t>
             </a:fld>
-            <a:endParaRPr lang="en-US"/>
+            <a:endParaRPr lang="en-US" dirty="0"/>
           </a:p>
         </p:txBody>
       </p:sp>
@@ -5389,7 +5910,7 @@
           <a:bodyPr/>
           <a:lstStyle/>
           <a:p>
-            <a:endParaRPr lang="en-US"/>
+            <a:endParaRPr lang="en-US" dirty="0"/>
           </a:p>
         </p:txBody>
       </p:sp>
@@ -5418,7 +5939,7 @@
               <a:rPr lang="en-US" smtClean="0"/>
               <a:t>‹#›</a:t>
             </a:fld>
-            <a:endParaRPr lang="en-US"/>
+            <a:endParaRPr lang="en-US" dirty="0"/>
           </a:p>
         </p:txBody>
       </p:sp>
@@ -5475,9 +5996,9 @@
           <a:p>
             <a:fld id="{FA743678-E868-4C42-AC69-1F70122D290B}" type="datetimeFigureOut">
               <a:rPr lang="en-US" smtClean="0"/>
-              <a:t>4/27/25</a:t>
+              <a:t>4/30/25</a:t>
             </a:fld>
-            <a:endParaRPr lang="en-US"/>
+            <a:endParaRPr lang="en-US" dirty="0"/>
           </a:p>
         </p:txBody>
       </p:sp>
@@ -5502,7 +6023,7 @@
           <a:bodyPr/>
           <a:lstStyle/>
           <a:p>
-            <a:endParaRPr lang="en-US"/>
+            <a:endParaRPr lang="en-US" dirty="0"/>
           </a:p>
         </p:txBody>
       </p:sp>
@@ -5531,7 +6052,7 @@
               <a:rPr lang="en-US" smtClean="0"/>
               <a:t>‹#›</a:t>
             </a:fld>
-            <a:endParaRPr lang="en-US"/>
+            <a:endParaRPr lang="en-US" dirty="0"/>
           </a:p>
         </p:txBody>
       </p:sp>
@@ -5786,9 +6307,9 @@
           <a:p>
             <a:fld id="{FA743678-E868-4C42-AC69-1F70122D290B}" type="datetimeFigureOut">
               <a:rPr lang="en-US" smtClean="0"/>
-              <a:t>4/27/25</a:t>
+              <a:t>4/30/25</a:t>
             </a:fld>
-            <a:endParaRPr lang="en-US"/>
+            <a:endParaRPr lang="en-US" dirty="0"/>
           </a:p>
         </p:txBody>
       </p:sp>
@@ -5813,7 +6334,7 @@
           <a:bodyPr/>
           <a:lstStyle/>
           <a:p>
-            <a:endParaRPr lang="en-US"/>
+            <a:endParaRPr lang="en-US" dirty="0"/>
           </a:p>
         </p:txBody>
       </p:sp>
@@ -5842,7 +6363,7 @@
               <a:rPr lang="en-US" smtClean="0"/>
               <a:t>‹#›</a:t>
             </a:fld>
-            <a:endParaRPr lang="en-US"/>
+            <a:endParaRPr lang="en-US" dirty="0"/>
           </a:p>
         </p:txBody>
       </p:sp>
@@ -5976,7 +6497,7 @@
             </a:lvl9pPr>
           </a:lstStyle>
           <a:p>
-            <a:endParaRPr lang="en-US"/>
+            <a:endParaRPr lang="en-US" dirty="0"/>
           </a:p>
         </p:txBody>
       </p:sp>
@@ -6074,9 +6595,9 @@
           <a:p>
             <a:fld id="{FA743678-E868-4C42-AC69-1F70122D290B}" type="datetimeFigureOut">
               <a:rPr lang="en-US" smtClean="0"/>
-              <a:t>4/27/25</a:t>
+              <a:t>4/30/25</a:t>
             </a:fld>
-            <a:endParaRPr lang="en-US"/>
+            <a:endParaRPr lang="en-US" dirty="0"/>
           </a:p>
         </p:txBody>
       </p:sp>
@@ -6101,7 +6622,7 @@
           <a:bodyPr/>
           <a:lstStyle/>
           <a:p>
-            <a:endParaRPr lang="en-US"/>
+            <a:endParaRPr lang="en-US" dirty="0"/>
           </a:p>
         </p:txBody>
       </p:sp>
@@ -6130,7 +6651,7 @@
               <a:rPr lang="en-US" smtClean="0"/>
               <a:t>‹#›</a:t>
             </a:fld>
-            <a:endParaRPr lang="en-US"/>
+            <a:endParaRPr lang="en-US" dirty="0"/>
           </a:p>
         </p:txBody>
       </p:sp>
@@ -6315,9 +6836,9 @@
           <a:p>
             <a:fld id="{FA743678-E868-4C42-AC69-1F70122D290B}" type="datetimeFigureOut">
               <a:rPr lang="en-US" smtClean="0"/>
-              <a:t>4/27/25</a:t>
+              <a:t>4/30/25</a:t>
             </a:fld>
-            <a:endParaRPr lang="en-US"/>
+            <a:endParaRPr lang="en-US" dirty="0"/>
           </a:p>
         </p:txBody>
       </p:sp>
@@ -6360,7 +6881,7 @@
             </a:lvl1pPr>
           </a:lstStyle>
           <a:p>
-            <a:endParaRPr lang="en-US"/>
+            <a:endParaRPr lang="en-US" dirty="0"/>
           </a:p>
         </p:txBody>
       </p:sp>
@@ -6407,7 +6928,7 @@
               <a:rPr lang="en-US" smtClean="0"/>
               <a:t>‹#›</a:t>
             </a:fld>
-            <a:endParaRPr lang="en-US"/>
+            <a:endParaRPr lang="en-US" dirty="0"/>
           </a:p>
         </p:txBody>
       </p:sp>
@@ -6740,6 +7261,379 @@
           <a:chExt cx="0" cy="0"/>
         </a:xfrm>
       </p:grpSpPr>
+      <p:sp useBgFill="1">
+        <p:nvSpPr>
+          <p:cNvPr id="8" name="Rectangle 7">
+            <a:extLst>
+              <a:ext uri="{FF2B5EF4-FFF2-40B4-BE49-F238E27FC236}">
+                <a16:creationId xmlns:a16="http://schemas.microsoft.com/office/drawing/2014/main" id="{907EF6B7-1338-4443-8C46-6A318D952DFD}"/>
+              </a:ext>
+              <a:ext uri="{C183D7F6-B498-43B3-948B-1728B52AA6E4}">
+                <adec:decorative xmlns:adec="http://schemas.microsoft.com/office/drawing/2017/decorative" val="1"/>
+              </a:ext>
+            </a:extLst>
+          </p:cNvPr>
+          <p:cNvSpPr>
+            <a:spLocks noGrp="1" noRot="1" noChangeAspect="1" noMove="1" noResize="1" noEditPoints="1" noAdjustHandles="1" noChangeArrowheads="1" noChangeShapeType="1" noTextEdit="1"/>
+          </p:cNvSpPr>
+          <p:nvPr>
+            <p:extLst>
+              <p:ext uri="{386F3935-93C4-4BCD-93E2-E3B085C9AB24}">
+                <p16:designElem xmlns:p16="http://schemas.microsoft.com/office/powerpoint/2015/main" val="1"/>
+              </p:ext>
+            </p:extLst>
+          </p:nvPr>
+        </p:nvSpPr>
+        <p:spPr>
+          <a:xfrm>
+            <a:off x="3048" y="0"/>
+            <a:ext cx="12188952" cy="6858000"/>
+          </a:xfrm>
+          <a:prstGeom prst="rect">
+            <a:avLst/>
+          </a:prstGeom>
+          <a:ln>
+            <a:noFill/>
+          </a:ln>
+        </p:spPr>
+        <p:style>
+          <a:lnRef idx="2">
+            <a:schemeClr val="accent1">
+              <a:shade val="50000"/>
+            </a:schemeClr>
+          </a:lnRef>
+          <a:fillRef idx="1">
+            <a:schemeClr val="accent1"/>
+          </a:fillRef>
+          <a:effectRef idx="0">
+            <a:schemeClr val="accent1"/>
+          </a:effectRef>
+          <a:fontRef idx="minor">
+            <a:schemeClr val="lt1"/>
+          </a:fontRef>
+        </p:style>
+        <p:txBody>
+          <a:bodyPr rtlCol="0" anchor="ctr"/>
+          <a:lstStyle/>
+          <a:p>
+            <a:pPr algn="ctr"/>
+            <a:endParaRPr lang="en-US"/>
+          </a:p>
+        </p:txBody>
+      </p:sp>
+      <p:sp>
+        <p:nvSpPr>
+          <p:cNvPr id="20" name="Freeform: Shape 9">
+            <a:extLst>
+              <a:ext uri="{FF2B5EF4-FFF2-40B4-BE49-F238E27FC236}">
+                <a16:creationId xmlns:a16="http://schemas.microsoft.com/office/drawing/2014/main" id="{DAAE4CDD-124C-4DCF-9584-B6033B545DD5}"/>
+              </a:ext>
+              <a:ext uri="{C183D7F6-B498-43B3-948B-1728B52AA6E4}">
+                <adec:decorative xmlns:adec="http://schemas.microsoft.com/office/drawing/2017/decorative" val="1"/>
+              </a:ext>
+            </a:extLst>
+          </p:cNvPr>
+          <p:cNvSpPr>
+            <a:spLocks noGrp="1" noRot="1" noChangeAspect="1" noMove="1" noResize="1" noEditPoints="1" noAdjustHandles="1" noChangeArrowheads="1" noChangeShapeType="1" noTextEdit="1"/>
+          </p:cNvSpPr>
+          <p:nvPr>
+            <p:extLst>
+              <p:ext uri="{386F3935-93C4-4BCD-93E2-E3B085C9AB24}">
+                <p16:designElem xmlns:p16="http://schemas.microsoft.com/office/powerpoint/2015/main" val="1"/>
+              </p:ext>
+            </p:extLst>
+          </p:nvPr>
+        </p:nvSpPr>
+        <p:spPr>
+          <a:xfrm>
+            <a:off x="1" y="0"/>
+            <a:ext cx="4167271" cy="6858000"/>
+          </a:xfrm>
+          <a:custGeom>
+            <a:avLst/>
+            <a:gdLst>
+              <a:gd name="connsiteX0" fmla="*/ 0 w 4167271"/>
+              <a:gd name="connsiteY0" fmla="*/ 0 h 6858000"/>
+              <a:gd name="connsiteX1" fmla="*/ 2259550 w 4167271"/>
+              <a:gd name="connsiteY1" fmla="*/ 0 h 6858000"/>
+              <a:gd name="connsiteX2" fmla="*/ 2387803 w 4167271"/>
+              <a:gd name="connsiteY2" fmla="*/ 82222 h 6858000"/>
+              <a:gd name="connsiteX3" fmla="*/ 4167271 w 4167271"/>
+              <a:gd name="connsiteY3" fmla="*/ 3429000 h 6858000"/>
+              <a:gd name="connsiteX4" fmla="*/ 2387803 w 4167271"/>
+              <a:gd name="connsiteY4" fmla="*/ 6775779 h 6858000"/>
+              <a:gd name="connsiteX5" fmla="*/ 2259550 w 4167271"/>
+              <a:gd name="connsiteY5" fmla="*/ 6858000 h 6858000"/>
+              <a:gd name="connsiteX6" fmla="*/ 0 w 4167271"/>
+              <a:gd name="connsiteY6" fmla="*/ 6858000 h 6858000"/>
+            </a:gdLst>
+            <a:ahLst/>
+            <a:cxnLst>
+              <a:cxn ang="0">
+                <a:pos x="connsiteX0" y="connsiteY0"/>
+              </a:cxn>
+              <a:cxn ang="0">
+                <a:pos x="connsiteX1" y="connsiteY1"/>
+              </a:cxn>
+              <a:cxn ang="0">
+                <a:pos x="connsiteX2" y="connsiteY2"/>
+              </a:cxn>
+              <a:cxn ang="0">
+                <a:pos x="connsiteX3" y="connsiteY3"/>
+              </a:cxn>
+              <a:cxn ang="0">
+                <a:pos x="connsiteX4" y="connsiteY4"/>
+              </a:cxn>
+              <a:cxn ang="0">
+                <a:pos x="connsiteX5" y="connsiteY5"/>
+              </a:cxn>
+              <a:cxn ang="0">
+                <a:pos x="connsiteX6" y="connsiteY6"/>
+              </a:cxn>
+            </a:cxnLst>
+            <a:rect l="l" t="t" r="r" b="b"/>
+            <a:pathLst>
+              <a:path w="4167271" h="6858000">
+                <a:moveTo>
+                  <a:pt x="0" y="0"/>
+                </a:moveTo>
+                <a:lnTo>
+                  <a:pt x="2259550" y="0"/>
+                </a:lnTo>
+                <a:lnTo>
+                  <a:pt x="2387803" y="82222"/>
+                </a:lnTo>
+                <a:cubicBezTo>
+                  <a:pt x="3461407" y="807534"/>
+                  <a:pt x="4167271" y="2035835"/>
+                  <a:pt x="4167271" y="3429000"/>
+                </a:cubicBezTo>
+                <a:cubicBezTo>
+                  <a:pt x="4167271" y="4822165"/>
+                  <a:pt x="3461407" y="6050467"/>
+                  <a:pt x="2387803" y="6775779"/>
+                </a:cubicBezTo>
+                <a:lnTo>
+                  <a:pt x="2259550" y="6858000"/>
+                </a:lnTo>
+                <a:lnTo>
+                  <a:pt x="0" y="6858000"/>
+                </a:lnTo>
+                <a:close/>
+              </a:path>
+            </a:pathLst>
+          </a:custGeom>
+          <a:solidFill>
+            <a:schemeClr val="accent2"/>
+          </a:solidFill>
+          <a:ln>
+            <a:noFill/>
+          </a:ln>
+        </p:spPr>
+        <p:style>
+          <a:lnRef idx="2">
+            <a:schemeClr val="accent1">
+              <a:shade val="50000"/>
+            </a:schemeClr>
+          </a:lnRef>
+          <a:fillRef idx="1">
+            <a:schemeClr val="accent1"/>
+          </a:fillRef>
+          <a:effectRef idx="0">
+            <a:schemeClr val="accent1"/>
+          </a:effectRef>
+          <a:fontRef idx="minor">
+            <a:schemeClr val="lt1"/>
+          </a:fontRef>
+        </p:style>
+        <p:txBody>
+          <a:bodyPr rtlCol="0" anchor="ctr"/>
+          <a:lstStyle/>
+          <a:p>
+            <a:pPr algn="ctr"/>
+            <a:endParaRPr lang="en-US"/>
+          </a:p>
+        </p:txBody>
+      </p:sp>
+      <p:sp>
+        <p:nvSpPr>
+          <p:cNvPr id="2" name="Title 1">
+            <a:extLst>
+              <a:ext uri="{FF2B5EF4-FFF2-40B4-BE49-F238E27FC236}">
+                <a16:creationId xmlns:a16="http://schemas.microsoft.com/office/drawing/2014/main" id="{8CD7E54B-F61F-7691-09B4-26F585956B40}"/>
+              </a:ext>
+            </a:extLst>
+          </p:cNvPr>
+          <p:cNvSpPr>
+            <a:spLocks noGrp="1"/>
+          </p:cNvSpPr>
+          <p:nvPr>
+            <p:ph type="title"/>
+          </p:nvPr>
+        </p:nvSpPr>
+        <p:spPr>
+          <a:xfrm>
+            <a:off x="686834" y="1153572"/>
+            <a:ext cx="3200400" cy="4461163"/>
+          </a:xfrm>
+        </p:spPr>
+        <p:txBody>
+          <a:bodyPr>
+            <a:normAutofit/>
+          </a:bodyPr>
+          <a:lstStyle/>
+          <a:p>
+            <a:r>
+              <a:rPr lang="en-US">
+                <a:solidFill>
+                  <a:srgbClr val="FFFFFF"/>
+                </a:solidFill>
+              </a:rPr>
+              <a:t>NOTICE!</a:t>
+            </a:r>
+          </a:p>
+        </p:txBody>
+      </p:sp>
+      <p:sp>
+        <p:nvSpPr>
+          <p:cNvPr id="21" name="Arc 20">
+            <a:extLst>
+              <a:ext uri="{FF2B5EF4-FFF2-40B4-BE49-F238E27FC236}">
+                <a16:creationId xmlns:a16="http://schemas.microsoft.com/office/drawing/2014/main" id="{081E4A58-353D-44AE-B2FC-2A74E2E400F7}"/>
+              </a:ext>
+              <a:ext uri="{C183D7F6-B498-43B3-948B-1728B52AA6E4}">
+                <adec:decorative xmlns:adec="http://schemas.microsoft.com/office/drawing/2017/decorative" val="1"/>
+              </a:ext>
+            </a:extLst>
+          </p:cNvPr>
+          <p:cNvSpPr>
+            <a:spLocks noGrp="1" noRot="1" noChangeAspect="1" noMove="1" noResize="1" noEditPoints="1" noAdjustHandles="1" noChangeArrowheads="1" noChangeShapeType="1" noTextEdit="1"/>
+          </p:cNvSpPr>
+          <p:nvPr>
+            <p:extLst>
+              <p:ext uri="{386F3935-93C4-4BCD-93E2-E3B085C9AB24}">
+                <p16:designElem xmlns:p16="http://schemas.microsoft.com/office/powerpoint/2015/main" val="1"/>
+              </p:ext>
+            </p:extLst>
+          </p:nvPr>
+        </p:nvSpPr>
+        <p:spPr>
+          <a:xfrm flipV="1">
+            <a:off x="7550402" y="2455479"/>
+            <a:ext cx="4083433" cy="4083433"/>
+          </a:xfrm>
+          <a:prstGeom prst="arc">
+            <a:avLst/>
+          </a:prstGeom>
+          <a:ln w="127000" cap="rnd">
+            <a:solidFill>
+              <a:schemeClr val="accent4"/>
+            </a:solidFill>
+            <a:prstDash val="dash"/>
+          </a:ln>
+        </p:spPr>
+        <p:style>
+          <a:lnRef idx="1">
+            <a:schemeClr val="accent1"/>
+          </a:lnRef>
+          <a:fillRef idx="0">
+            <a:schemeClr val="accent1"/>
+          </a:fillRef>
+          <a:effectRef idx="0">
+            <a:schemeClr val="accent1"/>
+          </a:effectRef>
+          <a:fontRef idx="minor">
+            <a:schemeClr val="tx1"/>
+          </a:fontRef>
+        </p:style>
+        <p:txBody>
+          <a:bodyPr rtlCol="0" anchor="ctr"/>
+          <a:lstStyle/>
+          <a:p>
+            <a:pPr algn="ctr"/>
+            <a:endParaRPr lang="en-US" dirty="0"/>
+          </a:p>
+        </p:txBody>
+      </p:sp>
+      <p:sp>
+        <p:nvSpPr>
+          <p:cNvPr id="3" name="Content Placeholder 2">
+            <a:extLst>
+              <a:ext uri="{FF2B5EF4-FFF2-40B4-BE49-F238E27FC236}">
+                <a16:creationId xmlns:a16="http://schemas.microsoft.com/office/drawing/2014/main" id="{2D514EDA-4785-39A4-255F-88A68E12AE7B}"/>
+              </a:ext>
+            </a:extLst>
+          </p:cNvPr>
+          <p:cNvSpPr>
+            <a:spLocks noGrp="1"/>
+          </p:cNvSpPr>
+          <p:nvPr>
+            <p:ph idx="1"/>
+          </p:nvPr>
+        </p:nvSpPr>
+        <p:spPr>
+          <a:xfrm>
+            <a:off x="4447308" y="591344"/>
+            <a:ext cx="6906491" cy="5585619"/>
+          </a:xfrm>
+        </p:spPr>
+        <p:txBody>
+          <a:bodyPr anchor="ctr">
+            <a:normAutofit/>
+          </a:bodyPr>
+          <a:lstStyle/>
+          <a:p>
+            <a:r>
+              <a:rPr lang="en-US" dirty="0"/>
+              <a:t>I have a speech delay, which causes me to speak at a slow pace, and makes it difficult for others to understand what I’m saying. Therefore, I have  pre-recorded what I would say on each side, except the Live Demo slide, and increased the speed,  so that it will be easier to understand.</a:t>
+            </a:r>
+          </a:p>
+          <a:p>
+            <a:r>
+              <a:rPr lang="en-US" dirty="0"/>
+              <a:t>For the Live Demo, please bare with me, as I will have difficulty speaking while demonstrating the program.</a:t>
+            </a:r>
+          </a:p>
+        </p:txBody>
+      </p:sp>
+    </p:spTree>
+    <p:extLst>
+      <p:ext uri="{BB962C8B-B14F-4D97-AF65-F5344CB8AC3E}">
+        <p14:creationId xmlns:p14="http://schemas.microsoft.com/office/powerpoint/2010/main" val="3213214908"/>
+      </p:ext>
+    </p:extLst>
+  </p:cSld>
+  <p:clrMapOvr>
+    <a:masterClrMapping/>
+  </p:clrMapOvr>
+</p:sld>
+</file>
+
+<file path=ppt/slides/slide2.xml><?xml version="1.0" encoding="utf-8"?>
+<p:sld xmlns:a="http://schemas.openxmlformats.org/drawingml/2006/main" xmlns:r="http://schemas.openxmlformats.org/officeDocument/2006/relationships" xmlns:p="http://schemas.openxmlformats.org/presentationml/2006/main">
+  <p:cSld>
+    <p:bg>
+      <p:bgPr>
+        <a:solidFill>
+          <a:schemeClr val="bg1"/>
+        </a:solidFill>
+        <a:effectLst/>
+      </p:bgPr>
+    </p:bg>
+    <p:spTree>
+      <p:nvGrpSpPr>
+        <p:cNvPr id="1" name=""/>
+        <p:cNvGrpSpPr/>
+        <p:nvPr/>
+      </p:nvGrpSpPr>
+      <p:grpSpPr>
+        <a:xfrm>
+          <a:off x="0" y="0"/>
+          <a:ext cx="0" cy="0"/>
+          <a:chOff x="0" y="0"/>
+          <a:chExt cx="0" cy="0"/>
+        </a:xfrm>
+      </p:grpSpPr>
       <p:sp>
         <p:nvSpPr>
           <p:cNvPr id="2" name="Title 1">
@@ -6778,11 +7672,7 @@
             </a:br>
             <a:r>
               <a:rPr lang="en-US" sz="1800" i="1" dirty="0"/>
-              <a:t>(Helps users stay motivated and productive by tracking tasks and progress with </a:t>
-            </a:r>
-            <a:r>
-              <a:rPr lang="en-US" sz="1800" i="1"/>
-              <a:t>encouragement.) </a:t>
+              <a:t>(Helps users stay motivated and productive by tracking tasks and progress with encouragement.) </a:t>
             </a:r>
             <a:endParaRPr lang="en-US" dirty="0"/>
           </a:p>
@@ -6826,7 +7716,7 @@
             <a:pPr algn="r"/>
             <a:r>
               <a:rPr lang="en-US" sz="1800" dirty="0">
-                <a:hlinkClick r:id="rId2"/>
+                <a:hlinkClick r:id="rId5"/>
               </a:rPr>
               <a:t>https://github.com/ksu-is/Get_It_Done/tree/main</a:t>
             </a:r>
@@ -6852,7 +7742,7 @@
           <p:nvPr/>
         </p:nvPicPr>
         <p:blipFill>
-          <a:blip r:embed="rId3"/>
+          <a:blip r:embed="rId6"/>
           <a:srcRect l="1187" t="-1459" r="1189" b="12537"/>
           <a:stretch/>
         </p:blipFill>
@@ -6881,7 +7771,7 @@
           <p:nvPr/>
         </p:nvPicPr>
         <p:blipFill>
-          <a:blip r:embed="rId4">
+          <a:blip r:embed="rId7">
             <a:extLst>
               <a:ext uri="{28A0092B-C50C-407E-A947-70E740481C1C}">
                 <a14:useLocalDpi xmlns:a14="http://schemas.microsoft.com/office/drawing/2010/main" val="0"/>
@@ -6926,7 +7816,7 @@
           <p:nvPr/>
         </p:nvPicPr>
         <p:blipFill>
-          <a:blip r:embed="rId5"/>
+          <a:blip r:embed="rId8"/>
           <a:srcRect l="-389" t="44650" r="393" b="-2176"/>
           <a:stretch/>
         </p:blipFill>
@@ -7036,7 +7926,7 @@
             <a:lstStyle/>
             <a:p>
               <a:pPr algn="ctr"/>
-              <a:endParaRPr lang="en-US"/>
+              <a:endParaRPr lang="en-US" dirty="0"/>
             </a:p>
           </p:txBody>
         </p:sp>
@@ -7110,11 +8000,51 @@
             <a:lstStyle/>
             <a:p>
               <a:pPr algn="ctr"/>
-              <a:endParaRPr lang="en-US"/>
+              <a:endParaRPr lang="en-US" dirty="0"/>
             </a:p>
           </p:txBody>
         </p:sp>
       </p:grpSp>
+      <p:pic>
+        <p:nvPicPr>
+          <p:cNvPr id="5" name="Audio Recording Apr 30, 2025 at 9:23:33 PM">
+            <a:hlinkClick r:id="" action="ppaction://media"/>
+            <a:extLst>
+              <a:ext uri="{FF2B5EF4-FFF2-40B4-BE49-F238E27FC236}">
+                <a16:creationId xmlns:a16="http://schemas.microsoft.com/office/drawing/2014/main" id="{5BB5A888-2558-8B5E-ADD0-93A417E0C1FD}"/>
+              </a:ext>
+            </a:extLst>
+          </p:cNvPr>
+          <p:cNvPicPr>
+            <a:picLocks noChangeAspect="1"/>
+          </p:cNvPicPr>
+          <p:nvPr>
+            <a:audioFile r:link="rId1"/>
+            <p:extLst>
+              <p:ext uri="{DAA4B4D4-6D71-4841-9C94-3DE7FCFB9230}">
+                <p14:media xmlns:p14="http://schemas.microsoft.com/office/powerpoint/2010/main" r:embed="rId2">
+                  <p14:trim st="18165.9799" end="6258.6857"/>
+                </p14:media>
+              </p:ext>
+            </p:extLst>
+          </p:nvPr>
+        </p:nvPicPr>
+        <p:blipFill>
+          <a:blip r:embed="rId9"/>
+          <a:stretch>
+            <a:fillRect/>
+          </a:stretch>
+        </p:blipFill>
+        <p:spPr>
+          <a:xfrm>
+            <a:off x="45544" y="6088990"/>
+            <a:ext cx="812800" cy="812800"/>
+          </a:xfrm>
+          <a:prstGeom prst="rect">
+            <a:avLst/>
+          </a:prstGeom>
+        </p:spPr>
+      </p:pic>
     </p:spTree>
     <p:extLst>
       <p:ext uri="{BB962C8B-B14F-4D97-AF65-F5344CB8AC3E}">
@@ -7125,10 +8055,97 @@
   <p:clrMapOvr>
     <a:masterClrMapping/>
   </p:clrMapOvr>
+  <p:timing>
+    <p:tnLst>
+      <p:par>
+        <p:cTn id="1" dur="indefinite" restart="never" nodeType="tmRoot">
+          <p:childTnLst>
+            <p:seq concurrent="1" nextAc="seek">
+              <p:cTn id="2" dur="indefinite" nodeType="mainSeq">
+                <p:childTnLst>
+                  <p:par>
+                    <p:cTn id="3" fill="hold">
+                      <p:stCondLst>
+                        <p:cond delay="indefinite"/>
+                        <p:cond evt="onBegin" delay="0">
+                          <p:tn val="2"/>
+                        </p:cond>
+                      </p:stCondLst>
+                      <p:childTnLst>
+                        <p:par>
+                          <p:cTn id="4" fill="hold">
+                            <p:stCondLst>
+                              <p:cond delay="0"/>
+                            </p:stCondLst>
+                            <p:childTnLst>
+                              <p:par>
+                                <p:cTn id="5" presetID="1" presetClass="mediacall" presetSubtype="0" fill="hold" nodeType="afterEffect">
+                                  <p:stCondLst>
+                                    <p:cond delay="0"/>
+                                  </p:stCondLst>
+                                  <p:childTnLst>
+                                    <p:cmd type="call" cmd="playFrom(0.0)">
+                                      <p:cBhvr>
+                                        <p:cTn id="6" dur="22099" fill="hold"/>
+                                        <p:tgtEl>
+                                          <p:spTgt spid="5"/>
+                                        </p:tgtEl>
+                                      </p:cBhvr>
+                                    </p:cmd>
+                                  </p:childTnLst>
+                                </p:cTn>
+                              </p:par>
+                            </p:childTnLst>
+                          </p:cTn>
+                        </p:par>
+                      </p:childTnLst>
+                    </p:cTn>
+                  </p:par>
+                </p:childTnLst>
+              </p:cTn>
+              <p:prevCondLst>
+                <p:cond evt="onPrev" delay="0">
+                  <p:tgtEl>
+                    <p:sldTgt/>
+                  </p:tgtEl>
+                </p:cond>
+              </p:prevCondLst>
+              <p:nextCondLst>
+                <p:cond evt="onNext" delay="0">
+                  <p:tgtEl>
+                    <p:sldTgt/>
+                  </p:tgtEl>
+                </p:cond>
+              </p:nextCondLst>
+            </p:seq>
+            <p:audio>
+              <p:cMediaNode vol="80000">
+                <p:cTn id="7" fill="hold" display="0">
+                  <p:stCondLst>
+                    <p:cond delay="indefinite"/>
+                  </p:stCondLst>
+                  <p:endCondLst>
+                    <p:cond evt="onStopAudio" delay="0">
+                      <p:tgtEl>
+                        <p:sldTgt/>
+                      </p:tgtEl>
+                    </p:cond>
+                  </p:endCondLst>
+                </p:cTn>
+                <p:tgtEl>
+                  <p:spTgt spid="5"/>
+                </p:tgtEl>
+              </p:cMediaNode>
+            </p:audio>
+          </p:childTnLst>
+        </p:cTn>
+      </p:par>
+    </p:tnLst>
+  </p:timing>
 </p:sld>
 </file>
 
-<file path=ppt/slides/slide2.xml><?xml version="1.0" encoding="utf-8"?>
+<file path=ppt/slides/slide3.xml><?xml version="1.0" encoding="utf-8"?>
 <p:sld xmlns:a="http://schemas.openxmlformats.org/drawingml/2006/main" xmlns:r="http://schemas.openxmlformats.org/officeDocument/2006/relationships" xmlns:p="http://schemas.openxmlformats.org/presentationml/2006/main">
   <p:cSld>
     <p:bg>
@@ -7303,7 +8320,7 @@
           </a:lstStyle>
           <a:p>
             <a:pPr algn="ctr"/>
-            <a:endParaRPr lang="en-US"/>
+            <a:endParaRPr lang="en-US" dirty="0"/>
           </a:p>
         </p:txBody>
       </p:sp>
@@ -7370,7 +8387,7 @@
           <a:lstStyle/>
           <a:p>
             <a:pPr algn="ctr"/>
-            <a:endParaRPr lang="en-US"/>
+            <a:endParaRPr lang="en-US" dirty="0"/>
           </a:p>
         </p:txBody>
       </p:sp>
@@ -7397,7 +8414,7 @@
           <a:lstStyle/>
           <a:p>
             <a:r>
-              <a:rPr lang="en-US" sz="4000"/>
+              <a:rPr lang="en-US" sz="4000" dirty="0"/>
               <a:t>Project Idea</a:t>
             </a:r>
           </a:p>
@@ -7425,14 +8442,14 @@
           </a:bodyPr>
           <a:lstStyle/>
           <a:p>
-            <a:endParaRPr lang="en-US" sz="1600"/>
+            <a:endParaRPr lang="en-US" sz="1800" dirty="0"/>
           </a:p>
           <a:p>
             <a:pPr>
               <a:defRPr sz="2000"/>
             </a:pPr>
             <a:r>
-              <a:rPr lang="en-US" sz="1600"/>
+              <a:rPr lang="en-US" sz="1800" dirty="0"/>
               <a:t>Goal: Help users stay productive and motivated.</a:t>
             </a:r>
           </a:p>
@@ -7441,8 +8458,38 @@
               <a:defRPr sz="2000"/>
             </a:pPr>
             <a:r>
-              <a:rPr lang="en-US" sz="1600"/>
+              <a:rPr lang="en-US" sz="1800" dirty="0"/>
               <a:t>Key Features:</a:t>
+            </a:r>
+          </a:p>
+          <a:p>
+            <a:pPr marL="457200" lvl="1" indent="0">
+              <a:buNone/>
+              <a:defRPr sz="2000"/>
+            </a:pPr>
+            <a:r>
+              <a:rPr lang="en-US" sz="1400" dirty="0"/>
+              <a:t> - Add and check off tasks</a:t>
+            </a:r>
+          </a:p>
+          <a:p>
+            <a:pPr marL="457200" lvl="1" indent="0">
+              <a:buNone/>
+              <a:defRPr sz="2000"/>
+            </a:pPr>
+            <a:r>
+              <a:rPr lang="en-US" sz="1400" dirty="0"/>
+              <a:t> - Progress bar to track task completion</a:t>
+            </a:r>
+          </a:p>
+          <a:p>
+            <a:pPr marL="457200" lvl="1" indent="0">
+              <a:buNone/>
+              <a:defRPr sz="2000"/>
+            </a:pPr>
+            <a:r>
+              <a:rPr lang="en-US" sz="1400" dirty="0"/>
+              <a:t> - Motivational popup messages</a:t>
             </a:r>
           </a:p>
           <a:p>
@@ -7450,61 +8497,37 @@
               <a:defRPr sz="2000"/>
             </a:pPr>
             <a:r>
-              <a:rPr lang="en-US" sz="1600"/>
-              <a:t> - Add and check off tasks</a:t>
+              <a:rPr lang="en-US" sz="1800" dirty="0"/>
+              <a:t>Inspiration Sources:</a:t>
             </a:r>
           </a:p>
           <a:p>
-            <a:pPr>
+            <a:pPr marL="457200" lvl="1" indent="0">
+              <a:buNone/>
               <a:defRPr sz="2000"/>
             </a:pPr>
             <a:r>
-              <a:rPr lang="en-US" sz="1600"/>
-              <a:t> - Progress bar to track task completion</a:t>
+              <a:rPr lang="en-US" sz="1400" dirty="0"/>
+              <a:t> - Habitica, Todoist</a:t>
             </a:r>
           </a:p>
           <a:p>
-            <a:pPr>
+            <a:pPr marL="457200" lvl="1" indent="0">
+              <a:buNone/>
               <a:defRPr sz="2000"/>
             </a:pPr>
             <a:r>
-              <a:rPr lang="en-US" sz="1600"/>
-              <a:t> - Motivational popup messages</a:t>
+              <a:rPr lang="en-US" sz="1400" dirty="0"/>
+              <a:t> - GitHub task manager projects</a:t>
             </a:r>
           </a:p>
           <a:p>
-            <a:pPr>
+            <a:pPr marL="457200" lvl="1" indent="0">
+              <a:buNone/>
               <a:defRPr sz="2000"/>
             </a:pPr>
             <a:r>
-              <a:rPr lang="en-US" sz="1600"/>
-              <a:t>Inspiration Sources:</a:t>
-            </a:r>
-          </a:p>
-          <a:p>
-            <a:pPr>
-              <a:defRPr sz="2000"/>
-            </a:pPr>
-            <a:r>
-              <a:rPr lang="en-US" sz="1600"/>
-              <a:t> - Habitica, Todoist</a:t>
-            </a:r>
-          </a:p>
-          <a:p>
-            <a:pPr>
-              <a:defRPr sz="2000"/>
-            </a:pPr>
-            <a:r>
-              <a:rPr lang="en-US" sz="1600"/>
-              <a:t> - GitHub task manager projects</a:t>
-            </a:r>
-          </a:p>
-          <a:p>
-            <a:pPr>
-              <a:defRPr sz="2000"/>
-            </a:pPr>
-            <a:r>
-              <a:rPr lang="en-US" sz="1600"/>
+              <a:rPr lang="en-US" sz="1400" dirty="0"/>
               <a:t> - Python GUI tutorials</a:t>
             </a:r>
           </a:p>
@@ -7525,7 +8548,7 @@
           <p:nvPr/>
         </p:nvPicPr>
         <p:blipFill>
-          <a:blip r:embed="rId2"/>
+          <a:blip r:embed="rId4"/>
           <a:srcRect l="18834" r="19097" b="1"/>
           <a:stretch/>
         </p:blipFill>
@@ -7539,15 +8562,142 @@
           </a:prstGeom>
         </p:spPr>
       </p:pic>
+      <p:pic>
+        <p:nvPicPr>
+          <p:cNvPr id="5" name="Audio Recording May 1, 2025 at 9:36:47 AM">
+            <a:hlinkClick r:id="" action="ppaction://media"/>
+            <a:extLst>
+              <a:ext uri="{FF2B5EF4-FFF2-40B4-BE49-F238E27FC236}">
+                <a16:creationId xmlns:a16="http://schemas.microsoft.com/office/drawing/2014/main" id="{3350C387-5717-FB86-930E-8B744BF6815F}"/>
+              </a:ext>
+            </a:extLst>
+          </p:cNvPr>
+          <p:cNvPicPr>
+            <a:picLocks noChangeAspect="1"/>
+          </p:cNvPicPr>
+          <p:nvPr>
+            <a:audioFile r:link="rId1"/>
+            <p:extLst>
+              <p:ext uri="{DAA4B4D4-6D71-4841-9C94-3DE7FCFB9230}">
+                <p14:media xmlns:p14="http://schemas.microsoft.com/office/powerpoint/2010/main" r:embed="rId2">
+                  <p14:trim st="24037.2398" end="17062.8419"/>
+                </p14:media>
+              </p:ext>
+            </p:extLst>
+          </p:nvPr>
+        </p:nvPicPr>
+        <p:blipFill>
+          <a:blip r:embed="rId5"/>
+          <a:stretch>
+            <a:fillRect/>
+          </a:stretch>
+        </p:blipFill>
+        <p:spPr>
+          <a:xfrm>
+            <a:off x="12066" y="6193574"/>
+            <a:ext cx="634321" cy="634321"/>
+          </a:xfrm>
+          <a:prstGeom prst="rect">
+            <a:avLst/>
+          </a:prstGeom>
+        </p:spPr>
+      </p:pic>
     </p:spTree>
   </p:cSld>
   <p:clrMapOvr>
     <a:masterClrMapping/>
   </p:clrMapOvr>
+  <p:timing>
+    <p:tnLst>
+      <p:par>
+        <p:cTn id="1" dur="indefinite" restart="never" nodeType="tmRoot">
+          <p:childTnLst>
+            <p:seq concurrent="1" nextAc="seek">
+              <p:cTn id="2" dur="indefinite" nodeType="mainSeq">
+                <p:childTnLst>
+                  <p:par>
+                    <p:cTn id="3" fill="hold">
+                      <p:stCondLst>
+                        <p:cond delay="indefinite"/>
+                        <p:cond evt="onBegin" delay="0">
+                          <p:tn val="2"/>
+                        </p:cond>
+                      </p:stCondLst>
+                      <p:childTnLst>
+                        <p:par>
+                          <p:cTn id="4" fill="hold">
+                            <p:stCondLst>
+                              <p:cond delay="0"/>
+                            </p:stCondLst>
+                            <p:childTnLst>
+                              <p:par>
+                                <p:cTn id="5" presetID="1" presetClass="mediacall" presetSubtype="0" fill="hold" nodeType="afterEffect">
+                                  <p:stCondLst>
+                                    <p:cond delay="0"/>
+                                  </p:stCondLst>
+                                  <p:childTnLst>
+                                    <p:cmd type="call" cmd="playFrom(0.0)">
+                                      <p:cBhvr>
+                                        <p:cTn id="6" dur="113967" fill="hold"/>
+                                        <p:tgtEl>
+                                          <p:spTgt spid="5"/>
+                                        </p:tgtEl>
+                                      </p:cBhvr>
+                                    </p:cmd>
+                                  </p:childTnLst>
+                                </p:cTn>
+                              </p:par>
+                            </p:childTnLst>
+                          </p:cTn>
+                        </p:par>
+                      </p:childTnLst>
+                    </p:cTn>
+                  </p:par>
+                </p:childTnLst>
+              </p:cTn>
+              <p:prevCondLst>
+                <p:cond evt="onPrev" delay="0">
+                  <p:tgtEl>
+                    <p:sldTgt/>
+                  </p:tgtEl>
+                </p:cond>
+              </p:prevCondLst>
+              <p:nextCondLst>
+                <p:cond evt="onNext" delay="0">
+                  <p:tgtEl>
+                    <p:sldTgt/>
+                  </p:tgtEl>
+                </p:cond>
+              </p:nextCondLst>
+            </p:seq>
+            <p:audio>
+              <p:cMediaNode vol="56061">
+                <p:cTn id="7" fill="hold" display="0">
+                  <p:stCondLst>
+                    <p:cond delay="indefinite"/>
+                  </p:stCondLst>
+                  <p:endCondLst>
+                    <p:cond evt="onStopAudio" delay="0">
+                      <p:tgtEl>
+                        <p:sldTgt/>
+                      </p:tgtEl>
+                    </p:cond>
+                  </p:endCondLst>
+                </p:cTn>
+                <p:tgtEl>
+                  <p:spTgt spid="5"/>
+                </p:tgtEl>
+              </p:cMediaNode>
+            </p:audio>
+          </p:childTnLst>
+        </p:cTn>
+      </p:par>
+    </p:tnLst>
+  </p:timing>
 </p:sld>
 </file>
 
-<file path=ppt/slides/slide3.xml><?xml version="1.0" encoding="utf-8"?>
+<file path=ppt/slides/slide4.xml><?xml version="1.0" encoding="utf-8"?>
 <p:sld xmlns:a="http://schemas.openxmlformats.org/drawingml/2006/main" xmlns:r="http://schemas.openxmlformats.org/officeDocument/2006/relationships" xmlns:p="http://schemas.openxmlformats.org/presentationml/2006/main">
   <p:cSld>
     <p:bg>
@@ -7722,7 +8872,7 @@
           </a:lstStyle>
           <a:p>
             <a:pPr algn="ctr"/>
-            <a:endParaRPr lang="en-US"/>
+            <a:endParaRPr lang="en-US" dirty="0"/>
           </a:p>
         </p:txBody>
       </p:sp>
@@ -7789,7 +8939,7 @@
           <a:lstStyle/>
           <a:p>
             <a:pPr algn="ctr"/>
-            <a:endParaRPr lang="en-US"/>
+            <a:endParaRPr lang="en-US" dirty="0"/>
           </a:p>
         </p:txBody>
       </p:sp>
@@ -7816,7 +8966,7 @@
           <a:lstStyle/>
           <a:p>
             <a:r>
-              <a:rPr lang="en-US" sz="4000"/>
+              <a:rPr lang="en-US" sz="4000" dirty="0"/>
               <a:t>Development Journey</a:t>
             </a:r>
           </a:p>
@@ -7844,14 +8994,14 @@
           </a:bodyPr>
           <a:lstStyle/>
           <a:p>
-            <a:endParaRPr lang="en-US" sz="2000"/>
+            <a:endParaRPr lang="en-US" sz="2000" dirty="0"/>
           </a:p>
           <a:p>
             <a:pPr>
               <a:defRPr sz="2000"/>
             </a:pPr>
             <a:r>
-              <a:rPr lang="en-US" sz="2000"/>
+              <a:rPr lang="en-US" sz="2000" dirty="0"/>
               <a:t>Started with a simple checklist idea.</a:t>
             </a:r>
           </a:p>
@@ -7860,7 +9010,7 @@
               <a:defRPr sz="2000"/>
             </a:pPr>
             <a:r>
-              <a:rPr lang="en-US" sz="2000"/>
+              <a:rPr lang="en-US" sz="2000" dirty="0"/>
               <a:t>Expanded to include progress bar and motivational popups.</a:t>
             </a:r>
           </a:p>
@@ -7869,7 +9019,7 @@
               <a:defRPr sz="2000"/>
             </a:pPr>
             <a:r>
-              <a:rPr lang="en-US" sz="2000"/>
+              <a:rPr lang="en-US" sz="2000" dirty="0"/>
               <a:t>Challenges: Merging multiple features into one app.</a:t>
             </a:r>
           </a:p>
@@ -7878,7 +9028,7 @@
               <a:defRPr sz="2000"/>
             </a:pPr>
             <a:r>
-              <a:rPr lang="en-US" sz="2000"/>
+              <a:rPr lang="en-US" sz="2000" dirty="0"/>
               <a:t>Solutions:</a:t>
             </a:r>
           </a:p>
@@ -7887,7 +9037,7 @@
               <a:defRPr sz="2000"/>
             </a:pPr>
             <a:r>
-              <a:rPr lang="en-US" sz="2000"/>
+              <a:rPr lang="en-US" sz="2000" dirty="0"/>
               <a:t> - Learned from GitHub examples and tutorials</a:t>
             </a:r>
           </a:p>
@@ -7896,7 +9046,7 @@
               <a:defRPr sz="2000"/>
             </a:pPr>
             <a:r>
-              <a:rPr lang="en-US" sz="2000"/>
+              <a:rPr lang="en-US" sz="2000" dirty="0"/>
               <a:t> - Tested each function separately</a:t>
             </a:r>
           </a:p>
@@ -7917,7 +9067,7 @@
           <p:nvPr/>
         </p:nvPicPr>
         <p:blipFill>
-          <a:blip r:embed="rId2"/>
+          <a:blip r:embed="rId4"/>
           <a:srcRect r="11012"/>
           <a:stretch/>
         </p:blipFill>
@@ -7931,15 +9081,142 @@
           </a:prstGeom>
         </p:spPr>
       </p:pic>
+      <p:pic>
+        <p:nvPicPr>
+          <p:cNvPr id="4" name="Audio Recording May 1, 2025 at 10:01:12 AM">
+            <a:hlinkClick r:id="" action="ppaction://media"/>
+            <a:extLst>
+              <a:ext uri="{FF2B5EF4-FFF2-40B4-BE49-F238E27FC236}">
+                <a16:creationId xmlns:a16="http://schemas.microsoft.com/office/drawing/2014/main" id="{2BC5A7D8-A1B4-CCE4-4087-9D24A34312F8}"/>
+              </a:ext>
+            </a:extLst>
+          </p:cNvPr>
+          <p:cNvPicPr>
+            <a:picLocks noChangeAspect="1"/>
+          </p:cNvPicPr>
+          <p:nvPr>
+            <a:audioFile r:link="rId1"/>
+            <p:extLst>
+              <p:ext uri="{DAA4B4D4-6D71-4841-9C94-3DE7FCFB9230}">
+                <p14:media xmlns:p14="http://schemas.microsoft.com/office/powerpoint/2010/main" r:embed="rId2">
+                  <p14:trim st="17016.1145" end="9153.2985"/>
+                </p14:media>
+              </p:ext>
+            </p:extLst>
+          </p:nvPr>
+        </p:nvPicPr>
+        <p:blipFill>
+          <a:blip r:embed="rId5"/>
+          <a:stretch>
+            <a:fillRect/>
+          </a:stretch>
+        </p:blipFill>
+        <p:spPr>
+          <a:xfrm>
+            <a:off x="-6828" y="6101404"/>
+            <a:ext cx="812800" cy="812800"/>
+          </a:xfrm>
+          <a:prstGeom prst="rect">
+            <a:avLst/>
+          </a:prstGeom>
+        </p:spPr>
+      </p:pic>
     </p:spTree>
   </p:cSld>
   <p:clrMapOvr>
     <a:masterClrMapping/>
   </p:clrMapOvr>
+  <p:timing>
+    <p:tnLst>
+      <p:par>
+        <p:cTn id="1" dur="indefinite" restart="never" nodeType="tmRoot">
+          <p:childTnLst>
+            <p:seq concurrent="1" nextAc="seek">
+              <p:cTn id="2" dur="indefinite" nodeType="mainSeq">
+                <p:childTnLst>
+                  <p:par>
+                    <p:cTn id="3" fill="hold">
+                      <p:stCondLst>
+                        <p:cond delay="indefinite"/>
+                        <p:cond evt="onBegin" delay="0">
+                          <p:tn val="2"/>
+                        </p:cond>
+                      </p:stCondLst>
+                      <p:childTnLst>
+                        <p:par>
+                          <p:cTn id="4" fill="hold">
+                            <p:stCondLst>
+                              <p:cond delay="0"/>
+                            </p:stCondLst>
+                            <p:childTnLst>
+                              <p:par>
+                                <p:cTn id="5" presetID="1" presetClass="mediacall" presetSubtype="0" fill="hold" nodeType="afterEffect">
+                                  <p:stCondLst>
+                                    <p:cond delay="0"/>
+                                  </p:stCondLst>
+                                  <p:childTnLst>
+                                    <p:cmd type="call" cmd="playFrom(0.0)">
+                                      <p:cBhvr>
+                                        <p:cTn id="6" dur="164546" fill="hold"/>
+                                        <p:tgtEl>
+                                          <p:spTgt spid="4"/>
+                                        </p:tgtEl>
+                                      </p:cBhvr>
+                                    </p:cmd>
+                                  </p:childTnLst>
+                                </p:cTn>
+                              </p:par>
+                            </p:childTnLst>
+                          </p:cTn>
+                        </p:par>
+                      </p:childTnLst>
+                    </p:cTn>
+                  </p:par>
+                </p:childTnLst>
+              </p:cTn>
+              <p:prevCondLst>
+                <p:cond evt="onPrev" delay="0">
+                  <p:tgtEl>
+                    <p:sldTgt/>
+                  </p:tgtEl>
+                </p:cond>
+              </p:prevCondLst>
+              <p:nextCondLst>
+                <p:cond evt="onNext" delay="0">
+                  <p:tgtEl>
+                    <p:sldTgt/>
+                  </p:tgtEl>
+                </p:cond>
+              </p:nextCondLst>
+            </p:seq>
+            <p:audio>
+              <p:cMediaNode vol="80000">
+                <p:cTn id="7" fill="hold" display="0">
+                  <p:stCondLst>
+                    <p:cond delay="indefinite"/>
+                  </p:stCondLst>
+                  <p:endCondLst>
+                    <p:cond evt="onStopAudio" delay="0">
+                      <p:tgtEl>
+                        <p:sldTgt/>
+                      </p:tgtEl>
+                    </p:cond>
+                  </p:endCondLst>
+                </p:cTn>
+                <p:tgtEl>
+                  <p:spTgt spid="4"/>
+                </p:tgtEl>
+              </p:cMediaNode>
+            </p:audio>
+          </p:childTnLst>
+        </p:cTn>
+      </p:par>
+    </p:tnLst>
+  </p:timing>
 </p:sld>
 </file>
 
-<file path=ppt/slides/slide4.xml><?xml version="1.0" encoding="utf-8"?>
+<file path=ppt/slides/slide5.xml><?xml version="1.0" encoding="utf-8"?>
 <p:sld xmlns:a="http://schemas.openxmlformats.org/drawingml/2006/main" xmlns:r="http://schemas.openxmlformats.org/officeDocument/2006/relationships" xmlns:p="http://schemas.openxmlformats.org/presentationml/2006/main">
   <p:cSld>
     <p:bg>
@@ -8020,7 +9297,7 @@
           <a:lstStyle/>
           <a:p>
             <a:pPr algn="ctr"/>
-            <a:endParaRPr lang="en-US"/>
+            <a:endParaRPr lang="en-US" dirty="0"/>
           </a:p>
         </p:txBody>
       </p:sp>
@@ -8179,7 +9456,7 @@
               <a:tabLst/>
               <a:defRPr/>
             </a:pPr>
-            <a:endParaRPr kumimoji="0" lang="en-US" sz="1800" b="0" i="0" u="none" strike="noStrike" kern="1200" cap="none" spc="0" normalizeH="0" baseline="0" noProof="0">
+            <a:endParaRPr kumimoji="0" lang="en-US" sz="1800" b="0" i="0" u="none" strike="noStrike" kern="1200" cap="none" spc="0" normalizeH="0" baseline="0" noProof="0" dirty="0">
               <a:ln>
                 <a:noFill/>
               </a:ln>
@@ -8342,7 +9619,7 @@
               <a:tabLst/>
               <a:defRPr/>
             </a:pPr>
-            <a:endParaRPr kumimoji="0" lang="en-US" sz="1800" b="0" i="0" u="none" strike="noStrike" kern="1200" cap="none" spc="0" normalizeH="0" baseline="0" noProof="0">
+            <a:endParaRPr kumimoji="0" lang="en-US" sz="1800" b="0" i="0" u="none" strike="noStrike" kern="1200" cap="none" spc="0" normalizeH="0" baseline="0" noProof="0" dirty="0">
               <a:ln>
                 <a:noFill/>
               </a:ln>
@@ -8382,7 +9659,7 @@
           <a:lstStyle/>
           <a:p>
             <a:r>
-              <a:rPr lang="en-US" sz="4000"/>
+              <a:rPr lang="en-US" sz="4000" dirty="0"/>
               <a:t>Live Demo</a:t>
             </a:r>
           </a:p>
@@ -8447,7 +9724,7 @@
           <a:lstStyle/>
           <a:p>
             <a:pPr algn="ctr"/>
-            <a:endParaRPr lang="en-US">
+            <a:endParaRPr lang="en-US" dirty="0">
               <a:solidFill>
                 <a:prstClr val="white"/>
               </a:solidFill>
@@ -8495,7 +9772,7 @@
 </p:sld>
 </file>
 
-<file path=ppt/slides/slide5.xml><?xml version="1.0" encoding="utf-8"?>
+<file path=ppt/slides/slide6.xml><?xml version="1.0" encoding="utf-8"?>
 <p:sld xmlns:a="http://schemas.openxmlformats.org/drawingml/2006/main" xmlns:r="http://schemas.openxmlformats.org/officeDocument/2006/relationships" xmlns:p="http://schemas.openxmlformats.org/presentationml/2006/main">
   <p:cSld>
     <p:bg>
@@ -8576,7 +9853,7 @@
           <a:lstStyle/>
           <a:p>
             <a:pPr algn="ctr"/>
-            <a:endParaRPr lang="en-US"/>
+            <a:endParaRPr lang="en-US" dirty="0"/>
           </a:p>
         </p:txBody>
       </p:sp>
@@ -8643,7 +9920,7 @@
           <a:lstStyle/>
           <a:p>
             <a:pPr algn="ctr"/>
-            <a:endParaRPr lang="en-US"/>
+            <a:endParaRPr lang="en-US" dirty="0"/>
           </a:p>
         </p:txBody>
       </p:sp>
@@ -8670,7 +9947,7 @@
           <a:lstStyle/>
           <a:p>
             <a:r>
-              <a:rPr lang="en-US" sz="4000"/>
+              <a:rPr lang="en-US" sz="4000" dirty="0"/>
               <a:t>Future Enhancements</a:t>
             </a:r>
           </a:p>
@@ -8691,7 +9968,7 @@
           <p:nvPr/>
         </p:nvPicPr>
         <p:blipFill>
-          <a:blip r:embed="rId2"/>
+          <a:blip r:embed="rId4"/>
           <a:srcRect l="35913" r="4753" b="-2"/>
           <a:stretch/>
         </p:blipFill>
@@ -8727,14 +10004,14 @@
           </a:bodyPr>
           <a:lstStyle/>
           <a:p>
-            <a:endParaRPr lang="en-US" sz="2000"/>
+            <a:endParaRPr lang="en-US" sz="2000" dirty="0"/>
           </a:p>
           <a:p>
             <a:pPr>
               <a:defRPr sz="2000"/>
             </a:pPr>
             <a:r>
-              <a:rPr lang="en-US" sz="2000"/>
+              <a:rPr lang="en-US" sz="2000" dirty="0"/>
               <a:t>Add Recurring Tasks feature</a:t>
             </a:r>
           </a:p>
@@ -8743,7 +10020,7 @@
               <a:defRPr sz="2000"/>
             </a:pPr>
             <a:r>
-              <a:rPr lang="en-US" sz="2000"/>
+              <a:rPr lang="en-US" sz="2000" dirty="0"/>
               <a:t>Add Calendar View</a:t>
             </a:r>
           </a:p>
@@ -8752,21 +10029,149 @@
               <a:defRPr sz="2000"/>
             </a:pPr>
             <a:r>
-              <a:rPr lang="en-US" sz="2000"/>
+              <a:rPr lang="en-US" sz="2000" dirty="0"/>
               <a:t>Build a Mobile Version using Kivy or React Native</a:t>
             </a:r>
           </a:p>
         </p:txBody>
       </p:sp>
+      <p:pic>
+        <p:nvPicPr>
+          <p:cNvPr id="6" name="Audio Recording May 1, 2025 at 12:09:04 PM">
+            <a:hlinkClick r:id="" action="ppaction://media"/>
+            <a:extLst>
+              <a:ext uri="{FF2B5EF4-FFF2-40B4-BE49-F238E27FC236}">
+                <a16:creationId xmlns:a16="http://schemas.microsoft.com/office/drawing/2014/main" id="{47A06F92-0C82-2335-CCA1-B7F7A854CCC6}"/>
+              </a:ext>
+            </a:extLst>
+          </p:cNvPr>
+          <p:cNvPicPr>
+            <a:picLocks noChangeAspect="1"/>
+          </p:cNvPicPr>
+          <p:nvPr>
+            <a:audioFile r:link="rId1"/>
+            <p:extLst>
+              <p:ext uri="{DAA4B4D4-6D71-4841-9C94-3DE7FCFB9230}">
+                <p14:media xmlns:p14="http://schemas.microsoft.com/office/powerpoint/2010/main" r:embed="rId2">
+                  <p14:trim st="13587.473" end="788.1218"/>
+                  <p14:fade in="257.1483"/>
+                </p14:media>
+              </p:ext>
+            </p:extLst>
+          </p:nvPr>
+        </p:nvPicPr>
+        <p:blipFill>
+          <a:blip r:embed="rId5"/>
+          <a:stretch>
+            <a:fillRect/>
+          </a:stretch>
+        </p:blipFill>
+        <p:spPr>
+          <a:xfrm>
+            <a:off x="11379200" y="6045200"/>
+            <a:ext cx="812800" cy="812800"/>
+          </a:xfrm>
+          <a:prstGeom prst="rect">
+            <a:avLst/>
+          </a:prstGeom>
+        </p:spPr>
+      </p:pic>
     </p:spTree>
   </p:cSld>
   <p:clrMapOvr>
     <a:masterClrMapping/>
   </p:clrMapOvr>
+  <p:timing>
+    <p:tnLst>
+      <p:par>
+        <p:cTn id="1" dur="indefinite" restart="never" nodeType="tmRoot">
+          <p:childTnLst>
+            <p:seq concurrent="1" nextAc="seek">
+              <p:cTn id="2" dur="indefinite" nodeType="mainSeq">
+                <p:childTnLst>
+                  <p:par>
+                    <p:cTn id="3" fill="hold">
+                      <p:stCondLst>
+                        <p:cond delay="indefinite"/>
+                        <p:cond evt="onBegin" delay="0">
+                          <p:tn val="2"/>
+                        </p:cond>
+                      </p:stCondLst>
+                      <p:childTnLst>
+                        <p:par>
+                          <p:cTn id="4" fill="hold">
+                            <p:stCondLst>
+                              <p:cond delay="0"/>
+                            </p:stCondLst>
+                            <p:childTnLst>
+                              <p:par>
+                                <p:cTn id="5" presetID="1" presetClass="mediacall" presetSubtype="0" fill="hold" nodeType="afterEffect">
+                                  <p:stCondLst>
+                                    <p:cond delay="0"/>
+                                  </p:stCondLst>
+                                  <p:childTnLst>
+                                    <p:cmd type="call" cmd="playFrom(0.0)">
+                                      <p:cBhvr>
+                                        <p:cTn id="6" dur="47828" fill="hold"/>
+                                        <p:tgtEl>
+                                          <p:spTgt spid="6"/>
+                                        </p:tgtEl>
+                                      </p:cBhvr>
+                                    </p:cmd>
+                                  </p:childTnLst>
+                                </p:cTn>
+                              </p:par>
+                            </p:childTnLst>
+                          </p:cTn>
+                        </p:par>
+                      </p:childTnLst>
+                    </p:cTn>
+                  </p:par>
+                </p:childTnLst>
+              </p:cTn>
+              <p:prevCondLst>
+                <p:cond evt="onPrev" delay="0">
+                  <p:tgtEl>
+                    <p:sldTgt/>
+                  </p:tgtEl>
+                </p:cond>
+              </p:prevCondLst>
+              <p:nextCondLst>
+                <p:cond evt="onNext" delay="0">
+                  <p:tgtEl>
+                    <p:sldTgt/>
+                  </p:tgtEl>
+                </p:cond>
+              </p:nextCondLst>
+            </p:seq>
+            <p:audio>
+              <p:cMediaNode vol="80000">
+                <p:cTn id="7" fill="hold" display="0">
+                  <p:stCondLst>
+                    <p:cond delay="indefinite"/>
+                  </p:stCondLst>
+                  <p:endCondLst>
+                    <p:cond evt="onStopAudio" delay="0">
+                      <p:tgtEl>
+                        <p:sldTgt/>
+                      </p:tgtEl>
+                    </p:cond>
+                  </p:endCondLst>
+                </p:cTn>
+                <p:tgtEl>
+                  <p:spTgt spid="6"/>
+                </p:tgtEl>
+              </p:cMediaNode>
+            </p:audio>
+          </p:childTnLst>
+        </p:cTn>
+      </p:par>
+    </p:tnLst>
+  </p:timing>
 </p:sld>
 </file>
 
-<file path=ppt/slides/slide6.xml><?xml version="1.0" encoding="utf-8"?>
+<file path=ppt/slides/slide7.xml><?xml version="1.0" encoding="utf-8"?>
 <p:sld xmlns:a="http://schemas.openxmlformats.org/drawingml/2006/main" xmlns:r="http://schemas.openxmlformats.org/officeDocument/2006/relationships" xmlns:p="http://schemas.openxmlformats.org/presentationml/2006/main">
   <p:cSld>
     <p:bg>
@@ -8847,7 +10252,7 @@
           <a:lstStyle/>
           <a:p>
             <a:pPr algn="ctr"/>
-            <a:endParaRPr lang="en-US"/>
+            <a:endParaRPr lang="en-US" dirty="0"/>
           </a:p>
         </p:txBody>
       </p:sp>
@@ -8880,7 +10285,7 @@
           <a:lstStyle/>
           <a:p>
             <a:r>
-              <a:rPr lang="en-US" sz="5400"/>
+              <a:rPr lang="en-US" sz="5400" dirty="0"/>
               <a:t>Thank you for your time!</a:t>
             </a:r>
           </a:p>
@@ -8901,7 +10306,7 @@
           <p:nvPr/>
         </p:nvPicPr>
         <p:blipFill>
-          <a:blip r:embed="rId2"/>
+          <a:blip r:embed="rId5"/>
           <a:srcRect l="24137" r="30702"/>
           <a:stretch/>
         </p:blipFill>
@@ -9366,10 +10771,50 @@
           <a:lstStyle/>
           <a:p>
             <a:pPr algn="ctr"/>
-            <a:endParaRPr lang="en-US"/>
+            <a:endParaRPr lang="en-US" dirty="0"/>
           </a:p>
         </p:txBody>
       </p:sp>
+      <p:pic>
+        <p:nvPicPr>
+          <p:cNvPr id="2" name="Audio Recording May 1, 2025 at 11:50:04 AM">
+            <a:hlinkClick r:id="" action="ppaction://media"/>
+            <a:extLst>
+              <a:ext uri="{FF2B5EF4-FFF2-40B4-BE49-F238E27FC236}">
+                <a16:creationId xmlns:a16="http://schemas.microsoft.com/office/drawing/2014/main" id="{D9F680F5-A670-C858-5225-BC711352DBFC}"/>
+              </a:ext>
+            </a:extLst>
+          </p:cNvPr>
+          <p:cNvPicPr>
+            <a:picLocks noChangeAspect="1"/>
+          </p:cNvPicPr>
+          <p:nvPr>
+            <a:audioFile r:link="rId1"/>
+            <p:extLst>
+              <p:ext uri="{DAA4B4D4-6D71-4841-9C94-3DE7FCFB9230}">
+                <p14:media xmlns:p14="http://schemas.microsoft.com/office/powerpoint/2010/main" r:embed="rId2">
+                  <p14:trim st="19051.8542" end="7427.7885"/>
+                </p14:media>
+              </p:ext>
+            </p:extLst>
+          </p:nvPr>
+        </p:nvPicPr>
+        <p:blipFill>
+          <a:blip r:embed="rId6"/>
+          <a:stretch>
+            <a:fillRect/>
+          </a:stretch>
+        </p:blipFill>
+        <p:spPr>
+          <a:xfrm>
+            <a:off x="11363434" y="6004209"/>
+            <a:ext cx="812800" cy="812800"/>
+          </a:xfrm>
+          <a:prstGeom prst="rect">
+            <a:avLst/>
+          </a:prstGeom>
+        </p:spPr>
+      </p:pic>
     </p:spTree>
     <p:extLst>
       <p:ext uri="{BB962C8B-B14F-4D97-AF65-F5344CB8AC3E}">
@@ -9380,6 +10825,93 @@
   <p:clrMapOvr>
     <a:masterClrMapping/>
   </p:clrMapOvr>
+  <p:timing>
+    <p:tnLst>
+      <p:par>
+        <p:cTn id="1" dur="indefinite" restart="never" nodeType="tmRoot">
+          <p:childTnLst>
+            <p:seq concurrent="1" nextAc="seek">
+              <p:cTn id="2" dur="indefinite" nodeType="mainSeq">
+                <p:childTnLst>
+                  <p:par>
+                    <p:cTn id="3" fill="hold">
+                      <p:stCondLst>
+                        <p:cond delay="indefinite"/>
+                        <p:cond evt="onBegin" delay="0">
+                          <p:tn val="2"/>
+                        </p:cond>
+                      </p:stCondLst>
+                      <p:childTnLst>
+                        <p:par>
+                          <p:cTn id="4" fill="hold">
+                            <p:stCondLst>
+                              <p:cond delay="0"/>
+                            </p:stCondLst>
+                            <p:childTnLst>
+                              <p:par>
+                                <p:cTn id="5" presetID="1" presetClass="mediacall" presetSubtype="0" fill="hold" nodeType="afterEffect">
+                                  <p:stCondLst>
+                                    <p:cond delay="0"/>
+                                  </p:stCondLst>
+                                  <p:childTnLst>
+                                    <p:cmd type="call" cmd="playFrom(0.0)">
+                                      <p:cBhvr>
+                                        <p:cTn id="6" dur="28108" fill="hold"/>
+                                        <p:tgtEl>
+                                          <p:spTgt spid="2"/>
+                                        </p:tgtEl>
+                                      </p:cBhvr>
+                                    </p:cmd>
+                                  </p:childTnLst>
+                                </p:cTn>
+                              </p:par>
+                            </p:childTnLst>
+                          </p:cTn>
+                        </p:par>
+                      </p:childTnLst>
+                    </p:cTn>
+                  </p:par>
+                </p:childTnLst>
+              </p:cTn>
+              <p:prevCondLst>
+                <p:cond evt="onPrev" delay="0">
+                  <p:tgtEl>
+                    <p:sldTgt/>
+                  </p:tgtEl>
+                </p:cond>
+              </p:prevCondLst>
+              <p:nextCondLst>
+                <p:cond evt="onNext" delay="0">
+                  <p:tgtEl>
+                    <p:sldTgt/>
+                  </p:tgtEl>
+                </p:cond>
+              </p:nextCondLst>
+            </p:seq>
+            <p:audio>
+              <p:cMediaNode vol="80000">
+                <p:cTn id="7" fill="hold" display="0">
+                  <p:stCondLst>
+                    <p:cond delay="indefinite"/>
+                  </p:stCondLst>
+                  <p:endCondLst>
+                    <p:cond evt="onStopAudio" delay="0">
+                      <p:tgtEl>
+                        <p:sldTgt/>
+                      </p:tgtEl>
+                    </p:cond>
+                  </p:endCondLst>
+                </p:cTn>
+                <p:tgtEl>
+                  <p:spTgt spid="2"/>
+                </p:tgtEl>
+              </p:cMediaNode>
+            </p:audio>
+          </p:childTnLst>
+        </p:cTn>
+      </p:par>
+    </p:tnLst>
+  </p:timing>
 </p:sld>
 </file>
 
@@ -9696,4 +11228,319 @@
     </a:ext>
   </a:extLst>
 </a:theme>
+</file>
+
+<file path=ppt/theme/theme2.xml><?xml version="1.0" encoding="utf-8"?>
+<a:theme xmlns:a="http://schemas.openxmlformats.org/drawingml/2006/main" name="Office Theme">
+  <a:themeElements>
+    <a:clrScheme name="Office">
+      <a:dk1>
+        <a:sysClr val="windowText" lastClr="000000"/>
+      </a:dk1>
+      <a:lt1>
+        <a:sysClr val="window" lastClr="FFFFFF"/>
+      </a:lt1>
+      <a:dk2>
+        <a:srgbClr val="0E2841"/>
+      </a:dk2>
+      <a:lt2>
+        <a:srgbClr val="E8E8E8"/>
+      </a:lt2>
+      <a:accent1>
+        <a:srgbClr val="156082"/>
+      </a:accent1>
+      <a:accent2>
+        <a:srgbClr val="E97132"/>
+      </a:accent2>
+      <a:accent3>
+        <a:srgbClr val="196B24"/>
+      </a:accent3>
+      <a:accent4>
+        <a:srgbClr val="0F9ED5"/>
+      </a:accent4>
+      <a:accent5>
+        <a:srgbClr val="A02B93"/>
+      </a:accent5>
+      <a:accent6>
+        <a:srgbClr val="4EA72E"/>
+      </a:accent6>
+      <a:hlink>
+        <a:srgbClr val="467886"/>
+      </a:hlink>
+      <a:folHlink>
+        <a:srgbClr val="96607D"/>
+      </a:folHlink>
+    </a:clrScheme>
+    <a:fontScheme name="Office">
+      <a:majorFont>
+        <a:latin typeface="Aptos Display" panose="02110004020202020204"/>
+        <a:ea typeface=""/>
+        <a:cs typeface=""/>
+        <a:font script="Jpan" typeface="游ゴシック Light"/>
+        <a:font script="Hang" typeface="맑은 고딕"/>
+        <a:font script="Hans" typeface="等线 Light"/>
+        <a:font script="Hant" typeface="新細明體"/>
+        <a:font script="Arab" typeface="Times New Roman"/>
+        <a:font script="Hebr" typeface="Times New Roman"/>
+        <a:font script="Thai" typeface="Angsana New"/>
+        <a:font script="Ethi" typeface="Nyala"/>
+        <a:font script="Beng" typeface="Vrinda"/>
+        <a:font script="Gujr" typeface="Shruti"/>
+        <a:font script="Khmr" typeface="MoolBoran"/>
+        <a:font script="Knda" typeface="Tunga"/>
+        <a:font script="Guru" typeface="Raavi"/>
+        <a:font script="Cans" typeface="Euphemia"/>
+        <a:font script="Cher" typeface="Plantagenet Cherokee"/>
+        <a:font script="Yiii" typeface="Microsoft Yi Baiti"/>
+        <a:font script="Tibt" typeface="Microsoft Himalaya"/>
+        <a:font script="Thaa" typeface="MV Boli"/>
+        <a:font script="Deva" typeface="Mangal"/>
+        <a:font script="Telu" typeface="Gautami"/>
+        <a:font script="Taml" typeface="Latha"/>
+        <a:font script="Syrc" typeface="Estrangelo Edessa"/>
+        <a:font script="Orya" typeface="Kalinga"/>
+        <a:font script="Mlym" typeface="Kartika"/>
+        <a:font script="Laoo" typeface="DokChampa"/>
+        <a:font script="Sinh" typeface="Iskoola Pota"/>
+        <a:font script="Mong" typeface="Mongolian Baiti"/>
+        <a:font script="Viet" typeface="Times New Roman"/>
+        <a:font script="Uigh" typeface="Microsoft Uighur"/>
+        <a:font script="Geor" typeface="Sylfaen"/>
+        <a:font script="Armn" typeface="Arial"/>
+        <a:font script="Bugi" typeface="Leelawadee UI"/>
+        <a:font script="Bopo" typeface="Microsoft JhengHei"/>
+        <a:font script="Java" typeface="Javanese Text"/>
+        <a:font script="Lisu" typeface="Segoe UI"/>
+        <a:font script="Mymr" typeface="Myanmar Text"/>
+        <a:font script="Nkoo" typeface="Ebrima"/>
+        <a:font script="Olck" typeface="Nirmala UI"/>
+        <a:font script="Osma" typeface="Ebrima"/>
+        <a:font script="Phag" typeface="Phagspa"/>
+        <a:font script="Syrn" typeface="Estrangelo Edessa"/>
+        <a:font script="Syrj" typeface="Estrangelo Edessa"/>
+        <a:font script="Syre" typeface="Estrangelo Edessa"/>
+        <a:font script="Sora" typeface="Nirmala UI"/>
+        <a:font script="Tale" typeface="Microsoft Tai Le"/>
+        <a:font script="Talu" typeface="Microsoft New Tai Lue"/>
+        <a:font script="Tfng" typeface="Ebrima"/>
+      </a:majorFont>
+      <a:minorFont>
+        <a:latin typeface="Aptos" panose="02110004020202020204"/>
+        <a:ea typeface=""/>
+        <a:cs typeface=""/>
+        <a:font script="Jpan" typeface="游ゴシック"/>
+        <a:font script="Hang" typeface="맑은 고딕"/>
+        <a:font script="Hans" typeface="等线"/>
+        <a:font script="Hant" typeface="新細明體"/>
+        <a:font script="Arab" typeface="Arial"/>
+        <a:font script="Hebr" typeface="Arial"/>
+        <a:font script="Thai" typeface="Cordia New"/>
+        <a:font script="Ethi" typeface="Nyala"/>
+        <a:font script="Beng" typeface="Vrinda"/>
+        <a:font script="Gujr" typeface="Shruti"/>
+        <a:font script="Khmr" typeface="DaunPenh"/>
+        <a:font script="Knda" typeface="Tunga"/>
+        <a:font script="Guru" typeface="Raavi"/>
+        <a:font script="Cans" typeface="Euphemia"/>
+        <a:font script="Cher" typeface="Plantagenet Cherokee"/>
+        <a:font script="Yiii" typeface="Microsoft Yi Baiti"/>
+        <a:font script="Tibt" typeface="Microsoft Himalaya"/>
+        <a:font script="Thaa" typeface="MV Boli"/>
+        <a:font script="Deva" typeface="Mangal"/>
+        <a:font script="Telu" typeface="Gautami"/>
+        <a:font script="Taml" typeface="Latha"/>
+        <a:font script="Syrc" typeface="Estrangelo Edessa"/>
+        <a:font script="Orya" typeface="Kalinga"/>
+        <a:font script="Mlym" typeface="Kartika"/>
+        <a:font script="Laoo" typeface="DokChampa"/>
+        <a:font script="Sinh" typeface="Iskoola Pota"/>
+        <a:font script="Mong" typeface="Mongolian Baiti"/>
+        <a:font script="Viet" typeface="Arial"/>
+        <a:font script="Uigh" typeface="Microsoft Uighur"/>
+        <a:font script="Geor" typeface="Sylfaen"/>
+        <a:font script="Armn" typeface="Arial"/>
+        <a:font script="Bugi" typeface="Leelawadee UI"/>
+        <a:font script="Bopo" typeface="Microsoft JhengHei"/>
+        <a:font script="Java" typeface="Javanese Text"/>
+        <a:font script="Lisu" typeface="Segoe UI"/>
+        <a:font script="Mymr" typeface="Myanmar Text"/>
+        <a:font script="Nkoo" typeface="Ebrima"/>
+        <a:font script="Olck" typeface="Nirmala UI"/>
+        <a:font script="Osma" typeface="Ebrima"/>
+        <a:font script="Phag" typeface="Phagspa"/>
+        <a:font script="Syrn" typeface="Estrangelo Edessa"/>
+        <a:font script="Syrj" typeface="Estrangelo Edessa"/>
+        <a:font script="Syre" typeface="Estrangelo Edessa"/>
+        <a:font script="Sora" typeface="Nirmala UI"/>
+        <a:font script="Tale" typeface="Microsoft Tai Le"/>
+        <a:font script="Talu" typeface="Microsoft New Tai Lue"/>
+        <a:font script="Tfng" typeface="Ebrima"/>
+      </a:minorFont>
+    </a:fontScheme>
+    <a:fmtScheme name="Office">
+      <a:fillStyleLst>
+        <a:solidFill>
+          <a:schemeClr val="phClr"/>
+        </a:solidFill>
+        <a:gradFill rotWithShape="1">
+          <a:gsLst>
+            <a:gs pos="0">
+              <a:schemeClr val="phClr">
+                <a:lumMod val="110000"/>
+                <a:satMod val="105000"/>
+                <a:tint val="67000"/>
+              </a:schemeClr>
+            </a:gs>
+            <a:gs pos="50000">
+              <a:schemeClr val="phClr">
+                <a:lumMod val="105000"/>
+                <a:satMod val="103000"/>
+                <a:tint val="73000"/>
+              </a:schemeClr>
+            </a:gs>
+            <a:gs pos="100000">
+              <a:schemeClr val="phClr">
+                <a:lumMod val="105000"/>
+                <a:satMod val="109000"/>
+                <a:tint val="81000"/>
+              </a:schemeClr>
+            </a:gs>
+          </a:gsLst>
+          <a:lin ang="5400000" scaled="0"/>
+        </a:gradFill>
+        <a:gradFill rotWithShape="1">
+          <a:gsLst>
+            <a:gs pos="0">
+              <a:schemeClr val="phClr">
+                <a:satMod val="103000"/>
+                <a:lumMod val="102000"/>
+                <a:tint val="94000"/>
+              </a:schemeClr>
+            </a:gs>
+            <a:gs pos="50000">
+              <a:schemeClr val="phClr">
+                <a:satMod val="110000"/>
+                <a:lumMod val="100000"/>
+                <a:shade val="100000"/>
+              </a:schemeClr>
+            </a:gs>
+            <a:gs pos="100000">
+              <a:schemeClr val="phClr">
+                <a:lumMod val="99000"/>
+                <a:satMod val="120000"/>
+                <a:shade val="78000"/>
+              </a:schemeClr>
+            </a:gs>
+          </a:gsLst>
+          <a:lin ang="5400000" scaled="0"/>
+        </a:gradFill>
+      </a:fillStyleLst>
+      <a:lnStyleLst>
+        <a:ln w="12700" cap="flat" cmpd="sng" algn="ctr">
+          <a:solidFill>
+            <a:schemeClr val="phClr"/>
+          </a:solidFill>
+          <a:prstDash val="solid"/>
+          <a:miter lim="800000"/>
+        </a:ln>
+        <a:ln w="19050" cap="flat" cmpd="sng" algn="ctr">
+          <a:solidFill>
+            <a:schemeClr val="phClr"/>
+          </a:solidFill>
+          <a:prstDash val="solid"/>
+          <a:miter lim="800000"/>
+        </a:ln>
+        <a:ln w="25400" cap="flat" cmpd="sng" algn="ctr">
+          <a:solidFill>
+            <a:schemeClr val="phClr"/>
+          </a:solidFill>
+          <a:prstDash val="solid"/>
+          <a:miter lim="800000"/>
+        </a:ln>
+      </a:lnStyleLst>
+      <a:effectStyleLst>
+        <a:effectStyle>
+          <a:effectLst/>
+        </a:effectStyle>
+        <a:effectStyle>
+          <a:effectLst/>
+        </a:effectStyle>
+        <a:effectStyle>
+          <a:effectLst>
+            <a:outerShdw blurRad="57150" dist="19050" dir="5400000" algn="ctr" rotWithShape="0">
+              <a:srgbClr val="000000">
+                <a:alpha val="63000"/>
+              </a:srgbClr>
+            </a:outerShdw>
+          </a:effectLst>
+        </a:effectStyle>
+      </a:effectStyleLst>
+      <a:bgFillStyleLst>
+        <a:solidFill>
+          <a:schemeClr val="phClr"/>
+        </a:solidFill>
+        <a:solidFill>
+          <a:schemeClr val="phClr">
+            <a:tint val="95000"/>
+            <a:satMod val="170000"/>
+          </a:schemeClr>
+        </a:solidFill>
+        <a:gradFill rotWithShape="1">
+          <a:gsLst>
+            <a:gs pos="0">
+              <a:schemeClr val="phClr">
+                <a:tint val="93000"/>
+                <a:satMod val="150000"/>
+                <a:shade val="98000"/>
+                <a:lumMod val="102000"/>
+              </a:schemeClr>
+            </a:gs>
+            <a:gs pos="50000">
+              <a:schemeClr val="phClr">
+                <a:tint val="98000"/>
+                <a:satMod val="130000"/>
+                <a:shade val="90000"/>
+                <a:lumMod val="103000"/>
+              </a:schemeClr>
+            </a:gs>
+            <a:gs pos="100000">
+              <a:schemeClr val="phClr">
+                <a:shade val="63000"/>
+                <a:satMod val="120000"/>
+              </a:schemeClr>
+            </a:gs>
+          </a:gsLst>
+          <a:lin ang="5400000" scaled="0"/>
+        </a:gradFill>
+      </a:bgFillStyleLst>
+    </a:fmtScheme>
+  </a:themeElements>
+  <a:objectDefaults>
+    <a:lnDef>
+      <a:spPr/>
+      <a:bodyPr/>
+      <a:lstStyle/>
+      <a:style>
+        <a:lnRef idx="2">
+          <a:schemeClr val="accent1"/>
+        </a:lnRef>
+        <a:fillRef idx="0">
+          <a:schemeClr val="accent1"/>
+        </a:fillRef>
+        <a:effectRef idx="1">
+          <a:schemeClr val="accent1"/>
+        </a:effectRef>
+        <a:fontRef idx="minor">
+          <a:schemeClr val="tx1"/>
+        </a:fontRef>
+      </a:style>
+    </a:lnDef>
+  </a:objectDefaults>
+  <a:extraClrSchemeLst/>
+  <a:extLst>
+    <a:ext uri="{05A4C25C-085E-4340-85A3-A5531E510DB2}">
+      <thm15:themeFamily xmlns:thm15="http://schemas.microsoft.com/office/thememl/2012/main" name="Office Theme" id="{2E142A2C-CD16-42D6-873A-C26D2A0506FA}" vid="{1BDDFF52-6CD6-40A5-AB3C-68EB2F1E4D0A}"/>
+    </a:ext>
+  </a:extLst>
+</a:theme>
 </file>
--- a/Get_It_Done.pptx
+++ b/Get_It_Done.pptx
@@ -3604,7 +3604,7 @@
           <a:p>
             <a:fld id="{BFC49662-0B9C-A049-AC2D-60B76AA86811}" type="datetimeFigureOut">
               <a:rPr lang="en-US" smtClean="0"/>
-              <a:t>5/1/25</a:t>
+              <a:t>5/3/25</a:t>
             </a:fld>
             <a:endParaRPr lang="en-US"/>
           </a:p>
@@ -4186,7 +4186,7 @@
           <a:p>
             <a:fld id="{FA743678-E868-4C42-AC69-1F70122D290B}" type="datetimeFigureOut">
               <a:rPr lang="en-US" smtClean="0"/>
-              <a:t>4/30/25</a:t>
+              <a:t>5/3/25</a:t>
             </a:fld>
             <a:endParaRPr lang="en-US" dirty="0"/>
           </a:p>
@@ -4384,7 +4384,7 @@
           <a:p>
             <a:fld id="{FA743678-E868-4C42-AC69-1F70122D290B}" type="datetimeFigureOut">
               <a:rPr lang="en-US" smtClean="0"/>
-              <a:t>4/30/25</a:t>
+              <a:t>5/3/25</a:t>
             </a:fld>
             <a:endParaRPr lang="en-US" dirty="0"/>
           </a:p>
@@ -4592,7 +4592,7 @@
           <a:p>
             <a:fld id="{FA743678-E868-4C42-AC69-1F70122D290B}" type="datetimeFigureOut">
               <a:rPr lang="en-US" smtClean="0"/>
-              <a:t>4/30/25</a:t>
+              <a:t>5/3/25</a:t>
             </a:fld>
             <a:endParaRPr lang="en-US" dirty="0"/>
           </a:p>
@@ -4790,7 +4790,7 @@
           <a:p>
             <a:fld id="{FA743678-E868-4C42-AC69-1F70122D290B}" type="datetimeFigureOut">
               <a:rPr lang="en-US" smtClean="0"/>
-              <a:t>4/30/25</a:t>
+              <a:t>5/3/25</a:t>
             </a:fld>
             <a:endParaRPr lang="en-US" dirty="0"/>
           </a:p>
@@ -5065,7 +5065,7 @@
           <a:p>
             <a:fld id="{FA743678-E868-4C42-AC69-1F70122D290B}" type="datetimeFigureOut">
               <a:rPr lang="en-US" smtClean="0"/>
-              <a:t>4/30/25</a:t>
+              <a:t>5/3/25</a:t>
             </a:fld>
             <a:endParaRPr lang="en-US" dirty="0"/>
           </a:p>
@@ -5330,7 +5330,7 @@
           <a:p>
             <a:fld id="{FA743678-E868-4C42-AC69-1F70122D290B}" type="datetimeFigureOut">
               <a:rPr lang="en-US" smtClean="0"/>
-              <a:t>4/30/25</a:t>
+              <a:t>5/3/25</a:t>
             </a:fld>
             <a:endParaRPr lang="en-US" dirty="0"/>
           </a:p>
@@ -5742,7 +5742,7 @@
           <a:p>
             <a:fld id="{FA743678-E868-4C42-AC69-1F70122D290B}" type="datetimeFigureOut">
               <a:rPr lang="en-US" smtClean="0"/>
-              <a:t>4/30/25</a:t>
+              <a:t>5/3/25</a:t>
             </a:fld>
             <a:endParaRPr lang="en-US" dirty="0"/>
           </a:p>
@@ -5883,7 +5883,7 @@
           <a:p>
             <a:fld id="{FA743678-E868-4C42-AC69-1F70122D290B}" type="datetimeFigureOut">
               <a:rPr lang="en-US" smtClean="0"/>
-              <a:t>4/30/25</a:t>
+              <a:t>5/3/25</a:t>
             </a:fld>
             <a:endParaRPr lang="en-US" dirty="0"/>
           </a:p>
@@ -5996,7 +5996,7 @@
           <a:p>
             <a:fld id="{FA743678-E868-4C42-AC69-1F70122D290B}" type="datetimeFigureOut">
               <a:rPr lang="en-US" smtClean="0"/>
-              <a:t>4/30/25</a:t>
+              <a:t>5/3/25</a:t>
             </a:fld>
             <a:endParaRPr lang="en-US" dirty="0"/>
           </a:p>
@@ -6307,7 +6307,7 @@
           <a:p>
             <a:fld id="{FA743678-E868-4C42-AC69-1F70122D290B}" type="datetimeFigureOut">
               <a:rPr lang="en-US" smtClean="0"/>
-              <a:t>4/30/25</a:t>
+              <a:t>5/3/25</a:t>
             </a:fld>
             <a:endParaRPr lang="en-US" dirty="0"/>
           </a:p>
@@ -6595,7 +6595,7 @@
           <a:p>
             <a:fld id="{FA743678-E868-4C42-AC69-1F70122D290B}" type="datetimeFigureOut">
               <a:rPr lang="en-US" smtClean="0"/>
-              <a:t>4/30/25</a:t>
+              <a:t>5/3/25</a:t>
             </a:fld>
             <a:endParaRPr lang="en-US" dirty="0"/>
           </a:p>
@@ -6836,7 +6836,7 @@
           <a:p>
             <a:fld id="{FA743678-E868-4C42-AC69-1F70122D290B}" type="datetimeFigureOut">
               <a:rPr lang="en-US" smtClean="0"/>
-              <a:t>4/30/25</a:t>
+              <a:t>5/3/25</a:t>
             </a:fld>
             <a:endParaRPr lang="en-US" dirty="0"/>
           </a:p>
@@ -8007,11 +8007,11 @@
       </p:grpSp>
       <p:pic>
         <p:nvPicPr>
-          <p:cNvPr id="5" name="Audio Recording Apr 30, 2025 at 9:23:33 PM">
+          <p:cNvPr id="7" name="Audio Recording May 3, 2025 at 10:24:55 AM">
             <a:hlinkClick r:id="" action="ppaction://media"/>
             <a:extLst>
               <a:ext uri="{FF2B5EF4-FFF2-40B4-BE49-F238E27FC236}">
-                <a16:creationId xmlns:a16="http://schemas.microsoft.com/office/drawing/2014/main" id="{5BB5A888-2558-8B5E-ADD0-93A417E0C1FD}"/>
+                <a16:creationId xmlns:a16="http://schemas.microsoft.com/office/drawing/2014/main" id="{B4475E2C-D831-C24D-A99D-14580962EBEC}"/>
               </a:ext>
             </a:extLst>
           </p:cNvPr>
@@ -8023,7 +8023,7 @@
             <p:extLst>
               <p:ext uri="{DAA4B4D4-6D71-4841-9C94-3DE7FCFB9230}">
                 <p14:media xmlns:p14="http://schemas.microsoft.com/office/powerpoint/2010/main" r:embed="rId2">
-                  <p14:trim st="18165.9799" end="6258.6857"/>
+                  <p14:trim st="18392.1029" end="1682.536"/>
                 </p14:media>
               </p:ext>
             </p:extLst>
@@ -8037,8 +8037,8 @@
         </p:blipFill>
         <p:spPr>
           <a:xfrm>
-            <a:off x="45544" y="6088990"/>
-            <a:ext cx="812800" cy="812800"/>
+            <a:off x="0" y="6237514"/>
+            <a:ext cx="620486" cy="620486"/>
           </a:xfrm>
           <a:prstGeom prst="rect">
             <a:avLst/>
@@ -8086,9 +8086,9 @@
                                   <p:childTnLst>
                                     <p:cmd type="call" cmd="playFrom(0.0)">
                                       <p:cBhvr>
-                                        <p:cTn id="6" dur="22099" fill="hold"/>
+                                        <p:cTn id="6" dur="52881" fill="hold"/>
                                         <p:tgtEl>
-                                          <p:spTgt spid="5"/>
+                                          <p:spTgt spid="7"/>
                                         </p:tgtEl>
                                       </p:cBhvr>
                                     </p:cmd>
@@ -8133,7 +8133,7 @@
                   </p:endCondLst>
                 </p:cTn>
                 <p:tgtEl>
-                  <p:spTgt spid="5"/>
+                  <p:spTgt spid="7"/>
                 </p:tgtEl>
               </p:cMediaNode>
             </p:audio>
